--- a/grundpraktikum2/E-Lehre/E-Lehre.pptx
+++ b/grundpraktikum2/E-Lehre/E-Lehre.pptx
@@ -5,7 +5,7 @@
     <p:sldMasterId id="2147483648" r:id="rId1"/>
   </p:sldMasterIdLst>
   <p:notesMasterIdLst>
-    <p:notesMasterId r:id="rId13"/>
+    <p:notesMasterId r:id="rId16"/>
   </p:notesMasterIdLst>
   <p:sldIdLst>
     <p:sldId id="256" r:id="rId2"/>
@@ -19,6 +19,9 @@
     <p:sldId id="264" r:id="rId10"/>
     <p:sldId id="265" r:id="rId11"/>
     <p:sldId id="267" r:id="rId12"/>
+    <p:sldId id="268" r:id="rId13"/>
+    <p:sldId id="269" r:id="rId14"/>
+    <p:sldId id="270" r:id="rId15"/>
   </p:sldIdLst>
   <p:sldSz cx="12192000" cy="6858000"/>
   <p:notesSz cx="6858000" cy="9144000"/>
@@ -125,6 +128,10 @@
 </p:presentation>
 </file>
 
+<file path=ppt/revisionInfo.xml><?xml version="1.0" encoding="utf-8"?>
+<p1510:revInfo xmlns:a="http://schemas.openxmlformats.org/drawingml/2006/main" xmlns:r="http://schemas.openxmlformats.org/officeDocument/2006/relationships" xmlns:p1510="http://schemas.microsoft.com/office/powerpoint/2015/10/main"/>
+</file>
+
 <file path=ppt/notesMasters/notesMaster1.xml><?xml version="1.0" encoding="utf-8"?>
 <p:notesMaster xmlns:a="http://schemas.openxmlformats.org/drawingml/2006/main" xmlns:r="http://schemas.openxmlformats.org/officeDocument/2006/relationships" xmlns:p="http://schemas.openxmlformats.org/presentationml/2006/main">
   <p:cSld>
@@ -207,7 +214,7 @@
           <a:p>
             <a:fld id="{FBB1428B-50CF-4524-87E6-ADC769EA5EB8}" type="datetimeFigureOut">
               <a:rPr lang="de-DE" smtClean="0"/>
-              <a:t>17.09.2017</a:t>
+              <a:t>18.09.2017</a:t>
             </a:fld>
             <a:endParaRPr lang="de-DE"/>
           </a:p>
@@ -621,7 +628,7 @@
           <a:p>
             <a:fld id="{C7614AAD-E6A5-40A6-8D48-281802A962DD}" type="datetime1">
               <a:rPr lang="de-DE" smtClean="0"/>
-              <a:t>17.09.2017</a:t>
+              <a:t>18.09.2017</a:t>
             </a:fld>
             <a:endParaRPr lang="de-DE"/>
           </a:p>
@@ -819,7 +826,7 @@
           <a:p>
             <a:fld id="{151A89D3-BD56-473E-B53D-BBA4F4DE41B9}" type="datetime1">
               <a:rPr lang="de-DE" smtClean="0"/>
-              <a:t>17.09.2017</a:t>
+              <a:t>18.09.2017</a:t>
             </a:fld>
             <a:endParaRPr lang="de-DE"/>
           </a:p>
@@ -1027,7 +1034,7 @@
           <a:p>
             <a:fld id="{D465E7CF-B6C6-46F2-872A-1ECC6948CD97}" type="datetime1">
               <a:rPr lang="de-DE" smtClean="0"/>
-              <a:t>17.09.2017</a:t>
+              <a:t>18.09.2017</a:t>
             </a:fld>
             <a:endParaRPr lang="de-DE"/>
           </a:p>
@@ -1225,7 +1232,7 @@
           <a:p>
             <a:fld id="{110678BF-9E91-41E5-988A-EA6403801EFB}" type="datetime1">
               <a:rPr lang="de-DE" smtClean="0"/>
-              <a:t>17.09.2017</a:t>
+              <a:t>18.09.2017</a:t>
             </a:fld>
             <a:endParaRPr lang="de-DE"/>
           </a:p>
@@ -1500,7 +1507,7 @@
           <a:p>
             <a:fld id="{38F01F9E-A3C4-4E67-B90A-0DAB68B8E8DB}" type="datetime1">
               <a:rPr lang="de-DE" smtClean="0"/>
-              <a:t>17.09.2017</a:t>
+              <a:t>18.09.2017</a:t>
             </a:fld>
             <a:endParaRPr lang="de-DE"/>
           </a:p>
@@ -1765,7 +1772,7 @@
           <a:p>
             <a:fld id="{6132A174-EB99-46D5-80EB-39C6B924FBC7}" type="datetime1">
               <a:rPr lang="de-DE" smtClean="0"/>
-              <a:t>17.09.2017</a:t>
+              <a:t>18.09.2017</a:t>
             </a:fld>
             <a:endParaRPr lang="de-DE"/>
           </a:p>
@@ -2177,7 +2184,7 @@
           <a:p>
             <a:fld id="{1E5ED934-C283-4544-BCA6-058DFCAF6543}" type="datetime1">
               <a:rPr lang="de-DE" smtClean="0"/>
-              <a:t>17.09.2017</a:t>
+              <a:t>18.09.2017</a:t>
             </a:fld>
             <a:endParaRPr lang="de-DE"/>
           </a:p>
@@ -2318,7 +2325,7 @@
           <a:p>
             <a:fld id="{E154E9F1-A874-4DEE-AD9A-79257DAC690F}" type="datetime1">
               <a:rPr lang="de-DE" smtClean="0"/>
-              <a:t>17.09.2017</a:t>
+              <a:t>18.09.2017</a:t>
             </a:fld>
             <a:endParaRPr lang="de-DE"/>
           </a:p>
@@ -2431,7 +2438,7 @@
           <a:p>
             <a:fld id="{DC87A9B5-3B68-47A3-B12F-1990355644A3}" type="datetime1">
               <a:rPr lang="de-DE" smtClean="0"/>
-              <a:t>17.09.2017</a:t>
+              <a:t>18.09.2017</a:t>
             </a:fld>
             <a:endParaRPr lang="de-DE"/>
           </a:p>
@@ -2742,7 +2749,7 @@
           <a:p>
             <a:fld id="{7E45B7FC-29E1-4FF8-A0C2-46668312564A}" type="datetime1">
               <a:rPr lang="de-DE" smtClean="0"/>
-              <a:t>17.09.2017</a:t>
+              <a:t>18.09.2017</a:t>
             </a:fld>
             <a:endParaRPr lang="de-DE"/>
           </a:p>
@@ -3030,7 +3037,7 @@
           <a:p>
             <a:fld id="{11A9E73C-40A7-4703-B716-7B576A964D7A}" type="datetime1">
               <a:rPr lang="de-DE" smtClean="0"/>
-              <a:t>17.09.2017</a:t>
+              <a:t>18.09.2017</a:t>
             </a:fld>
             <a:endParaRPr lang="de-DE"/>
           </a:p>
@@ -3271,7 +3278,7 @@
           <a:p>
             <a:fld id="{5CF8F44E-BC2F-4F55-B300-4E56F21D885C}" type="datetime1">
               <a:rPr lang="de-DE" smtClean="0"/>
-              <a:t>17.09.2017</a:t>
+              <a:t>18.09.2017</a:t>
             </a:fld>
             <a:endParaRPr lang="de-DE"/>
           </a:p>
@@ -3996,8 +4003,8 @@
           </a:p>
         </p:txBody>
       </p:sp>
-      <mc:AlternateContent xmlns:mc="http://schemas.openxmlformats.org/markup-compatibility/2006">
-        <mc:Choice xmlns:a14="http://schemas.microsoft.com/office/drawing/2010/main" Requires="a14">
+      <mc:AlternateContent xmlns:mc="http://schemas.openxmlformats.org/markup-compatibility/2006" xmlns:a14="http://schemas.microsoft.com/office/drawing/2010/main">
+        <mc:Choice Requires="a14">
           <p:sp>
             <p:nvSpPr>
               <p:cNvPr id="3" name="Inhaltsplatzhalter 2">
@@ -4158,7 +4165,7 @@
             </p:txBody>
           </p:sp>
         </mc:Choice>
-        <mc:Fallback>
+        <mc:Fallback xmlns="">
           <p:sp>
             <p:nvSpPr>
               <p:cNvPr id="3" name="Inhaltsplatzhalter 2">
@@ -4271,6 +4278,735 @@
     <p:extLst>
       <p:ext uri="{BB962C8B-B14F-4D97-AF65-F5344CB8AC3E}">
         <p14:creationId xmlns:p14="http://schemas.microsoft.com/office/powerpoint/2010/main" val="3596956398"/>
+      </p:ext>
+    </p:extLst>
+  </p:cSld>
+  <p:clrMapOvr>
+    <a:masterClrMapping/>
+  </p:clrMapOvr>
+</p:sld>
+</file>
+
+<file path=ppt/slides/slide12.xml><?xml version="1.0" encoding="utf-8"?>
+<p:sld xmlns:a="http://schemas.openxmlformats.org/drawingml/2006/main" xmlns:r="http://schemas.openxmlformats.org/officeDocument/2006/relationships" xmlns:p="http://schemas.openxmlformats.org/presentationml/2006/main">
+  <p:cSld>
+    <p:spTree>
+      <p:nvGrpSpPr>
+        <p:cNvPr id="1" name=""/>
+        <p:cNvGrpSpPr/>
+        <p:nvPr/>
+      </p:nvGrpSpPr>
+      <p:grpSpPr>
+        <a:xfrm>
+          <a:off x="0" y="0"/>
+          <a:ext cx="0" cy="0"/>
+          <a:chOff x="0" y="0"/>
+          <a:chExt cx="0" cy="0"/>
+        </a:xfrm>
+      </p:grpSpPr>
+      <p:sp>
+        <p:nvSpPr>
+          <p:cNvPr id="2" name="Titel 1">
+            <a:extLst>
+              <a:ext uri="{FF2B5EF4-FFF2-40B4-BE49-F238E27FC236}">
+                <a16:creationId xmlns:a16="http://schemas.microsoft.com/office/drawing/2014/main" id="{16ADDCF0-EC82-4303-877B-CED7CA94690B}"/>
+              </a:ext>
+            </a:extLst>
+          </p:cNvPr>
+          <p:cNvSpPr>
+            <a:spLocks noGrp="1"/>
+          </p:cNvSpPr>
+          <p:nvPr>
+            <p:ph type="title"/>
+          </p:nvPr>
+        </p:nvSpPr>
+        <p:spPr/>
+        <p:txBody>
+          <a:bodyPr/>
+          <a:lstStyle/>
+          <a:p>
+            <a:r>
+              <a:rPr lang="de-DE" dirty="0"/>
+              <a:t>Aufbau Hoch- und Tiefpass </a:t>
+            </a:r>
+          </a:p>
+        </p:txBody>
+      </p:sp>
+      <p:pic>
+        <p:nvPicPr>
+          <p:cNvPr id="8" name="Inhaltsplatzhalter 7">
+            <a:extLst>
+              <a:ext uri="{FF2B5EF4-FFF2-40B4-BE49-F238E27FC236}">
+                <a16:creationId xmlns:a16="http://schemas.microsoft.com/office/drawing/2014/main" id="{3FAD5FD7-4AA9-4606-BC6A-00990C49CDE3}"/>
+              </a:ext>
+            </a:extLst>
+          </p:cNvPr>
+          <p:cNvPicPr>
+            <a:picLocks noGrp="1" noChangeAspect="1"/>
+          </p:cNvPicPr>
+          <p:nvPr>
+            <p:ph sz="half" idx="2"/>
+          </p:nvPr>
+        </p:nvPicPr>
+        <p:blipFill>
+          <a:blip r:embed="rId2">
+            <a:extLst>
+              <a:ext uri="{28A0092B-C50C-407E-A947-70E740481C1C}">
+                <a14:useLocalDpi xmlns:a14="http://schemas.microsoft.com/office/drawing/2010/main" val="0"/>
+              </a:ext>
+            </a:extLst>
+          </a:blip>
+          <a:stretch>
+            <a:fillRect/>
+          </a:stretch>
+        </p:blipFill>
+        <p:spPr>
+          <a:xfrm>
+            <a:off x="2938971" y="1735992"/>
+            <a:ext cx="7043229" cy="4620358"/>
+          </a:xfrm>
+        </p:spPr>
+      </p:pic>
+      <p:sp>
+        <p:nvSpPr>
+          <p:cNvPr id="4" name="Foliennummernplatzhalter 3">
+            <a:extLst>
+              <a:ext uri="{FF2B5EF4-FFF2-40B4-BE49-F238E27FC236}">
+                <a16:creationId xmlns:a16="http://schemas.microsoft.com/office/drawing/2014/main" id="{717181F5-F392-47EE-A018-1C36EF3299EB}"/>
+              </a:ext>
+            </a:extLst>
+          </p:cNvPr>
+          <p:cNvSpPr>
+            <a:spLocks noGrp="1"/>
+          </p:cNvSpPr>
+          <p:nvPr>
+            <p:ph type="sldNum" sz="quarter" idx="12"/>
+          </p:nvPr>
+        </p:nvSpPr>
+        <p:spPr/>
+        <p:txBody>
+          <a:bodyPr/>
+          <a:lstStyle/>
+          <a:p>
+            <a:fld id="{E276D0E3-8A91-4195-9D97-D4903B6F688B}" type="slidenum">
+              <a:rPr lang="de-DE" smtClean="0"/>
+              <a:t>12</a:t>
+            </a:fld>
+            <a:endParaRPr lang="de-DE"/>
+          </a:p>
+        </p:txBody>
+      </p:sp>
+    </p:spTree>
+    <p:extLst>
+      <p:ext uri="{BB962C8B-B14F-4D97-AF65-F5344CB8AC3E}">
+        <p14:creationId xmlns:p14="http://schemas.microsoft.com/office/powerpoint/2010/main" val="1271634973"/>
+      </p:ext>
+    </p:extLst>
+  </p:cSld>
+  <p:clrMapOvr>
+    <a:masterClrMapping/>
+  </p:clrMapOvr>
+</p:sld>
+</file>
+
+<file path=ppt/slides/slide13.xml><?xml version="1.0" encoding="utf-8"?>
+<p:sld xmlns:a="http://schemas.openxmlformats.org/drawingml/2006/main" xmlns:r="http://schemas.openxmlformats.org/officeDocument/2006/relationships" xmlns:p="http://schemas.openxmlformats.org/presentationml/2006/main">
+  <p:cSld>
+    <p:spTree>
+      <p:nvGrpSpPr>
+        <p:cNvPr id="1" name=""/>
+        <p:cNvGrpSpPr/>
+        <p:nvPr/>
+      </p:nvGrpSpPr>
+      <p:grpSpPr>
+        <a:xfrm>
+          <a:off x="0" y="0"/>
+          <a:ext cx="0" cy="0"/>
+          <a:chOff x="0" y="0"/>
+          <a:chExt cx="0" cy="0"/>
+        </a:xfrm>
+      </p:grpSpPr>
+      <p:sp>
+        <p:nvSpPr>
+          <p:cNvPr id="2" name="Titel 1">
+            <a:extLst>
+              <a:ext uri="{FF2B5EF4-FFF2-40B4-BE49-F238E27FC236}">
+                <a16:creationId xmlns:a16="http://schemas.microsoft.com/office/drawing/2014/main" id="{F1EF0421-23BF-434D-A56A-DC2A480B97BF}"/>
+              </a:ext>
+            </a:extLst>
+          </p:cNvPr>
+          <p:cNvSpPr>
+            <a:spLocks noGrp="1"/>
+          </p:cNvSpPr>
+          <p:nvPr>
+            <p:ph type="title"/>
+          </p:nvPr>
+        </p:nvSpPr>
+        <p:spPr/>
+        <p:txBody>
+          <a:bodyPr/>
+          <a:lstStyle/>
+          <a:p>
+            <a:r>
+              <a:rPr lang="de-DE" dirty="0"/>
+              <a:t>Hoch- und Tiefpass</a:t>
+            </a:r>
+          </a:p>
+        </p:txBody>
+      </p:sp>
+      <mc:AlternateContent xmlns:mc="http://schemas.openxmlformats.org/markup-compatibility/2006">
+        <mc:Choice xmlns:a14="http://schemas.microsoft.com/office/drawing/2010/main" Requires="a14">
+          <p:sp>
+            <p:nvSpPr>
+              <p:cNvPr id="5" name="Inhaltsplatzhalter 4">
+                <a:extLst>
+                  <a:ext uri="{FF2B5EF4-FFF2-40B4-BE49-F238E27FC236}">
+                    <a16:creationId xmlns:a16="http://schemas.microsoft.com/office/drawing/2014/main" id="{5D0709EC-7F7D-4503-AEDC-B72714AC7900}"/>
+                  </a:ext>
+                </a:extLst>
+              </p:cNvPr>
+              <p:cNvSpPr>
+                <a:spLocks noGrp="1"/>
+              </p:cNvSpPr>
+              <p:nvPr>
+                <p:ph sz="half" idx="1"/>
+              </p:nvPr>
+            </p:nvSpPr>
+            <p:spPr/>
+            <p:txBody>
+              <a:bodyPr/>
+              <a:lstStyle/>
+              <a:p>
+                <a:r>
+                  <a:rPr lang="de-DE" dirty="0"/>
+                  <a:t>Schnittpunkt mit  </a:t>
+                </a:r>
+                <a14:m>
+                  <m:oMath xmlns:m="http://schemas.openxmlformats.org/officeDocument/2006/math">
+                    <m:f>
+                      <m:fPr>
+                        <m:ctrlPr>
+                          <a:rPr lang="de-DE" i="1" smtClean="0">
+                            <a:latin typeface="Cambria Math" panose="02040503050406030204" pitchFamily="18" charset="0"/>
+                          </a:rPr>
+                        </m:ctrlPr>
+                      </m:fPr>
+                      <m:num>
+                        <m:sSub>
+                          <m:sSubPr>
+                            <m:ctrlPr>
+                              <a:rPr lang="de-DE" b="0" i="1" smtClean="0">
+                                <a:latin typeface="Cambria Math" panose="02040503050406030204" pitchFamily="18" charset="0"/>
+                              </a:rPr>
+                            </m:ctrlPr>
+                          </m:sSubPr>
+                          <m:e>
+                            <m:r>
+                              <a:rPr lang="de-DE" b="0" i="1" smtClean="0">
+                                <a:latin typeface="Cambria Math" panose="02040503050406030204" pitchFamily="18" charset="0"/>
+                              </a:rPr>
+                              <m:t>𝑈</m:t>
+                            </m:r>
+                          </m:e>
+                          <m:sub>
+                            <m:r>
+                              <a:rPr lang="de-DE" b="0" i="1" smtClean="0">
+                                <a:latin typeface="Cambria Math" panose="02040503050406030204" pitchFamily="18" charset="0"/>
+                              </a:rPr>
+                              <m:t>0</m:t>
+                            </m:r>
+                          </m:sub>
+                        </m:sSub>
+                      </m:num>
+                      <m:den>
+                        <m:r>
+                          <a:rPr lang="de-DE" b="0" i="1" smtClean="0">
+                            <a:latin typeface="Cambria Math" panose="02040503050406030204" pitchFamily="18" charset="0"/>
+                          </a:rPr>
+                          <m:t>√2</m:t>
+                        </m:r>
+                      </m:den>
+                    </m:f>
+                  </m:oMath>
+                </a14:m>
+                <a:endParaRPr lang="de-DE" dirty="0"/>
+              </a:p>
+              <a:p>
+                <a:endParaRPr lang="de-DE" dirty="0"/>
+              </a:p>
+              <a:p>
+                <a:r>
+                  <a:rPr lang="de-DE" dirty="0"/>
+                  <a:t>Systematischer Fehler durch Verschiebung und Neubestimmung</a:t>
+                </a:r>
+              </a:p>
+              <a:p>
+                <a:endParaRPr lang="de-DE" dirty="0"/>
+              </a:p>
+              <a:p>
+                <a:endParaRPr lang="de-DE" dirty="0"/>
+              </a:p>
+            </p:txBody>
+          </p:sp>
+        </mc:Choice>
+        <mc:Fallback>
+          <p:sp>
+            <p:nvSpPr>
+              <p:cNvPr id="5" name="Inhaltsplatzhalter 4">
+                <a:extLst>
+                  <a:ext uri="{FF2B5EF4-FFF2-40B4-BE49-F238E27FC236}">
+                    <a16:creationId xmlns:a16="http://schemas.microsoft.com/office/drawing/2014/main" id="{5D0709EC-7F7D-4503-AEDC-B72714AC7900}"/>
+                  </a:ext>
+                </a:extLst>
+              </p:cNvPr>
+              <p:cNvSpPr>
+                <a:spLocks noGrp="1" noRot="1" noChangeAspect="1" noMove="1" noResize="1" noEditPoints="1" noAdjustHandles="1" noChangeArrowheads="1" noChangeShapeType="1" noTextEdit="1"/>
+              </p:cNvSpPr>
+              <p:nvPr>
+                <p:ph sz="half" idx="1"/>
+              </p:nvPr>
+            </p:nvSpPr>
+            <p:spPr>
+              <a:blipFill>
+                <a:blip r:embed="rId2"/>
+                <a:stretch>
+                  <a:fillRect l="-2118" t="-280"/>
+                </a:stretch>
+              </a:blipFill>
+            </p:spPr>
+            <p:txBody>
+              <a:bodyPr/>
+              <a:lstStyle/>
+              <a:p>
+                <a:r>
+                  <a:rPr lang="de-DE">
+                    <a:noFill/>
+                  </a:rPr>
+                  <a:t> </a:t>
+                </a:r>
+              </a:p>
+            </p:txBody>
+          </p:sp>
+        </mc:Fallback>
+      </mc:AlternateContent>
+      <p:pic>
+        <p:nvPicPr>
+          <p:cNvPr id="8" name="Inhaltsplatzhalter 7">
+            <a:extLst>
+              <a:ext uri="{FF2B5EF4-FFF2-40B4-BE49-F238E27FC236}">
+                <a16:creationId xmlns:a16="http://schemas.microsoft.com/office/drawing/2014/main" id="{6690E452-67F6-4140-A66C-62F58C16239E}"/>
+              </a:ext>
+            </a:extLst>
+          </p:cNvPr>
+          <p:cNvPicPr>
+            <a:picLocks noGrp="1" noChangeAspect="1"/>
+          </p:cNvPicPr>
+          <p:nvPr>
+            <p:ph sz="half" idx="2"/>
+          </p:nvPr>
+        </p:nvPicPr>
+        <p:blipFill>
+          <a:blip r:embed="rId3">
+            <a:extLst>
+              <a:ext uri="{28A0092B-C50C-407E-A947-70E740481C1C}">
+                <a14:useLocalDpi xmlns:a14="http://schemas.microsoft.com/office/drawing/2010/main" val="0"/>
+              </a:ext>
+            </a:extLst>
+          </a:blip>
+          <a:stretch>
+            <a:fillRect/>
+          </a:stretch>
+        </p:blipFill>
+        <p:spPr>
+          <a:xfrm>
+            <a:off x="5252067" y="993701"/>
+            <a:ext cx="6939933" cy="5183262"/>
+          </a:xfrm>
+        </p:spPr>
+      </p:pic>
+      <p:sp>
+        <p:nvSpPr>
+          <p:cNvPr id="4" name="Foliennummernplatzhalter 3">
+            <a:extLst>
+              <a:ext uri="{FF2B5EF4-FFF2-40B4-BE49-F238E27FC236}">
+                <a16:creationId xmlns:a16="http://schemas.microsoft.com/office/drawing/2014/main" id="{6D207C59-007C-4468-8064-2CDF7B9812F2}"/>
+              </a:ext>
+            </a:extLst>
+          </p:cNvPr>
+          <p:cNvSpPr>
+            <a:spLocks noGrp="1"/>
+          </p:cNvSpPr>
+          <p:nvPr>
+            <p:ph type="sldNum" sz="quarter" idx="12"/>
+          </p:nvPr>
+        </p:nvSpPr>
+        <p:spPr/>
+        <p:txBody>
+          <a:bodyPr/>
+          <a:lstStyle/>
+          <a:p>
+            <a:fld id="{E276D0E3-8A91-4195-9D97-D4903B6F688B}" type="slidenum">
+              <a:rPr lang="de-DE" smtClean="0"/>
+              <a:t>13</a:t>
+            </a:fld>
+            <a:endParaRPr lang="de-DE"/>
+          </a:p>
+        </p:txBody>
+      </p:sp>
+    </p:spTree>
+    <p:extLst>
+      <p:ext uri="{BB962C8B-B14F-4D97-AF65-F5344CB8AC3E}">
+        <p14:creationId xmlns:p14="http://schemas.microsoft.com/office/powerpoint/2010/main" val="3018689130"/>
+      </p:ext>
+    </p:extLst>
+  </p:cSld>
+  <p:clrMapOvr>
+    <a:masterClrMapping/>
+  </p:clrMapOvr>
+</p:sld>
+</file>
+
+<file path=ppt/slides/slide14.xml><?xml version="1.0" encoding="utf-8"?>
+<p:sld xmlns:a="http://schemas.openxmlformats.org/drawingml/2006/main" xmlns:r="http://schemas.openxmlformats.org/officeDocument/2006/relationships" xmlns:p="http://schemas.openxmlformats.org/presentationml/2006/main">
+  <p:cSld>
+    <p:spTree>
+      <p:nvGrpSpPr>
+        <p:cNvPr id="1" name=""/>
+        <p:cNvGrpSpPr/>
+        <p:nvPr/>
+      </p:nvGrpSpPr>
+      <p:grpSpPr>
+        <a:xfrm>
+          <a:off x="0" y="0"/>
+          <a:ext cx="0" cy="0"/>
+          <a:chOff x="0" y="0"/>
+          <a:chExt cx="0" cy="0"/>
+        </a:xfrm>
+      </p:grpSpPr>
+      <p:sp>
+        <p:nvSpPr>
+          <p:cNvPr id="2" name="Titel 1">
+            <a:extLst>
+              <a:ext uri="{FF2B5EF4-FFF2-40B4-BE49-F238E27FC236}">
+                <a16:creationId xmlns:a16="http://schemas.microsoft.com/office/drawing/2014/main" id="{7AEAE86F-6EEF-48E1-9D63-42469C84B903}"/>
+              </a:ext>
+            </a:extLst>
+          </p:cNvPr>
+          <p:cNvSpPr>
+            <a:spLocks noGrp="1"/>
+          </p:cNvSpPr>
+          <p:nvPr>
+            <p:ph type="title"/>
+          </p:nvPr>
+        </p:nvSpPr>
+        <p:spPr/>
+        <p:txBody>
+          <a:bodyPr/>
+          <a:lstStyle/>
+          <a:p>
+            <a:r>
+              <a:rPr lang="de-DE" dirty="0"/>
+              <a:t>Hoch und Tiefpass</a:t>
+            </a:r>
+          </a:p>
+        </p:txBody>
+      </p:sp>
+      <mc:AlternateContent xmlns:mc="http://schemas.openxmlformats.org/markup-compatibility/2006">
+        <mc:Choice xmlns:a14="http://schemas.microsoft.com/office/drawing/2010/main" Requires="a14">
+          <p:sp>
+            <p:nvSpPr>
+              <p:cNvPr id="3" name="Inhaltsplatzhalter 2">
+                <a:extLst>
+                  <a:ext uri="{FF2B5EF4-FFF2-40B4-BE49-F238E27FC236}">
+                    <a16:creationId xmlns:a16="http://schemas.microsoft.com/office/drawing/2014/main" id="{90F4D719-D4E2-46A5-93BC-DD12E824BB32}"/>
+                  </a:ext>
+                </a:extLst>
+              </p:cNvPr>
+              <p:cNvSpPr>
+                <a:spLocks noGrp="1"/>
+              </p:cNvSpPr>
+              <p:nvPr>
+                <p:ph sz="half" idx="1"/>
+              </p:nvPr>
+            </p:nvSpPr>
+            <p:spPr>
+              <a:xfrm>
+                <a:off x="838200" y="1825625"/>
+                <a:ext cx="5181600" cy="2907740"/>
+              </a:xfrm>
+            </p:spPr>
+            <p:txBody>
+              <a:bodyPr/>
+              <a:lstStyle/>
+              <a:p>
+                <a:r>
+                  <a:rPr lang="de-DE" dirty="0"/>
+                  <a:t>Bestimmung aus Phasendifferenz</a:t>
+                </a:r>
+              </a:p>
+              <a:p>
+                <a:pPr lvl="1"/>
+                <a:r>
+                  <a:rPr lang="de-DE" dirty="0"/>
+                  <a:t>Nur statistischer Ablesefehler</a:t>
+                </a:r>
+              </a:p>
+              <a:p>
+                <a:pPr lvl="1"/>
+                <a:endParaRPr lang="de-DE" dirty="0"/>
+              </a:p>
+              <a:p>
+                <a:r>
+                  <a:rPr lang="de-DE" dirty="0"/>
+                  <a:t>Erwartung aus Bauteilen:</a:t>
+                </a:r>
+              </a:p>
+              <a:p>
+                <a:pPr marL="0" indent="0">
+                  <a:buNone/>
+                </a:pPr>
+                <a:r>
+                  <a:rPr lang="de-DE" dirty="0"/>
+                  <a:t>	 </a:t>
+                </a:r>
+                <a14:m>
+                  <m:oMath xmlns:m="http://schemas.openxmlformats.org/officeDocument/2006/math">
+                    <m:r>
+                      <a:rPr lang="de-DE" b="0" i="1" smtClean="0">
+                        <a:latin typeface="Cambria Math" panose="02040503050406030204" pitchFamily="18" charset="0"/>
+                      </a:rPr>
+                      <m:t>𝑓</m:t>
+                    </m:r>
+                    <m:r>
+                      <a:rPr lang="de-DE" b="0" i="1" smtClean="0">
+                        <a:latin typeface="Cambria Math" panose="02040503050406030204" pitchFamily="18" charset="0"/>
+                      </a:rPr>
+                      <m:t>= </m:t>
+                    </m:r>
+                    <m:f>
+                      <m:fPr>
+                        <m:ctrlPr>
+                          <a:rPr lang="de-DE" b="0" i="1" smtClean="0">
+                            <a:latin typeface="Cambria Math" panose="02040503050406030204" pitchFamily="18" charset="0"/>
+                          </a:rPr>
+                        </m:ctrlPr>
+                      </m:fPr>
+                      <m:num>
+                        <m:r>
+                          <a:rPr lang="de-DE" b="0" i="1" smtClean="0">
+                            <a:latin typeface="Cambria Math" panose="02040503050406030204" pitchFamily="18" charset="0"/>
+                          </a:rPr>
+                          <m:t>1</m:t>
+                        </m:r>
+                      </m:num>
+                      <m:den>
+                        <m:r>
+                          <a:rPr lang="de-DE" b="0" i="1" smtClean="0">
+                            <a:latin typeface="Cambria Math" panose="02040503050406030204" pitchFamily="18" charset="0"/>
+                          </a:rPr>
+                          <m:t>2</m:t>
+                        </m:r>
+                        <m:r>
+                          <a:rPr lang="de-DE" b="0" i="1" smtClean="0">
+                            <a:latin typeface="Cambria Math" panose="02040503050406030204" pitchFamily="18" charset="0"/>
+                          </a:rPr>
+                          <m:t>𝜋</m:t>
+                        </m:r>
+                        <m:r>
+                          <a:rPr lang="de-DE" b="0" i="1" smtClean="0">
+                            <a:latin typeface="Cambria Math" panose="02040503050406030204" pitchFamily="18" charset="0"/>
+                          </a:rPr>
+                          <m:t>𝑅𝐶</m:t>
+                        </m:r>
+                      </m:den>
+                    </m:f>
+                  </m:oMath>
+                </a14:m>
+                <a:endParaRPr lang="de-DE" dirty="0"/>
+              </a:p>
+            </p:txBody>
+          </p:sp>
+        </mc:Choice>
+        <mc:Fallback>
+          <p:sp>
+            <p:nvSpPr>
+              <p:cNvPr id="3" name="Inhaltsplatzhalter 2">
+                <a:extLst>
+                  <a:ext uri="{FF2B5EF4-FFF2-40B4-BE49-F238E27FC236}">
+                    <a16:creationId xmlns:a16="http://schemas.microsoft.com/office/drawing/2014/main" id="{90F4D719-D4E2-46A5-93BC-DD12E824BB32}"/>
+                  </a:ext>
+                </a:extLst>
+              </p:cNvPr>
+              <p:cNvSpPr>
+                <a:spLocks noGrp="1" noRot="1" noChangeAspect="1" noMove="1" noResize="1" noEditPoints="1" noAdjustHandles="1" noChangeArrowheads="1" noChangeShapeType="1" noTextEdit="1"/>
+              </p:cNvSpPr>
+              <p:nvPr>
+                <p:ph sz="half" idx="1"/>
+              </p:nvPr>
+            </p:nvSpPr>
+            <p:spPr>
+              <a:xfrm>
+                <a:off x="838200" y="1825625"/>
+                <a:ext cx="5181600" cy="2907740"/>
+              </a:xfrm>
+              <a:blipFill>
+                <a:blip r:embed="rId2"/>
+                <a:stretch>
+                  <a:fillRect l="-2118" t="-3354"/>
+                </a:stretch>
+              </a:blipFill>
+            </p:spPr>
+            <p:txBody>
+              <a:bodyPr/>
+              <a:lstStyle/>
+              <a:p>
+                <a:r>
+                  <a:rPr lang="de-DE">
+                    <a:noFill/>
+                  </a:rPr>
+                  <a:t> </a:t>
+                </a:r>
+              </a:p>
+            </p:txBody>
+          </p:sp>
+        </mc:Fallback>
+      </mc:AlternateContent>
+      <p:pic>
+        <p:nvPicPr>
+          <p:cNvPr id="7" name="Inhaltsplatzhalter 6">
+            <a:extLst>
+              <a:ext uri="{FF2B5EF4-FFF2-40B4-BE49-F238E27FC236}">
+                <a16:creationId xmlns:a16="http://schemas.microsoft.com/office/drawing/2014/main" id="{07005656-50B7-49C3-8FA5-AB9DE67D0F90}"/>
+              </a:ext>
+            </a:extLst>
+          </p:cNvPr>
+          <p:cNvPicPr>
+            <a:picLocks noGrp="1" noChangeAspect="1"/>
+          </p:cNvPicPr>
+          <p:nvPr>
+            <p:ph sz="half" idx="2"/>
+          </p:nvPr>
+        </p:nvPicPr>
+        <p:blipFill>
+          <a:blip r:embed="rId3">
+            <a:extLst>
+              <a:ext uri="{28A0092B-C50C-407E-A947-70E740481C1C}">
+                <a14:useLocalDpi xmlns:a14="http://schemas.microsoft.com/office/drawing/2010/main" val="0"/>
+              </a:ext>
+            </a:extLst>
+          </a:blip>
+          <a:stretch>
+            <a:fillRect/>
+          </a:stretch>
+        </p:blipFill>
+        <p:spPr>
+          <a:xfrm>
+            <a:off x="5828209" y="365125"/>
+            <a:ext cx="6363791" cy="4752956"/>
+          </a:xfrm>
+        </p:spPr>
+      </p:pic>
+      <p:sp>
+        <p:nvSpPr>
+          <p:cNvPr id="5" name="Foliennummernplatzhalter 4">
+            <a:extLst>
+              <a:ext uri="{FF2B5EF4-FFF2-40B4-BE49-F238E27FC236}">
+                <a16:creationId xmlns:a16="http://schemas.microsoft.com/office/drawing/2014/main" id="{72B245CF-6D77-4030-B5F2-1BA8A7D6BE00}"/>
+              </a:ext>
+            </a:extLst>
+          </p:cNvPr>
+          <p:cNvSpPr>
+            <a:spLocks noGrp="1"/>
+          </p:cNvSpPr>
+          <p:nvPr>
+            <p:ph type="sldNum" sz="quarter" idx="12"/>
+          </p:nvPr>
+        </p:nvSpPr>
+        <p:spPr/>
+        <p:txBody>
+          <a:bodyPr/>
+          <a:lstStyle/>
+          <a:p>
+            <a:fld id="{E276D0E3-8A91-4195-9D97-D4903B6F688B}" type="slidenum">
+              <a:rPr lang="de-DE" smtClean="0"/>
+              <a:t>14</a:t>
+            </a:fld>
+            <a:endParaRPr lang="de-DE"/>
+          </a:p>
+        </p:txBody>
+      </p:sp>
+      <p:sp>
+        <p:nvSpPr>
+          <p:cNvPr id="8" name="Textfeld 7">
+            <a:extLst>
+              <a:ext uri="{FF2B5EF4-FFF2-40B4-BE49-F238E27FC236}">
+                <a16:creationId xmlns:a16="http://schemas.microsoft.com/office/drawing/2014/main" id="{C5843822-64DA-4E17-9DD2-8E7131674418}"/>
+              </a:ext>
+            </a:extLst>
+          </p:cNvPr>
+          <p:cNvSpPr txBox="1"/>
+          <p:nvPr/>
+        </p:nvSpPr>
+        <p:spPr>
+          <a:xfrm>
+            <a:off x="1532965" y="5446059"/>
+            <a:ext cx="4295244" cy="910291"/>
+          </a:xfrm>
+          <a:prstGeom prst="rect">
+            <a:avLst/>
+          </a:prstGeom>
+          <a:noFill/>
+        </p:spPr>
+        <p:txBody>
+          <a:bodyPr wrap="square" rtlCol="0">
+            <a:spAutoFit/>
+          </a:bodyPr>
+          <a:lstStyle/>
+          <a:p>
+            <a:endParaRPr lang="de-DE" dirty="0"/>
+          </a:p>
+        </p:txBody>
+      </p:sp>
+      <p:pic>
+        <p:nvPicPr>
+          <p:cNvPr id="10" name="Grafik 9">
+            <a:extLst>
+              <a:ext uri="{FF2B5EF4-FFF2-40B4-BE49-F238E27FC236}">
+                <a16:creationId xmlns:a16="http://schemas.microsoft.com/office/drawing/2014/main" id="{91049F64-0ACF-4981-A5AD-2D5BC863C97C}"/>
+              </a:ext>
+            </a:extLst>
+          </p:cNvPr>
+          <p:cNvPicPr>
+            <a:picLocks noChangeAspect="1"/>
+          </p:cNvPicPr>
+          <p:nvPr/>
+        </p:nvPicPr>
+        <p:blipFill>
+          <a:blip r:embed="rId4">
+            <a:extLst>
+              <a:ext uri="{28A0092B-C50C-407E-A947-70E740481C1C}">
+                <a14:useLocalDpi xmlns:a14="http://schemas.microsoft.com/office/drawing/2010/main" val="0"/>
+              </a:ext>
+            </a:extLst>
+          </a:blip>
+          <a:stretch>
+            <a:fillRect/>
+          </a:stretch>
+        </p:blipFill>
+        <p:spPr>
+          <a:xfrm>
+            <a:off x="380202" y="5232243"/>
+            <a:ext cx="11431595" cy="1124107"/>
+          </a:xfrm>
+          <a:prstGeom prst="rect">
+            <a:avLst/>
+          </a:prstGeom>
+        </p:spPr>
+      </p:pic>
+    </p:spTree>
+    <p:extLst>
+      <p:ext uri="{BB962C8B-B14F-4D97-AF65-F5344CB8AC3E}">
+        <p14:creationId xmlns:p14="http://schemas.microsoft.com/office/powerpoint/2010/main" val="975937099"/>
       </p:ext>
     </p:extLst>
   </p:cSld>
@@ -4908,8 +5644,8 @@
           </a:xfrm>
         </p:spPr>
       </p:pic>
-      <mc:AlternateContent xmlns:mc="http://schemas.openxmlformats.org/markup-compatibility/2006">
-        <mc:Choice xmlns:a14="http://schemas.microsoft.com/office/drawing/2010/main" Requires="a14">
+      <mc:AlternateContent xmlns:mc="http://schemas.openxmlformats.org/markup-compatibility/2006" xmlns:a14="http://schemas.microsoft.com/office/drawing/2010/main">
+        <mc:Choice Requires="a14">
           <p:sp>
             <p:nvSpPr>
               <p:cNvPr id="4" name="Inhaltsplatzhalter 3">
@@ -5119,7 +5855,7 @@
             </p:txBody>
           </p:sp>
         </mc:Choice>
-        <mc:Fallback>
+        <mc:Fallback xmlns="">
           <p:sp>
             <p:nvSpPr>
               <p:cNvPr id="4" name="Inhaltsplatzhalter 3">
@@ -5250,8 +5986,8 @@
           </a:p>
         </p:txBody>
       </p:sp>
-      <mc:AlternateContent xmlns:mc="http://schemas.openxmlformats.org/markup-compatibility/2006">
-        <mc:Choice xmlns:a14="http://schemas.microsoft.com/office/drawing/2010/main" Requires="a14">
+      <mc:AlternateContent xmlns:mc="http://schemas.openxmlformats.org/markup-compatibility/2006" xmlns:a14="http://schemas.microsoft.com/office/drawing/2010/main">
+        <mc:Choice Requires="a14">
           <p:sp>
             <p:nvSpPr>
               <p:cNvPr id="4" name="Inhaltsplatzhalter 3">
@@ -5584,7 +6320,7 @@
             </p:txBody>
           </p:sp>
         </mc:Choice>
-        <mc:Fallback>
+        <mc:Fallback xmlns="">
           <p:sp>
             <p:nvSpPr>
               <p:cNvPr id="4" name="Inhaltsplatzhalter 3">
@@ -5930,8 +6666,8 @@
           </a:p>
         </p:txBody>
       </p:sp>
-      <mc:AlternateContent xmlns:mc="http://schemas.openxmlformats.org/markup-compatibility/2006">
-        <mc:Choice xmlns:a14="http://schemas.microsoft.com/office/drawing/2010/main" Requires="a14">
+      <mc:AlternateContent xmlns:mc="http://schemas.openxmlformats.org/markup-compatibility/2006" xmlns:a14="http://schemas.microsoft.com/office/drawing/2010/main">
+        <mc:Choice Requires="a14">
           <p:sp>
             <p:nvSpPr>
               <p:cNvPr id="11" name="Inhaltsplatzhalter 10">
@@ -6048,7 +6784,7 @@
                         <m:sSub>
                           <m:sSubPr>
                             <m:ctrlPr>
-                              <a:rPr lang="de-DE" b="0" i="0" smtClean="0">
+                              <a:rPr lang="de-DE" b="0" i="1" smtClean="0">
                                 <a:latin typeface="Cambria Math" panose="02040503050406030204" pitchFamily="18" charset="0"/>
                               </a:rPr>
                             </m:ctrlPr>
@@ -6082,7 +6818,7 @@
                         <m:sSub>
                           <m:sSubPr>
                             <m:ctrlPr>
-                              <a:rPr lang="de-DE" b="0" i="0" smtClean="0">
+                              <a:rPr lang="de-DE" b="0" i="1" smtClean="0">
                                 <a:latin typeface="Cambria Math" panose="02040503050406030204" pitchFamily="18" charset="0"/>
                               </a:rPr>
                             </m:ctrlPr>
@@ -6248,7 +6984,7 @@
             </p:txBody>
           </p:sp>
         </mc:Choice>
-        <mc:Fallback>
+        <mc:Fallback xmlns="">
           <p:sp>
             <p:nvSpPr>
               <p:cNvPr id="11" name="Inhaltsplatzhalter 10">
@@ -6449,8 +7185,8 @@
           </a:xfrm>
         </p:spPr>
       </p:pic>
-      <mc:AlternateContent xmlns:mc="http://schemas.openxmlformats.org/markup-compatibility/2006">
-        <mc:Choice xmlns:a14="http://schemas.microsoft.com/office/drawing/2010/main" Requires="a14">
+      <mc:AlternateContent xmlns:mc="http://schemas.openxmlformats.org/markup-compatibility/2006" xmlns:a14="http://schemas.microsoft.com/office/drawing/2010/main">
+        <mc:Choice Requires="a14">
           <p:sp>
             <p:nvSpPr>
               <p:cNvPr id="4" name="Inhaltsplatzhalter 3">
@@ -6673,7 +7409,7 @@
                     <m:d>
                       <m:dPr>
                         <m:ctrlPr>
-                          <a:rPr lang="de-DE" b="0" i="0" smtClean="0">
+                          <a:rPr lang="de-DE" b="0" i="1" smtClean="0">
                             <a:latin typeface="Cambria Math" panose="02040503050406030204" pitchFamily="18" charset="0"/>
                           </a:rPr>
                         </m:ctrlPr>
@@ -6881,7 +7617,7 @@
             </p:txBody>
           </p:sp>
         </mc:Choice>
-        <mc:Fallback>
+        <mc:Fallback xmlns="">
           <p:sp>
             <p:nvSpPr>
               <p:cNvPr id="4" name="Inhaltsplatzhalter 3">

--- a/grundpraktikum2/E-Lehre/E-Lehre.pptx
+++ b/grundpraktikum2/E-Lehre/E-Lehre.pptx
@@ -5,20 +5,28 @@
     <p:sldMasterId id="2147483648" r:id="rId1"/>
   </p:sldMasterIdLst>
   <p:notesMasterIdLst>
-    <p:notesMasterId r:id="rId13"/>
+    <p:notesMasterId r:id="rId21"/>
   </p:notesMasterIdLst>
   <p:sldIdLst>
     <p:sldId id="256" r:id="rId2"/>
     <p:sldId id="257" r:id="rId3"/>
-    <p:sldId id="258" r:id="rId4"/>
-    <p:sldId id="259" r:id="rId5"/>
-    <p:sldId id="260" r:id="rId6"/>
-    <p:sldId id="261" r:id="rId7"/>
-    <p:sldId id="262" r:id="rId8"/>
-    <p:sldId id="263" r:id="rId9"/>
-    <p:sldId id="264" r:id="rId10"/>
-    <p:sldId id="265" r:id="rId11"/>
-    <p:sldId id="267" r:id="rId12"/>
+    <p:sldId id="271" r:id="rId4"/>
+    <p:sldId id="272" r:id="rId5"/>
+    <p:sldId id="273" r:id="rId6"/>
+    <p:sldId id="274" r:id="rId7"/>
+    <p:sldId id="258" r:id="rId8"/>
+    <p:sldId id="259" r:id="rId9"/>
+    <p:sldId id="260" r:id="rId10"/>
+    <p:sldId id="261" r:id="rId11"/>
+    <p:sldId id="262" r:id="rId12"/>
+    <p:sldId id="263" r:id="rId13"/>
+    <p:sldId id="264" r:id="rId14"/>
+    <p:sldId id="265" r:id="rId15"/>
+    <p:sldId id="267" r:id="rId16"/>
+    <p:sldId id="275" r:id="rId17"/>
+    <p:sldId id="268" r:id="rId18"/>
+    <p:sldId id="269" r:id="rId19"/>
+    <p:sldId id="270" r:id="rId20"/>
   </p:sldIdLst>
   <p:sldSz cx="12192000" cy="6858000"/>
   <p:notesSz cx="6858000" cy="9144000"/>
@@ -125,6 +133,10 @@
 </p:presentation>
 </file>
 
+<file path=ppt/revisionInfo.xml><?xml version="1.0" encoding="utf-8"?>
+<p1510:revInfo xmlns:a="http://schemas.openxmlformats.org/drawingml/2006/main" xmlns:r="http://schemas.openxmlformats.org/officeDocument/2006/relationships" xmlns:p1510="http://schemas.microsoft.com/office/powerpoint/2015/10/main"/>
+</file>
+
 <file path=ppt/notesMasters/notesMaster1.xml><?xml version="1.0" encoding="utf-8"?>
 <p:notesMaster xmlns:a="http://schemas.openxmlformats.org/drawingml/2006/main" xmlns:r="http://schemas.openxmlformats.org/officeDocument/2006/relationships" xmlns:p="http://schemas.openxmlformats.org/presentationml/2006/main">
   <p:cSld>
@@ -207,7 +219,7 @@
           <a:p>
             <a:fld id="{FBB1428B-50CF-4524-87E6-ADC769EA5EB8}" type="datetimeFigureOut">
               <a:rPr lang="de-DE" smtClean="0"/>
-              <a:t>17.09.2017</a:t>
+              <a:t>18.09.2017</a:t>
             </a:fld>
             <a:endParaRPr lang="de-DE"/>
           </a:p>
@@ -621,7 +633,7 @@
           <a:p>
             <a:fld id="{C7614AAD-E6A5-40A6-8D48-281802A962DD}" type="datetime1">
               <a:rPr lang="de-DE" smtClean="0"/>
-              <a:t>17.09.2017</a:t>
+              <a:t>18.09.2017</a:t>
             </a:fld>
             <a:endParaRPr lang="de-DE"/>
           </a:p>
@@ -819,7 +831,7 @@
           <a:p>
             <a:fld id="{151A89D3-BD56-473E-B53D-BBA4F4DE41B9}" type="datetime1">
               <a:rPr lang="de-DE" smtClean="0"/>
-              <a:t>17.09.2017</a:t>
+              <a:t>18.09.2017</a:t>
             </a:fld>
             <a:endParaRPr lang="de-DE"/>
           </a:p>
@@ -1027,7 +1039,7 @@
           <a:p>
             <a:fld id="{D465E7CF-B6C6-46F2-872A-1ECC6948CD97}" type="datetime1">
               <a:rPr lang="de-DE" smtClean="0"/>
-              <a:t>17.09.2017</a:t>
+              <a:t>18.09.2017</a:t>
             </a:fld>
             <a:endParaRPr lang="de-DE"/>
           </a:p>
@@ -1225,7 +1237,7 @@
           <a:p>
             <a:fld id="{110678BF-9E91-41E5-988A-EA6403801EFB}" type="datetime1">
               <a:rPr lang="de-DE" smtClean="0"/>
-              <a:t>17.09.2017</a:t>
+              <a:t>18.09.2017</a:t>
             </a:fld>
             <a:endParaRPr lang="de-DE"/>
           </a:p>
@@ -1500,7 +1512,7 @@
           <a:p>
             <a:fld id="{38F01F9E-A3C4-4E67-B90A-0DAB68B8E8DB}" type="datetime1">
               <a:rPr lang="de-DE" smtClean="0"/>
-              <a:t>17.09.2017</a:t>
+              <a:t>18.09.2017</a:t>
             </a:fld>
             <a:endParaRPr lang="de-DE"/>
           </a:p>
@@ -1765,7 +1777,7 @@
           <a:p>
             <a:fld id="{6132A174-EB99-46D5-80EB-39C6B924FBC7}" type="datetime1">
               <a:rPr lang="de-DE" smtClean="0"/>
-              <a:t>17.09.2017</a:t>
+              <a:t>18.09.2017</a:t>
             </a:fld>
             <a:endParaRPr lang="de-DE"/>
           </a:p>
@@ -2177,7 +2189,7 @@
           <a:p>
             <a:fld id="{1E5ED934-C283-4544-BCA6-058DFCAF6543}" type="datetime1">
               <a:rPr lang="de-DE" smtClean="0"/>
-              <a:t>17.09.2017</a:t>
+              <a:t>18.09.2017</a:t>
             </a:fld>
             <a:endParaRPr lang="de-DE"/>
           </a:p>
@@ -2318,7 +2330,7 @@
           <a:p>
             <a:fld id="{E154E9F1-A874-4DEE-AD9A-79257DAC690F}" type="datetime1">
               <a:rPr lang="de-DE" smtClean="0"/>
-              <a:t>17.09.2017</a:t>
+              <a:t>18.09.2017</a:t>
             </a:fld>
             <a:endParaRPr lang="de-DE"/>
           </a:p>
@@ -2431,7 +2443,7 @@
           <a:p>
             <a:fld id="{DC87A9B5-3B68-47A3-B12F-1990355644A3}" type="datetime1">
               <a:rPr lang="de-DE" smtClean="0"/>
-              <a:t>17.09.2017</a:t>
+              <a:t>18.09.2017</a:t>
             </a:fld>
             <a:endParaRPr lang="de-DE"/>
           </a:p>
@@ -2742,7 +2754,7 @@
           <a:p>
             <a:fld id="{7E45B7FC-29E1-4FF8-A0C2-46668312564A}" type="datetime1">
               <a:rPr lang="de-DE" smtClean="0"/>
-              <a:t>17.09.2017</a:t>
+              <a:t>18.09.2017</a:t>
             </a:fld>
             <a:endParaRPr lang="de-DE"/>
           </a:p>
@@ -3030,7 +3042,7 @@
           <a:p>
             <a:fld id="{11A9E73C-40A7-4703-B716-7B576A964D7A}" type="datetime1">
               <a:rPr lang="de-DE" smtClean="0"/>
-              <a:t>17.09.2017</a:t>
+              <a:t>18.09.2017</a:t>
             </a:fld>
             <a:endParaRPr lang="de-DE"/>
           </a:p>
@@ -3271,7 +3283,7 @@
           <a:p>
             <a:fld id="{5CF8F44E-BC2F-4F55-B300-4E56F21D885C}" type="datetime1">
               <a:rPr lang="de-DE" smtClean="0"/>
-              <a:t>17.09.2017</a:t>
+              <a:t>18.09.2017</a:t>
             </a:fld>
             <a:endParaRPr lang="de-DE"/>
           </a:p>
@@ -3819,1038 +3831,7 @@
           <p:cNvPr id="2" name="Titel 1">
             <a:extLst>
               <a:ext uri="{FF2B5EF4-FFF2-40B4-BE49-F238E27FC236}">
-                <a16:creationId xmlns:a16="http://schemas.microsoft.com/office/drawing/2014/main" id="{029F63D8-99C8-4358-8D64-E41BC8B4D24E}"/>
-              </a:ext>
-            </a:extLst>
-          </p:cNvPr>
-          <p:cNvSpPr>
-            <a:spLocks noGrp="1"/>
-          </p:cNvSpPr>
-          <p:nvPr>
-            <p:ph type="title"/>
-          </p:nvPr>
-        </p:nvSpPr>
-        <p:spPr/>
-        <p:txBody>
-          <a:bodyPr/>
-          <a:lstStyle/>
-          <a:p>
-            <a:r>
-              <a:rPr lang="de-DE" dirty="0"/>
-              <a:t>Parallelschwingkreis - Phase</a:t>
-            </a:r>
-          </a:p>
-        </p:txBody>
-      </p:sp>
-      <p:pic>
-        <p:nvPicPr>
-          <p:cNvPr id="7" name="Inhaltsplatzhalter 6">
-            <a:extLst>
-              <a:ext uri="{FF2B5EF4-FFF2-40B4-BE49-F238E27FC236}">
-                <a16:creationId xmlns:a16="http://schemas.microsoft.com/office/drawing/2014/main" id="{0A7A6098-2098-4916-A60B-2B6334C0B3DC}"/>
-              </a:ext>
-            </a:extLst>
-          </p:cNvPr>
-          <p:cNvPicPr>
-            <a:picLocks noGrp="1" noChangeAspect="1"/>
-          </p:cNvPicPr>
-          <p:nvPr>
-            <p:ph sz="half" idx="1"/>
-          </p:nvPr>
-        </p:nvPicPr>
-        <p:blipFill>
-          <a:blip r:embed="rId2">
-            <a:extLst>
-              <a:ext uri="{28A0092B-C50C-407E-A947-70E740481C1C}">
-                <a14:useLocalDpi xmlns:a14="http://schemas.microsoft.com/office/drawing/2010/main" val="0"/>
-              </a:ext>
-            </a:extLst>
-          </a:blip>
-          <a:stretch>
-            <a:fillRect/>
-          </a:stretch>
-        </p:blipFill>
-        <p:spPr>
-          <a:xfrm>
-            <a:off x="838200" y="2066290"/>
-            <a:ext cx="5181600" cy="3870007"/>
-          </a:xfrm>
-        </p:spPr>
-      </p:pic>
-      <p:pic>
-        <p:nvPicPr>
-          <p:cNvPr id="9" name="Inhaltsplatzhalter 8">
-            <a:extLst>
-              <a:ext uri="{FF2B5EF4-FFF2-40B4-BE49-F238E27FC236}">
-                <a16:creationId xmlns:a16="http://schemas.microsoft.com/office/drawing/2014/main" id="{D00A9720-8C3B-4AA8-85A3-5B9A2CF7D56B}"/>
-              </a:ext>
-            </a:extLst>
-          </p:cNvPr>
-          <p:cNvPicPr>
-            <a:picLocks noGrp="1" noChangeAspect="1"/>
-          </p:cNvPicPr>
-          <p:nvPr>
-            <p:ph sz="half" idx="2"/>
-          </p:nvPr>
-        </p:nvPicPr>
-        <p:blipFill>
-          <a:blip r:embed="rId3">
-            <a:extLst>
-              <a:ext uri="{28A0092B-C50C-407E-A947-70E740481C1C}">
-                <a14:useLocalDpi xmlns:a14="http://schemas.microsoft.com/office/drawing/2010/main" val="0"/>
-              </a:ext>
-            </a:extLst>
-          </a:blip>
-          <a:stretch>
-            <a:fillRect/>
-          </a:stretch>
-        </p:blipFill>
-        <p:spPr>
-          <a:xfrm>
-            <a:off x="6172200" y="2066290"/>
-            <a:ext cx="5181600" cy="3870007"/>
-          </a:xfrm>
-        </p:spPr>
-      </p:pic>
-      <p:sp>
-        <p:nvSpPr>
-          <p:cNvPr id="5" name="Foliennummernplatzhalter 4">
-            <a:extLst>
-              <a:ext uri="{FF2B5EF4-FFF2-40B4-BE49-F238E27FC236}">
-                <a16:creationId xmlns:a16="http://schemas.microsoft.com/office/drawing/2014/main" id="{7FCAD28F-11B2-4521-A1A6-92398B6B6DA9}"/>
-              </a:ext>
-            </a:extLst>
-          </p:cNvPr>
-          <p:cNvSpPr>
-            <a:spLocks noGrp="1"/>
-          </p:cNvSpPr>
-          <p:nvPr>
-            <p:ph type="sldNum" sz="quarter" idx="12"/>
-          </p:nvPr>
-        </p:nvSpPr>
-        <p:spPr/>
-        <p:txBody>
-          <a:bodyPr/>
-          <a:lstStyle/>
-          <a:p>
-            <a:fld id="{E276D0E3-8A91-4195-9D97-D4903B6F688B}" type="slidenum">
-              <a:rPr lang="de-DE" smtClean="0"/>
-              <a:t>10</a:t>
-            </a:fld>
-            <a:endParaRPr lang="de-DE"/>
-          </a:p>
-        </p:txBody>
-      </p:sp>
-    </p:spTree>
-    <p:extLst>
-      <p:ext uri="{BB962C8B-B14F-4D97-AF65-F5344CB8AC3E}">
-        <p14:creationId xmlns:p14="http://schemas.microsoft.com/office/powerpoint/2010/main" val="1038482127"/>
-      </p:ext>
-    </p:extLst>
-  </p:cSld>
-  <p:clrMapOvr>
-    <a:masterClrMapping/>
-  </p:clrMapOvr>
-</p:sld>
-</file>
-
-<file path=ppt/slides/slide11.xml><?xml version="1.0" encoding="utf-8"?>
-<p:sld xmlns:a="http://schemas.openxmlformats.org/drawingml/2006/main" xmlns:r="http://schemas.openxmlformats.org/officeDocument/2006/relationships" xmlns:p="http://schemas.openxmlformats.org/presentationml/2006/main">
-  <p:cSld>
-    <p:spTree>
-      <p:nvGrpSpPr>
-        <p:cNvPr id="1" name=""/>
-        <p:cNvGrpSpPr/>
-        <p:nvPr/>
-      </p:nvGrpSpPr>
-      <p:grpSpPr>
-        <a:xfrm>
-          <a:off x="0" y="0"/>
-          <a:ext cx="0" cy="0"/>
-          <a:chOff x="0" y="0"/>
-          <a:chExt cx="0" cy="0"/>
-        </a:xfrm>
-      </p:grpSpPr>
-      <p:sp>
-        <p:nvSpPr>
-          <p:cNvPr id="2" name="Titel 1">
-            <a:extLst>
-              <a:ext uri="{FF2B5EF4-FFF2-40B4-BE49-F238E27FC236}">
-                <a16:creationId xmlns:a16="http://schemas.microsoft.com/office/drawing/2014/main" id="{A06AF04C-2EB0-4DA5-8D8C-6A3581B36BA6}"/>
-              </a:ext>
-            </a:extLst>
-          </p:cNvPr>
-          <p:cNvSpPr>
-            <a:spLocks noGrp="1"/>
-          </p:cNvSpPr>
-          <p:nvPr>
-            <p:ph type="title"/>
-          </p:nvPr>
-        </p:nvSpPr>
-        <p:spPr/>
-        <p:txBody>
-          <a:bodyPr/>
-          <a:lstStyle/>
-          <a:p>
-            <a:endParaRPr lang="de-DE"/>
-          </a:p>
-        </p:txBody>
-      </p:sp>
-      <mc:AlternateContent xmlns:mc="http://schemas.openxmlformats.org/markup-compatibility/2006">
-        <mc:Choice xmlns:a14="http://schemas.microsoft.com/office/drawing/2010/main" Requires="a14">
-          <p:sp>
-            <p:nvSpPr>
-              <p:cNvPr id="3" name="Inhaltsplatzhalter 2">
-                <a:extLst>
-                  <a:ext uri="{FF2B5EF4-FFF2-40B4-BE49-F238E27FC236}">
-                    <a16:creationId xmlns:a16="http://schemas.microsoft.com/office/drawing/2014/main" id="{E7B379F4-4EC6-4FC5-99C4-EC811C2CF438}"/>
-                  </a:ext>
-                </a:extLst>
-              </p:cNvPr>
-              <p:cNvSpPr>
-                <a:spLocks noGrp="1"/>
-              </p:cNvSpPr>
-              <p:nvPr>
-                <p:ph idx="1"/>
-              </p:nvPr>
-            </p:nvSpPr>
-            <p:spPr>
-              <a:xfrm>
-                <a:off x="838200" y="2541587"/>
-                <a:ext cx="10515600" cy="4351338"/>
-              </a:xfrm>
-            </p:spPr>
-            <p:txBody>
-              <a:bodyPr/>
-              <a:lstStyle/>
-              <a:p>
-                <a:r>
-                  <a:rPr lang="de-DE" dirty="0"/>
-                  <a:t>Gewichteter Mittelwert:</a:t>
-                </a:r>
-              </a:p>
-              <a:p>
-                <a:pPr lvl="1"/>
-                <a:r>
-                  <a:rPr lang="de-DE" dirty="0"/>
-                  <a:t>Gruppe A: </a:t>
-                </a:r>
-                <a14:m>
-                  <m:oMath xmlns:m="http://schemas.openxmlformats.org/officeDocument/2006/math">
-                    <m:sSub>
-                      <m:sSubPr>
-                        <m:ctrlPr>
-                          <a:rPr lang="de-DE" b="0" i="1" smtClean="0">
-                            <a:latin typeface="Cambria Math" panose="02040503050406030204" pitchFamily="18" charset="0"/>
-                          </a:rPr>
-                        </m:ctrlPr>
-                      </m:sSubPr>
-                      <m:e>
-                        <m:r>
-                          <a:rPr lang="de-DE" b="0" i="1" smtClean="0">
-                            <a:latin typeface="Cambria Math" panose="02040503050406030204" pitchFamily="18" charset="0"/>
-                          </a:rPr>
-                          <m:t>𝑓</m:t>
-                        </m:r>
-                      </m:e>
-                      <m:sub>
-                        <m:r>
-                          <a:rPr lang="de-DE" b="0" i="1" smtClean="0">
-                            <a:latin typeface="Cambria Math" panose="02040503050406030204" pitchFamily="18" charset="0"/>
-                          </a:rPr>
-                          <m:t>0</m:t>
-                        </m:r>
-                      </m:sub>
-                    </m:sSub>
-                    <m:r>
-                      <a:rPr lang="de-DE" b="0" i="1" smtClean="0">
-                        <a:latin typeface="Cambria Math" panose="02040503050406030204" pitchFamily="18" charset="0"/>
-                      </a:rPr>
-                      <m:t>=(2141±19)</m:t>
-                    </m:r>
-                    <m:r>
-                      <a:rPr lang="de-DE" b="0" i="1" smtClean="0">
-                        <a:latin typeface="Cambria Math" panose="02040503050406030204" pitchFamily="18" charset="0"/>
-                      </a:rPr>
-                      <m:t>𝐻𝑧</m:t>
-                    </m:r>
-                  </m:oMath>
-                </a14:m>
-                <a:endParaRPr lang="de-DE" dirty="0"/>
-              </a:p>
-              <a:p>
-                <a:pPr lvl="1"/>
-                <a:r>
-                  <a:rPr lang="de-DE" dirty="0"/>
-                  <a:t>Gruppe B: </a:t>
-                </a:r>
-                <a14:m>
-                  <m:oMath xmlns:m="http://schemas.openxmlformats.org/officeDocument/2006/math">
-                    <m:sSub>
-                      <m:sSubPr>
-                        <m:ctrlPr>
-                          <a:rPr lang="de-DE" i="1">
-                            <a:latin typeface="Cambria Math" panose="02040503050406030204" pitchFamily="18" charset="0"/>
-                          </a:rPr>
-                        </m:ctrlPr>
-                      </m:sSubPr>
-                      <m:e>
-                        <m:r>
-                          <a:rPr lang="de-DE" i="1">
-                            <a:latin typeface="Cambria Math" panose="02040503050406030204" pitchFamily="18" charset="0"/>
-                          </a:rPr>
-                          <m:t>𝑓</m:t>
-                        </m:r>
-                      </m:e>
-                      <m:sub>
-                        <m:r>
-                          <a:rPr lang="de-DE" i="1">
-                            <a:latin typeface="Cambria Math" panose="02040503050406030204" pitchFamily="18" charset="0"/>
-                          </a:rPr>
-                          <m:t>0</m:t>
-                        </m:r>
-                      </m:sub>
-                    </m:sSub>
-                    <m:r>
-                      <a:rPr lang="de-DE" i="1">
-                        <a:latin typeface="Cambria Math" panose="02040503050406030204" pitchFamily="18" charset="0"/>
-                      </a:rPr>
-                      <m:t>=(2</m:t>
-                    </m:r>
-                    <m:r>
-                      <a:rPr lang="de-DE" b="0" i="1" smtClean="0">
-                        <a:latin typeface="Cambria Math" panose="02040503050406030204" pitchFamily="18" charset="0"/>
-                      </a:rPr>
-                      <m:t>094</m:t>
-                    </m:r>
-                    <m:r>
-                      <a:rPr lang="de-DE" i="1">
-                        <a:latin typeface="Cambria Math" panose="02040503050406030204" pitchFamily="18" charset="0"/>
-                      </a:rPr>
-                      <m:t>±1</m:t>
-                    </m:r>
-                    <m:r>
-                      <a:rPr lang="de-DE" b="0" i="1" smtClean="0">
-                        <a:latin typeface="Cambria Math" panose="02040503050406030204" pitchFamily="18" charset="0"/>
-                      </a:rPr>
-                      <m:t>1</m:t>
-                    </m:r>
-                    <m:r>
-                      <a:rPr lang="de-DE" i="1">
-                        <a:latin typeface="Cambria Math" panose="02040503050406030204" pitchFamily="18" charset="0"/>
-                      </a:rPr>
-                      <m:t>)</m:t>
-                    </m:r>
-                    <m:r>
-                      <a:rPr lang="de-DE" i="1">
-                        <a:latin typeface="Cambria Math" panose="02040503050406030204" pitchFamily="18" charset="0"/>
-                      </a:rPr>
-                      <m:t>𝐻𝑧</m:t>
-                    </m:r>
-                  </m:oMath>
-                </a14:m>
-                <a:endParaRPr lang="de-DE" dirty="0"/>
-              </a:p>
-              <a:p>
-                <a:pPr lvl="1"/>
-                <a:endParaRPr lang="de-DE" dirty="0"/>
-              </a:p>
-            </p:txBody>
-          </p:sp>
-        </mc:Choice>
-        <mc:Fallback>
-          <p:sp>
-            <p:nvSpPr>
-              <p:cNvPr id="3" name="Inhaltsplatzhalter 2">
-                <a:extLst>
-                  <a:ext uri="{FF2B5EF4-FFF2-40B4-BE49-F238E27FC236}">
-                    <a16:creationId xmlns:a16="http://schemas.microsoft.com/office/drawing/2014/main" id="{E7B379F4-4EC6-4FC5-99C4-EC811C2CF438}"/>
-                  </a:ext>
-                </a:extLst>
-              </p:cNvPr>
-              <p:cNvSpPr>
-                <a:spLocks noGrp="1" noRot="1" noChangeAspect="1" noMove="1" noResize="1" noEditPoints="1" noAdjustHandles="1" noChangeArrowheads="1" noChangeShapeType="1" noTextEdit="1"/>
-              </p:cNvSpPr>
-              <p:nvPr>
-                <p:ph idx="1"/>
-              </p:nvPr>
-            </p:nvSpPr>
-            <p:spPr>
-              <a:xfrm>
-                <a:off x="838200" y="2541587"/>
-                <a:ext cx="10515600" cy="4351338"/>
-              </a:xfrm>
-              <a:blipFill>
-                <a:blip r:embed="rId2"/>
-                <a:stretch>
-                  <a:fillRect l="-1043" t="-2381"/>
-                </a:stretch>
-              </a:blipFill>
-            </p:spPr>
-            <p:txBody>
-              <a:bodyPr/>
-              <a:lstStyle/>
-              <a:p>
-                <a:r>
-                  <a:rPr lang="de-DE">
-                    <a:noFill/>
-                  </a:rPr>
-                  <a:t> </a:t>
-                </a:r>
-              </a:p>
-            </p:txBody>
-          </p:sp>
-        </mc:Fallback>
-      </mc:AlternateContent>
-      <p:sp>
-        <p:nvSpPr>
-          <p:cNvPr id="4" name="Foliennummernplatzhalter 3">
-            <a:extLst>
-              <a:ext uri="{FF2B5EF4-FFF2-40B4-BE49-F238E27FC236}">
-                <a16:creationId xmlns:a16="http://schemas.microsoft.com/office/drawing/2014/main" id="{6915849B-6A64-43E7-A4DE-3E19B978DABC}"/>
-              </a:ext>
-            </a:extLst>
-          </p:cNvPr>
-          <p:cNvSpPr>
-            <a:spLocks noGrp="1"/>
-          </p:cNvSpPr>
-          <p:nvPr>
-            <p:ph type="sldNum" sz="quarter" idx="12"/>
-          </p:nvPr>
-        </p:nvSpPr>
-        <p:spPr/>
-        <p:txBody>
-          <a:bodyPr/>
-          <a:lstStyle/>
-          <a:p>
-            <a:fld id="{E276D0E3-8A91-4195-9D97-D4903B6F688B}" type="slidenum">
-              <a:rPr lang="de-DE" smtClean="0"/>
-              <a:t>11</a:t>
-            </a:fld>
-            <a:endParaRPr lang="de-DE"/>
-          </a:p>
-        </p:txBody>
-      </p:sp>
-      <p:pic>
-        <p:nvPicPr>
-          <p:cNvPr id="5" name="Grafik 4">
-            <a:extLst>
-              <a:ext uri="{FF2B5EF4-FFF2-40B4-BE49-F238E27FC236}">
-                <a16:creationId xmlns:a16="http://schemas.microsoft.com/office/drawing/2014/main" id="{FBA54155-C69D-4846-8E9B-421594334626}"/>
-              </a:ext>
-            </a:extLst>
-          </p:cNvPr>
-          <p:cNvPicPr>
-            <a:picLocks noChangeAspect="1"/>
-          </p:cNvPicPr>
-          <p:nvPr/>
-        </p:nvPicPr>
-        <p:blipFill>
-          <a:blip r:embed="rId3">
-            <a:extLst>
-              <a:ext uri="{28A0092B-C50C-407E-A947-70E740481C1C}">
-                <a14:useLocalDpi xmlns:a14="http://schemas.microsoft.com/office/drawing/2010/main" val="0"/>
-              </a:ext>
-            </a:extLst>
-          </a:blip>
-          <a:stretch>
-            <a:fillRect/>
-          </a:stretch>
-        </p:blipFill>
-        <p:spPr>
-          <a:xfrm>
-            <a:off x="2546537" y="1825625"/>
-            <a:ext cx="6686550" cy="581025"/>
-          </a:xfrm>
-          <a:prstGeom prst="rect">
-            <a:avLst/>
-          </a:prstGeom>
-        </p:spPr>
-      </p:pic>
-    </p:spTree>
-    <p:extLst>
-      <p:ext uri="{BB962C8B-B14F-4D97-AF65-F5344CB8AC3E}">
-        <p14:creationId xmlns:p14="http://schemas.microsoft.com/office/powerpoint/2010/main" val="3596956398"/>
-      </p:ext>
-    </p:extLst>
-  </p:cSld>
-  <p:clrMapOvr>
-    <a:masterClrMapping/>
-  </p:clrMapOvr>
-</p:sld>
-</file>
-
-<file path=ppt/slides/slide2.xml><?xml version="1.0" encoding="utf-8"?>
-<p:sld xmlns:a="http://schemas.openxmlformats.org/drawingml/2006/main" xmlns:r="http://schemas.openxmlformats.org/officeDocument/2006/relationships" xmlns:p="http://schemas.openxmlformats.org/presentationml/2006/main">
-  <p:cSld>
-    <p:spTree>
-      <p:nvGrpSpPr>
-        <p:cNvPr id="1" name=""/>
-        <p:cNvGrpSpPr/>
-        <p:nvPr/>
-      </p:nvGrpSpPr>
-      <p:grpSpPr>
-        <a:xfrm>
-          <a:off x="0" y="0"/>
-          <a:ext cx="0" cy="0"/>
-          <a:chOff x="0" y="0"/>
-          <a:chExt cx="0" cy="0"/>
-        </a:xfrm>
-      </p:grpSpPr>
-      <p:sp>
-        <p:nvSpPr>
-          <p:cNvPr id="2" name="Titel 1">
-            <a:extLst>
-              <a:ext uri="{FF2B5EF4-FFF2-40B4-BE49-F238E27FC236}">
-                <a16:creationId xmlns:a16="http://schemas.microsoft.com/office/drawing/2014/main" id="{BDEBBD1B-5604-4C3F-B34C-22D02BB3B57A}"/>
-              </a:ext>
-            </a:extLst>
-          </p:cNvPr>
-          <p:cNvSpPr>
-            <a:spLocks noGrp="1"/>
-          </p:cNvSpPr>
-          <p:nvPr>
-            <p:ph type="title"/>
-          </p:nvPr>
-        </p:nvSpPr>
-        <p:spPr/>
-        <p:txBody>
-          <a:bodyPr/>
-          <a:lstStyle/>
-          <a:p>
-            <a:r>
-              <a:rPr lang="de-DE" dirty="0"/>
-              <a:t>Inhalt</a:t>
-            </a:r>
-          </a:p>
-        </p:txBody>
-      </p:sp>
-      <p:sp>
-        <p:nvSpPr>
-          <p:cNvPr id="3" name="Inhaltsplatzhalter 2">
-            <a:extLst>
-              <a:ext uri="{FF2B5EF4-FFF2-40B4-BE49-F238E27FC236}">
-                <a16:creationId xmlns:a16="http://schemas.microsoft.com/office/drawing/2014/main" id="{A86B45DA-DF66-4B65-AE36-ACC26DE96D41}"/>
-              </a:ext>
-            </a:extLst>
-          </p:cNvPr>
-          <p:cNvSpPr>
-            <a:spLocks noGrp="1"/>
-          </p:cNvSpPr>
-          <p:nvPr>
-            <p:ph idx="1"/>
-          </p:nvPr>
-        </p:nvSpPr>
-        <p:spPr/>
-        <p:txBody>
-          <a:bodyPr/>
-          <a:lstStyle/>
-          <a:p>
-            <a:r>
-              <a:rPr lang="de-DE" dirty="0"/>
-              <a:t>Serienschwingkreis</a:t>
-            </a:r>
-          </a:p>
-          <a:p>
-            <a:pPr lvl="1"/>
-            <a:r>
-              <a:rPr lang="de-DE" dirty="0"/>
-              <a:t>Vorauswertung mit Oszilloskop</a:t>
-            </a:r>
-          </a:p>
-          <a:p>
-            <a:pPr lvl="1"/>
-            <a:r>
-              <a:rPr lang="de-DE" dirty="0"/>
-              <a:t>Bestimmung der Resonanzfrequenz/ Güte</a:t>
-            </a:r>
-          </a:p>
-          <a:p>
-            <a:r>
-              <a:rPr lang="de-DE" dirty="0"/>
-              <a:t>Parallelschwingkreis</a:t>
-            </a:r>
-          </a:p>
-          <a:p>
-            <a:pPr lvl="1"/>
-            <a:r>
-              <a:rPr lang="de-DE" dirty="0"/>
-              <a:t>Resonanzfrequenz/Güte</a:t>
-            </a:r>
-          </a:p>
-          <a:p>
-            <a:pPr lvl="1"/>
-            <a:r>
-              <a:rPr lang="de-DE" dirty="0"/>
-              <a:t>Impedanz</a:t>
-            </a:r>
-          </a:p>
-          <a:p>
-            <a:r>
-              <a:rPr lang="de-DE" dirty="0"/>
-              <a:t>Hoch-/Tiefpass:</a:t>
-            </a:r>
-          </a:p>
-          <a:p>
-            <a:pPr lvl="1"/>
-            <a:r>
-              <a:rPr lang="de-DE" dirty="0"/>
-              <a:t>Bestimmung der Grenzfrequenz</a:t>
-            </a:r>
-          </a:p>
-          <a:p>
-            <a:pPr lvl="1"/>
-            <a:endParaRPr lang="de-DE" dirty="0"/>
-          </a:p>
-        </p:txBody>
-      </p:sp>
-      <p:sp>
-        <p:nvSpPr>
-          <p:cNvPr id="4" name="Foliennummernplatzhalter 3">
-            <a:extLst>
-              <a:ext uri="{FF2B5EF4-FFF2-40B4-BE49-F238E27FC236}">
-                <a16:creationId xmlns:a16="http://schemas.microsoft.com/office/drawing/2014/main" id="{BAC7053E-5303-4355-81D1-A82D72D22EE3}"/>
-              </a:ext>
-            </a:extLst>
-          </p:cNvPr>
-          <p:cNvSpPr>
-            <a:spLocks noGrp="1"/>
-          </p:cNvSpPr>
-          <p:nvPr>
-            <p:ph type="sldNum" sz="quarter" idx="12"/>
-          </p:nvPr>
-        </p:nvSpPr>
-        <p:spPr/>
-        <p:txBody>
-          <a:bodyPr/>
-          <a:lstStyle/>
-          <a:p>
-            <a:fld id="{E276D0E3-8A91-4195-9D97-D4903B6F688B}" type="slidenum">
-              <a:rPr lang="de-DE" smtClean="0"/>
-              <a:t>2</a:t>
-            </a:fld>
-            <a:endParaRPr lang="de-DE"/>
-          </a:p>
-        </p:txBody>
-      </p:sp>
-    </p:spTree>
-    <p:extLst>
-      <p:ext uri="{BB962C8B-B14F-4D97-AF65-F5344CB8AC3E}">
-        <p14:creationId xmlns:p14="http://schemas.microsoft.com/office/powerpoint/2010/main" val="1002867433"/>
-      </p:ext>
-    </p:extLst>
-  </p:cSld>
-  <p:clrMapOvr>
-    <a:masterClrMapping/>
-  </p:clrMapOvr>
-</p:sld>
-</file>
-
-<file path=ppt/slides/slide3.xml><?xml version="1.0" encoding="utf-8"?>
-<p:sld xmlns:a="http://schemas.openxmlformats.org/drawingml/2006/main" xmlns:r="http://schemas.openxmlformats.org/officeDocument/2006/relationships" xmlns:p="http://schemas.openxmlformats.org/presentationml/2006/main">
-  <p:cSld>
-    <p:spTree>
-      <p:nvGrpSpPr>
-        <p:cNvPr id="1" name=""/>
-        <p:cNvGrpSpPr/>
-        <p:nvPr/>
-      </p:nvGrpSpPr>
-      <p:grpSpPr>
-        <a:xfrm>
-          <a:off x="0" y="0"/>
-          <a:ext cx="0" cy="0"/>
-          <a:chOff x="0" y="0"/>
-          <a:chExt cx="0" cy="0"/>
-        </a:xfrm>
-      </p:grpSpPr>
-      <p:sp>
-        <p:nvSpPr>
-          <p:cNvPr id="2" name="Titel 1">
-            <a:extLst>
-              <a:ext uri="{FF2B5EF4-FFF2-40B4-BE49-F238E27FC236}">
-                <a16:creationId xmlns:a16="http://schemas.microsoft.com/office/drawing/2014/main" id="{20F3ECFC-CE9B-4DD8-99A5-47FE3A87658C}"/>
-              </a:ext>
-            </a:extLst>
-          </p:cNvPr>
-          <p:cNvSpPr>
-            <a:spLocks noGrp="1"/>
-          </p:cNvSpPr>
-          <p:nvPr>
-            <p:ph type="title"/>
-          </p:nvPr>
-        </p:nvSpPr>
-        <p:spPr/>
-        <p:txBody>
-          <a:bodyPr/>
-          <a:lstStyle/>
-          <a:p>
-            <a:r>
-              <a:rPr lang="de-DE" dirty="0"/>
-              <a:t>Parallelschwingkreis - Aufbau</a:t>
-            </a:r>
-          </a:p>
-        </p:txBody>
-      </p:sp>
-      <p:pic>
-        <p:nvPicPr>
-          <p:cNvPr id="6" name="Inhaltsplatzhalter 5">
-            <a:extLst>
-              <a:ext uri="{FF2B5EF4-FFF2-40B4-BE49-F238E27FC236}">
-                <a16:creationId xmlns:a16="http://schemas.microsoft.com/office/drawing/2014/main" id="{52EBE9EC-430B-40C3-A1AC-82A30DC8469D}"/>
-              </a:ext>
-            </a:extLst>
-          </p:cNvPr>
-          <p:cNvPicPr>
-            <a:picLocks noGrp="1" noChangeAspect="1"/>
-          </p:cNvPicPr>
-          <p:nvPr>
-            <p:ph sz="half" idx="1"/>
-          </p:nvPr>
-        </p:nvPicPr>
-        <p:blipFill>
-          <a:blip r:embed="rId2">
-            <a:extLst>
-              <a:ext uri="{28A0092B-C50C-407E-A947-70E740481C1C}">
-                <a14:useLocalDpi xmlns:a14="http://schemas.microsoft.com/office/drawing/2010/main" val="0"/>
-              </a:ext>
-            </a:extLst>
-          </a:blip>
-          <a:stretch>
-            <a:fillRect/>
-          </a:stretch>
-        </p:blipFill>
-        <p:spPr>
-          <a:xfrm>
-            <a:off x="8264975" y="1690688"/>
-            <a:ext cx="3434449" cy="4351338"/>
-          </a:xfrm>
-        </p:spPr>
-      </p:pic>
-      <p:sp>
-        <p:nvSpPr>
-          <p:cNvPr id="12" name="Inhaltsplatzhalter 11">
-            <a:extLst>
-              <a:ext uri="{FF2B5EF4-FFF2-40B4-BE49-F238E27FC236}">
-                <a16:creationId xmlns:a16="http://schemas.microsoft.com/office/drawing/2014/main" id="{22D784A1-EA59-4D3F-86FE-A183AB517FA7}"/>
-              </a:ext>
-            </a:extLst>
-          </p:cNvPr>
-          <p:cNvSpPr>
-            <a:spLocks noGrp="1"/>
-          </p:cNvSpPr>
-          <p:nvPr>
-            <p:ph sz="half" idx="2"/>
-          </p:nvPr>
-        </p:nvSpPr>
-        <p:spPr>
-          <a:xfrm>
-            <a:off x="914400" y="1690688"/>
-            <a:ext cx="5181600" cy="4351338"/>
-          </a:xfrm>
-        </p:spPr>
-        <p:txBody>
-          <a:bodyPr/>
-          <a:lstStyle/>
-          <a:p>
-            <a:r>
-              <a:rPr lang="de-DE" dirty="0"/>
-              <a:t>Durchführung analog zu Serienschwingkreis</a:t>
-            </a:r>
-          </a:p>
-          <a:p>
-            <a:r>
-              <a:rPr lang="de-DE" dirty="0"/>
-              <a:t>Auswertung über:</a:t>
-            </a:r>
-          </a:p>
-          <a:p>
-            <a:pPr lvl="1"/>
-            <a:r>
-              <a:rPr lang="de-DE" dirty="0"/>
-              <a:t>Gesamtstrom</a:t>
-            </a:r>
-          </a:p>
-          <a:p>
-            <a:pPr lvl="1"/>
-            <a:r>
-              <a:rPr lang="de-DE" dirty="0"/>
-              <a:t>Schnittpunkt Spule/Kondensator</a:t>
-            </a:r>
-          </a:p>
-          <a:p>
-            <a:pPr lvl="1"/>
-            <a:r>
-              <a:rPr lang="de-DE" dirty="0"/>
-              <a:t>Impedanz</a:t>
-            </a:r>
-          </a:p>
-          <a:p>
-            <a:pPr lvl="1"/>
-            <a:r>
-              <a:rPr lang="de-DE" dirty="0"/>
-              <a:t>Phase</a:t>
-            </a:r>
-          </a:p>
-        </p:txBody>
-      </p:sp>
-      <p:sp>
-        <p:nvSpPr>
-          <p:cNvPr id="4" name="Foliennummernplatzhalter 3">
-            <a:extLst>
-              <a:ext uri="{FF2B5EF4-FFF2-40B4-BE49-F238E27FC236}">
-                <a16:creationId xmlns:a16="http://schemas.microsoft.com/office/drawing/2014/main" id="{E049664E-C9E8-488A-8BF7-4A9DB941A443}"/>
-              </a:ext>
-            </a:extLst>
-          </p:cNvPr>
-          <p:cNvSpPr>
-            <a:spLocks noGrp="1"/>
-          </p:cNvSpPr>
-          <p:nvPr>
-            <p:ph type="sldNum" sz="quarter" idx="12"/>
-          </p:nvPr>
-        </p:nvSpPr>
-        <p:spPr/>
-        <p:txBody>
-          <a:bodyPr/>
-          <a:lstStyle/>
-          <a:p>
-            <a:fld id="{E276D0E3-8A91-4195-9D97-D4903B6F688B}" type="slidenum">
-              <a:rPr lang="de-DE" smtClean="0"/>
-              <a:t>3</a:t>
-            </a:fld>
-            <a:endParaRPr lang="de-DE"/>
-          </a:p>
-        </p:txBody>
-      </p:sp>
-      <p:pic>
-        <p:nvPicPr>
-          <p:cNvPr id="8" name="Grafik 7">
-            <a:extLst>
-              <a:ext uri="{FF2B5EF4-FFF2-40B4-BE49-F238E27FC236}">
-                <a16:creationId xmlns:a16="http://schemas.microsoft.com/office/drawing/2014/main" id="{60CDD6FE-332F-4D6F-BB84-6F410E5AC4B8}"/>
-              </a:ext>
-            </a:extLst>
-          </p:cNvPr>
-          <p:cNvPicPr>
-            <a:picLocks noChangeAspect="1"/>
-          </p:cNvPicPr>
-          <p:nvPr/>
-        </p:nvPicPr>
-        <p:blipFill>
-          <a:blip r:embed="rId3">
-            <a:extLst>
-              <a:ext uri="{28A0092B-C50C-407E-A947-70E740481C1C}">
-                <a14:useLocalDpi xmlns:a14="http://schemas.microsoft.com/office/drawing/2010/main" val="0"/>
-              </a:ext>
-            </a:extLst>
-          </a:blip>
-          <a:stretch>
-            <a:fillRect/>
-          </a:stretch>
-        </p:blipFill>
-        <p:spPr>
-          <a:xfrm>
-            <a:off x="838200" y="4926537"/>
-            <a:ext cx="6052893" cy="1348572"/>
-          </a:xfrm>
-          <a:prstGeom prst="rect">
-            <a:avLst/>
-          </a:prstGeom>
-        </p:spPr>
-      </p:pic>
-    </p:spTree>
-    <p:extLst>
-      <p:ext uri="{BB962C8B-B14F-4D97-AF65-F5344CB8AC3E}">
-        <p14:creationId xmlns:p14="http://schemas.microsoft.com/office/powerpoint/2010/main" val="1749885639"/>
-      </p:ext>
-    </p:extLst>
-  </p:cSld>
-  <p:clrMapOvr>
-    <a:masterClrMapping/>
-  </p:clrMapOvr>
-</p:sld>
-</file>
-
-<file path=ppt/slides/slide4.xml><?xml version="1.0" encoding="utf-8"?>
-<p:sld xmlns:a="http://schemas.openxmlformats.org/drawingml/2006/main" xmlns:r="http://schemas.openxmlformats.org/officeDocument/2006/relationships" xmlns:p="http://schemas.openxmlformats.org/presentationml/2006/main">
-  <p:cSld>
-    <p:spTree>
-      <p:nvGrpSpPr>
-        <p:cNvPr id="1" name=""/>
-        <p:cNvGrpSpPr/>
-        <p:nvPr/>
-      </p:nvGrpSpPr>
-      <p:grpSpPr>
-        <a:xfrm>
-          <a:off x="0" y="0"/>
-          <a:ext cx="0" cy="0"/>
-          <a:chOff x="0" y="0"/>
-          <a:chExt cx="0" cy="0"/>
-        </a:xfrm>
-      </p:grpSpPr>
-      <p:sp>
-        <p:nvSpPr>
-          <p:cNvPr id="2" name="Titel 1">
-            <a:extLst>
-              <a:ext uri="{FF2B5EF4-FFF2-40B4-BE49-F238E27FC236}">
-                <a16:creationId xmlns:a16="http://schemas.microsoft.com/office/drawing/2014/main" id="{8BBD4849-C003-4855-B760-70BDC47BB1B7}"/>
-              </a:ext>
-            </a:extLst>
-          </p:cNvPr>
-          <p:cNvSpPr>
-            <a:spLocks noGrp="1"/>
-          </p:cNvSpPr>
-          <p:nvPr>
-            <p:ph type="title"/>
-          </p:nvPr>
-        </p:nvSpPr>
-        <p:spPr/>
-        <p:txBody>
-          <a:bodyPr/>
-          <a:lstStyle/>
-          <a:p>
-            <a:r>
-              <a:rPr lang="de-DE" dirty="0"/>
-              <a:t>Parallelschwingkreis - Daten</a:t>
-            </a:r>
-          </a:p>
-        </p:txBody>
-      </p:sp>
-      <p:pic>
-        <p:nvPicPr>
-          <p:cNvPr id="7" name="Inhaltsplatzhalter 6">
-            <a:extLst>
-              <a:ext uri="{FF2B5EF4-FFF2-40B4-BE49-F238E27FC236}">
-                <a16:creationId xmlns:a16="http://schemas.microsoft.com/office/drawing/2014/main" id="{E7387A7C-C805-43FA-86C6-838619AC6890}"/>
-              </a:ext>
-            </a:extLst>
-          </p:cNvPr>
-          <p:cNvPicPr>
-            <a:picLocks noGrp="1" noChangeAspect="1"/>
-          </p:cNvPicPr>
-          <p:nvPr>
-            <p:ph sz="half" idx="1"/>
-          </p:nvPr>
-        </p:nvPicPr>
-        <p:blipFill>
-          <a:blip r:embed="rId2">
-            <a:extLst>
-              <a:ext uri="{28A0092B-C50C-407E-A947-70E740481C1C}">
-                <a14:useLocalDpi xmlns:a14="http://schemas.microsoft.com/office/drawing/2010/main" val="0"/>
-              </a:ext>
-            </a:extLst>
-          </a:blip>
-          <a:stretch>
-            <a:fillRect/>
-          </a:stretch>
-        </p:blipFill>
-        <p:spPr>
-          <a:xfrm>
-            <a:off x="192740" y="1690687"/>
-            <a:ext cx="6006728" cy="4486275"/>
-          </a:xfrm>
-        </p:spPr>
-      </p:pic>
-      <p:pic>
-        <p:nvPicPr>
-          <p:cNvPr id="9" name="Inhaltsplatzhalter 8">
-            <a:extLst>
-              <a:ext uri="{FF2B5EF4-FFF2-40B4-BE49-F238E27FC236}">
-                <a16:creationId xmlns:a16="http://schemas.microsoft.com/office/drawing/2014/main" id="{7FEF1031-B5BE-467E-8DFD-E9B64DC8B6C1}"/>
-              </a:ext>
-            </a:extLst>
-          </p:cNvPr>
-          <p:cNvPicPr>
-            <a:picLocks noGrp="1" noChangeAspect="1"/>
-          </p:cNvPicPr>
-          <p:nvPr>
-            <p:ph sz="half" idx="2"/>
-          </p:nvPr>
-        </p:nvPicPr>
-        <p:blipFill>
-          <a:blip r:embed="rId3">
-            <a:extLst>
-              <a:ext uri="{28A0092B-C50C-407E-A947-70E740481C1C}">
-                <a14:useLocalDpi xmlns:a14="http://schemas.microsoft.com/office/drawing/2010/main" val="0"/>
-              </a:ext>
-            </a:extLst>
-          </a:blip>
-          <a:stretch>
-            <a:fillRect/>
-          </a:stretch>
-        </p:blipFill>
-        <p:spPr>
-          <a:xfrm>
-            <a:off x="6096000" y="1690686"/>
-            <a:ext cx="6006730" cy="4486276"/>
-          </a:xfrm>
-        </p:spPr>
-      </p:pic>
-      <p:sp>
-        <p:nvSpPr>
-          <p:cNvPr id="5" name="Foliennummernplatzhalter 4">
-            <a:extLst>
-              <a:ext uri="{FF2B5EF4-FFF2-40B4-BE49-F238E27FC236}">
-                <a16:creationId xmlns:a16="http://schemas.microsoft.com/office/drawing/2014/main" id="{985C96EC-D759-4DFF-A882-38724FD029E8}"/>
-              </a:ext>
-            </a:extLst>
-          </p:cNvPr>
-          <p:cNvSpPr>
-            <a:spLocks noGrp="1"/>
-          </p:cNvSpPr>
-          <p:nvPr>
-            <p:ph type="sldNum" sz="quarter" idx="12"/>
-          </p:nvPr>
-        </p:nvSpPr>
-        <p:spPr/>
-        <p:txBody>
-          <a:bodyPr/>
-          <a:lstStyle/>
-          <a:p>
-            <a:fld id="{E276D0E3-8A91-4195-9D97-D4903B6F688B}" type="slidenum">
-              <a:rPr lang="de-DE" smtClean="0"/>
-              <a:t>4</a:t>
-            </a:fld>
-            <a:endParaRPr lang="de-DE"/>
-          </a:p>
-        </p:txBody>
-      </p:sp>
-    </p:spTree>
-    <p:extLst>
-      <p:ext uri="{BB962C8B-B14F-4D97-AF65-F5344CB8AC3E}">
-        <p14:creationId xmlns:p14="http://schemas.microsoft.com/office/powerpoint/2010/main" val="4174706924"/>
-      </p:ext>
-    </p:extLst>
-  </p:cSld>
-  <p:clrMapOvr>
-    <a:masterClrMapping/>
-  </p:clrMapOvr>
-</p:sld>
-</file>
-
-<file path=ppt/slides/slide5.xml><?xml version="1.0" encoding="utf-8"?>
-<p:sld xmlns:a="http://schemas.openxmlformats.org/drawingml/2006/main" xmlns:r="http://schemas.openxmlformats.org/officeDocument/2006/relationships" xmlns:p="http://schemas.openxmlformats.org/presentationml/2006/main">
-  <p:cSld>
-    <p:spTree>
-      <p:nvGrpSpPr>
-        <p:cNvPr id="1" name=""/>
-        <p:cNvGrpSpPr/>
-        <p:nvPr/>
-      </p:nvGrpSpPr>
-      <p:grpSpPr>
-        <a:xfrm>
-          <a:off x="0" y="0"/>
-          <a:ext cx="0" cy="0"/>
-          <a:chOff x="0" y="0"/>
-          <a:chExt cx="0" cy="0"/>
-        </a:xfrm>
-      </p:grpSpPr>
-      <p:sp>
-        <p:nvSpPr>
-          <p:cNvPr id="2" name="Titel 1">
-            <a:extLst>
-              <a:ext uri="{FF2B5EF4-FFF2-40B4-BE49-F238E27FC236}">
-                <a16:creationId xmlns:a16="http://schemas.microsoft.com/office/drawing/2014/main" id="{605C5D51-3D03-4074-B5E3-4F3214B2C189}"/>
+                <a16:creationId xmlns:a16="http://schemas.microsoft.com/office/drawing/2014/main" id="{07E5DAB4-C08D-40A6-9280-BD650D4066FF}"/>
               </a:ext>
             </a:extLst>
           </p:cNvPr>
@@ -4873,385 +3854,8 @@
           </a:p>
         </p:txBody>
       </p:sp>
-      <p:pic>
-        <p:nvPicPr>
-          <p:cNvPr id="7" name="Inhaltsplatzhalter 6">
-            <a:extLst>
-              <a:ext uri="{FF2B5EF4-FFF2-40B4-BE49-F238E27FC236}">
-                <a16:creationId xmlns:a16="http://schemas.microsoft.com/office/drawing/2014/main" id="{E6BD3F56-863E-43DA-947B-3A9E9E92C872}"/>
-              </a:ext>
-            </a:extLst>
-          </p:cNvPr>
-          <p:cNvPicPr>
-            <a:picLocks noGrp="1" noChangeAspect="1"/>
-          </p:cNvPicPr>
-          <p:nvPr>
-            <p:ph sz="half" idx="1"/>
-          </p:nvPr>
-        </p:nvPicPr>
-        <p:blipFill>
-          <a:blip r:embed="rId2">
-            <a:extLst>
-              <a:ext uri="{28A0092B-C50C-407E-A947-70E740481C1C}">
-                <a14:useLocalDpi xmlns:a14="http://schemas.microsoft.com/office/drawing/2010/main" val="0"/>
-              </a:ext>
-            </a:extLst>
-          </a:blip>
-          <a:stretch>
-            <a:fillRect/>
-          </a:stretch>
-        </p:blipFill>
-        <p:spPr>
-          <a:xfrm>
-            <a:off x="0" y="2013791"/>
-            <a:ext cx="6218825" cy="3975006"/>
-          </a:xfrm>
-        </p:spPr>
-      </p:pic>
-      <mc:AlternateContent xmlns:mc="http://schemas.openxmlformats.org/markup-compatibility/2006">
-        <mc:Choice xmlns:a14="http://schemas.microsoft.com/office/drawing/2010/main" Requires="a14">
-          <p:sp>
-            <p:nvSpPr>
-              <p:cNvPr id="4" name="Inhaltsplatzhalter 3">
-                <a:extLst>
-                  <a:ext uri="{FF2B5EF4-FFF2-40B4-BE49-F238E27FC236}">
-                    <a16:creationId xmlns:a16="http://schemas.microsoft.com/office/drawing/2014/main" id="{D24737FA-D3AC-4F50-BCF7-F947C520DA33}"/>
-                  </a:ext>
-                </a:extLst>
-              </p:cNvPr>
-              <p:cNvSpPr>
-                <a:spLocks noGrp="1"/>
-              </p:cNvSpPr>
-              <p:nvPr>
-                <p:ph sz="half" idx="2"/>
-              </p:nvPr>
-            </p:nvSpPr>
-            <p:spPr>
-              <a:xfrm>
-                <a:off x="6172200" y="1825625"/>
-                <a:ext cx="5802206" cy="4351338"/>
-              </a:xfrm>
-            </p:spPr>
-            <p:txBody>
-              <a:bodyPr/>
-              <a:lstStyle/>
-              <a:p>
-                <a:r>
-                  <a:rPr lang="de-DE" dirty="0"/>
-                  <a:t>Minimum bei Resonanzfrequenz </a:t>
-                </a:r>
-                <a14:m>
-                  <m:oMath xmlns:m="http://schemas.openxmlformats.org/officeDocument/2006/math">
-                    <m:sSub>
-                      <m:sSubPr>
-                        <m:ctrlPr>
-                          <a:rPr lang="de-DE" b="0" i="1" smtClean="0">
-                            <a:latin typeface="Cambria Math" panose="02040503050406030204" pitchFamily="18" charset="0"/>
-                          </a:rPr>
-                        </m:ctrlPr>
-                      </m:sSubPr>
-                      <m:e>
-                        <m:r>
-                          <a:rPr lang="de-DE" b="0" i="1" smtClean="0">
-                            <a:latin typeface="Cambria Math" panose="02040503050406030204" pitchFamily="18" charset="0"/>
-                          </a:rPr>
-                          <m:t>𝑓</m:t>
-                        </m:r>
-                      </m:e>
-                      <m:sub>
-                        <m:r>
-                          <a:rPr lang="de-DE" b="0" i="1" smtClean="0">
-                            <a:latin typeface="Cambria Math" panose="02040503050406030204" pitchFamily="18" charset="0"/>
-                          </a:rPr>
-                          <m:t>0</m:t>
-                        </m:r>
-                      </m:sub>
-                    </m:sSub>
-                  </m:oMath>
-                </a14:m>
-                <a:endParaRPr lang="de-DE" dirty="0"/>
-              </a:p>
-              <a:p>
-                <a:pPr lvl="1"/>
-                <a:r>
-                  <a:rPr lang="de-DE" dirty="0"/>
-                  <a:t>Fehler visuell abgeschätzt</a:t>
-                </a:r>
-              </a:p>
-              <a:p>
-                <a14:m>
-                  <m:oMath xmlns:m="http://schemas.openxmlformats.org/officeDocument/2006/math">
-                    <m:r>
-                      <m:rPr>
-                        <m:sty m:val="p"/>
-                      </m:rPr>
-                      <a:rPr lang="de-DE" b="0" i="0" smtClean="0">
-                        <a:latin typeface="Cambria Math" panose="02040503050406030204" pitchFamily="18" charset="0"/>
-                      </a:rPr>
-                      <m:t>Δ</m:t>
-                    </m:r>
-                    <m:r>
-                      <a:rPr lang="de-DE" b="0" i="1" smtClean="0">
-                        <a:latin typeface="Cambria Math" panose="02040503050406030204" pitchFamily="18" charset="0"/>
-                      </a:rPr>
-                      <m:t>𝑓</m:t>
-                    </m:r>
-                  </m:oMath>
-                </a14:m>
-                <a:r>
-                  <a:rPr lang="de-DE" dirty="0"/>
-                  <a:t> Breite bei </a:t>
-                </a:r>
-                <a14:m>
-                  <m:oMath xmlns:m="http://schemas.openxmlformats.org/officeDocument/2006/math">
-                    <m:r>
-                      <a:rPr lang="de-DE" b="0" i="1" smtClean="0">
-                        <a:latin typeface="Cambria Math" panose="02040503050406030204" pitchFamily="18" charset="0"/>
-                      </a:rPr>
-                      <m:t>𝐼</m:t>
-                    </m:r>
-                    <m:r>
-                      <a:rPr lang="de-DE" b="0" i="1" smtClean="0">
-                        <a:latin typeface="Cambria Math" panose="02040503050406030204" pitchFamily="18" charset="0"/>
-                      </a:rPr>
-                      <m:t>=</m:t>
-                    </m:r>
-                    <m:sSub>
-                      <m:sSubPr>
-                        <m:ctrlPr>
-                          <a:rPr lang="de-DE" b="0" i="1" smtClean="0">
-                            <a:latin typeface="Cambria Math" panose="02040503050406030204" pitchFamily="18" charset="0"/>
-                          </a:rPr>
-                        </m:ctrlPr>
-                      </m:sSubPr>
-                      <m:e>
-                        <m:r>
-                          <a:rPr lang="de-DE" b="0" i="1" smtClean="0">
-                            <a:latin typeface="Cambria Math" panose="02040503050406030204" pitchFamily="18" charset="0"/>
-                          </a:rPr>
-                          <m:t>𝐼</m:t>
-                        </m:r>
-                      </m:e>
-                      <m:sub>
-                        <m:r>
-                          <a:rPr lang="de-DE" b="0" i="1" smtClean="0">
-                            <a:latin typeface="Cambria Math" panose="02040503050406030204" pitchFamily="18" charset="0"/>
-                          </a:rPr>
-                          <m:t>0</m:t>
-                        </m:r>
-                      </m:sub>
-                    </m:sSub>
-                    <m:r>
-                      <a:rPr lang="de-DE" b="0" i="1" smtClean="0">
-                        <a:latin typeface="Cambria Math" panose="02040503050406030204" pitchFamily="18" charset="0"/>
-                      </a:rPr>
-                      <m:t>⋅</m:t>
-                    </m:r>
-                    <m:rad>
-                      <m:radPr>
-                        <m:degHide m:val="on"/>
-                        <m:ctrlPr>
-                          <a:rPr lang="de-DE" b="0" i="1" smtClean="0">
-                            <a:latin typeface="Cambria Math" panose="02040503050406030204" pitchFamily="18" charset="0"/>
-                          </a:rPr>
-                        </m:ctrlPr>
-                      </m:radPr>
-                      <m:deg/>
-                      <m:e>
-                        <m:r>
-                          <a:rPr lang="de-DE" b="0" i="1" smtClean="0">
-                            <a:latin typeface="Cambria Math" panose="02040503050406030204" pitchFamily="18" charset="0"/>
-                          </a:rPr>
-                          <m:t>2</m:t>
-                        </m:r>
-                      </m:e>
-                    </m:rad>
-                  </m:oMath>
-                </a14:m>
-                <a:endParaRPr lang="de-DE" dirty="0"/>
-              </a:p>
-              <a:p>
-                <a:pPr lvl="1"/>
-                <a:r>
-                  <a:rPr lang="de-DE" dirty="0"/>
-                  <a:t>Fehler durch Verschieben von </a:t>
-                </a:r>
-                <a14:m>
-                  <m:oMath xmlns:m="http://schemas.openxmlformats.org/officeDocument/2006/math">
-                    <m:sSub>
-                      <m:sSubPr>
-                        <m:ctrlPr>
-                          <a:rPr lang="de-DE" b="0" i="1" smtClean="0">
-                            <a:latin typeface="Cambria Math" panose="02040503050406030204" pitchFamily="18" charset="0"/>
-                          </a:rPr>
-                        </m:ctrlPr>
-                      </m:sSubPr>
-                      <m:e>
-                        <m:r>
-                          <a:rPr lang="de-DE" b="0" i="1" smtClean="0">
-                            <a:latin typeface="Cambria Math" panose="02040503050406030204" pitchFamily="18" charset="0"/>
-                          </a:rPr>
-                          <m:t>𝐼</m:t>
-                        </m:r>
-                      </m:e>
-                      <m:sub>
-                        <m:r>
-                          <a:rPr lang="de-DE" b="0" i="1" smtClean="0">
-                            <a:latin typeface="Cambria Math" panose="02040503050406030204" pitchFamily="18" charset="0"/>
-                          </a:rPr>
-                          <m:t>0</m:t>
-                        </m:r>
-                      </m:sub>
-                    </m:sSub>
-                  </m:oMath>
-                </a14:m>
-                <a:r>
-                  <a:rPr lang="de-DE" dirty="0"/>
-                  <a:t> </a:t>
-                </a:r>
-              </a:p>
-              <a:p>
-                <a:pPr marL="0" indent="0">
-                  <a:buNone/>
-                </a:pPr>
-                <a:endParaRPr lang="de-DE" dirty="0"/>
-              </a:p>
-            </p:txBody>
-          </p:sp>
-        </mc:Choice>
-        <mc:Fallback>
-          <p:sp>
-            <p:nvSpPr>
-              <p:cNvPr id="4" name="Inhaltsplatzhalter 3">
-                <a:extLst>
-                  <a:ext uri="{FF2B5EF4-FFF2-40B4-BE49-F238E27FC236}">
-                    <a16:creationId xmlns:a16="http://schemas.microsoft.com/office/drawing/2014/main" id="{D24737FA-D3AC-4F50-BCF7-F947C520DA33}"/>
-                  </a:ext>
-                </a:extLst>
-              </p:cNvPr>
-              <p:cNvSpPr>
-                <a:spLocks noGrp="1" noRot="1" noChangeAspect="1" noMove="1" noResize="1" noEditPoints="1" noAdjustHandles="1" noChangeArrowheads="1" noChangeShapeType="1" noTextEdit="1"/>
-              </p:cNvSpPr>
-              <p:nvPr>
-                <p:ph sz="half" idx="2"/>
-              </p:nvPr>
-            </p:nvSpPr>
-            <p:spPr>
-              <a:xfrm>
-                <a:off x="6172200" y="1825625"/>
-                <a:ext cx="5802206" cy="4351338"/>
-              </a:xfrm>
-              <a:blipFill>
-                <a:blip r:embed="rId3"/>
-                <a:stretch>
-                  <a:fillRect l="-1893" t="-2241"/>
-                </a:stretch>
-              </a:blipFill>
-            </p:spPr>
-            <p:txBody>
-              <a:bodyPr/>
-              <a:lstStyle/>
-              <a:p>
-                <a:r>
-                  <a:rPr lang="de-DE">
-                    <a:noFill/>
-                  </a:rPr>
-                  <a:t> </a:t>
-                </a:r>
-              </a:p>
-            </p:txBody>
-          </p:sp>
-        </mc:Fallback>
-      </mc:AlternateContent>
-      <p:sp>
-        <p:nvSpPr>
-          <p:cNvPr id="5" name="Foliennummernplatzhalter 4">
-            <a:extLst>
-              <a:ext uri="{FF2B5EF4-FFF2-40B4-BE49-F238E27FC236}">
-                <a16:creationId xmlns:a16="http://schemas.microsoft.com/office/drawing/2014/main" id="{A8E2AB13-BC72-4796-B9A0-E84D6838AFF7}"/>
-              </a:ext>
-            </a:extLst>
-          </p:cNvPr>
-          <p:cNvSpPr>
-            <a:spLocks noGrp="1"/>
-          </p:cNvSpPr>
-          <p:nvPr>
-            <p:ph type="sldNum" sz="quarter" idx="12"/>
-          </p:nvPr>
-        </p:nvSpPr>
-        <p:spPr/>
-        <p:txBody>
-          <a:bodyPr/>
-          <a:lstStyle/>
-          <a:p>
-            <a:fld id="{E276D0E3-8A91-4195-9D97-D4903B6F688B}" type="slidenum">
-              <a:rPr lang="de-DE" smtClean="0"/>
-              <a:t>5</a:t>
-            </a:fld>
-            <a:endParaRPr lang="de-DE"/>
-          </a:p>
-        </p:txBody>
-      </p:sp>
-    </p:spTree>
-    <p:extLst>
-      <p:ext uri="{BB962C8B-B14F-4D97-AF65-F5344CB8AC3E}">
-        <p14:creationId xmlns:p14="http://schemas.microsoft.com/office/powerpoint/2010/main" val="2141424761"/>
-      </p:ext>
-    </p:extLst>
-  </p:cSld>
-  <p:clrMapOvr>
-    <a:masterClrMapping/>
-  </p:clrMapOvr>
-</p:sld>
-</file>
-
-<file path=ppt/slides/slide6.xml><?xml version="1.0" encoding="utf-8"?>
-<p:sld xmlns:a="http://schemas.openxmlformats.org/drawingml/2006/main" xmlns:r="http://schemas.openxmlformats.org/officeDocument/2006/relationships" xmlns:p="http://schemas.openxmlformats.org/presentationml/2006/main">
-  <p:cSld>
-    <p:spTree>
-      <p:nvGrpSpPr>
-        <p:cNvPr id="1" name=""/>
-        <p:cNvGrpSpPr/>
-        <p:nvPr/>
-      </p:nvGrpSpPr>
-      <p:grpSpPr>
-        <a:xfrm>
-          <a:off x="0" y="0"/>
-          <a:ext cx="0" cy="0"/>
-          <a:chOff x="0" y="0"/>
-          <a:chExt cx="0" cy="0"/>
-        </a:xfrm>
-      </p:grpSpPr>
-      <p:sp>
-        <p:nvSpPr>
-          <p:cNvPr id="2" name="Titel 1">
-            <a:extLst>
-              <a:ext uri="{FF2B5EF4-FFF2-40B4-BE49-F238E27FC236}">
-                <a16:creationId xmlns:a16="http://schemas.microsoft.com/office/drawing/2014/main" id="{07E5DAB4-C08D-40A6-9280-BD650D4066FF}"/>
-              </a:ext>
-            </a:extLst>
-          </p:cNvPr>
-          <p:cNvSpPr>
-            <a:spLocks noGrp="1"/>
-          </p:cNvSpPr>
-          <p:nvPr>
-            <p:ph type="title"/>
-          </p:nvPr>
-        </p:nvSpPr>
-        <p:spPr/>
-        <p:txBody>
-          <a:bodyPr/>
-          <a:lstStyle/>
-          <a:p>
-            <a:r>
-              <a:rPr lang="de-DE" dirty="0"/>
-              <a:t>Parallelschwingkreis - Gesamtstrom</a:t>
-            </a:r>
-          </a:p>
-        </p:txBody>
-      </p:sp>
-      <mc:AlternateContent xmlns:mc="http://schemas.openxmlformats.org/markup-compatibility/2006">
-        <mc:Choice xmlns:a14="http://schemas.microsoft.com/office/drawing/2010/main" Requires="a14">
+      <mc:AlternateContent xmlns:mc="http://schemas.openxmlformats.org/markup-compatibility/2006" xmlns:a14="http://schemas.microsoft.com/office/drawing/2010/main">
+        <mc:Choice Requires="a14">
           <p:sp>
             <p:nvSpPr>
               <p:cNvPr id="4" name="Inhaltsplatzhalter 3">
@@ -5584,7 +4188,7 @@
             </p:txBody>
           </p:sp>
         </mc:Choice>
-        <mc:Fallback>
+        <mc:Fallback xmlns="">
           <p:sp>
             <p:nvSpPr>
               <p:cNvPr id="4" name="Inhaltsplatzhalter 3">
@@ -5651,7 +4255,7 @@
           <a:p>
             <a:fld id="{E276D0E3-8A91-4195-9D97-D4903B6F688B}" type="slidenum">
               <a:rPr lang="de-DE" smtClean="0"/>
-              <a:t>6</a:t>
+              <a:t>10</a:t>
             </a:fld>
             <a:endParaRPr lang="de-DE"/>
           </a:p>
@@ -5708,7 +4312,7 @@
 </p:sld>
 </file>
 
-<file path=ppt/slides/slide7.xml><?xml version="1.0" encoding="utf-8"?>
+<file path=ppt/slides/slide11.xml><?xml version="1.0" encoding="utf-8"?>
 <p:sld xmlns:a="http://schemas.openxmlformats.org/drawingml/2006/main" xmlns:r="http://schemas.openxmlformats.org/officeDocument/2006/relationships" xmlns:p="http://schemas.openxmlformats.org/presentationml/2006/main">
   <p:cSld>
     <p:spTree>
@@ -5866,7 +4470,7 @@
           <a:p>
             <a:fld id="{E276D0E3-8A91-4195-9D97-D4903B6F688B}" type="slidenum">
               <a:rPr lang="de-DE" smtClean="0"/>
-              <a:t>7</a:t>
+              <a:t>11</a:t>
             </a:fld>
             <a:endParaRPr lang="de-DE"/>
           </a:p>
@@ -5885,7 +4489,7 @@
 </p:sld>
 </file>
 
-<file path=ppt/slides/slide8.xml><?xml version="1.0" encoding="utf-8"?>
+<file path=ppt/slides/slide12.xml><?xml version="1.0" encoding="utf-8"?>
 <p:sld xmlns:a="http://schemas.openxmlformats.org/drawingml/2006/main" xmlns:r="http://schemas.openxmlformats.org/officeDocument/2006/relationships" xmlns:p="http://schemas.openxmlformats.org/presentationml/2006/main">
   <p:cSld>
     <p:spTree>
@@ -5930,8 +4534,8 @@
           </a:p>
         </p:txBody>
       </p:sp>
-      <mc:AlternateContent xmlns:mc="http://schemas.openxmlformats.org/markup-compatibility/2006">
-        <mc:Choice xmlns:a14="http://schemas.microsoft.com/office/drawing/2010/main" Requires="a14">
+      <mc:AlternateContent xmlns:mc="http://schemas.openxmlformats.org/markup-compatibility/2006" xmlns:a14="http://schemas.microsoft.com/office/drawing/2010/main">
+        <mc:Choice Requires="a14">
           <p:sp>
             <p:nvSpPr>
               <p:cNvPr id="11" name="Inhaltsplatzhalter 10">
@@ -6048,7 +4652,7 @@
                         <m:sSub>
                           <m:sSubPr>
                             <m:ctrlPr>
-                              <a:rPr lang="de-DE" b="0" i="0" smtClean="0">
+                              <a:rPr lang="de-DE" b="0" i="1" smtClean="0">
                                 <a:latin typeface="Cambria Math" panose="02040503050406030204" pitchFamily="18" charset="0"/>
                               </a:rPr>
                             </m:ctrlPr>
@@ -6082,7 +4686,7 @@
                         <m:sSub>
                           <m:sSubPr>
                             <m:ctrlPr>
-                              <a:rPr lang="de-DE" b="0" i="0" smtClean="0">
+                              <a:rPr lang="de-DE" b="0" i="1" smtClean="0">
                                 <a:latin typeface="Cambria Math" panose="02040503050406030204" pitchFamily="18" charset="0"/>
                               </a:rPr>
                             </m:ctrlPr>
@@ -6248,7 +4852,7 @@
             </p:txBody>
           </p:sp>
         </mc:Choice>
-        <mc:Fallback>
+        <mc:Fallback xmlns="">
           <p:sp>
             <p:nvSpPr>
               <p:cNvPr id="11" name="Inhaltsplatzhalter 10">
@@ -6315,7 +4919,7 @@
           <a:p>
             <a:fld id="{E276D0E3-8A91-4195-9D97-D4903B6F688B}" type="slidenum">
               <a:rPr lang="de-DE" smtClean="0"/>
-              <a:t>8</a:t>
+              <a:t>12</a:t>
             </a:fld>
             <a:endParaRPr lang="de-DE"/>
           </a:p>
@@ -6369,7 +4973,7 @@
 </p:sld>
 </file>
 
-<file path=ppt/slides/slide9.xml><?xml version="1.0" encoding="utf-8"?>
+<file path=ppt/slides/slide13.xml><?xml version="1.0" encoding="utf-8"?>
 <p:sld xmlns:a="http://schemas.openxmlformats.org/drawingml/2006/main" xmlns:r="http://schemas.openxmlformats.org/officeDocument/2006/relationships" xmlns:p="http://schemas.openxmlformats.org/presentationml/2006/main">
   <p:cSld>
     <p:spTree>
@@ -6449,8 +5053,8 @@
           </a:xfrm>
         </p:spPr>
       </p:pic>
-      <mc:AlternateContent xmlns:mc="http://schemas.openxmlformats.org/markup-compatibility/2006">
-        <mc:Choice xmlns:a14="http://schemas.microsoft.com/office/drawing/2010/main" Requires="a14">
+      <mc:AlternateContent xmlns:mc="http://schemas.openxmlformats.org/markup-compatibility/2006" xmlns:a14="http://schemas.microsoft.com/office/drawing/2010/main">
+        <mc:Choice Requires="a14">
           <p:sp>
             <p:nvSpPr>
               <p:cNvPr id="4" name="Inhaltsplatzhalter 3">
@@ -6673,7 +5277,7 @@
                     <m:d>
                       <m:dPr>
                         <m:ctrlPr>
-                          <a:rPr lang="de-DE" b="0" i="0" smtClean="0">
+                          <a:rPr lang="de-DE" b="0" i="1" smtClean="0">
                             <a:latin typeface="Cambria Math" panose="02040503050406030204" pitchFamily="18" charset="0"/>
                           </a:rPr>
                         </m:ctrlPr>
@@ -6881,7 +5485,7 @@
             </p:txBody>
           </p:sp>
         </mc:Choice>
-        <mc:Fallback>
+        <mc:Fallback xmlns="">
           <p:sp>
             <p:nvSpPr>
               <p:cNvPr id="4" name="Inhaltsplatzhalter 3">
@@ -6948,7 +5552,7 @@
           <a:p>
             <a:fld id="{E276D0E3-8A91-4195-9D97-D4903B6F688B}" type="slidenum">
               <a:rPr lang="de-DE" smtClean="0"/>
-              <a:t>9</a:t>
+              <a:t>13</a:t>
             </a:fld>
             <a:endParaRPr lang="de-DE" dirty="0"/>
           </a:p>
@@ -6994,6 +5598,3253 @@
     <p:extLst>
       <p:ext uri="{BB962C8B-B14F-4D97-AF65-F5344CB8AC3E}">
         <p14:creationId xmlns:p14="http://schemas.microsoft.com/office/powerpoint/2010/main" val="2391980029"/>
+      </p:ext>
+    </p:extLst>
+  </p:cSld>
+  <p:clrMapOvr>
+    <a:masterClrMapping/>
+  </p:clrMapOvr>
+</p:sld>
+</file>
+
+<file path=ppt/slides/slide14.xml><?xml version="1.0" encoding="utf-8"?>
+<p:sld xmlns:a="http://schemas.openxmlformats.org/drawingml/2006/main" xmlns:r="http://schemas.openxmlformats.org/officeDocument/2006/relationships" xmlns:p="http://schemas.openxmlformats.org/presentationml/2006/main">
+  <p:cSld>
+    <p:spTree>
+      <p:nvGrpSpPr>
+        <p:cNvPr id="1" name=""/>
+        <p:cNvGrpSpPr/>
+        <p:nvPr/>
+      </p:nvGrpSpPr>
+      <p:grpSpPr>
+        <a:xfrm>
+          <a:off x="0" y="0"/>
+          <a:ext cx="0" cy="0"/>
+          <a:chOff x="0" y="0"/>
+          <a:chExt cx="0" cy="0"/>
+        </a:xfrm>
+      </p:grpSpPr>
+      <p:sp>
+        <p:nvSpPr>
+          <p:cNvPr id="2" name="Titel 1">
+            <a:extLst>
+              <a:ext uri="{FF2B5EF4-FFF2-40B4-BE49-F238E27FC236}">
+                <a16:creationId xmlns:a16="http://schemas.microsoft.com/office/drawing/2014/main" id="{029F63D8-99C8-4358-8D64-E41BC8B4D24E}"/>
+              </a:ext>
+            </a:extLst>
+          </p:cNvPr>
+          <p:cNvSpPr>
+            <a:spLocks noGrp="1"/>
+          </p:cNvSpPr>
+          <p:nvPr>
+            <p:ph type="title"/>
+          </p:nvPr>
+        </p:nvSpPr>
+        <p:spPr/>
+        <p:txBody>
+          <a:bodyPr/>
+          <a:lstStyle/>
+          <a:p>
+            <a:r>
+              <a:rPr lang="de-DE" dirty="0"/>
+              <a:t>Parallelschwingkreis - Phase</a:t>
+            </a:r>
+          </a:p>
+        </p:txBody>
+      </p:sp>
+      <p:pic>
+        <p:nvPicPr>
+          <p:cNvPr id="7" name="Inhaltsplatzhalter 6">
+            <a:extLst>
+              <a:ext uri="{FF2B5EF4-FFF2-40B4-BE49-F238E27FC236}">
+                <a16:creationId xmlns:a16="http://schemas.microsoft.com/office/drawing/2014/main" id="{0A7A6098-2098-4916-A60B-2B6334C0B3DC}"/>
+              </a:ext>
+            </a:extLst>
+          </p:cNvPr>
+          <p:cNvPicPr>
+            <a:picLocks noGrp="1" noChangeAspect="1"/>
+          </p:cNvPicPr>
+          <p:nvPr>
+            <p:ph sz="half" idx="1"/>
+          </p:nvPr>
+        </p:nvPicPr>
+        <p:blipFill>
+          <a:blip r:embed="rId2">
+            <a:extLst>
+              <a:ext uri="{28A0092B-C50C-407E-A947-70E740481C1C}">
+                <a14:useLocalDpi xmlns:a14="http://schemas.microsoft.com/office/drawing/2010/main" val="0"/>
+              </a:ext>
+            </a:extLst>
+          </a:blip>
+          <a:stretch>
+            <a:fillRect/>
+          </a:stretch>
+        </p:blipFill>
+        <p:spPr>
+          <a:xfrm>
+            <a:off x="838200" y="2066290"/>
+            <a:ext cx="5181600" cy="3870007"/>
+          </a:xfrm>
+        </p:spPr>
+      </p:pic>
+      <p:pic>
+        <p:nvPicPr>
+          <p:cNvPr id="9" name="Inhaltsplatzhalter 8">
+            <a:extLst>
+              <a:ext uri="{FF2B5EF4-FFF2-40B4-BE49-F238E27FC236}">
+                <a16:creationId xmlns:a16="http://schemas.microsoft.com/office/drawing/2014/main" id="{D00A9720-8C3B-4AA8-85A3-5B9A2CF7D56B}"/>
+              </a:ext>
+            </a:extLst>
+          </p:cNvPr>
+          <p:cNvPicPr>
+            <a:picLocks noGrp="1" noChangeAspect="1"/>
+          </p:cNvPicPr>
+          <p:nvPr>
+            <p:ph sz="half" idx="2"/>
+          </p:nvPr>
+        </p:nvPicPr>
+        <p:blipFill>
+          <a:blip r:embed="rId3">
+            <a:extLst>
+              <a:ext uri="{28A0092B-C50C-407E-A947-70E740481C1C}">
+                <a14:useLocalDpi xmlns:a14="http://schemas.microsoft.com/office/drawing/2010/main" val="0"/>
+              </a:ext>
+            </a:extLst>
+          </a:blip>
+          <a:stretch>
+            <a:fillRect/>
+          </a:stretch>
+        </p:blipFill>
+        <p:spPr>
+          <a:xfrm>
+            <a:off x="6172200" y="2066290"/>
+            <a:ext cx="5181600" cy="3870007"/>
+          </a:xfrm>
+        </p:spPr>
+      </p:pic>
+      <p:sp>
+        <p:nvSpPr>
+          <p:cNvPr id="5" name="Foliennummernplatzhalter 4">
+            <a:extLst>
+              <a:ext uri="{FF2B5EF4-FFF2-40B4-BE49-F238E27FC236}">
+                <a16:creationId xmlns:a16="http://schemas.microsoft.com/office/drawing/2014/main" id="{7FCAD28F-11B2-4521-A1A6-92398B6B6DA9}"/>
+              </a:ext>
+            </a:extLst>
+          </p:cNvPr>
+          <p:cNvSpPr>
+            <a:spLocks noGrp="1"/>
+          </p:cNvSpPr>
+          <p:nvPr>
+            <p:ph type="sldNum" sz="quarter" idx="12"/>
+          </p:nvPr>
+        </p:nvSpPr>
+        <p:spPr/>
+        <p:txBody>
+          <a:bodyPr/>
+          <a:lstStyle/>
+          <a:p>
+            <a:fld id="{E276D0E3-8A91-4195-9D97-D4903B6F688B}" type="slidenum">
+              <a:rPr lang="de-DE" smtClean="0"/>
+              <a:t>14</a:t>
+            </a:fld>
+            <a:endParaRPr lang="de-DE"/>
+          </a:p>
+        </p:txBody>
+      </p:sp>
+    </p:spTree>
+    <p:extLst>
+      <p:ext uri="{BB962C8B-B14F-4D97-AF65-F5344CB8AC3E}">
+        <p14:creationId xmlns:p14="http://schemas.microsoft.com/office/powerpoint/2010/main" val="1038482127"/>
+      </p:ext>
+    </p:extLst>
+  </p:cSld>
+  <p:clrMapOvr>
+    <a:masterClrMapping/>
+  </p:clrMapOvr>
+</p:sld>
+</file>
+
+<file path=ppt/slides/slide15.xml><?xml version="1.0" encoding="utf-8"?>
+<p:sld xmlns:a="http://schemas.openxmlformats.org/drawingml/2006/main" xmlns:r="http://schemas.openxmlformats.org/officeDocument/2006/relationships" xmlns:p="http://schemas.openxmlformats.org/presentationml/2006/main">
+  <p:cSld>
+    <p:spTree>
+      <p:nvGrpSpPr>
+        <p:cNvPr id="1" name=""/>
+        <p:cNvGrpSpPr/>
+        <p:nvPr/>
+      </p:nvGrpSpPr>
+      <p:grpSpPr>
+        <a:xfrm>
+          <a:off x="0" y="0"/>
+          <a:ext cx="0" cy="0"/>
+          <a:chOff x="0" y="0"/>
+          <a:chExt cx="0" cy="0"/>
+        </a:xfrm>
+      </p:grpSpPr>
+      <p:sp>
+        <p:nvSpPr>
+          <p:cNvPr id="2" name="Titel 1">
+            <a:extLst>
+              <a:ext uri="{FF2B5EF4-FFF2-40B4-BE49-F238E27FC236}">
+                <a16:creationId xmlns:a16="http://schemas.microsoft.com/office/drawing/2014/main" id="{A06AF04C-2EB0-4DA5-8D8C-6A3581B36BA6}"/>
+              </a:ext>
+            </a:extLst>
+          </p:cNvPr>
+          <p:cNvSpPr>
+            <a:spLocks noGrp="1"/>
+          </p:cNvSpPr>
+          <p:nvPr>
+            <p:ph type="title"/>
+          </p:nvPr>
+        </p:nvSpPr>
+        <p:spPr/>
+        <p:txBody>
+          <a:bodyPr/>
+          <a:lstStyle/>
+          <a:p>
+            <a:endParaRPr lang="de-DE"/>
+          </a:p>
+        </p:txBody>
+      </p:sp>
+      <mc:AlternateContent xmlns:mc="http://schemas.openxmlformats.org/markup-compatibility/2006" xmlns:a14="http://schemas.microsoft.com/office/drawing/2010/main">
+        <mc:Choice Requires="a14">
+          <p:sp>
+            <p:nvSpPr>
+              <p:cNvPr id="3" name="Inhaltsplatzhalter 2">
+                <a:extLst>
+                  <a:ext uri="{FF2B5EF4-FFF2-40B4-BE49-F238E27FC236}">
+                    <a16:creationId xmlns:a16="http://schemas.microsoft.com/office/drawing/2014/main" id="{E7B379F4-4EC6-4FC5-99C4-EC811C2CF438}"/>
+                  </a:ext>
+                </a:extLst>
+              </p:cNvPr>
+              <p:cNvSpPr>
+                <a:spLocks noGrp="1"/>
+              </p:cNvSpPr>
+              <p:nvPr>
+                <p:ph idx="1"/>
+              </p:nvPr>
+            </p:nvSpPr>
+            <p:spPr>
+              <a:xfrm>
+                <a:off x="838200" y="2541587"/>
+                <a:ext cx="10515600" cy="4351338"/>
+              </a:xfrm>
+            </p:spPr>
+            <p:txBody>
+              <a:bodyPr/>
+              <a:lstStyle/>
+              <a:p>
+                <a:r>
+                  <a:rPr lang="de-DE" dirty="0"/>
+                  <a:t>Gewichteter Mittelwert:</a:t>
+                </a:r>
+              </a:p>
+              <a:p>
+                <a:pPr lvl="1"/>
+                <a:r>
+                  <a:rPr lang="de-DE" dirty="0"/>
+                  <a:t>Gruppe A: </a:t>
+                </a:r>
+                <a14:m>
+                  <m:oMath xmlns:m="http://schemas.openxmlformats.org/officeDocument/2006/math">
+                    <m:sSub>
+                      <m:sSubPr>
+                        <m:ctrlPr>
+                          <a:rPr lang="de-DE" b="0" i="1" smtClean="0">
+                            <a:latin typeface="Cambria Math" panose="02040503050406030204" pitchFamily="18" charset="0"/>
+                          </a:rPr>
+                        </m:ctrlPr>
+                      </m:sSubPr>
+                      <m:e>
+                        <m:r>
+                          <a:rPr lang="de-DE" b="0" i="1" smtClean="0">
+                            <a:latin typeface="Cambria Math" panose="02040503050406030204" pitchFamily="18" charset="0"/>
+                          </a:rPr>
+                          <m:t>𝑓</m:t>
+                        </m:r>
+                      </m:e>
+                      <m:sub>
+                        <m:r>
+                          <a:rPr lang="de-DE" b="0" i="1" smtClean="0">
+                            <a:latin typeface="Cambria Math" panose="02040503050406030204" pitchFamily="18" charset="0"/>
+                          </a:rPr>
+                          <m:t>0</m:t>
+                        </m:r>
+                      </m:sub>
+                    </m:sSub>
+                    <m:r>
+                      <a:rPr lang="de-DE" b="0" i="1" smtClean="0">
+                        <a:latin typeface="Cambria Math" panose="02040503050406030204" pitchFamily="18" charset="0"/>
+                      </a:rPr>
+                      <m:t>=(2141±19)</m:t>
+                    </m:r>
+                    <m:r>
+                      <a:rPr lang="de-DE" b="0" i="1" smtClean="0">
+                        <a:latin typeface="Cambria Math" panose="02040503050406030204" pitchFamily="18" charset="0"/>
+                      </a:rPr>
+                      <m:t>𝐻𝑧</m:t>
+                    </m:r>
+                  </m:oMath>
+                </a14:m>
+                <a:endParaRPr lang="de-DE" dirty="0"/>
+              </a:p>
+              <a:p>
+                <a:pPr lvl="1"/>
+                <a:r>
+                  <a:rPr lang="de-DE" dirty="0"/>
+                  <a:t>Gruppe B: </a:t>
+                </a:r>
+                <a14:m>
+                  <m:oMath xmlns:m="http://schemas.openxmlformats.org/officeDocument/2006/math">
+                    <m:sSub>
+                      <m:sSubPr>
+                        <m:ctrlPr>
+                          <a:rPr lang="de-DE" i="1">
+                            <a:latin typeface="Cambria Math" panose="02040503050406030204" pitchFamily="18" charset="0"/>
+                          </a:rPr>
+                        </m:ctrlPr>
+                      </m:sSubPr>
+                      <m:e>
+                        <m:r>
+                          <a:rPr lang="de-DE" i="1">
+                            <a:latin typeface="Cambria Math" panose="02040503050406030204" pitchFamily="18" charset="0"/>
+                          </a:rPr>
+                          <m:t>𝑓</m:t>
+                        </m:r>
+                      </m:e>
+                      <m:sub>
+                        <m:r>
+                          <a:rPr lang="de-DE" i="1">
+                            <a:latin typeface="Cambria Math" panose="02040503050406030204" pitchFamily="18" charset="0"/>
+                          </a:rPr>
+                          <m:t>0</m:t>
+                        </m:r>
+                      </m:sub>
+                    </m:sSub>
+                    <m:r>
+                      <a:rPr lang="de-DE" i="1">
+                        <a:latin typeface="Cambria Math" panose="02040503050406030204" pitchFamily="18" charset="0"/>
+                      </a:rPr>
+                      <m:t>=(2</m:t>
+                    </m:r>
+                    <m:r>
+                      <a:rPr lang="de-DE" b="0" i="1" smtClean="0">
+                        <a:latin typeface="Cambria Math" panose="02040503050406030204" pitchFamily="18" charset="0"/>
+                      </a:rPr>
+                      <m:t>094</m:t>
+                    </m:r>
+                    <m:r>
+                      <a:rPr lang="de-DE" i="1">
+                        <a:latin typeface="Cambria Math" panose="02040503050406030204" pitchFamily="18" charset="0"/>
+                      </a:rPr>
+                      <m:t>±1</m:t>
+                    </m:r>
+                    <m:r>
+                      <a:rPr lang="de-DE" b="0" i="1" smtClean="0">
+                        <a:latin typeface="Cambria Math" panose="02040503050406030204" pitchFamily="18" charset="0"/>
+                      </a:rPr>
+                      <m:t>1</m:t>
+                    </m:r>
+                    <m:r>
+                      <a:rPr lang="de-DE" i="1">
+                        <a:latin typeface="Cambria Math" panose="02040503050406030204" pitchFamily="18" charset="0"/>
+                      </a:rPr>
+                      <m:t>)</m:t>
+                    </m:r>
+                    <m:r>
+                      <a:rPr lang="de-DE" i="1">
+                        <a:latin typeface="Cambria Math" panose="02040503050406030204" pitchFamily="18" charset="0"/>
+                      </a:rPr>
+                      <m:t>𝐻𝑧</m:t>
+                    </m:r>
+                  </m:oMath>
+                </a14:m>
+                <a:endParaRPr lang="de-DE" dirty="0"/>
+              </a:p>
+              <a:p>
+                <a:pPr lvl="1"/>
+                <a:endParaRPr lang="de-DE" dirty="0"/>
+              </a:p>
+            </p:txBody>
+          </p:sp>
+        </mc:Choice>
+        <mc:Fallback xmlns="">
+          <p:sp>
+            <p:nvSpPr>
+              <p:cNvPr id="3" name="Inhaltsplatzhalter 2">
+                <a:extLst>
+                  <a:ext uri="{FF2B5EF4-FFF2-40B4-BE49-F238E27FC236}">
+                    <a16:creationId xmlns:a16="http://schemas.microsoft.com/office/drawing/2014/main" id="{E7B379F4-4EC6-4FC5-99C4-EC811C2CF438}"/>
+                  </a:ext>
+                </a:extLst>
+              </p:cNvPr>
+              <p:cNvSpPr>
+                <a:spLocks noGrp="1" noRot="1" noChangeAspect="1" noMove="1" noResize="1" noEditPoints="1" noAdjustHandles="1" noChangeArrowheads="1" noChangeShapeType="1" noTextEdit="1"/>
+              </p:cNvSpPr>
+              <p:nvPr>
+                <p:ph idx="1"/>
+              </p:nvPr>
+            </p:nvSpPr>
+            <p:spPr>
+              <a:xfrm>
+                <a:off x="838200" y="2541587"/>
+                <a:ext cx="10515600" cy="4351338"/>
+              </a:xfrm>
+              <a:blipFill>
+                <a:blip r:embed="rId2"/>
+                <a:stretch>
+                  <a:fillRect l="-1043" t="-2381"/>
+                </a:stretch>
+              </a:blipFill>
+            </p:spPr>
+            <p:txBody>
+              <a:bodyPr/>
+              <a:lstStyle/>
+              <a:p>
+                <a:r>
+                  <a:rPr lang="de-DE">
+                    <a:noFill/>
+                  </a:rPr>
+                  <a:t> </a:t>
+                </a:r>
+              </a:p>
+            </p:txBody>
+          </p:sp>
+        </mc:Fallback>
+      </mc:AlternateContent>
+      <p:sp>
+        <p:nvSpPr>
+          <p:cNvPr id="4" name="Foliennummernplatzhalter 3">
+            <a:extLst>
+              <a:ext uri="{FF2B5EF4-FFF2-40B4-BE49-F238E27FC236}">
+                <a16:creationId xmlns:a16="http://schemas.microsoft.com/office/drawing/2014/main" id="{6915849B-6A64-43E7-A4DE-3E19B978DABC}"/>
+              </a:ext>
+            </a:extLst>
+          </p:cNvPr>
+          <p:cNvSpPr>
+            <a:spLocks noGrp="1"/>
+          </p:cNvSpPr>
+          <p:nvPr>
+            <p:ph type="sldNum" sz="quarter" idx="12"/>
+          </p:nvPr>
+        </p:nvSpPr>
+        <p:spPr/>
+        <p:txBody>
+          <a:bodyPr/>
+          <a:lstStyle/>
+          <a:p>
+            <a:fld id="{E276D0E3-8A91-4195-9D97-D4903B6F688B}" type="slidenum">
+              <a:rPr lang="de-DE" smtClean="0"/>
+              <a:t>15</a:t>
+            </a:fld>
+            <a:endParaRPr lang="de-DE"/>
+          </a:p>
+        </p:txBody>
+      </p:sp>
+      <p:pic>
+        <p:nvPicPr>
+          <p:cNvPr id="5" name="Grafik 4">
+            <a:extLst>
+              <a:ext uri="{FF2B5EF4-FFF2-40B4-BE49-F238E27FC236}">
+                <a16:creationId xmlns:a16="http://schemas.microsoft.com/office/drawing/2014/main" id="{FBA54155-C69D-4846-8E9B-421594334626}"/>
+              </a:ext>
+            </a:extLst>
+          </p:cNvPr>
+          <p:cNvPicPr>
+            <a:picLocks noChangeAspect="1"/>
+          </p:cNvPicPr>
+          <p:nvPr/>
+        </p:nvPicPr>
+        <p:blipFill>
+          <a:blip r:embed="rId3">
+            <a:extLst>
+              <a:ext uri="{28A0092B-C50C-407E-A947-70E740481C1C}">
+                <a14:useLocalDpi xmlns:a14="http://schemas.microsoft.com/office/drawing/2010/main" val="0"/>
+              </a:ext>
+            </a:extLst>
+          </a:blip>
+          <a:stretch>
+            <a:fillRect/>
+          </a:stretch>
+        </p:blipFill>
+        <p:spPr>
+          <a:xfrm>
+            <a:off x="2546537" y="1825625"/>
+            <a:ext cx="6686550" cy="581025"/>
+          </a:xfrm>
+          <a:prstGeom prst="rect">
+            <a:avLst/>
+          </a:prstGeom>
+        </p:spPr>
+      </p:pic>
+    </p:spTree>
+    <p:extLst>
+      <p:ext uri="{BB962C8B-B14F-4D97-AF65-F5344CB8AC3E}">
+        <p14:creationId xmlns:p14="http://schemas.microsoft.com/office/powerpoint/2010/main" val="3596956398"/>
+      </p:ext>
+    </p:extLst>
+  </p:cSld>
+  <p:clrMapOvr>
+    <a:masterClrMapping/>
+  </p:clrMapOvr>
+</p:sld>
+</file>
+
+<file path=ppt/slides/slide16.xml><?xml version="1.0" encoding="utf-8"?>
+<p:sld xmlns:a="http://schemas.openxmlformats.org/drawingml/2006/main" xmlns:r="http://schemas.openxmlformats.org/officeDocument/2006/relationships" xmlns:p="http://schemas.openxmlformats.org/presentationml/2006/main">
+  <p:cSld>
+    <p:spTree>
+      <p:nvGrpSpPr>
+        <p:cNvPr id="1" name=""/>
+        <p:cNvGrpSpPr/>
+        <p:nvPr/>
+      </p:nvGrpSpPr>
+      <p:grpSpPr>
+        <a:xfrm>
+          <a:off x="0" y="0"/>
+          <a:ext cx="0" cy="0"/>
+          <a:chOff x="0" y="0"/>
+          <a:chExt cx="0" cy="0"/>
+        </a:xfrm>
+      </p:grpSpPr>
+      <p:sp>
+        <p:nvSpPr>
+          <p:cNvPr id="2" name="Titel 1">
+            <a:extLst>
+              <a:ext uri="{FF2B5EF4-FFF2-40B4-BE49-F238E27FC236}">
+                <a16:creationId xmlns:a16="http://schemas.microsoft.com/office/drawing/2014/main" id="{D6974FCA-1F93-4941-9077-DE71987C3694}"/>
+              </a:ext>
+            </a:extLst>
+          </p:cNvPr>
+          <p:cNvSpPr>
+            <a:spLocks noGrp="1"/>
+          </p:cNvSpPr>
+          <p:nvPr>
+            <p:ph type="title"/>
+          </p:nvPr>
+        </p:nvSpPr>
+        <p:spPr/>
+        <p:txBody>
+          <a:bodyPr/>
+          <a:lstStyle/>
+          <a:p>
+            <a:r>
+              <a:rPr lang="de-DE" dirty="0"/>
+              <a:t>Parallelschwingkreis - Zusammenfassung</a:t>
+            </a:r>
+          </a:p>
+        </p:txBody>
+      </p:sp>
+      <p:sp>
+        <p:nvSpPr>
+          <p:cNvPr id="5" name="Textplatzhalter 4">
+            <a:extLst>
+              <a:ext uri="{FF2B5EF4-FFF2-40B4-BE49-F238E27FC236}">
+                <a16:creationId xmlns:a16="http://schemas.microsoft.com/office/drawing/2014/main" id="{52F4D26F-C88F-4269-BB58-372F72FB94C3}"/>
+              </a:ext>
+            </a:extLst>
+          </p:cNvPr>
+          <p:cNvSpPr>
+            <a:spLocks noGrp="1"/>
+          </p:cNvSpPr>
+          <p:nvPr>
+            <p:ph type="body" idx="1"/>
+          </p:nvPr>
+        </p:nvSpPr>
+        <p:spPr>
+          <a:xfrm>
+            <a:off x="3138757" y="2107003"/>
+            <a:ext cx="5157787" cy="823912"/>
+          </a:xfrm>
+        </p:spPr>
+        <p:txBody>
+          <a:bodyPr/>
+          <a:lstStyle/>
+          <a:p>
+            <a:r>
+              <a:rPr lang="de-DE" dirty="0"/>
+              <a:t>Gruppe A</a:t>
+            </a:r>
+          </a:p>
+        </p:txBody>
+      </p:sp>
+      <p:sp>
+        <p:nvSpPr>
+          <p:cNvPr id="7" name="Textplatzhalter 6">
+            <a:extLst>
+              <a:ext uri="{FF2B5EF4-FFF2-40B4-BE49-F238E27FC236}">
+                <a16:creationId xmlns:a16="http://schemas.microsoft.com/office/drawing/2014/main" id="{F83CA299-8AE5-4212-8E70-75BA99E33A0D}"/>
+              </a:ext>
+            </a:extLst>
+          </p:cNvPr>
+          <p:cNvSpPr>
+            <a:spLocks noGrp="1"/>
+          </p:cNvSpPr>
+          <p:nvPr>
+            <p:ph type="body" sz="quarter" idx="3"/>
+          </p:nvPr>
+        </p:nvSpPr>
+        <p:spPr>
+          <a:xfrm>
+            <a:off x="3240350" y="4331313"/>
+            <a:ext cx="5183188" cy="823912"/>
+          </a:xfrm>
+        </p:spPr>
+        <p:txBody>
+          <a:bodyPr/>
+          <a:lstStyle/>
+          <a:p>
+            <a:r>
+              <a:rPr lang="de-DE" dirty="0"/>
+              <a:t>Gruppe B</a:t>
+            </a:r>
+          </a:p>
+        </p:txBody>
+      </p:sp>
+      <p:pic>
+        <p:nvPicPr>
+          <p:cNvPr id="12" name="Inhaltsplatzhalter 11">
+            <a:extLst>
+              <a:ext uri="{FF2B5EF4-FFF2-40B4-BE49-F238E27FC236}">
+                <a16:creationId xmlns:a16="http://schemas.microsoft.com/office/drawing/2014/main" id="{167FA2A7-5FF5-490A-8C6D-B35DF3878EE6}"/>
+              </a:ext>
+            </a:extLst>
+          </p:cNvPr>
+          <p:cNvPicPr>
+            <a:picLocks noGrp="1" noChangeAspect="1"/>
+          </p:cNvPicPr>
+          <p:nvPr>
+            <p:ph sz="quarter" idx="4"/>
+          </p:nvPr>
+        </p:nvPicPr>
+        <p:blipFill>
+          <a:blip r:embed="rId2">
+            <a:extLst>
+              <a:ext uri="{28A0092B-C50C-407E-A947-70E740481C1C}">
+                <a14:useLocalDpi xmlns:a14="http://schemas.microsoft.com/office/drawing/2010/main" val="0"/>
+              </a:ext>
+            </a:extLst>
+          </a:blip>
+          <a:stretch>
+            <a:fillRect/>
+          </a:stretch>
+        </p:blipFill>
+        <p:spPr>
+          <a:xfrm>
+            <a:off x="4601953" y="4137342"/>
+            <a:ext cx="5759468" cy="1366813"/>
+          </a:xfrm>
+        </p:spPr>
+      </p:pic>
+      <p:sp>
+        <p:nvSpPr>
+          <p:cNvPr id="4" name="Foliennummernplatzhalter 3">
+            <a:extLst>
+              <a:ext uri="{FF2B5EF4-FFF2-40B4-BE49-F238E27FC236}">
+                <a16:creationId xmlns:a16="http://schemas.microsoft.com/office/drawing/2014/main" id="{0ED75C8A-65F9-4BED-8628-D08C74BCED0A}"/>
+              </a:ext>
+            </a:extLst>
+          </p:cNvPr>
+          <p:cNvSpPr>
+            <a:spLocks noGrp="1"/>
+          </p:cNvSpPr>
+          <p:nvPr>
+            <p:ph type="sldNum" sz="quarter" idx="12"/>
+          </p:nvPr>
+        </p:nvSpPr>
+        <p:spPr/>
+        <p:txBody>
+          <a:bodyPr/>
+          <a:lstStyle/>
+          <a:p>
+            <a:fld id="{E276D0E3-8A91-4195-9D97-D4903B6F688B}" type="slidenum">
+              <a:rPr lang="de-DE" smtClean="0"/>
+              <a:t>16</a:t>
+            </a:fld>
+            <a:endParaRPr lang="de-DE"/>
+          </a:p>
+        </p:txBody>
+      </p:sp>
+      <p:pic>
+        <p:nvPicPr>
+          <p:cNvPr id="20" name="Grafik 19">
+            <a:extLst>
+              <a:ext uri="{FF2B5EF4-FFF2-40B4-BE49-F238E27FC236}">
+                <a16:creationId xmlns:a16="http://schemas.microsoft.com/office/drawing/2014/main" id="{2C9FE77F-CD71-4FE3-B2EE-D51B30798FE4}"/>
+              </a:ext>
+            </a:extLst>
+          </p:cNvPr>
+          <p:cNvPicPr>
+            <a:picLocks noChangeAspect="1"/>
+          </p:cNvPicPr>
+          <p:nvPr/>
+        </p:nvPicPr>
+        <p:blipFill>
+          <a:blip r:embed="rId3">
+            <a:extLst>
+              <a:ext uri="{28A0092B-C50C-407E-A947-70E740481C1C}">
+                <a14:useLocalDpi xmlns:a14="http://schemas.microsoft.com/office/drawing/2010/main" val="0"/>
+              </a:ext>
+            </a:extLst>
+          </a:blip>
+          <a:stretch>
+            <a:fillRect/>
+          </a:stretch>
+        </p:blipFill>
+        <p:spPr>
+          <a:xfrm>
+            <a:off x="4601953" y="1918980"/>
+            <a:ext cx="7389183" cy="1584062"/>
+          </a:xfrm>
+          <a:prstGeom prst="rect">
+            <a:avLst/>
+          </a:prstGeom>
+        </p:spPr>
+      </p:pic>
+      <p:pic>
+        <p:nvPicPr>
+          <p:cNvPr id="22" name="Grafik 21">
+            <a:extLst>
+              <a:ext uri="{FF2B5EF4-FFF2-40B4-BE49-F238E27FC236}">
+                <a16:creationId xmlns:a16="http://schemas.microsoft.com/office/drawing/2014/main" id="{E7A9487D-1B6A-4EFB-934D-2DFB1A318CCE}"/>
+              </a:ext>
+            </a:extLst>
+          </p:cNvPr>
+          <p:cNvPicPr>
+            <a:picLocks noChangeAspect="1"/>
+          </p:cNvPicPr>
+          <p:nvPr/>
+        </p:nvPicPr>
+        <p:blipFill>
+          <a:blip r:embed="rId4">
+            <a:extLst>
+              <a:ext uri="{28A0092B-C50C-407E-A947-70E740481C1C}">
+                <a14:useLocalDpi xmlns:a14="http://schemas.microsoft.com/office/drawing/2010/main" val="0"/>
+              </a:ext>
+            </a:extLst>
+          </a:blip>
+          <a:stretch>
+            <a:fillRect/>
+          </a:stretch>
+        </p:blipFill>
+        <p:spPr>
+          <a:xfrm>
+            <a:off x="0" y="2518959"/>
+            <a:ext cx="3068428" cy="2761586"/>
+          </a:xfrm>
+          <a:prstGeom prst="rect">
+            <a:avLst/>
+          </a:prstGeom>
+        </p:spPr>
+      </p:pic>
+    </p:spTree>
+    <p:extLst>
+      <p:ext uri="{BB962C8B-B14F-4D97-AF65-F5344CB8AC3E}">
+        <p14:creationId xmlns:p14="http://schemas.microsoft.com/office/powerpoint/2010/main" val="896024213"/>
+      </p:ext>
+    </p:extLst>
+  </p:cSld>
+  <p:clrMapOvr>
+    <a:masterClrMapping/>
+  </p:clrMapOvr>
+</p:sld>
+</file>
+
+<file path=ppt/slides/slide17.xml><?xml version="1.0" encoding="utf-8"?>
+<p:sld xmlns:a="http://schemas.openxmlformats.org/drawingml/2006/main" xmlns:r="http://schemas.openxmlformats.org/officeDocument/2006/relationships" xmlns:p="http://schemas.openxmlformats.org/presentationml/2006/main">
+  <p:cSld>
+    <p:spTree>
+      <p:nvGrpSpPr>
+        <p:cNvPr id="1" name=""/>
+        <p:cNvGrpSpPr/>
+        <p:nvPr/>
+      </p:nvGrpSpPr>
+      <p:grpSpPr>
+        <a:xfrm>
+          <a:off x="0" y="0"/>
+          <a:ext cx="0" cy="0"/>
+          <a:chOff x="0" y="0"/>
+          <a:chExt cx="0" cy="0"/>
+        </a:xfrm>
+      </p:grpSpPr>
+      <p:sp>
+        <p:nvSpPr>
+          <p:cNvPr id="2" name="Titel 1">
+            <a:extLst>
+              <a:ext uri="{FF2B5EF4-FFF2-40B4-BE49-F238E27FC236}">
+                <a16:creationId xmlns:a16="http://schemas.microsoft.com/office/drawing/2014/main" id="{16ADDCF0-EC82-4303-877B-CED7CA94690B}"/>
+              </a:ext>
+            </a:extLst>
+          </p:cNvPr>
+          <p:cNvSpPr>
+            <a:spLocks noGrp="1"/>
+          </p:cNvSpPr>
+          <p:nvPr>
+            <p:ph type="title"/>
+          </p:nvPr>
+        </p:nvSpPr>
+        <p:spPr/>
+        <p:txBody>
+          <a:bodyPr/>
+          <a:lstStyle/>
+          <a:p>
+            <a:r>
+              <a:rPr lang="de-DE" dirty="0"/>
+              <a:t>Aufbau Hoch- und Tiefpass </a:t>
+            </a:r>
+          </a:p>
+        </p:txBody>
+      </p:sp>
+      <p:pic>
+        <p:nvPicPr>
+          <p:cNvPr id="8" name="Inhaltsplatzhalter 7">
+            <a:extLst>
+              <a:ext uri="{FF2B5EF4-FFF2-40B4-BE49-F238E27FC236}">
+                <a16:creationId xmlns:a16="http://schemas.microsoft.com/office/drawing/2014/main" id="{3FAD5FD7-4AA9-4606-BC6A-00990C49CDE3}"/>
+              </a:ext>
+            </a:extLst>
+          </p:cNvPr>
+          <p:cNvPicPr>
+            <a:picLocks noGrp="1" noChangeAspect="1"/>
+          </p:cNvPicPr>
+          <p:nvPr>
+            <p:ph sz="half" idx="2"/>
+          </p:nvPr>
+        </p:nvPicPr>
+        <p:blipFill>
+          <a:blip r:embed="rId2">
+            <a:extLst>
+              <a:ext uri="{28A0092B-C50C-407E-A947-70E740481C1C}">
+                <a14:useLocalDpi xmlns:a14="http://schemas.microsoft.com/office/drawing/2010/main" val="0"/>
+              </a:ext>
+            </a:extLst>
+          </a:blip>
+          <a:stretch>
+            <a:fillRect/>
+          </a:stretch>
+        </p:blipFill>
+        <p:spPr>
+          <a:xfrm>
+            <a:off x="2938971" y="1735992"/>
+            <a:ext cx="7043229" cy="4620358"/>
+          </a:xfrm>
+        </p:spPr>
+      </p:pic>
+      <p:sp>
+        <p:nvSpPr>
+          <p:cNvPr id="4" name="Foliennummernplatzhalter 3">
+            <a:extLst>
+              <a:ext uri="{FF2B5EF4-FFF2-40B4-BE49-F238E27FC236}">
+                <a16:creationId xmlns:a16="http://schemas.microsoft.com/office/drawing/2014/main" id="{717181F5-F392-47EE-A018-1C36EF3299EB}"/>
+              </a:ext>
+            </a:extLst>
+          </p:cNvPr>
+          <p:cNvSpPr>
+            <a:spLocks noGrp="1"/>
+          </p:cNvSpPr>
+          <p:nvPr>
+            <p:ph type="sldNum" sz="quarter" idx="12"/>
+          </p:nvPr>
+        </p:nvSpPr>
+        <p:spPr/>
+        <p:txBody>
+          <a:bodyPr/>
+          <a:lstStyle/>
+          <a:p>
+            <a:fld id="{E276D0E3-8A91-4195-9D97-D4903B6F688B}" type="slidenum">
+              <a:rPr lang="de-DE" smtClean="0"/>
+              <a:t>17</a:t>
+            </a:fld>
+            <a:endParaRPr lang="de-DE"/>
+          </a:p>
+        </p:txBody>
+      </p:sp>
+    </p:spTree>
+    <p:extLst>
+      <p:ext uri="{BB962C8B-B14F-4D97-AF65-F5344CB8AC3E}">
+        <p14:creationId xmlns:p14="http://schemas.microsoft.com/office/powerpoint/2010/main" val="1271634973"/>
+      </p:ext>
+    </p:extLst>
+  </p:cSld>
+  <p:clrMapOvr>
+    <a:masterClrMapping/>
+  </p:clrMapOvr>
+</p:sld>
+</file>
+
+<file path=ppt/slides/slide18.xml><?xml version="1.0" encoding="utf-8"?>
+<p:sld xmlns:a="http://schemas.openxmlformats.org/drawingml/2006/main" xmlns:r="http://schemas.openxmlformats.org/officeDocument/2006/relationships" xmlns:p="http://schemas.openxmlformats.org/presentationml/2006/main">
+  <p:cSld>
+    <p:spTree>
+      <p:nvGrpSpPr>
+        <p:cNvPr id="1" name=""/>
+        <p:cNvGrpSpPr/>
+        <p:nvPr/>
+      </p:nvGrpSpPr>
+      <p:grpSpPr>
+        <a:xfrm>
+          <a:off x="0" y="0"/>
+          <a:ext cx="0" cy="0"/>
+          <a:chOff x="0" y="0"/>
+          <a:chExt cx="0" cy="0"/>
+        </a:xfrm>
+      </p:grpSpPr>
+      <p:sp>
+        <p:nvSpPr>
+          <p:cNvPr id="2" name="Titel 1">
+            <a:extLst>
+              <a:ext uri="{FF2B5EF4-FFF2-40B4-BE49-F238E27FC236}">
+                <a16:creationId xmlns:a16="http://schemas.microsoft.com/office/drawing/2014/main" id="{F1EF0421-23BF-434D-A56A-DC2A480B97BF}"/>
+              </a:ext>
+            </a:extLst>
+          </p:cNvPr>
+          <p:cNvSpPr>
+            <a:spLocks noGrp="1"/>
+          </p:cNvSpPr>
+          <p:nvPr>
+            <p:ph type="title"/>
+          </p:nvPr>
+        </p:nvSpPr>
+        <p:spPr/>
+        <p:txBody>
+          <a:bodyPr/>
+          <a:lstStyle/>
+          <a:p>
+            <a:r>
+              <a:rPr lang="de-DE" dirty="0"/>
+              <a:t>Hoch- und Tiefpass</a:t>
+            </a:r>
+          </a:p>
+        </p:txBody>
+      </p:sp>
+      <mc:AlternateContent xmlns:mc="http://schemas.openxmlformats.org/markup-compatibility/2006" xmlns:a14="http://schemas.microsoft.com/office/drawing/2010/main">
+        <mc:Choice Requires="a14">
+          <p:sp>
+            <p:nvSpPr>
+              <p:cNvPr id="5" name="Inhaltsplatzhalter 4">
+                <a:extLst>
+                  <a:ext uri="{FF2B5EF4-FFF2-40B4-BE49-F238E27FC236}">
+                    <a16:creationId xmlns:a16="http://schemas.microsoft.com/office/drawing/2014/main" id="{5D0709EC-7F7D-4503-AEDC-B72714AC7900}"/>
+                  </a:ext>
+                </a:extLst>
+              </p:cNvPr>
+              <p:cNvSpPr>
+                <a:spLocks noGrp="1"/>
+              </p:cNvSpPr>
+              <p:nvPr>
+                <p:ph sz="half" idx="1"/>
+              </p:nvPr>
+            </p:nvSpPr>
+            <p:spPr/>
+            <p:txBody>
+              <a:bodyPr/>
+              <a:lstStyle/>
+              <a:p>
+                <a:r>
+                  <a:rPr lang="de-DE" dirty="0"/>
+                  <a:t>Schnittpunkt mit  </a:t>
+                </a:r>
+                <a14:m>
+                  <m:oMath xmlns:m="http://schemas.openxmlformats.org/officeDocument/2006/math">
+                    <m:f>
+                      <m:fPr>
+                        <m:ctrlPr>
+                          <a:rPr lang="de-DE" i="1" smtClean="0">
+                            <a:latin typeface="Cambria Math" panose="02040503050406030204" pitchFamily="18" charset="0"/>
+                          </a:rPr>
+                        </m:ctrlPr>
+                      </m:fPr>
+                      <m:num>
+                        <m:sSub>
+                          <m:sSubPr>
+                            <m:ctrlPr>
+                              <a:rPr lang="de-DE" b="0" i="1" smtClean="0">
+                                <a:latin typeface="Cambria Math" panose="02040503050406030204" pitchFamily="18" charset="0"/>
+                              </a:rPr>
+                            </m:ctrlPr>
+                          </m:sSubPr>
+                          <m:e>
+                            <m:r>
+                              <a:rPr lang="de-DE" b="0" i="1" smtClean="0">
+                                <a:latin typeface="Cambria Math" panose="02040503050406030204" pitchFamily="18" charset="0"/>
+                              </a:rPr>
+                              <m:t>𝑈</m:t>
+                            </m:r>
+                          </m:e>
+                          <m:sub>
+                            <m:r>
+                              <a:rPr lang="de-DE" b="0" i="1" smtClean="0">
+                                <a:latin typeface="Cambria Math" panose="02040503050406030204" pitchFamily="18" charset="0"/>
+                              </a:rPr>
+                              <m:t>0</m:t>
+                            </m:r>
+                          </m:sub>
+                        </m:sSub>
+                      </m:num>
+                      <m:den>
+                        <m:r>
+                          <a:rPr lang="de-DE" b="0" i="1" smtClean="0">
+                            <a:latin typeface="Cambria Math" panose="02040503050406030204" pitchFamily="18" charset="0"/>
+                          </a:rPr>
+                          <m:t>√2</m:t>
+                        </m:r>
+                      </m:den>
+                    </m:f>
+                  </m:oMath>
+                </a14:m>
+                <a:endParaRPr lang="de-DE" dirty="0"/>
+              </a:p>
+              <a:p>
+                <a:endParaRPr lang="de-DE" dirty="0"/>
+              </a:p>
+              <a:p>
+                <a:r>
+                  <a:rPr lang="de-DE" dirty="0"/>
+                  <a:t>Systematischer Fehler durch Verschiebung und Neubestimmung</a:t>
+                </a:r>
+              </a:p>
+              <a:p>
+                <a:endParaRPr lang="de-DE" dirty="0"/>
+              </a:p>
+              <a:p>
+                <a:endParaRPr lang="de-DE" dirty="0"/>
+              </a:p>
+            </p:txBody>
+          </p:sp>
+        </mc:Choice>
+        <mc:Fallback xmlns="">
+          <p:sp>
+            <p:nvSpPr>
+              <p:cNvPr id="5" name="Inhaltsplatzhalter 4">
+                <a:extLst>
+                  <a:ext uri="{FF2B5EF4-FFF2-40B4-BE49-F238E27FC236}">
+                    <a16:creationId xmlns:a16="http://schemas.microsoft.com/office/drawing/2014/main" id="{5D0709EC-7F7D-4503-AEDC-B72714AC7900}"/>
+                  </a:ext>
+                </a:extLst>
+              </p:cNvPr>
+              <p:cNvSpPr>
+                <a:spLocks noGrp="1" noRot="1" noChangeAspect="1" noMove="1" noResize="1" noEditPoints="1" noAdjustHandles="1" noChangeArrowheads="1" noChangeShapeType="1" noTextEdit="1"/>
+              </p:cNvSpPr>
+              <p:nvPr>
+                <p:ph sz="half" idx="1"/>
+              </p:nvPr>
+            </p:nvSpPr>
+            <p:spPr>
+              <a:blipFill>
+                <a:blip r:embed="rId2"/>
+                <a:stretch>
+                  <a:fillRect l="-2118" t="-280"/>
+                </a:stretch>
+              </a:blipFill>
+            </p:spPr>
+            <p:txBody>
+              <a:bodyPr/>
+              <a:lstStyle/>
+              <a:p>
+                <a:r>
+                  <a:rPr lang="de-DE">
+                    <a:noFill/>
+                  </a:rPr>
+                  <a:t> </a:t>
+                </a:r>
+              </a:p>
+            </p:txBody>
+          </p:sp>
+        </mc:Fallback>
+      </mc:AlternateContent>
+      <p:pic>
+        <p:nvPicPr>
+          <p:cNvPr id="8" name="Inhaltsplatzhalter 7">
+            <a:extLst>
+              <a:ext uri="{FF2B5EF4-FFF2-40B4-BE49-F238E27FC236}">
+                <a16:creationId xmlns:a16="http://schemas.microsoft.com/office/drawing/2014/main" id="{6690E452-67F6-4140-A66C-62F58C16239E}"/>
+              </a:ext>
+            </a:extLst>
+          </p:cNvPr>
+          <p:cNvPicPr>
+            <a:picLocks noGrp="1" noChangeAspect="1"/>
+          </p:cNvPicPr>
+          <p:nvPr>
+            <p:ph sz="half" idx="2"/>
+          </p:nvPr>
+        </p:nvPicPr>
+        <p:blipFill>
+          <a:blip r:embed="rId3">
+            <a:extLst>
+              <a:ext uri="{28A0092B-C50C-407E-A947-70E740481C1C}">
+                <a14:useLocalDpi xmlns:a14="http://schemas.microsoft.com/office/drawing/2010/main" val="0"/>
+              </a:ext>
+            </a:extLst>
+          </a:blip>
+          <a:stretch>
+            <a:fillRect/>
+          </a:stretch>
+        </p:blipFill>
+        <p:spPr>
+          <a:xfrm>
+            <a:off x="5252067" y="993701"/>
+            <a:ext cx="6939933" cy="5183262"/>
+          </a:xfrm>
+        </p:spPr>
+      </p:pic>
+      <p:sp>
+        <p:nvSpPr>
+          <p:cNvPr id="4" name="Foliennummernplatzhalter 3">
+            <a:extLst>
+              <a:ext uri="{FF2B5EF4-FFF2-40B4-BE49-F238E27FC236}">
+                <a16:creationId xmlns:a16="http://schemas.microsoft.com/office/drawing/2014/main" id="{6D207C59-007C-4468-8064-2CDF7B9812F2}"/>
+              </a:ext>
+            </a:extLst>
+          </p:cNvPr>
+          <p:cNvSpPr>
+            <a:spLocks noGrp="1"/>
+          </p:cNvSpPr>
+          <p:nvPr>
+            <p:ph type="sldNum" sz="quarter" idx="12"/>
+          </p:nvPr>
+        </p:nvSpPr>
+        <p:spPr/>
+        <p:txBody>
+          <a:bodyPr/>
+          <a:lstStyle/>
+          <a:p>
+            <a:fld id="{E276D0E3-8A91-4195-9D97-D4903B6F688B}" type="slidenum">
+              <a:rPr lang="de-DE" smtClean="0"/>
+              <a:t>18</a:t>
+            </a:fld>
+            <a:endParaRPr lang="de-DE"/>
+          </a:p>
+        </p:txBody>
+      </p:sp>
+    </p:spTree>
+    <p:extLst>
+      <p:ext uri="{BB962C8B-B14F-4D97-AF65-F5344CB8AC3E}">
+        <p14:creationId xmlns:p14="http://schemas.microsoft.com/office/powerpoint/2010/main" val="3018689130"/>
+      </p:ext>
+    </p:extLst>
+  </p:cSld>
+  <p:clrMapOvr>
+    <a:masterClrMapping/>
+  </p:clrMapOvr>
+</p:sld>
+</file>
+
+<file path=ppt/slides/slide19.xml><?xml version="1.0" encoding="utf-8"?>
+<p:sld xmlns:a="http://schemas.openxmlformats.org/drawingml/2006/main" xmlns:r="http://schemas.openxmlformats.org/officeDocument/2006/relationships" xmlns:p="http://schemas.openxmlformats.org/presentationml/2006/main">
+  <p:cSld>
+    <p:spTree>
+      <p:nvGrpSpPr>
+        <p:cNvPr id="1" name=""/>
+        <p:cNvGrpSpPr/>
+        <p:nvPr/>
+      </p:nvGrpSpPr>
+      <p:grpSpPr>
+        <a:xfrm>
+          <a:off x="0" y="0"/>
+          <a:ext cx="0" cy="0"/>
+          <a:chOff x="0" y="0"/>
+          <a:chExt cx="0" cy="0"/>
+        </a:xfrm>
+      </p:grpSpPr>
+      <p:sp>
+        <p:nvSpPr>
+          <p:cNvPr id="2" name="Titel 1">
+            <a:extLst>
+              <a:ext uri="{FF2B5EF4-FFF2-40B4-BE49-F238E27FC236}">
+                <a16:creationId xmlns:a16="http://schemas.microsoft.com/office/drawing/2014/main" id="{7AEAE86F-6EEF-48E1-9D63-42469C84B903}"/>
+              </a:ext>
+            </a:extLst>
+          </p:cNvPr>
+          <p:cNvSpPr>
+            <a:spLocks noGrp="1"/>
+          </p:cNvSpPr>
+          <p:nvPr>
+            <p:ph type="title"/>
+          </p:nvPr>
+        </p:nvSpPr>
+        <p:spPr/>
+        <p:txBody>
+          <a:bodyPr/>
+          <a:lstStyle/>
+          <a:p>
+            <a:r>
+              <a:rPr lang="de-DE" dirty="0"/>
+              <a:t>Hoch und Tiefpass</a:t>
+            </a:r>
+          </a:p>
+        </p:txBody>
+      </p:sp>
+      <mc:AlternateContent xmlns:mc="http://schemas.openxmlformats.org/markup-compatibility/2006" xmlns:a14="http://schemas.microsoft.com/office/drawing/2010/main">
+        <mc:Choice Requires="a14">
+          <p:sp>
+            <p:nvSpPr>
+              <p:cNvPr id="3" name="Inhaltsplatzhalter 2">
+                <a:extLst>
+                  <a:ext uri="{FF2B5EF4-FFF2-40B4-BE49-F238E27FC236}">
+                    <a16:creationId xmlns:a16="http://schemas.microsoft.com/office/drawing/2014/main" id="{90F4D719-D4E2-46A5-93BC-DD12E824BB32}"/>
+                  </a:ext>
+                </a:extLst>
+              </p:cNvPr>
+              <p:cNvSpPr>
+                <a:spLocks noGrp="1"/>
+              </p:cNvSpPr>
+              <p:nvPr>
+                <p:ph sz="half" idx="1"/>
+              </p:nvPr>
+            </p:nvSpPr>
+            <p:spPr>
+              <a:xfrm>
+                <a:off x="838200" y="1825625"/>
+                <a:ext cx="5181600" cy="2907740"/>
+              </a:xfrm>
+            </p:spPr>
+            <p:txBody>
+              <a:bodyPr/>
+              <a:lstStyle/>
+              <a:p>
+                <a:r>
+                  <a:rPr lang="de-DE" dirty="0"/>
+                  <a:t>Bestimmung aus Phasendifferenz</a:t>
+                </a:r>
+              </a:p>
+              <a:p>
+                <a:pPr lvl="1"/>
+                <a:r>
+                  <a:rPr lang="de-DE" dirty="0"/>
+                  <a:t>Nur statistischer Ablesefehler</a:t>
+                </a:r>
+              </a:p>
+              <a:p>
+                <a:pPr lvl="1"/>
+                <a:endParaRPr lang="de-DE" dirty="0"/>
+              </a:p>
+              <a:p>
+                <a:r>
+                  <a:rPr lang="de-DE" dirty="0"/>
+                  <a:t>Erwartung aus Bauteilen:</a:t>
+                </a:r>
+              </a:p>
+              <a:p>
+                <a:pPr marL="0" indent="0">
+                  <a:buNone/>
+                </a:pPr>
+                <a:r>
+                  <a:rPr lang="de-DE" dirty="0"/>
+                  <a:t>	 </a:t>
+                </a:r>
+                <a14:m>
+                  <m:oMath xmlns:m="http://schemas.openxmlformats.org/officeDocument/2006/math">
+                    <m:r>
+                      <a:rPr lang="de-DE" b="0" i="1" smtClean="0">
+                        <a:latin typeface="Cambria Math" panose="02040503050406030204" pitchFamily="18" charset="0"/>
+                      </a:rPr>
+                      <m:t>𝑓</m:t>
+                    </m:r>
+                    <m:r>
+                      <a:rPr lang="de-DE" b="0" i="1" smtClean="0">
+                        <a:latin typeface="Cambria Math" panose="02040503050406030204" pitchFamily="18" charset="0"/>
+                      </a:rPr>
+                      <m:t>= </m:t>
+                    </m:r>
+                    <m:f>
+                      <m:fPr>
+                        <m:ctrlPr>
+                          <a:rPr lang="de-DE" b="0" i="1" smtClean="0">
+                            <a:latin typeface="Cambria Math" panose="02040503050406030204" pitchFamily="18" charset="0"/>
+                          </a:rPr>
+                        </m:ctrlPr>
+                      </m:fPr>
+                      <m:num>
+                        <m:r>
+                          <a:rPr lang="de-DE" b="0" i="1" smtClean="0">
+                            <a:latin typeface="Cambria Math" panose="02040503050406030204" pitchFamily="18" charset="0"/>
+                          </a:rPr>
+                          <m:t>1</m:t>
+                        </m:r>
+                      </m:num>
+                      <m:den>
+                        <m:r>
+                          <a:rPr lang="de-DE" b="0" i="1" smtClean="0">
+                            <a:latin typeface="Cambria Math" panose="02040503050406030204" pitchFamily="18" charset="0"/>
+                          </a:rPr>
+                          <m:t>2</m:t>
+                        </m:r>
+                        <m:r>
+                          <a:rPr lang="de-DE" b="0" i="1" smtClean="0">
+                            <a:latin typeface="Cambria Math" panose="02040503050406030204" pitchFamily="18" charset="0"/>
+                          </a:rPr>
+                          <m:t>𝜋</m:t>
+                        </m:r>
+                        <m:r>
+                          <a:rPr lang="de-DE" b="0" i="1" smtClean="0">
+                            <a:latin typeface="Cambria Math" panose="02040503050406030204" pitchFamily="18" charset="0"/>
+                          </a:rPr>
+                          <m:t>𝑅𝐶</m:t>
+                        </m:r>
+                      </m:den>
+                    </m:f>
+                  </m:oMath>
+                </a14:m>
+                <a:endParaRPr lang="de-DE" dirty="0"/>
+              </a:p>
+            </p:txBody>
+          </p:sp>
+        </mc:Choice>
+        <mc:Fallback xmlns="">
+          <p:sp>
+            <p:nvSpPr>
+              <p:cNvPr id="3" name="Inhaltsplatzhalter 2">
+                <a:extLst>
+                  <a:ext uri="{FF2B5EF4-FFF2-40B4-BE49-F238E27FC236}">
+                    <a16:creationId xmlns:a16="http://schemas.microsoft.com/office/drawing/2014/main" id="{90F4D719-D4E2-46A5-93BC-DD12E824BB32}"/>
+                  </a:ext>
+                </a:extLst>
+              </p:cNvPr>
+              <p:cNvSpPr>
+                <a:spLocks noGrp="1" noRot="1" noChangeAspect="1" noMove="1" noResize="1" noEditPoints="1" noAdjustHandles="1" noChangeArrowheads="1" noChangeShapeType="1" noTextEdit="1"/>
+              </p:cNvSpPr>
+              <p:nvPr>
+                <p:ph sz="half" idx="1"/>
+              </p:nvPr>
+            </p:nvSpPr>
+            <p:spPr>
+              <a:xfrm>
+                <a:off x="838200" y="1825625"/>
+                <a:ext cx="5181600" cy="2907740"/>
+              </a:xfrm>
+              <a:blipFill>
+                <a:blip r:embed="rId2"/>
+                <a:stretch>
+                  <a:fillRect l="-2118" t="-3354"/>
+                </a:stretch>
+              </a:blipFill>
+            </p:spPr>
+            <p:txBody>
+              <a:bodyPr/>
+              <a:lstStyle/>
+              <a:p>
+                <a:r>
+                  <a:rPr lang="de-DE">
+                    <a:noFill/>
+                  </a:rPr>
+                  <a:t> </a:t>
+                </a:r>
+              </a:p>
+            </p:txBody>
+          </p:sp>
+        </mc:Fallback>
+      </mc:AlternateContent>
+      <p:pic>
+        <p:nvPicPr>
+          <p:cNvPr id="7" name="Inhaltsplatzhalter 6">
+            <a:extLst>
+              <a:ext uri="{FF2B5EF4-FFF2-40B4-BE49-F238E27FC236}">
+                <a16:creationId xmlns:a16="http://schemas.microsoft.com/office/drawing/2014/main" id="{07005656-50B7-49C3-8FA5-AB9DE67D0F90}"/>
+              </a:ext>
+            </a:extLst>
+          </p:cNvPr>
+          <p:cNvPicPr>
+            <a:picLocks noGrp="1" noChangeAspect="1"/>
+          </p:cNvPicPr>
+          <p:nvPr>
+            <p:ph sz="half" idx="2"/>
+          </p:nvPr>
+        </p:nvPicPr>
+        <p:blipFill>
+          <a:blip r:embed="rId3">
+            <a:extLst>
+              <a:ext uri="{28A0092B-C50C-407E-A947-70E740481C1C}">
+                <a14:useLocalDpi xmlns:a14="http://schemas.microsoft.com/office/drawing/2010/main" val="0"/>
+              </a:ext>
+            </a:extLst>
+          </a:blip>
+          <a:stretch>
+            <a:fillRect/>
+          </a:stretch>
+        </p:blipFill>
+        <p:spPr>
+          <a:xfrm>
+            <a:off x="5828209" y="365125"/>
+            <a:ext cx="6363791" cy="4752956"/>
+          </a:xfrm>
+        </p:spPr>
+      </p:pic>
+      <p:sp>
+        <p:nvSpPr>
+          <p:cNvPr id="5" name="Foliennummernplatzhalter 4">
+            <a:extLst>
+              <a:ext uri="{FF2B5EF4-FFF2-40B4-BE49-F238E27FC236}">
+                <a16:creationId xmlns:a16="http://schemas.microsoft.com/office/drawing/2014/main" id="{72B245CF-6D77-4030-B5F2-1BA8A7D6BE00}"/>
+              </a:ext>
+            </a:extLst>
+          </p:cNvPr>
+          <p:cNvSpPr>
+            <a:spLocks noGrp="1"/>
+          </p:cNvSpPr>
+          <p:nvPr>
+            <p:ph type="sldNum" sz="quarter" idx="12"/>
+          </p:nvPr>
+        </p:nvSpPr>
+        <p:spPr/>
+        <p:txBody>
+          <a:bodyPr/>
+          <a:lstStyle/>
+          <a:p>
+            <a:fld id="{E276D0E3-8A91-4195-9D97-D4903B6F688B}" type="slidenum">
+              <a:rPr lang="de-DE" smtClean="0"/>
+              <a:t>19</a:t>
+            </a:fld>
+            <a:endParaRPr lang="de-DE"/>
+          </a:p>
+        </p:txBody>
+      </p:sp>
+      <p:sp>
+        <p:nvSpPr>
+          <p:cNvPr id="8" name="Textfeld 7">
+            <a:extLst>
+              <a:ext uri="{FF2B5EF4-FFF2-40B4-BE49-F238E27FC236}">
+                <a16:creationId xmlns:a16="http://schemas.microsoft.com/office/drawing/2014/main" id="{C5843822-64DA-4E17-9DD2-8E7131674418}"/>
+              </a:ext>
+            </a:extLst>
+          </p:cNvPr>
+          <p:cNvSpPr txBox="1"/>
+          <p:nvPr/>
+        </p:nvSpPr>
+        <p:spPr>
+          <a:xfrm>
+            <a:off x="1532965" y="5446059"/>
+            <a:ext cx="4295244" cy="910291"/>
+          </a:xfrm>
+          <a:prstGeom prst="rect">
+            <a:avLst/>
+          </a:prstGeom>
+          <a:noFill/>
+        </p:spPr>
+        <p:txBody>
+          <a:bodyPr wrap="square" rtlCol="0">
+            <a:spAutoFit/>
+          </a:bodyPr>
+          <a:lstStyle/>
+          <a:p>
+            <a:endParaRPr lang="de-DE" dirty="0"/>
+          </a:p>
+        </p:txBody>
+      </p:sp>
+      <p:pic>
+        <p:nvPicPr>
+          <p:cNvPr id="10" name="Grafik 9">
+            <a:extLst>
+              <a:ext uri="{FF2B5EF4-FFF2-40B4-BE49-F238E27FC236}">
+                <a16:creationId xmlns:a16="http://schemas.microsoft.com/office/drawing/2014/main" id="{91049F64-0ACF-4981-A5AD-2D5BC863C97C}"/>
+              </a:ext>
+            </a:extLst>
+          </p:cNvPr>
+          <p:cNvPicPr>
+            <a:picLocks noChangeAspect="1"/>
+          </p:cNvPicPr>
+          <p:nvPr/>
+        </p:nvPicPr>
+        <p:blipFill>
+          <a:blip r:embed="rId4">
+            <a:extLst>
+              <a:ext uri="{28A0092B-C50C-407E-A947-70E740481C1C}">
+                <a14:useLocalDpi xmlns:a14="http://schemas.microsoft.com/office/drawing/2010/main" val="0"/>
+              </a:ext>
+            </a:extLst>
+          </a:blip>
+          <a:stretch>
+            <a:fillRect/>
+          </a:stretch>
+        </p:blipFill>
+        <p:spPr>
+          <a:xfrm>
+            <a:off x="380202" y="5232243"/>
+            <a:ext cx="11431595" cy="1124107"/>
+          </a:xfrm>
+          <a:prstGeom prst="rect">
+            <a:avLst/>
+          </a:prstGeom>
+        </p:spPr>
+      </p:pic>
+    </p:spTree>
+    <p:extLst>
+      <p:ext uri="{BB962C8B-B14F-4D97-AF65-F5344CB8AC3E}">
+        <p14:creationId xmlns:p14="http://schemas.microsoft.com/office/powerpoint/2010/main" val="975937099"/>
+      </p:ext>
+    </p:extLst>
+  </p:cSld>
+  <p:clrMapOvr>
+    <a:masterClrMapping/>
+  </p:clrMapOvr>
+</p:sld>
+</file>
+
+<file path=ppt/slides/slide2.xml><?xml version="1.0" encoding="utf-8"?>
+<p:sld xmlns:a="http://schemas.openxmlformats.org/drawingml/2006/main" xmlns:r="http://schemas.openxmlformats.org/officeDocument/2006/relationships" xmlns:p="http://schemas.openxmlformats.org/presentationml/2006/main">
+  <p:cSld>
+    <p:spTree>
+      <p:nvGrpSpPr>
+        <p:cNvPr id="1" name=""/>
+        <p:cNvGrpSpPr/>
+        <p:nvPr/>
+      </p:nvGrpSpPr>
+      <p:grpSpPr>
+        <a:xfrm>
+          <a:off x="0" y="0"/>
+          <a:ext cx="0" cy="0"/>
+          <a:chOff x="0" y="0"/>
+          <a:chExt cx="0" cy="0"/>
+        </a:xfrm>
+      </p:grpSpPr>
+      <p:sp>
+        <p:nvSpPr>
+          <p:cNvPr id="2" name="Titel 1">
+            <a:extLst>
+              <a:ext uri="{FF2B5EF4-FFF2-40B4-BE49-F238E27FC236}">
+                <a16:creationId xmlns:a16="http://schemas.microsoft.com/office/drawing/2014/main" id="{BDEBBD1B-5604-4C3F-B34C-22D02BB3B57A}"/>
+              </a:ext>
+            </a:extLst>
+          </p:cNvPr>
+          <p:cNvSpPr>
+            <a:spLocks noGrp="1"/>
+          </p:cNvSpPr>
+          <p:nvPr>
+            <p:ph type="title"/>
+          </p:nvPr>
+        </p:nvSpPr>
+        <p:spPr/>
+        <p:txBody>
+          <a:bodyPr/>
+          <a:lstStyle/>
+          <a:p>
+            <a:r>
+              <a:rPr lang="de-DE" dirty="0"/>
+              <a:t>Inhalt</a:t>
+            </a:r>
+          </a:p>
+        </p:txBody>
+      </p:sp>
+      <p:sp>
+        <p:nvSpPr>
+          <p:cNvPr id="3" name="Inhaltsplatzhalter 2">
+            <a:extLst>
+              <a:ext uri="{FF2B5EF4-FFF2-40B4-BE49-F238E27FC236}">
+                <a16:creationId xmlns:a16="http://schemas.microsoft.com/office/drawing/2014/main" id="{A86B45DA-DF66-4B65-AE36-ACC26DE96D41}"/>
+              </a:ext>
+            </a:extLst>
+          </p:cNvPr>
+          <p:cNvSpPr>
+            <a:spLocks noGrp="1"/>
+          </p:cNvSpPr>
+          <p:nvPr>
+            <p:ph idx="1"/>
+          </p:nvPr>
+        </p:nvSpPr>
+        <p:spPr/>
+        <p:txBody>
+          <a:bodyPr/>
+          <a:lstStyle/>
+          <a:p>
+            <a:r>
+              <a:rPr lang="de-DE" dirty="0"/>
+              <a:t>Serienschwingkreis</a:t>
+            </a:r>
+          </a:p>
+          <a:p>
+            <a:pPr lvl="1"/>
+            <a:r>
+              <a:rPr lang="de-DE" dirty="0"/>
+              <a:t>Vorauswertung mit Oszilloskop</a:t>
+            </a:r>
+          </a:p>
+          <a:p>
+            <a:pPr lvl="1"/>
+            <a:r>
+              <a:rPr lang="de-DE" dirty="0"/>
+              <a:t>Bestimmung der Resonanzfrequenz/ Güte</a:t>
+            </a:r>
+          </a:p>
+          <a:p>
+            <a:r>
+              <a:rPr lang="de-DE" dirty="0"/>
+              <a:t>Parallelschwingkreis</a:t>
+            </a:r>
+          </a:p>
+          <a:p>
+            <a:pPr lvl="1"/>
+            <a:r>
+              <a:rPr lang="de-DE" dirty="0"/>
+              <a:t>Resonanzfrequenz/Güte</a:t>
+            </a:r>
+          </a:p>
+          <a:p>
+            <a:pPr lvl="1"/>
+            <a:r>
+              <a:rPr lang="de-DE" dirty="0"/>
+              <a:t>Impedanz</a:t>
+            </a:r>
+          </a:p>
+          <a:p>
+            <a:r>
+              <a:rPr lang="de-DE" dirty="0"/>
+              <a:t>Hoch-/Tiefpass:</a:t>
+            </a:r>
+          </a:p>
+          <a:p>
+            <a:pPr lvl="1"/>
+            <a:r>
+              <a:rPr lang="de-DE" dirty="0"/>
+              <a:t>Bestimmung der Grenzfrequenz</a:t>
+            </a:r>
+          </a:p>
+          <a:p>
+            <a:pPr lvl="1"/>
+            <a:endParaRPr lang="de-DE" dirty="0"/>
+          </a:p>
+        </p:txBody>
+      </p:sp>
+      <p:sp>
+        <p:nvSpPr>
+          <p:cNvPr id="4" name="Foliennummernplatzhalter 3">
+            <a:extLst>
+              <a:ext uri="{FF2B5EF4-FFF2-40B4-BE49-F238E27FC236}">
+                <a16:creationId xmlns:a16="http://schemas.microsoft.com/office/drawing/2014/main" id="{BAC7053E-5303-4355-81D1-A82D72D22EE3}"/>
+              </a:ext>
+            </a:extLst>
+          </p:cNvPr>
+          <p:cNvSpPr>
+            <a:spLocks noGrp="1"/>
+          </p:cNvSpPr>
+          <p:nvPr>
+            <p:ph type="sldNum" sz="quarter" idx="12"/>
+          </p:nvPr>
+        </p:nvSpPr>
+        <p:spPr/>
+        <p:txBody>
+          <a:bodyPr/>
+          <a:lstStyle/>
+          <a:p>
+            <a:fld id="{E276D0E3-8A91-4195-9D97-D4903B6F688B}" type="slidenum">
+              <a:rPr lang="de-DE" smtClean="0"/>
+              <a:t>2</a:t>
+            </a:fld>
+            <a:endParaRPr lang="de-DE"/>
+          </a:p>
+        </p:txBody>
+      </p:sp>
+    </p:spTree>
+    <p:extLst>
+      <p:ext uri="{BB962C8B-B14F-4D97-AF65-F5344CB8AC3E}">
+        <p14:creationId xmlns:p14="http://schemas.microsoft.com/office/powerpoint/2010/main" val="1002867433"/>
+      </p:ext>
+    </p:extLst>
+  </p:cSld>
+  <p:clrMapOvr>
+    <a:masterClrMapping/>
+  </p:clrMapOvr>
+</p:sld>
+</file>
+
+<file path=ppt/slides/slide3.xml><?xml version="1.0" encoding="utf-8"?>
+<p:sld xmlns:a="http://schemas.openxmlformats.org/drawingml/2006/main" xmlns:r="http://schemas.openxmlformats.org/officeDocument/2006/relationships" xmlns:p="http://schemas.openxmlformats.org/presentationml/2006/main">
+  <p:cSld>
+    <p:spTree>
+      <p:nvGrpSpPr>
+        <p:cNvPr id="1" name=""/>
+        <p:cNvGrpSpPr/>
+        <p:nvPr/>
+      </p:nvGrpSpPr>
+      <p:grpSpPr>
+        <a:xfrm>
+          <a:off x="0" y="0"/>
+          <a:ext cx="0" cy="0"/>
+          <a:chOff x="0" y="0"/>
+          <a:chExt cx="0" cy="0"/>
+        </a:xfrm>
+      </p:grpSpPr>
+      <p:sp>
+        <p:nvSpPr>
+          <p:cNvPr id="2" name="Titel 1">
+            <a:extLst>
+              <a:ext uri="{FF2B5EF4-FFF2-40B4-BE49-F238E27FC236}">
+                <a16:creationId xmlns:a16="http://schemas.microsoft.com/office/drawing/2014/main" id="{E77D536A-9845-44F5-A5A0-7C18FF584DDE}"/>
+              </a:ext>
+            </a:extLst>
+          </p:cNvPr>
+          <p:cNvSpPr>
+            <a:spLocks noGrp="1"/>
+          </p:cNvSpPr>
+          <p:nvPr>
+            <p:ph type="title"/>
+          </p:nvPr>
+        </p:nvSpPr>
+        <p:spPr/>
+        <p:txBody>
+          <a:bodyPr/>
+          <a:lstStyle/>
+          <a:p>
+            <a:r>
+              <a:rPr lang="de-DE" dirty="0"/>
+              <a:t>Serienschwingkreis - Aufbau</a:t>
+            </a:r>
+          </a:p>
+        </p:txBody>
+      </p:sp>
+      <p:sp>
+        <p:nvSpPr>
+          <p:cNvPr id="4" name="Foliennummernplatzhalter 3">
+            <a:extLst>
+              <a:ext uri="{FF2B5EF4-FFF2-40B4-BE49-F238E27FC236}">
+                <a16:creationId xmlns:a16="http://schemas.microsoft.com/office/drawing/2014/main" id="{84FEDC6B-08CC-4570-8926-026018A33C26}"/>
+              </a:ext>
+            </a:extLst>
+          </p:cNvPr>
+          <p:cNvSpPr>
+            <a:spLocks noGrp="1"/>
+          </p:cNvSpPr>
+          <p:nvPr>
+            <p:ph type="sldNum" sz="quarter" idx="12"/>
+          </p:nvPr>
+        </p:nvSpPr>
+        <p:spPr/>
+        <p:txBody>
+          <a:bodyPr/>
+          <a:lstStyle/>
+          <a:p>
+            <a:fld id="{E276D0E3-8A91-4195-9D97-D4903B6F688B}" type="slidenum">
+              <a:rPr lang="de-DE" smtClean="0"/>
+              <a:t>3</a:t>
+            </a:fld>
+            <a:endParaRPr lang="de-DE"/>
+          </a:p>
+        </p:txBody>
+      </p:sp>
+      <p:sp>
+        <p:nvSpPr>
+          <p:cNvPr id="8" name="Inhaltsplatzhalter 7">
+            <a:extLst>
+              <a:ext uri="{FF2B5EF4-FFF2-40B4-BE49-F238E27FC236}">
+                <a16:creationId xmlns:a16="http://schemas.microsoft.com/office/drawing/2014/main" id="{6FD22FA9-20CD-42EF-8F9B-483F5D7EF042}"/>
+              </a:ext>
+            </a:extLst>
+          </p:cNvPr>
+          <p:cNvSpPr>
+            <a:spLocks noGrp="1"/>
+          </p:cNvSpPr>
+          <p:nvPr>
+            <p:ph idx="1"/>
+          </p:nvPr>
+        </p:nvSpPr>
+        <p:spPr>
+          <a:xfrm>
+            <a:off x="838200" y="1825625"/>
+            <a:ext cx="5250084" cy="2225380"/>
+          </a:xfrm>
+        </p:spPr>
+        <p:txBody>
+          <a:bodyPr/>
+          <a:lstStyle/>
+          <a:p>
+            <a:r>
+              <a:rPr lang="de-DE" dirty="0"/>
+              <a:t>Auswertung über:</a:t>
+            </a:r>
+          </a:p>
+          <a:p>
+            <a:pPr lvl="1"/>
+            <a:r>
+              <a:rPr lang="de-DE" dirty="0"/>
+              <a:t>Resonanzkurve</a:t>
+            </a:r>
+          </a:p>
+          <a:p>
+            <a:pPr lvl="1"/>
+            <a:r>
+              <a:rPr lang="de-DE" dirty="0"/>
+              <a:t>Phase</a:t>
+            </a:r>
+          </a:p>
+          <a:p>
+            <a:pPr lvl="1"/>
+            <a:r>
+              <a:rPr lang="de-DE" dirty="0"/>
+              <a:t>Spannungsüberhöhung</a:t>
+            </a:r>
+          </a:p>
+          <a:p>
+            <a:pPr lvl="1"/>
+            <a:r>
+              <a:rPr lang="de-DE" dirty="0"/>
+              <a:t>Bauteile</a:t>
+            </a:r>
+          </a:p>
+        </p:txBody>
+      </p:sp>
+      <p:pic>
+        <p:nvPicPr>
+          <p:cNvPr id="9" name="Inhaltsplatzhalter 5">
+            <a:extLst>
+              <a:ext uri="{FF2B5EF4-FFF2-40B4-BE49-F238E27FC236}">
+                <a16:creationId xmlns:a16="http://schemas.microsoft.com/office/drawing/2014/main" id="{9FBEDF62-B216-4278-B373-B91AE044FF63}"/>
+              </a:ext>
+            </a:extLst>
+          </p:cNvPr>
+          <p:cNvPicPr>
+            <a:picLocks noChangeAspect="1"/>
+          </p:cNvPicPr>
+          <p:nvPr/>
+        </p:nvPicPr>
+        <p:blipFill>
+          <a:blip r:embed="rId2">
+            <a:extLst>
+              <a:ext uri="{28A0092B-C50C-407E-A947-70E740481C1C}">
+                <a14:useLocalDpi xmlns:a14="http://schemas.microsoft.com/office/drawing/2010/main" val="0"/>
+              </a:ext>
+            </a:extLst>
+          </a:blip>
+          <a:stretch>
+            <a:fillRect/>
+          </a:stretch>
+        </p:blipFill>
+        <p:spPr>
+          <a:xfrm>
+            <a:off x="6211803" y="1641213"/>
+            <a:ext cx="5386029" cy="3250827"/>
+          </a:xfrm>
+          <a:prstGeom prst="rect">
+            <a:avLst/>
+          </a:prstGeom>
+        </p:spPr>
+      </p:pic>
+      <p:pic>
+        <p:nvPicPr>
+          <p:cNvPr id="11" name="Grafik 10">
+            <a:extLst>
+              <a:ext uri="{FF2B5EF4-FFF2-40B4-BE49-F238E27FC236}">
+                <a16:creationId xmlns:a16="http://schemas.microsoft.com/office/drawing/2014/main" id="{90FB23E8-FF3D-4A93-B845-38AF18E416DB}"/>
+              </a:ext>
+            </a:extLst>
+          </p:cNvPr>
+          <p:cNvPicPr>
+            <a:picLocks noChangeAspect="1"/>
+          </p:cNvPicPr>
+          <p:nvPr/>
+        </p:nvPicPr>
+        <p:blipFill>
+          <a:blip r:embed="rId3">
+            <a:extLst>
+              <a:ext uri="{28A0092B-C50C-407E-A947-70E740481C1C}">
+                <a14:useLocalDpi xmlns:a14="http://schemas.microsoft.com/office/drawing/2010/main" val="0"/>
+              </a:ext>
+            </a:extLst>
+          </a:blip>
+          <a:stretch>
+            <a:fillRect/>
+          </a:stretch>
+        </p:blipFill>
+        <p:spPr>
+          <a:xfrm>
+            <a:off x="398814" y="4447864"/>
+            <a:ext cx="7008983" cy="1908486"/>
+          </a:xfrm>
+          <a:prstGeom prst="rect">
+            <a:avLst/>
+          </a:prstGeom>
+        </p:spPr>
+      </p:pic>
+    </p:spTree>
+    <p:extLst>
+      <p:ext uri="{BB962C8B-B14F-4D97-AF65-F5344CB8AC3E}">
+        <p14:creationId xmlns:p14="http://schemas.microsoft.com/office/powerpoint/2010/main" val="1307553399"/>
+      </p:ext>
+    </p:extLst>
+  </p:cSld>
+  <p:clrMapOvr>
+    <a:masterClrMapping/>
+  </p:clrMapOvr>
+</p:sld>
+</file>
+
+<file path=ppt/slides/slide4.xml><?xml version="1.0" encoding="utf-8"?>
+<p:sld xmlns:a="http://schemas.openxmlformats.org/drawingml/2006/main" xmlns:r="http://schemas.openxmlformats.org/officeDocument/2006/relationships" xmlns:p="http://schemas.openxmlformats.org/presentationml/2006/main">
+  <p:cSld>
+    <p:spTree>
+      <p:nvGrpSpPr>
+        <p:cNvPr id="1" name=""/>
+        <p:cNvGrpSpPr/>
+        <p:nvPr/>
+      </p:nvGrpSpPr>
+      <p:grpSpPr>
+        <a:xfrm>
+          <a:off x="0" y="0"/>
+          <a:ext cx="0" cy="0"/>
+          <a:chOff x="0" y="0"/>
+          <a:chExt cx="0" cy="0"/>
+        </a:xfrm>
+      </p:grpSpPr>
+      <p:sp>
+        <p:nvSpPr>
+          <p:cNvPr id="2" name="Titel 1">
+            <a:extLst>
+              <a:ext uri="{FF2B5EF4-FFF2-40B4-BE49-F238E27FC236}">
+                <a16:creationId xmlns:a16="http://schemas.microsoft.com/office/drawing/2014/main" id="{C8AD595C-8593-4048-B649-34BEE7216E23}"/>
+              </a:ext>
+            </a:extLst>
+          </p:cNvPr>
+          <p:cNvSpPr>
+            <a:spLocks noGrp="1"/>
+          </p:cNvSpPr>
+          <p:nvPr>
+            <p:ph type="title"/>
+          </p:nvPr>
+        </p:nvSpPr>
+        <p:spPr/>
+        <p:txBody>
+          <a:bodyPr/>
+          <a:lstStyle/>
+          <a:p>
+            <a:r>
+              <a:rPr lang="de-DE" dirty="0"/>
+              <a:t>Serienschwingkreis - Resonanzkurve</a:t>
+            </a:r>
+          </a:p>
+        </p:txBody>
+      </p:sp>
+      <p:sp>
+        <p:nvSpPr>
+          <p:cNvPr id="3" name="Inhaltsplatzhalter 2">
+            <a:extLst>
+              <a:ext uri="{FF2B5EF4-FFF2-40B4-BE49-F238E27FC236}">
+                <a16:creationId xmlns:a16="http://schemas.microsoft.com/office/drawing/2014/main" id="{F5764B71-6E1B-4663-ADA1-0F71CAC3FC4E}"/>
+              </a:ext>
+            </a:extLst>
+          </p:cNvPr>
+          <p:cNvSpPr>
+            <a:spLocks noGrp="1"/>
+          </p:cNvSpPr>
+          <p:nvPr>
+            <p:ph idx="1"/>
+          </p:nvPr>
+        </p:nvSpPr>
+        <p:spPr>
+          <a:xfrm>
+            <a:off x="838200" y="1825624"/>
+            <a:ext cx="5666772" cy="1600481"/>
+          </a:xfrm>
+        </p:spPr>
+        <p:txBody>
+          <a:bodyPr>
+            <a:normAutofit/>
+          </a:bodyPr>
+          <a:lstStyle/>
+          <a:p>
+            <a:r>
+              <a:rPr lang="de-DE" dirty="0"/>
+              <a:t>Werte abgelesen und ausgerechnet</a:t>
+            </a:r>
+          </a:p>
+        </p:txBody>
+      </p:sp>
+      <p:sp>
+        <p:nvSpPr>
+          <p:cNvPr id="4" name="Foliennummernplatzhalter 3">
+            <a:extLst>
+              <a:ext uri="{FF2B5EF4-FFF2-40B4-BE49-F238E27FC236}">
+                <a16:creationId xmlns:a16="http://schemas.microsoft.com/office/drawing/2014/main" id="{A3D5799A-F087-456D-A8CE-CDB65C4D0380}"/>
+              </a:ext>
+            </a:extLst>
+          </p:cNvPr>
+          <p:cNvSpPr>
+            <a:spLocks noGrp="1"/>
+          </p:cNvSpPr>
+          <p:nvPr>
+            <p:ph type="sldNum" sz="quarter" idx="12"/>
+          </p:nvPr>
+        </p:nvSpPr>
+        <p:spPr/>
+        <p:txBody>
+          <a:bodyPr/>
+          <a:lstStyle/>
+          <a:p>
+            <a:fld id="{E276D0E3-8A91-4195-9D97-D4903B6F688B}" type="slidenum">
+              <a:rPr lang="de-DE" smtClean="0"/>
+              <a:t>4</a:t>
+            </a:fld>
+            <a:endParaRPr lang="de-DE"/>
+          </a:p>
+        </p:txBody>
+      </p:sp>
+      <p:pic>
+        <p:nvPicPr>
+          <p:cNvPr id="6" name="Grafik 5">
+            <a:extLst>
+              <a:ext uri="{FF2B5EF4-FFF2-40B4-BE49-F238E27FC236}">
+                <a16:creationId xmlns:a16="http://schemas.microsoft.com/office/drawing/2014/main" id="{1DFBC05E-C948-44EA-9F6F-26DC9F581DCC}"/>
+              </a:ext>
+            </a:extLst>
+          </p:cNvPr>
+          <p:cNvPicPr>
+            <a:picLocks noChangeAspect="1"/>
+          </p:cNvPicPr>
+          <p:nvPr/>
+        </p:nvPicPr>
+        <p:blipFill>
+          <a:blip r:embed="rId2">
+            <a:extLst>
+              <a:ext uri="{28A0092B-C50C-407E-A947-70E740481C1C}">
+                <a14:useLocalDpi xmlns:a14="http://schemas.microsoft.com/office/drawing/2010/main" val="0"/>
+              </a:ext>
+            </a:extLst>
+          </a:blip>
+          <a:stretch>
+            <a:fillRect/>
+          </a:stretch>
+        </p:blipFill>
+        <p:spPr>
+          <a:xfrm>
+            <a:off x="5224228" y="3209491"/>
+            <a:ext cx="4457802" cy="3329421"/>
+          </a:xfrm>
+          <a:prstGeom prst="rect">
+            <a:avLst/>
+          </a:prstGeom>
+        </p:spPr>
+      </p:pic>
+      <p:pic>
+        <p:nvPicPr>
+          <p:cNvPr id="12" name="Grafik 11">
+            <a:extLst>
+              <a:ext uri="{FF2B5EF4-FFF2-40B4-BE49-F238E27FC236}">
+                <a16:creationId xmlns:a16="http://schemas.microsoft.com/office/drawing/2014/main" id="{CBA05B38-52EC-44B4-B952-7CACB6F48461}"/>
+              </a:ext>
+            </a:extLst>
+          </p:cNvPr>
+          <p:cNvPicPr>
+            <a:picLocks noChangeAspect="1"/>
+          </p:cNvPicPr>
+          <p:nvPr/>
+        </p:nvPicPr>
+        <p:blipFill>
+          <a:blip r:embed="rId3">
+            <a:extLst>
+              <a:ext uri="{28A0092B-C50C-407E-A947-70E740481C1C}">
+                <a14:useLocalDpi xmlns:a14="http://schemas.microsoft.com/office/drawing/2010/main" val="0"/>
+              </a:ext>
+            </a:extLst>
+          </a:blip>
+          <a:stretch>
+            <a:fillRect/>
+          </a:stretch>
+        </p:blipFill>
+        <p:spPr>
+          <a:xfrm>
+            <a:off x="7778204" y="1332731"/>
+            <a:ext cx="4003315" cy="1930366"/>
+          </a:xfrm>
+          <a:prstGeom prst="rect">
+            <a:avLst/>
+          </a:prstGeom>
+        </p:spPr>
+      </p:pic>
+      <p:pic>
+        <p:nvPicPr>
+          <p:cNvPr id="14" name="Grafik 13">
+            <a:extLst>
+              <a:ext uri="{FF2B5EF4-FFF2-40B4-BE49-F238E27FC236}">
+                <a16:creationId xmlns:a16="http://schemas.microsoft.com/office/drawing/2014/main" id="{0F58C06E-4221-4CD6-9612-ADCF15A59E7D}"/>
+              </a:ext>
+            </a:extLst>
+          </p:cNvPr>
+          <p:cNvPicPr>
+            <a:picLocks noChangeAspect="1"/>
+          </p:cNvPicPr>
+          <p:nvPr/>
+        </p:nvPicPr>
+        <p:blipFill>
+          <a:blip r:embed="rId4">
+            <a:extLst>
+              <a:ext uri="{28A0092B-C50C-407E-A947-70E740481C1C}">
+                <a14:useLocalDpi xmlns:a14="http://schemas.microsoft.com/office/drawing/2010/main" val="0"/>
+              </a:ext>
+            </a:extLst>
+          </a:blip>
+          <a:stretch>
+            <a:fillRect/>
+          </a:stretch>
+        </p:blipFill>
+        <p:spPr>
+          <a:xfrm>
+            <a:off x="838200" y="3263097"/>
+            <a:ext cx="4386028" cy="3275815"/>
+          </a:xfrm>
+          <a:prstGeom prst="rect">
+            <a:avLst/>
+          </a:prstGeom>
+        </p:spPr>
+      </p:pic>
+    </p:spTree>
+    <p:extLst>
+      <p:ext uri="{BB962C8B-B14F-4D97-AF65-F5344CB8AC3E}">
+        <p14:creationId xmlns:p14="http://schemas.microsoft.com/office/powerpoint/2010/main" val="2349353575"/>
+      </p:ext>
+    </p:extLst>
+  </p:cSld>
+  <p:clrMapOvr>
+    <a:masterClrMapping/>
+  </p:clrMapOvr>
+</p:sld>
+</file>
+
+<file path=ppt/slides/slide5.xml><?xml version="1.0" encoding="utf-8"?>
+<p:sld xmlns:a="http://schemas.openxmlformats.org/drawingml/2006/main" xmlns:r="http://schemas.openxmlformats.org/officeDocument/2006/relationships" xmlns:p="http://schemas.openxmlformats.org/presentationml/2006/main">
+  <p:cSld>
+    <p:spTree>
+      <p:nvGrpSpPr>
+        <p:cNvPr id="1" name=""/>
+        <p:cNvGrpSpPr/>
+        <p:nvPr/>
+      </p:nvGrpSpPr>
+      <p:grpSpPr>
+        <a:xfrm>
+          <a:off x="0" y="0"/>
+          <a:ext cx="0" cy="0"/>
+          <a:chOff x="0" y="0"/>
+          <a:chExt cx="0" cy="0"/>
+        </a:xfrm>
+      </p:grpSpPr>
+      <p:sp>
+        <p:nvSpPr>
+          <p:cNvPr id="2" name="Titel 1">
+            <a:extLst>
+              <a:ext uri="{FF2B5EF4-FFF2-40B4-BE49-F238E27FC236}">
+                <a16:creationId xmlns:a16="http://schemas.microsoft.com/office/drawing/2014/main" id="{CC0FAD00-1C02-4A2A-AAB8-EAD85D84ED9C}"/>
+              </a:ext>
+            </a:extLst>
+          </p:cNvPr>
+          <p:cNvSpPr>
+            <a:spLocks noGrp="1"/>
+          </p:cNvSpPr>
+          <p:nvPr>
+            <p:ph type="title"/>
+          </p:nvPr>
+        </p:nvSpPr>
+        <p:spPr>
+          <a:xfrm>
+            <a:off x="838200" y="365126"/>
+            <a:ext cx="10515600" cy="967796"/>
+          </a:xfrm>
+        </p:spPr>
+        <p:txBody>
+          <a:bodyPr/>
+          <a:lstStyle/>
+          <a:p>
+            <a:r>
+              <a:rPr lang="de-DE" dirty="0"/>
+              <a:t>Serienschwingkreis - Phasenverschiebung</a:t>
+            </a:r>
+          </a:p>
+        </p:txBody>
+      </p:sp>
+      <p:sp>
+        <p:nvSpPr>
+          <p:cNvPr id="4" name="Foliennummernplatzhalter 3">
+            <a:extLst>
+              <a:ext uri="{FF2B5EF4-FFF2-40B4-BE49-F238E27FC236}">
+                <a16:creationId xmlns:a16="http://schemas.microsoft.com/office/drawing/2014/main" id="{1E51A25D-26A4-434C-BB66-A28A2419C5DB}"/>
+              </a:ext>
+            </a:extLst>
+          </p:cNvPr>
+          <p:cNvSpPr>
+            <a:spLocks noGrp="1"/>
+          </p:cNvSpPr>
+          <p:nvPr>
+            <p:ph type="sldNum" sz="quarter" idx="12"/>
+          </p:nvPr>
+        </p:nvSpPr>
+        <p:spPr/>
+        <p:txBody>
+          <a:bodyPr/>
+          <a:lstStyle/>
+          <a:p>
+            <a:fld id="{E276D0E3-8A91-4195-9D97-D4903B6F688B}" type="slidenum">
+              <a:rPr lang="de-DE" smtClean="0"/>
+              <a:t>5</a:t>
+            </a:fld>
+            <a:endParaRPr lang="de-DE"/>
+          </a:p>
+        </p:txBody>
+      </p:sp>
+      <p:pic>
+        <p:nvPicPr>
+          <p:cNvPr id="8" name="Grafik 7">
+            <a:extLst>
+              <a:ext uri="{FF2B5EF4-FFF2-40B4-BE49-F238E27FC236}">
+                <a16:creationId xmlns:a16="http://schemas.microsoft.com/office/drawing/2014/main" id="{51BBE6E3-D5E2-47A6-9B07-3C35FF291E05}"/>
+              </a:ext>
+            </a:extLst>
+          </p:cNvPr>
+          <p:cNvPicPr>
+            <a:picLocks noChangeAspect="1"/>
+          </p:cNvPicPr>
+          <p:nvPr/>
+        </p:nvPicPr>
+        <p:blipFill>
+          <a:blip r:embed="rId2">
+            <a:extLst>
+              <a:ext uri="{28A0092B-C50C-407E-A947-70E740481C1C}">
+                <a14:useLocalDpi xmlns:a14="http://schemas.microsoft.com/office/drawing/2010/main" val="0"/>
+              </a:ext>
+            </a:extLst>
+          </a:blip>
+          <a:stretch>
+            <a:fillRect/>
+          </a:stretch>
+        </p:blipFill>
+        <p:spPr>
+          <a:xfrm>
+            <a:off x="308542" y="4294500"/>
+            <a:ext cx="3157553" cy="2061850"/>
+          </a:xfrm>
+          <a:prstGeom prst="rect">
+            <a:avLst/>
+          </a:prstGeom>
+        </p:spPr>
+      </p:pic>
+      <p:pic>
+        <p:nvPicPr>
+          <p:cNvPr id="10" name="Grafik 9">
+            <a:extLst>
+              <a:ext uri="{FF2B5EF4-FFF2-40B4-BE49-F238E27FC236}">
+                <a16:creationId xmlns:a16="http://schemas.microsoft.com/office/drawing/2014/main" id="{6A269266-040B-4A73-943F-7C21DB782140}"/>
+              </a:ext>
+            </a:extLst>
+          </p:cNvPr>
+          <p:cNvPicPr>
+            <a:picLocks noChangeAspect="1"/>
+          </p:cNvPicPr>
+          <p:nvPr/>
+        </p:nvPicPr>
+        <p:blipFill>
+          <a:blip r:embed="rId3">
+            <a:extLst>
+              <a:ext uri="{28A0092B-C50C-407E-A947-70E740481C1C}">
+                <a14:useLocalDpi xmlns:a14="http://schemas.microsoft.com/office/drawing/2010/main" val="0"/>
+              </a:ext>
+            </a:extLst>
+          </a:blip>
+          <a:stretch>
+            <a:fillRect/>
+          </a:stretch>
+        </p:blipFill>
+        <p:spPr>
+          <a:xfrm>
+            <a:off x="3466095" y="1130977"/>
+            <a:ext cx="4506065" cy="3365467"/>
+          </a:xfrm>
+          <a:prstGeom prst="rect">
+            <a:avLst/>
+          </a:prstGeom>
+        </p:spPr>
+      </p:pic>
+      <p:pic>
+        <p:nvPicPr>
+          <p:cNvPr id="12" name="Grafik 11">
+            <a:extLst>
+              <a:ext uri="{FF2B5EF4-FFF2-40B4-BE49-F238E27FC236}">
+                <a16:creationId xmlns:a16="http://schemas.microsoft.com/office/drawing/2014/main" id="{E12A3396-2775-4586-A8B5-F9D70BC65BC8}"/>
+              </a:ext>
+            </a:extLst>
+          </p:cNvPr>
+          <p:cNvPicPr>
+            <a:picLocks noChangeAspect="1"/>
+          </p:cNvPicPr>
+          <p:nvPr/>
+        </p:nvPicPr>
+        <p:blipFill>
+          <a:blip r:embed="rId4">
+            <a:extLst>
+              <a:ext uri="{28A0092B-C50C-407E-A947-70E740481C1C}">
+                <a14:useLocalDpi xmlns:a14="http://schemas.microsoft.com/office/drawing/2010/main" val="0"/>
+              </a:ext>
+            </a:extLst>
+          </a:blip>
+          <a:stretch>
+            <a:fillRect/>
+          </a:stretch>
+        </p:blipFill>
+        <p:spPr>
+          <a:xfrm>
+            <a:off x="7731179" y="1147873"/>
+            <a:ext cx="4460821" cy="3331676"/>
+          </a:xfrm>
+          <a:prstGeom prst="rect">
+            <a:avLst/>
+          </a:prstGeom>
+        </p:spPr>
+      </p:pic>
+    </p:spTree>
+    <p:extLst>
+      <p:ext uri="{BB962C8B-B14F-4D97-AF65-F5344CB8AC3E}">
+        <p14:creationId xmlns:p14="http://schemas.microsoft.com/office/powerpoint/2010/main" val="3199003965"/>
+      </p:ext>
+    </p:extLst>
+  </p:cSld>
+  <p:clrMapOvr>
+    <a:masterClrMapping/>
+  </p:clrMapOvr>
+</p:sld>
+</file>
+
+<file path=ppt/slides/slide6.xml><?xml version="1.0" encoding="utf-8"?>
+<p:sld xmlns:a="http://schemas.openxmlformats.org/drawingml/2006/main" xmlns:r="http://schemas.openxmlformats.org/officeDocument/2006/relationships" xmlns:p="http://schemas.openxmlformats.org/presentationml/2006/main">
+  <p:cSld>
+    <p:spTree>
+      <p:nvGrpSpPr>
+        <p:cNvPr id="1" name=""/>
+        <p:cNvGrpSpPr/>
+        <p:nvPr/>
+      </p:nvGrpSpPr>
+      <p:grpSpPr>
+        <a:xfrm>
+          <a:off x="0" y="0"/>
+          <a:ext cx="0" cy="0"/>
+          <a:chOff x="0" y="0"/>
+          <a:chExt cx="0" cy="0"/>
+        </a:xfrm>
+      </p:grpSpPr>
+      <p:sp>
+        <p:nvSpPr>
+          <p:cNvPr id="2" name="Titel 1">
+            <a:extLst>
+              <a:ext uri="{FF2B5EF4-FFF2-40B4-BE49-F238E27FC236}">
+                <a16:creationId xmlns:a16="http://schemas.microsoft.com/office/drawing/2014/main" id="{8C9522F2-2C69-4809-9C12-22AE8B841019}"/>
+              </a:ext>
+            </a:extLst>
+          </p:cNvPr>
+          <p:cNvSpPr>
+            <a:spLocks noGrp="1"/>
+          </p:cNvSpPr>
+          <p:nvPr>
+            <p:ph type="title"/>
+          </p:nvPr>
+        </p:nvSpPr>
+        <p:spPr>
+          <a:xfrm>
+            <a:off x="838200" y="365126"/>
+            <a:ext cx="10515600" cy="1059638"/>
+          </a:xfrm>
+        </p:spPr>
+        <p:txBody>
+          <a:bodyPr/>
+          <a:lstStyle/>
+          <a:p>
+            <a:r>
+              <a:rPr lang="de-DE" dirty="0"/>
+              <a:t>Serienschwingkreis - Spannungsüberhöhung</a:t>
+            </a:r>
+          </a:p>
+        </p:txBody>
+      </p:sp>
+      <p:sp>
+        <p:nvSpPr>
+          <p:cNvPr id="4" name="Foliennummernplatzhalter 3">
+            <a:extLst>
+              <a:ext uri="{FF2B5EF4-FFF2-40B4-BE49-F238E27FC236}">
+                <a16:creationId xmlns:a16="http://schemas.microsoft.com/office/drawing/2014/main" id="{82DBC404-894C-4856-90E7-ADE51722C3D1}"/>
+              </a:ext>
+            </a:extLst>
+          </p:cNvPr>
+          <p:cNvSpPr>
+            <a:spLocks noGrp="1"/>
+          </p:cNvSpPr>
+          <p:nvPr>
+            <p:ph type="sldNum" sz="quarter" idx="12"/>
+          </p:nvPr>
+        </p:nvSpPr>
+        <p:spPr/>
+        <p:txBody>
+          <a:bodyPr/>
+          <a:lstStyle/>
+          <a:p>
+            <a:fld id="{E276D0E3-8A91-4195-9D97-D4903B6F688B}" type="slidenum">
+              <a:rPr lang="de-DE" smtClean="0"/>
+              <a:t>6</a:t>
+            </a:fld>
+            <a:endParaRPr lang="de-DE"/>
+          </a:p>
+        </p:txBody>
+      </p:sp>
+      <p:pic>
+        <p:nvPicPr>
+          <p:cNvPr id="6" name="Grafik 5">
+            <a:extLst>
+              <a:ext uri="{FF2B5EF4-FFF2-40B4-BE49-F238E27FC236}">
+                <a16:creationId xmlns:a16="http://schemas.microsoft.com/office/drawing/2014/main" id="{662DEB28-BDE5-4503-BD64-A284F08FD9C7}"/>
+              </a:ext>
+            </a:extLst>
+          </p:cNvPr>
+          <p:cNvPicPr>
+            <a:picLocks noChangeAspect="1"/>
+          </p:cNvPicPr>
+          <p:nvPr/>
+        </p:nvPicPr>
+        <p:blipFill>
+          <a:blip r:embed="rId2">
+            <a:extLst>
+              <a:ext uri="{28A0092B-C50C-407E-A947-70E740481C1C}">
+                <a14:useLocalDpi xmlns:a14="http://schemas.microsoft.com/office/drawing/2010/main" val="0"/>
+              </a:ext>
+            </a:extLst>
+          </a:blip>
+          <a:stretch>
+            <a:fillRect/>
+          </a:stretch>
+        </p:blipFill>
+        <p:spPr>
+          <a:xfrm>
+            <a:off x="838200" y="4574541"/>
+            <a:ext cx="3650058" cy="1629490"/>
+          </a:xfrm>
+          <a:prstGeom prst="rect">
+            <a:avLst/>
+          </a:prstGeom>
+        </p:spPr>
+      </p:pic>
+      <p:pic>
+        <p:nvPicPr>
+          <p:cNvPr id="8" name="Grafik 7">
+            <a:extLst>
+              <a:ext uri="{FF2B5EF4-FFF2-40B4-BE49-F238E27FC236}">
+                <a16:creationId xmlns:a16="http://schemas.microsoft.com/office/drawing/2014/main" id="{1A0289E2-D9F6-48F5-A91A-27ACB0CE99E2}"/>
+              </a:ext>
+            </a:extLst>
+          </p:cNvPr>
+          <p:cNvPicPr>
+            <a:picLocks noChangeAspect="1"/>
+          </p:cNvPicPr>
+          <p:nvPr/>
+        </p:nvPicPr>
+        <p:blipFill>
+          <a:blip r:embed="rId3">
+            <a:extLst>
+              <a:ext uri="{28A0092B-C50C-407E-A947-70E740481C1C}">
+                <a14:useLocalDpi xmlns:a14="http://schemas.microsoft.com/office/drawing/2010/main" val="0"/>
+              </a:ext>
+            </a:extLst>
+          </a:blip>
+          <a:stretch>
+            <a:fillRect/>
+          </a:stretch>
+        </p:blipFill>
+        <p:spPr>
+          <a:xfrm>
+            <a:off x="2663229" y="1153523"/>
+            <a:ext cx="4580442" cy="3421018"/>
+          </a:xfrm>
+          <a:prstGeom prst="rect">
+            <a:avLst/>
+          </a:prstGeom>
+        </p:spPr>
+      </p:pic>
+      <p:pic>
+        <p:nvPicPr>
+          <p:cNvPr id="10" name="Grafik 9">
+            <a:extLst>
+              <a:ext uri="{FF2B5EF4-FFF2-40B4-BE49-F238E27FC236}">
+                <a16:creationId xmlns:a16="http://schemas.microsoft.com/office/drawing/2014/main" id="{E7A9A42C-F6BC-4D95-B3BC-195585E001F1}"/>
+              </a:ext>
+            </a:extLst>
+          </p:cNvPr>
+          <p:cNvPicPr>
+            <a:picLocks noChangeAspect="1"/>
+          </p:cNvPicPr>
+          <p:nvPr/>
+        </p:nvPicPr>
+        <p:blipFill>
+          <a:blip r:embed="rId4">
+            <a:extLst>
+              <a:ext uri="{28A0092B-C50C-407E-A947-70E740481C1C}">
+                <a14:useLocalDpi xmlns:a14="http://schemas.microsoft.com/office/drawing/2010/main" val="0"/>
+              </a:ext>
+            </a:extLst>
+          </a:blip>
+          <a:stretch>
+            <a:fillRect/>
+          </a:stretch>
+        </p:blipFill>
+        <p:spPr>
+          <a:xfrm>
+            <a:off x="7047907" y="1153523"/>
+            <a:ext cx="4580442" cy="3421018"/>
+          </a:xfrm>
+          <a:prstGeom prst="rect">
+            <a:avLst/>
+          </a:prstGeom>
+        </p:spPr>
+      </p:pic>
+    </p:spTree>
+    <p:extLst>
+      <p:ext uri="{BB962C8B-B14F-4D97-AF65-F5344CB8AC3E}">
+        <p14:creationId xmlns:p14="http://schemas.microsoft.com/office/powerpoint/2010/main" val="1068949829"/>
+      </p:ext>
+    </p:extLst>
+  </p:cSld>
+  <p:clrMapOvr>
+    <a:masterClrMapping/>
+  </p:clrMapOvr>
+</p:sld>
+</file>
+
+<file path=ppt/slides/slide7.xml><?xml version="1.0" encoding="utf-8"?>
+<p:sld xmlns:a="http://schemas.openxmlformats.org/drawingml/2006/main" xmlns:r="http://schemas.openxmlformats.org/officeDocument/2006/relationships" xmlns:p="http://schemas.openxmlformats.org/presentationml/2006/main">
+  <p:cSld>
+    <p:spTree>
+      <p:nvGrpSpPr>
+        <p:cNvPr id="1" name=""/>
+        <p:cNvGrpSpPr/>
+        <p:nvPr/>
+      </p:nvGrpSpPr>
+      <p:grpSpPr>
+        <a:xfrm>
+          <a:off x="0" y="0"/>
+          <a:ext cx="0" cy="0"/>
+          <a:chOff x="0" y="0"/>
+          <a:chExt cx="0" cy="0"/>
+        </a:xfrm>
+      </p:grpSpPr>
+      <p:sp>
+        <p:nvSpPr>
+          <p:cNvPr id="2" name="Titel 1">
+            <a:extLst>
+              <a:ext uri="{FF2B5EF4-FFF2-40B4-BE49-F238E27FC236}">
+                <a16:creationId xmlns:a16="http://schemas.microsoft.com/office/drawing/2014/main" id="{20F3ECFC-CE9B-4DD8-99A5-47FE3A87658C}"/>
+              </a:ext>
+            </a:extLst>
+          </p:cNvPr>
+          <p:cNvSpPr>
+            <a:spLocks noGrp="1"/>
+          </p:cNvSpPr>
+          <p:nvPr>
+            <p:ph type="title"/>
+          </p:nvPr>
+        </p:nvSpPr>
+        <p:spPr/>
+        <p:txBody>
+          <a:bodyPr/>
+          <a:lstStyle/>
+          <a:p>
+            <a:r>
+              <a:rPr lang="de-DE" dirty="0"/>
+              <a:t>Parallelschwingkreis - Aufbau</a:t>
+            </a:r>
+          </a:p>
+        </p:txBody>
+      </p:sp>
+      <p:pic>
+        <p:nvPicPr>
+          <p:cNvPr id="6" name="Inhaltsplatzhalter 5">
+            <a:extLst>
+              <a:ext uri="{FF2B5EF4-FFF2-40B4-BE49-F238E27FC236}">
+                <a16:creationId xmlns:a16="http://schemas.microsoft.com/office/drawing/2014/main" id="{52EBE9EC-430B-40C3-A1AC-82A30DC8469D}"/>
+              </a:ext>
+            </a:extLst>
+          </p:cNvPr>
+          <p:cNvPicPr>
+            <a:picLocks noGrp="1" noChangeAspect="1"/>
+          </p:cNvPicPr>
+          <p:nvPr>
+            <p:ph sz="half" idx="1"/>
+          </p:nvPr>
+        </p:nvPicPr>
+        <p:blipFill>
+          <a:blip r:embed="rId2">
+            <a:extLst>
+              <a:ext uri="{28A0092B-C50C-407E-A947-70E740481C1C}">
+                <a14:useLocalDpi xmlns:a14="http://schemas.microsoft.com/office/drawing/2010/main" val="0"/>
+              </a:ext>
+            </a:extLst>
+          </a:blip>
+          <a:stretch>
+            <a:fillRect/>
+          </a:stretch>
+        </p:blipFill>
+        <p:spPr>
+          <a:xfrm>
+            <a:off x="8264975" y="1690688"/>
+            <a:ext cx="3434449" cy="4351338"/>
+          </a:xfrm>
+        </p:spPr>
+      </p:pic>
+      <p:sp>
+        <p:nvSpPr>
+          <p:cNvPr id="12" name="Inhaltsplatzhalter 11">
+            <a:extLst>
+              <a:ext uri="{FF2B5EF4-FFF2-40B4-BE49-F238E27FC236}">
+                <a16:creationId xmlns:a16="http://schemas.microsoft.com/office/drawing/2014/main" id="{22D784A1-EA59-4D3F-86FE-A183AB517FA7}"/>
+              </a:ext>
+            </a:extLst>
+          </p:cNvPr>
+          <p:cNvSpPr>
+            <a:spLocks noGrp="1"/>
+          </p:cNvSpPr>
+          <p:nvPr>
+            <p:ph sz="half" idx="2"/>
+          </p:nvPr>
+        </p:nvSpPr>
+        <p:spPr>
+          <a:xfrm>
+            <a:off x="914400" y="1690688"/>
+            <a:ext cx="5181600" cy="4351338"/>
+          </a:xfrm>
+        </p:spPr>
+        <p:txBody>
+          <a:bodyPr/>
+          <a:lstStyle/>
+          <a:p>
+            <a:r>
+              <a:rPr lang="de-DE" dirty="0"/>
+              <a:t>Durchführung analog zu Serienschwingkreis</a:t>
+            </a:r>
+          </a:p>
+          <a:p>
+            <a:r>
+              <a:rPr lang="de-DE" dirty="0"/>
+              <a:t>Auswertung über:</a:t>
+            </a:r>
+          </a:p>
+          <a:p>
+            <a:pPr lvl="1"/>
+            <a:r>
+              <a:rPr lang="de-DE" dirty="0"/>
+              <a:t>Gesamtstrom</a:t>
+            </a:r>
+          </a:p>
+          <a:p>
+            <a:pPr lvl="1"/>
+            <a:r>
+              <a:rPr lang="de-DE" dirty="0"/>
+              <a:t>Schnittpunkt Spule/Kondensator</a:t>
+            </a:r>
+          </a:p>
+          <a:p>
+            <a:pPr lvl="1"/>
+            <a:r>
+              <a:rPr lang="de-DE" dirty="0"/>
+              <a:t>Impedanz</a:t>
+            </a:r>
+          </a:p>
+          <a:p>
+            <a:pPr lvl="1"/>
+            <a:r>
+              <a:rPr lang="de-DE" dirty="0"/>
+              <a:t>Phase</a:t>
+            </a:r>
+          </a:p>
+        </p:txBody>
+      </p:sp>
+      <p:sp>
+        <p:nvSpPr>
+          <p:cNvPr id="4" name="Foliennummernplatzhalter 3">
+            <a:extLst>
+              <a:ext uri="{FF2B5EF4-FFF2-40B4-BE49-F238E27FC236}">
+                <a16:creationId xmlns:a16="http://schemas.microsoft.com/office/drawing/2014/main" id="{E049664E-C9E8-488A-8BF7-4A9DB941A443}"/>
+              </a:ext>
+            </a:extLst>
+          </p:cNvPr>
+          <p:cNvSpPr>
+            <a:spLocks noGrp="1"/>
+          </p:cNvSpPr>
+          <p:nvPr>
+            <p:ph type="sldNum" sz="quarter" idx="12"/>
+          </p:nvPr>
+        </p:nvSpPr>
+        <p:spPr/>
+        <p:txBody>
+          <a:bodyPr/>
+          <a:lstStyle/>
+          <a:p>
+            <a:fld id="{E276D0E3-8A91-4195-9D97-D4903B6F688B}" type="slidenum">
+              <a:rPr lang="de-DE" smtClean="0"/>
+              <a:t>7</a:t>
+            </a:fld>
+            <a:endParaRPr lang="de-DE"/>
+          </a:p>
+        </p:txBody>
+      </p:sp>
+      <p:pic>
+        <p:nvPicPr>
+          <p:cNvPr id="8" name="Grafik 7">
+            <a:extLst>
+              <a:ext uri="{FF2B5EF4-FFF2-40B4-BE49-F238E27FC236}">
+                <a16:creationId xmlns:a16="http://schemas.microsoft.com/office/drawing/2014/main" id="{60CDD6FE-332F-4D6F-BB84-6F410E5AC4B8}"/>
+              </a:ext>
+            </a:extLst>
+          </p:cNvPr>
+          <p:cNvPicPr>
+            <a:picLocks noChangeAspect="1"/>
+          </p:cNvPicPr>
+          <p:nvPr/>
+        </p:nvPicPr>
+        <p:blipFill>
+          <a:blip r:embed="rId3">
+            <a:extLst>
+              <a:ext uri="{28A0092B-C50C-407E-A947-70E740481C1C}">
+                <a14:useLocalDpi xmlns:a14="http://schemas.microsoft.com/office/drawing/2010/main" val="0"/>
+              </a:ext>
+            </a:extLst>
+          </a:blip>
+          <a:stretch>
+            <a:fillRect/>
+          </a:stretch>
+        </p:blipFill>
+        <p:spPr>
+          <a:xfrm>
+            <a:off x="838200" y="4926537"/>
+            <a:ext cx="6052893" cy="1348572"/>
+          </a:xfrm>
+          <a:prstGeom prst="rect">
+            <a:avLst/>
+          </a:prstGeom>
+        </p:spPr>
+      </p:pic>
+    </p:spTree>
+    <p:extLst>
+      <p:ext uri="{BB962C8B-B14F-4D97-AF65-F5344CB8AC3E}">
+        <p14:creationId xmlns:p14="http://schemas.microsoft.com/office/powerpoint/2010/main" val="1749885639"/>
+      </p:ext>
+    </p:extLst>
+  </p:cSld>
+  <p:clrMapOvr>
+    <a:masterClrMapping/>
+  </p:clrMapOvr>
+</p:sld>
+</file>
+
+<file path=ppt/slides/slide8.xml><?xml version="1.0" encoding="utf-8"?>
+<p:sld xmlns:a="http://schemas.openxmlformats.org/drawingml/2006/main" xmlns:r="http://schemas.openxmlformats.org/officeDocument/2006/relationships" xmlns:p="http://schemas.openxmlformats.org/presentationml/2006/main">
+  <p:cSld>
+    <p:spTree>
+      <p:nvGrpSpPr>
+        <p:cNvPr id="1" name=""/>
+        <p:cNvGrpSpPr/>
+        <p:nvPr/>
+      </p:nvGrpSpPr>
+      <p:grpSpPr>
+        <a:xfrm>
+          <a:off x="0" y="0"/>
+          <a:ext cx="0" cy="0"/>
+          <a:chOff x="0" y="0"/>
+          <a:chExt cx="0" cy="0"/>
+        </a:xfrm>
+      </p:grpSpPr>
+      <p:sp>
+        <p:nvSpPr>
+          <p:cNvPr id="2" name="Titel 1">
+            <a:extLst>
+              <a:ext uri="{FF2B5EF4-FFF2-40B4-BE49-F238E27FC236}">
+                <a16:creationId xmlns:a16="http://schemas.microsoft.com/office/drawing/2014/main" id="{8BBD4849-C003-4855-B760-70BDC47BB1B7}"/>
+              </a:ext>
+            </a:extLst>
+          </p:cNvPr>
+          <p:cNvSpPr>
+            <a:spLocks noGrp="1"/>
+          </p:cNvSpPr>
+          <p:nvPr>
+            <p:ph type="title"/>
+          </p:nvPr>
+        </p:nvSpPr>
+        <p:spPr/>
+        <p:txBody>
+          <a:bodyPr/>
+          <a:lstStyle/>
+          <a:p>
+            <a:r>
+              <a:rPr lang="de-DE" dirty="0"/>
+              <a:t>Parallelschwingkreis - Daten</a:t>
+            </a:r>
+          </a:p>
+        </p:txBody>
+      </p:sp>
+      <p:pic>
+        <p:nvPicPr>
+          <p:cNvPr id="7" name="Inhaltsplatzhalter 6">
+            <a:extLst>
+              <a:ext uri="{FF2B5EF4-FFF2-40B4-BE49-F238E27FC236}">
+                <a16:creationId xmlns:a16="http://schemas.microsoft.com/office/drawing/2014/main" id="{E7387A7C-C805-43FA-86C6-838619AC6890}"/>
+              </a:ext>
+            </a:extLst>
+          </p:cNvPr>
+          <p:cNvPicPr>
+            <a:picLocks noGrp="1" noChangeAspect="1"/>
+          </p:cNvPicPr>
+          <p:nvPr>
+            <p:ph sz="half" idx="1"/>
+          </p:nvPr>
+        </p:nvPicPr>
+        <p:blipFill>
+          <a:blip r:embed="rId2">
+            <a:extLst>
+              <a:ext uri="{28A0092B-C50C-407E-A947-70E740481C1C}">
+                <a14:useLocalDpi xmlns:a14="http://schemas.microsoft.com/office/drawing/2010/main" val="0"/>
+              </a:ext>
+            </a:extLst>
+          </a:blip>
+          <a:stretch>
+            <a:fillRect/>
+          </a:stretch>
+        </p:blipFill>
+        <p:spPr>
+          <a:xfrm>
+            <a:off x="192740" y="1690687"/>
+            <a:ext cx="6006728" cy="4486275"/>
+          </a:xfrm>
+        </p:spPr>
+      </p:pic>
+      <p:pic>
+        <p:nvPicPr>
+          <p:cNvPr id="9" name="Inhaltsplatzhalter 8">
+            <a:extLst>
+              <a:ext uri="{FF2B5EF4-FFF2-40B4-BE49-F238E27FC236}">
+                <a16:creationId xmlns:a16="http://schemas.microsoft.com/office/drawing/2014/main" id="{7FEF1031-B5BE-467E-8DFD-E9B64DC8B6C1}"/>
+              </a:ext>
+            </a:extLst>
+          </p:cNvPr>
+          <p:cNvPicPr>
+            <a:picLocks noGrp="1" noChangeAspect="1"/>
+          </p:cNvPicPr>
+          <p:nvPr>
+            <p:ph sz="half" idx="2"/>
+          </p:nvPr>
+        </p:nvPicPr>
+        <p:blipFill>
+          <a:blip r:embed="rId3">
+            <a:extLst>
+              <a:ext uri="{28A0092B-C50C-407E-A947-70E740481C1C}">
+                <a14:useLocalDpi xmlns:a14="http://schemas.microsoft.com/office/drawing/2010/main" val="0"/>
+              </a:ext>
+            </a:extLst>
+          </a:blip>
+          <a:stretch>
+            <a:fillRect/>
+          </a:stretch>
+        </p:blipFill>
+        <p:spPr>
+          <a:xfrm>
+            <a:off x="6096000" y="1690686"/>
+            <a:ext cx="6006730" cy="4486276"/>
+          </a:xfrm>
+        </p:spPr>
+      </p:pic>
+      <p:sp>
+        <p:nvSpPr>
+          <p:cNvPr id="5" name="Foliennummernplatzhalter 4">
+            <a:extLst>
+              <a:ext uri="{FF2B5EF4-FFF2-40B4-BE49-F238E27FC236}">
+                <a16:creationId xmlns:a16="http://schemas.microsoft.com/office/drawing/2014/main" id="{985C96EC-D759-4DFF-A882-38724FD029E8}"/>
+              </a:ext>
+            </a:extLst>
+          </p:cNvPr>
+          <p:cNvSpPr>
+            <a:spLocks noGrp="1"/>
+          </p:cNvSpPr>
+          <p:nvPr>
+            <p:ph type="sldNum" sz="quarter" idx="12"/>
+          </p:nvPr>
+        </p:nvSpPr>
+        <p:spPr/>
+        <p:txBody>
+          <a:bodyPr/>
+          <a:lstStyle/>
+          <a:p>
+            <a:fld id="{E276D0E3-8A91-4195-9D97-D4903B6F688B}" type="slidenum">
+              <a:rPr lang="de-DE" smtClean="0"/>
+              <a:t>8</a:t>
+            </a:fld>
+            <a:endParaRPr lang="de-DE"/>
+          </a:p>
+        </p:txBody>
+      </p:sp>
+    </p:spTree>
+    <p:extLst>
+      <p:ext uri="{BB962C8B-B14F-4D97-AF65-F5344CB8AC3E}">
+        <p14:creationId xmlns:p14="http://schemas.microsoft.com/office/powerpoint/2010/main" val="4174706924"/>
+      </p:ext>
+    </p:extLst>
+  </p:cSld>
+  <p:clrMapOvr>
+    <a:masterClrMapping/>
+  </p:clrMapOvr>
+</p:sld>
+</file>
+
+<file path=ppt/slides/slide9.xml><?xml version="1.0" encoding="utf-8"?>
+<p:sld xmlns:a="http://schemas.openxmlformats.org/drawingml/2006/main" xmlns:r="http://schemas.openxmlformats.org/officeDocument/2006/relationships" xmlns:p="http://schemas.openxmlformats.org/presentationml/2006/main">
+  <p:cSld>
+    <p:spTree>
+      <p:nvGrpSpPr>
+        <p:cNvPr id="1" name=""/>
+        <p:cNvGrpSpPr/>
+        <p:nvPr/>
+      </p:nvGrpSpPr>
+      <p:grpSpPr>
+        <a:xfrm>
+          <a:off x="0" y="0"/>
+          <a:ext cx="0" cy="0"/>
+          <a:chOff x="0" y="0"/>
+          <a:chExt cx="0" cy="0"/>
+        </a:xfrm>
+      </p:grpSpPr>
+      <p:sp>
+        <p:nvSpPr>
+          <p:cNvPr id="2" name="Titel 1">
+            <a:extLst>
+              <a:ext uri="{FF2B5EF4-FFF2-40B4-BE49-F238E27FC236}">
+                <a16:creationId xmlns:a16="http://schemas.microsoft.com/office/drawing/2014/main" id="{605C5D51-3D03-4074-B5E3-4F3214B2C189}"/>
+              </a:ext>
+            </a:extLst>
+          </p:cNvPr>
+          <p:cNvSpPr>
+            <a:spLocks noGrp="1"/>
+          </p:cNvSpPr>
+          <p:nvPr>
+            <p:ph type="title"/>
+          </p:nvPr>
+        </p:nvSpPr>
+        <p:spPr/>
+        <p:txBody>
+          <a:bodyPr/>
+          <a:lstStyle/>
+          <a:p>
+            <a:r>
+              <a:rPr lang="de-DE" dirty="0"/>
+              <a:t>Parallelschwingkreis - Gesamtstrom</a:t>
+            </a:r>
+          </a:p>
+        </p:txBody>
+      </p:sp>
+      <p:pic>
+        <p:nvPicPr>
+          <p:cNvPr id="7" name="Inhaltsplatzhalter 6">
+            <a:extLst>
+              <a:ext uri="{FF2B5EF4-FFF2-40B4-BE49-F238E27FC236}">
+                <a16:creationId xmlns:a16="http://schemas.microsoft.com/office/drawing/2014/main" id="{E6BD3F56-863E-43DA-947B-3A9E9E92C872}"/>
+              </a:ext>
+            </a:extLst>
+          </p:cNvPr>
+          <p:cNvPicPr>
+            <a:picLocks noGrp="1" noChangeAspect="1"/>
+          </p:cNvPicPr>
+          <p:nvPr>
+            <p:ph sz="half" idx="1"/>
+          </p:nvPr>
+        </p:nvPicPr>
+        <p:blipFill>
+          <a:blip r:embed="rId2">
+            <a:extLst>
+              <a:ext uri="{28A0092B-C50C-407E-A947-70E740481C1C}">
+                <a14:useLocalDpi xmlns:a14="http://schemas.microsoft.com/office/drawing/2010/main" val="0"/>
+              </a:ext>
+            </a:extLst>
+          </a:blip>
+          <a:stretch>
+            <a:fillRect/>
+          </a:stretch>
+        </p:blipFill>
+        <p:spPr>
+          <a:xfrm>
+            <a:off x="0" y="2013791"/>
+            <a:ext cx="6218825" cy="3975006"/>
+          </a:xfrm>
+        </p:spPr>
+      </p:pic>
+      <mc:AlternateContent xmlns:mc="http://schemas.openxmlformats.org/markup-compatibility/2006" xmlns:a14="http://schemas.microsoft.com/office/drawing/2010/main">
+        <mc:Choice Requires="a14">
+          <p:sp>
+            <p:nvSpPr>
+              <p:cNvPr id="4" name="Inhaltsplatzhalter 3">
+                <a:extLst>
+                  <a:ext uri="{FF2B5EF4-FFF2-40B4-BE49-F238E27FC236}">
+                    <a16:creationId xmlns:a16="http://schemas.microsoft.com/office/drawing/2014/main" id="{D24737FA-D3AC-4F50-BCF7-F947C520DA33}"/>
+                  </a:ext>
+                </a:extLst>
+              </p:cNvPr>
+              <p:cNvSpPr>
+                <a:spLocks noGrp="1"/>
+              </p:cNvSpPr>
+              <p:nvPr>
+                <p:ph sz="half" idx="2"/>
+              </p:nvPr>
+            </p:nvSpPr>
+            <p:spPr>
+              <a:xfrm>
+                <a:off x="6172200" y="1825625"/>
+                <a:ext cx="5802206" cy="4351338"/>
+              </a:xfrm>
+            </p:spPr>
+            <p:txBody>
+              <a:bodyPr/>
+              <a:lstStyle/>
+              <a:p>
+                <a:r>
+                  <a:rPr lang="de-DE" dirty="0"/>
+                  <a:t>Minimum bei Resonanzfrequenz </a:t>
+                </a:r>
+                <a14:m>
+                  <m:oMath xmlns:m="http://schemas.openxmlformats.org/officeDocument/2006/math">
+                    <m:sSub>
+                      <m:sSubPr>
+                        <m:ctrlPr>
+                          <a:rPr lang="de-DE" b="0" i="1" smtClean="0">
+                            <a:latin typeface="Cambria Math" panose="02040503050406030204" pitchFamily="18" charset="0"/>
+                          </a:rPr>
+                        </m:ctrlPr>
+                      </m:sSubPr>
+                      <m:e>
+                        <m:r>
+                          <a:rPr lang="de-DE" b="0" i="1" smtClean="0">
+                            <a:latin typeface="Cambria Math" panose="02040503050406030204" pitchFamily="18" charset="0"/>
+                          </a:rPr>
+                          <m:t>𝑓</m:t>
+                        </m:r>
+                      </m:e>
+                      <m:sub>
+                        <m:r>
+                          <a:rPr lang="de-DE" b="0" i="1" smtClean="0">
+                            <a:latin typeface="Cambria Math" panose="02040503050406030204" pitchFamily="18" charset="0"/>
+                          </a:rPr>
+                          <m:t>0</m:t>
+                        </m:r>
+                      </m:sub>
+                    </m:sSub>
+                  </m:oMath>
+                </a14:m>
+                <a:endParaRPr lang="de-DE" dirty="0"/>
+              </a:p>
+              <a:p>
+                <a:pPr lvl="1"/>
+                <a:r>
+                  <a:rPr lang="de-DE" dirty="0"/>
+                  <a:t>Fehler visuell abgeschätzt</a:t>
+                </a:r>
+              </a:p>
+              <a:p>
+                <a14:m>
+                  <m:oMath xmlns:m="http://schemas.openxmlformats.org/officeDocument/2006/math">
+                    <m:r>
+                      <m:rPr>
+                        <m:sty m:val="p"/>
+                      </m:rPr>
+                      <a:rPr lang="de-DE" b="0" i="0" smtClean="0">
+                        <a:latin typeface="Cambria Math" panose="02040503050406030204" pitchFamily="18" charset="0"/>
+                      </a:rPr>
+                      <m:t>Δ</m:t>
+                    </m:r>
+                    <m:r>
+                      <a:rPr lang="de-DE" b="0" i="1" smtClean="0">
+                        <a:latin typeface="Cambria Math" panose="02040503050406030204" pitchFamily="18" charset="0"/>
+                      </a:rPr>
+                      <m:t>𝑓</m:t>
+                    </m:r>
+                  </m:oMath>
+                </a14:m>
+                <a:r>
+                  <a:rPr lang="de-DE" dirty="0"/>
+                  <a:t> Breite bei </a:t>
+                </a:r>
+                <a14:m>
+                  <m:oMath xmlns:m="http://schemas.openxmlformats.org/officeDocument/2006/math">
+                    <m:r>
+                      <a:rPr lang="de-DE" b="0" i="1" smtClean="0">
+                        <a:latin typeface="Cambria Math" panose="02040503050406030204" pitchFamily="18" charset="0"/>
+                      </a:rPr>
+                      <m:t>𝐼</m:t>
+                    </m:r>
+                    <m:r>
+                      <a:rPr lang="de-DE" b="0" i="1" smtClean="0">
+                        <a:latin typeface="Cambria Math" panose="02040503050406030204" pitchFamily="18" charset="0"/>
+                      </a:rPr>
+                      <m:t>=</m:t>
+                    </m:r>
+                    <m:sSub>
+                      <m:sSubPr>
+                        <m:ctrlPr>
+                          <a:rPr lang="de-DE" b="0" i="1" smtClean="0">
+                            <a:latin typeface="Cambria Math" panose="02040503050406030204" pitchFamily="18" charset="0"/>
+                          </a:rPr>
+                        </m:ctrlPr>
+                      </m:sSubPr>
+                      <m:e>
+                        <m:r>
+                          <a:rPr lang="de-DE" b="0" i="1" smtClean="0">
+                            <a:latin typeface="Cambria Math" panose="02040503050406030204" pitchFamily="18" charset="0"/>
+                          </a:rPr>
+                          <m:t>𝐼</m:t>
+                        </m:r>
+                      </m:e>
+                      <m:sub>
+                        <m:r>
+                          <a:rPr lang="de-DE" b="0" i="1" smtClean="0">
+                            <a:latin typeface="Cambria Math" panose="02040503050406030204" pitchFamily="18" charset="0"/>
+                          </a:rPr>
+                          <m:t>0</m:t>
+                        </m:r>
+                      </m:sub>
+                    </m:sSub>
+                    <m:r>
+                      <a:rPr lang="de-DE" b="0" i="1" smtClean="0">
+                        <a:latin typeface="Cambria Math" panose="02040503050406030204" pitchFamily="18" charset="0"/>
+                      </a:rPr>
+                      <m:t>⋅</m:t>
+                    </m:r>
+                    <m:rad>
+                      <m:radPr>
+                        <m:degHide m:val="on"/>
+                        <m:ctrlPr>
+                          <a:rPr lang="de-DE" b="0" i="1" smtClean="0">
+                            <a:latin typeface="Cambria Math" panose="02040503050406030204" pitchFamily="18" charset="0"/>
+                          </a:rPr>
+                        </m:ctrlPr>
+                      </m:radPr>
+                      <m:deg/>
+                      <m:e>
+                        <m:r>
+                          <a:rPr lang="de-DE" b="0" i="1" smtClean="0">
+                            <a:latin typeface="Cambria Math" panose="02040503050406030204" pitchFamily="18" charset="0"/>
+                          </a:rPr>
+                          <m:t>2</m:t>
+                        </m:r>
+                      </m:e>
+                    </m:rad>
+                  </m:oMath>
+                </a14:m>
+                <a:endParaRPr lang="de-DE" dirty="0"/>
+              </a:p>
+              <a:p>
+                <a:pPr lvl="1"/>
+                <a:r>
+                  <a:rPr lang="de-DE" dirty="0"/>
+                  <a:t>Fehler durch Verschieben von </a:t>
+                </a:r>
+                <a14:m>
+                  <m:oMath xmlns:m="http://schemas.openxmlformats.org/officeDocument/2006/math">
+                    <m:sSub>
+                      <m:sSubPr>
+                        <m:ctrlPr>
+                          <a:rPr lang="de-DE" b="0" i="1" smtClean="0">
+                            <a:latin typeface="Cambria Math" panose="02040503050406030204" pitchFamily="18" charset="0"/>
+                          </a:rPr>
+                        </m:ctrlPr>
+                      </m:sSubPr>
+                      <m:e>
+                        <m:r>
+                          <a:rPr lang="de-DE" b="0" i="1" smtClean="0">
+                            <a:latin typeface="Cambria Math" panose="02040503050406030204" pitchFamily="18" charset="0"/>
+                          </a:rPr>
+                          <m:t>𝐼</m:t>
+                        </m:r>
+                      </m:e>
+                      <m:sub>
+                        <m:r>
+                          <a:rPr lang="de-DE" b="0" i="1" smtClean="0">
+                            <a:latin typeface="Cambria Math" panose="02040503050406030204" pitchFamily="18" charset="0"/>
+                          </a:rPr>
+                          <m:t>0</m:t>
+                        </m:r>
+                      </m:sub>
+                    </m:sSub>
+                  </m:oMath>
+                </a14:m>
+                <a:r>
+                  <a:rPr lang="de-DE" dirty="0"/>
+                  <a:t> </a:t>
+                </a:r>
+              </a:p>
+              <a:p>
+                <a:pPr marL="0" indent="0">
+                  <a:buNone/>
+                </a:pPr>
+                <a:endParaRPr lang="de-DE" dirty="0"/>
+              </a:p>
+            </p:txBody>
+          </p:sp>
+        </mc:Choice>
+        <mc:Fallback xmlns="">
+          <p:sp>
+            <p:nvSpPr>
+              <p:cNvPr id="4" name="Inhaltsplatzhalter 3">
+                <a:extLst>
+                  <a:ext uri="{FF2B5EF4-FFF2-40B4-BE49-F238E27FC236}">
+                    <a16:creationId xmlns:a16="http://schemas.microsoft.com/office/drawing/2014/main" id="{D24737FA-D3AC-4F50-BCF7-F947C520DA33}"/>
+                  </a:ext>
+                </a:extLst>
+              </p:cNvPr>
+              <p:cNvSpPr>
+                <a:spLocks noGrp="1" noRot="1" noChangeAspect="1" noMove="1" noResize="1" noEditPoints="1" noAdjustHandles="1" noChangeArrowheads="1" noChangeShapeType="1" noTextEdit="1"/>
+              </p:cNvSpPr>
+              <p:nvPr>
+                <p:ph sz="half" idx="2"/>
+              </p:nvPr>
+            </p:nvSpPr>
+            <p:spPr>
+              <a:xfrm>
+                <a:off x="6172200" y="1825625"/>
+                <a:ext cx="5802206" cy="4351338"/>
+              </a:xfrm>
+              <a:blipFill>
+                <a:blip r:embed="rId3"/>
+                <a:stretch>
+                  <a:fillRect l="-1893" t="-2241"/>
+                </a:stretch>
+              </a:blipFill>
+            </p:spPr>
+            <p:txBody>
+              <a:bodyPr/>
+              <a:lstStyle/>
+              <a:p>
+                <a:r>
+                  <a:rPr lang="de-DE">
+                    <a:noFill/>
+                  </a:rPr>
+                  <a:t> </a:t>
+                </a:r>
+              </a:p>
+            </p:txBody>
+          </p:sp>
+        </mc:Fallback>
+      </mc:AlternateContent>
+      <p:sp>
+        <p:nvSpPr>
+          <p:cNvPr id="5" name="Foliennummernplatzhalter 4">
+            <a:extLst>
+              <a:ext uri="{FF2B5EF4-FFF2-40B4-BE49-F238E27FC236}">
+                <a16:creationId xmlns:a16="http://schemas.microsoft.com/office/drawing/2014/main" id="{A8E2AB13-BC72-4796-B9A0-E84D6838AFF7}"/>
+              </a:ext>
+            </a:extLst>
+          </p:cNvPr>
+          <p:cNvSpPr>
+            <a:spLocks noGrp="1"/>
+          </p:cNvSpPr>
+          <p:nvPr>
+            <p:ph type="sldNum" sz="quarter" idx="12"/>
+          </p:nvPr>
+        </p:nvSpPr>
+        <p:spPr/>
+        <p:txBody>
+          <a:bodyPr/>
+          <a:lstStyle/>
+          <a:p>
+            <a:fld id="{E276D0E3-8A91-4195-9D97-D4903B6F688B}" type="slidenum">
+              <a:rPr lang="de-DE" smtClean="0"/>
+              <a:t>9</a:t>
+            </a:fld>
+            <a:endParaRPr lang="de-DE"/>
+          </a:p>
+        </p:txBody>
+      </p:sp>
+    </p:spTree>
+    <p:extLst>
+      <p:ext uri="{BB962C8B-B14F-4D97-AF65-F5344CB8AC3E}">
+        <p14:creationId xmlns:p14="http://schemas.microsoft.com/office/powerpoint/2010/main" val="2141424761"/>
       </p:ext>
     </p:extLst>
   </p:cSld>

--- a/grundpraktikum2/E-Lehre/E-Lehre.pptx
+++ b/grundpraktikum2/E-Lehre/E-Lehre.pptx
@@ -5,7 +5,7 @@
     <p:sldMasterId id="2147483648" r:id="rId1"/>
   </p:sldMasterIdLst>
   <p:notesMasterIdLst>
-    <p:notesMasterId r:id="rId21"/>
+    <p:notesMasterId r:id="rId22"/>
   </p:notesMasterIdLst>
   <p:sldIdLst>
     <p:sldId id="256" r:id="rId2"/>
@@ -14,19 +14,20 @@
     <p:sldId id="272" r:id="rId5"/>
     <p:sldId id="273" r:id="rId6"/>
     <p:sldId id="274" r:id="rId7"/>
-    <p:sldId id="258" r:id="rId8"/>
-    <p:sldId id="259" r:id="rId9"/>
-    <p:sldId id="260" r:id="rId10"/>
-    <p:sldId id="261" r:id="rId11"/>
-    <p:sldId id="262" r:id="rId12"/>
-    <p:sldId id="263" r:id="rId13"/>
-    <p:sldId id="264" r:id="rId14"/>
-    <p:sldId id="265" r:id="rId15"/>
-    <p:sldId id="267" r:id="rId16"/>
-    <p:sldId id="275" r:id="rId17"/>
-    <p:sldId id="268" r:id="rId18"/>
-    <p:sldId id="269" r:id="rId19"/>
-    <p:sldId id="270" r:id="rId20"/>
+    <p:sldId id="276" r:id="rId8"/>
+    <p:sldId id="258" r:id="rId9"/>
+    <p:sldId id="259" r:id="rId10"/>
+    <p:sldId id="260" r:id="rId11"/>
+    <p:sldId id="261" r:id="rId12"/>
+    <p:sldId id="262" r:id="rId13"/>
+    <p:sldId id="263" r:id="rId14"/>
+    <p:sldId id="264" r:id="rId15"/>
+    <p:sldId id="265" r:id="rId16"/>
+    <p:sldId id="267" r:id="rId17"/>
+    <p:sldId id="275" r:id="rId18"/>
+    <p:sldId id="268" r:id="rId19"/>
+    <p:sldId id="269" r:id="rId20"/>
+    <p:sldId id="270" r:id="rId21"/>
   </p:sldIdLst>
   <p:sldSz cx="12192000" cy="6858000"/>
   <p:notesSz cx="6858000" cy="9144000"/>
@@ -3810,6 +3811,383 @@
 </file>
 
 <file path=ppt/slides/slide10.xml><?xml version="1.0" encoding="utf-8"?>
+<p:sld xmlns:a="http://schemas.openxmlformats.org/drawingml/2006/main" xmlns:r="http://schemas.openxmlformats.org/officeDocument/2006/relationships" xmlns:p="http://schemas.openxmlformats.org/presentationml/2006/main">
+  <p:cSld>
+    <p:spTree>
+      <p:nvGrpSpPr>
+        <p:cNvPr id="1" name=""/>
+        <p:cNvGrpSpPr/>
+        <p:nvPr/>
+      </p:nvGrpSpPr>
+      <p:grpSpPr>
+        <a:xfrm>
+          <a:off x="0" y="0"/>
+          <a:ext cx="0" cy="0"/>
+          <a:chOff x="0" y="0"/>
+          <a:chExt cx="0" cy="0"/>
+        </a:xfrm>
+      </p:grpSpPr>
+      <p:sp>
+        <p:nvSpPr>
+          <p:cNvPr id="2" name="Titel 1">
+            <a:extLst>
+              <a:ext uri="{FF2B5EF4-FFF2-40B4-BE49-F238E27FC236}">
+                <a16:creationId xmlns:a16="http://schemas.microsoft.com/office/drawing/2014/main" id="{605C5D51-3D03-4074-B5E3-4F3214B2C189}"/>
+              </a:ext>
+            </a:extLst>
+          </p:cNvPr>
+          <p:cNvSpPr>
+            <a:spLocks noGrp="1"/>
+          </p:cNvSpPr>
+          <p:nvPr>
+            <p:ph type="title"/>
+          </p:nvPr>
+        </p:nvSpPr>
+        <p:spPr/>
+        <p:txBody>
+          <a:bodyPr/>
+          <a:lstStyle/>
+          <a:p>
+            <a:r>
+              <a:rPr lang="de-DE" dirty="0"/>
+              <a:t>Parallelschwingkreis - Gesamtstrom</a:t>
+            </a:r>
+          </a:p>
+        </p:txBody>
+      </p:sp>
+      <p:pic>
+        <p:nvPicPr>
+          <p:cNvPr id="7" name="Inhaltsplatzhalter 6">
+            <a:extLst>
+              <a:ext uri="{FF2B5EF4-FFF2-40B4-BE49-F238E27FC236}">
+                <a16:creationId xmlns:a16="http://schemas.microsoft.com/office/drawing/2014/main" id="{E6BD3F56-863E-43DA-947B-3A9E9E92C872}"/>
+              </a:ext>
+            </a:extLst>
+          </p:cNvPr>
+          <p:cNvPicPr>
+            <a:picLocks noGrp="1" noChangeAspect="1"/>
+          </p:cNvPicPr>
+          <p:nvPr>
+            <p:ph sz="half" idx="1"/>
+          </p:nvPr>
+        </p:nvPicPr>
+        <p:blipFill>
+          <a:blip r:embed="rId2">
+            <a:extLst>
+              <a:ext uri="{28A0092B-C50C-407E-A947-70E740481C1C}">
+                <a14:useLocalDpi xmlns:a14="http://schemas.microsoft.com/office/drawing/2010/main" val="0"/>
+              </a:ext>
+            </a:extLst>
+          </a:blip>
+          <a:stretch>
+            <a:fillRect/>
+          </a:stretch>
+        </p:blipFill>
+        <p:spPr>
+          <a:xfrm>
+            <a:off x="0" y="2013791"/>
+            <a:ext cx="6218825" cy="3975006"/>
+          </a:xfrm>
+        </p:spPr>
+      </p:pic>
+      <mc:AlternateContent xmlns:mc="http://schemas.openxmlformats.org/markup-compatibility/2006" xmlns:a14="http://schemas.microsoft.com/office/drawing/2010/main">
+        <mc:Choice Requires="a14">
+          <p:sp>
+            <p:nvSpPr>
+              <p:cNvPr id="4" name="Inhaltsplatzhalter 3">
+                <a:extLst>
+                  <a:ext uri="{FF2B5EF4-FFF2-40B4-BE49-F238E27FC236}">
+                    <a16:creationId xmlns:a16="http://schemas.microsoft.com/office/drawing/2014/main" id="{D24737FA-D3AC-4F50-BCF7-F947C520DA33}"/>
+                  </a:ext>
+                </a:extLst>
+              </p:cNvPr>
+              <p:cNvSpPr>
+                <a:spLocks noGrp="1"/>
+              </p:cNvSpPr>
+              <p:nvPr>
+                <p:ph sz="half" idx="2"/>
+              </p:nvPr>
+            </p:nvSpPr>
+            <p:spPr>
+              <a:xfrm>
+                <a:off x="6172200" y="1825625"/>
+                <a:ext cx="5802206" cy="4351338"/>
+              </a:xfrm>
+            </p:spPr>
+            <p:txBody>
+              <a:bodyPr/>
+              <a:lstStyle/>
+              <a:p>
+                <a:r>
+                  <a:rPr lang="de-DE" dirty="0"/>
+                  <a:t>Minimum bei Resonanzfrequenz </a:t>
+                </a:r>
+                <a14:m>
+                  <m:oMath xmlns:m="http://schemas.openxmlformats.org/officeDocument/2006/math">
+                    <m:sSub>
+                      <m:sSubPr>
+                        <m:ctrlPr>
+                          <a:rPr lang="de-DE" b="0" i="1" smtClean="0">
+                            <a:latin typeface="Cambria Math" panose="02040503050406030204" pitchFamily="18" charset="0"/>
+                          </a:rPr>
+                        </m:ctrlPr>
+                      </m:sSubPr>
+                      <m:e>
+                        <m:r>
+                          <a:rPr lang="de-DE" b="0" i="1" smtClean="0">
+                            <a:latin typeface="Cambria Math" panose="02040503050406030204" pitchFamily="18" charset="0"/>
+                          </a:rPr>
+                          <m:t>𝑓</m:t>
+                        </m:r>
+                      </m:e>
+                      <m:sub>
+                        <m:r>
+                          <a:rPr lang="de-DE" b="0" i="1" smtClean="0">
+                            <a:latin typeface="Cambria Math" panose="02040503050406030204" pitchFamily="18" charset="0"/>
+                          </a:rPr>
+                          <m:t>0</m:t>
+                        </m:r>
+                      </m:sub>
+                    </m:sSub>
+                  </m:oMath>
+                </a14:m>
+                <a:endParaRPr lang="de-DE" dirty="0"/>
+              </a:p>
+              <a:p>
+                <a:pPr lvl="1"/>
+                <a:r>
+                  <a:rPr lang="de-DE" dirty="0"/>
+                  <a:t>Fehler visuell abgeschätzt</a:t>
+                </a:r>
+              </a:p>
+              <a:p>
+                <a14:m>
+                  <m:oMath xmlns:m="http://schemas.openxmlformats.org/officeDocument/2006/math">
+                    <m:r>
+                      <m:rPr>
+                        <m:sty m:val="p"/>
+                      </m:rPr>
+                      <a:rPr lang="de-DE" b="0" i="0" smtClean="0">
+                        <a:latin typeface="Cambria Math" panose="02040503050406030204" pitchFamily="18" charset="0"/>
+                      </a:rPr>
+                      <m:t>Δ</m:t>
+                    </m:r>
+                    <m:r>
+                      <a:rPr lang="de-DE" b="0" i="1" smtClean="0">
+                        <a:latin typeface="Cambria Math" panose="02040503050406030204" pitchFamily="18" charset="0"/>
+                      </a:rPr>
+                      <m:t>𝑓</m:t>
+                    </m:r>
+                  </m:oMath>
+                </a14:m>
+                <a:r>
+                  <a:rPr lang="de-DE" dirty="0"/>
+                  <a:t> Breite bei </a:t>
+                </a:r>
+                <a14:m>
+                  <m:oMath xmlns:m="http://schemas.openxmlformats.org/officeDocument/2006/math">
+                    <m:r>
+                      <a:rPr lang="de-DE" b="0" i="1" smtClean="0">
+                        <a:latin typeface="Cambria Math" panose="02040503050406030204" pitchFamily="18" charset="0"/>
+                      </a:rPr>
+                      <m:t>𝐼</m:t>
+                    </m:r>
+                    <m:r>
+                      <a:rPr lang="de-DE" b="0" i="1" smtClean="0">
+                        <a:latin typeface="Cambria Math" panose="02040503050406030204" pitchFamily="18" charset="0"/>
+                      </a:rPr>
+                      <m:t>=</m:t>
+                    </m:r>
+                    <m:sSub>
+                      <m:sSubPr>
+                        <m:ctrlPr>
+                          <a:rPr lang="de-DE" b="0" i="1" smtClean="0">
+                            <a:latin typeface="Cambria Math" panose="02040503050406030204" pitchFamily="18" charset="0"/>
+                          </a:rPr>
+                        </m:ctrlPr>
+                      </m:sSubPr>
+                      <m:e>
+                        <m:r>
+                          <a:rPr lang="de-DE" b="0" i="1" smtClean="0">
+                            <a:latin typeface="Cambria Math" panose="02040503050406030204" pitchFamily="18" charset="0"/>
+                          </a:rPr>
+                          <m:t>𝐼</m:t>
+                        </m:r>
+                      </m:e>
+                      <m:sub>
+                        <m:r>
+                          <a:rPr lang="de-DE" b="0" i="1" smtClean="0">
+                            <a:latin typeface="Cambria Math" panose="02040503050406030204" pitchFamily="18" charset="0"/>
+                          </a:rPr>
+                          <m:t>0</m:t>
+                        </m:r>
+                      </m:sub>
+                    </m:sSub>
+                    <m:r>
+                      <a:rPr lang="de-DE" b="0" i="1" smtClean="0">
+                        <a:latin typeface="Cambria Math" panose="02040503050406030204" pitchFamily="18" charset="0"/>
+                      </a:rPr>
+                      <m:t>⋅</m:t>
+                    </m:r>
+                    <m:rad>
+                      <m:radPr>
+                        <m:degHide m:val="on"/>
+                        <m:ctrlPr>
+                          <a:rPr lang="de-DE" b="0" i="1" smtClean="0">
+                            <a:latin typeface="Cambria Math" panose="02040503050406030204" pitchFamily="18" charset="0"/>
+                          </a:rPr>
+                        </m:ctrlPr>
+                      </m:radPr>
+                      <m:deg/>
+                      <m:e>
+                        <m:r>
+                          <a:rPr lang="de-DE" b="0" i="1" smtClean="0">
+                            <a:latin typeface="Cambria Math" panose="02040503050406030204" pitchFamily="18" charset="0"/>
+                          </a:rPr>
+                          <m:t>2</m:t>
+                        </m:r>
+                      </m:e>
+                    </m:rad>
+                  </m:oMath>
+                </a14:m>
+                <a:endParaRPr lang="de-DE" dirty="0"/>
+              </a:p>
+              <a:p>
+                <a:pPr lvl="1"/>
+                <a:r>
+                  <a:rPr lang="de-DE" dirty="0"/>
+                  <a:t>Fehler durch Verschieben von </a:t>
+                </a:r>
+                <a14:m>
+                  <m:oMath xmlns:m="http://schemas.openxmlformats.org/officeDocument/2006/math">
+                    <m:sSub>
+                      <m:sSubPr>
+                        <m:ctrlPr>
+                          <a:rPr lang="de-DE" b="0" i="1" smtClean="0">
+                            <a:latin typeface="Cambria Math" panose="02040503050406030204" pitchFamily="18" charset="0"/>
+                          </a:rPr>
+                        </m:ctrlPr>
+                      </m:sSubPr>
+                      <m:e>
+                        <m:r>
+                          <a:rPr lang="de-DE" b="0" i="1" smtClean="0">
+                            <a:latin typeface="Cambria Math" panose="02040503050406030204" pitchFamily="18" charset="0"/>
+                          </a:rPr>
+                          <m:t>𝐼</m:t>
+                        </m:r>
+                      </m:e>
+                      <m:sub>
+                        <m:r>
+                          <a:rPr lang="de-DE" b="0" i="1" smtClean="0">
+                            <a:latin typeface="Cambria Math" panose="02040503050406030204" pitchFamily="18" charset="0"/>
+                          </a:rPr>
+                          <m:t>0</m:t>
+                        </m:r>
+                      </m:sub>
+                    </m:sSub>
+                  </m:oMath>
+                </a14:m>
+                <a:r>
+                  <a:rPr lang="de-DE" dirty="0"/>
+                  <a:t> </a:t>
+                </a:r>
+              </a:p>
+              <a:p>
+                <a:pPr marL="0" indent="0">
+                  <a:buNone/>
+                </a:pPr>
+                <a:endParaRPr lang="de-DE" dirty="0"/>
+              </a:p>
+            </p:txBody>
+          </p:sp>
+        </mc:Choice>
+        <mc:Fallback xmlns="">
+          <p:sp>
+            <p:nvSpPr>
+              <p:cNvPr id="4" name="Inhaltsplatzhalter 3">
+                <a:extLst>
+                  <a:ext uri="{FF2B5EF4-FFF2-40B4-BE49-F238E27FC236}">
+                    <a16:creationId xmlns:a16="http://schemas.microsoft.com/office/drawing/2014/main" id="{D24737FA-D3AC-4F50-BCF7-F947C520DA33}"/>
+                  </a:ext>
+                </a:extLst>
+              </p:cNvPr>
+              <p:cNvSpPr>
+                <a:spLocks noGrp="1" noRot="1" noChangeAspect="1" noMove="1" noResize="1" noEditPoints="1" noAdjustHandles="1" noChangeArrowheads="1" noChangeShapeType="1" noTextEdit="1"/>
+              </p:cNvSpPr>
+              <p:nvPr>
+                <p:ph sz="half" idx="2"/>
+              </p:nvPr>
+            </p:nvSpPr>
+            <p:spPr>
+              <a:xfrm>
+                <a:off x="6172200" y="1825625"/>
+                <a:ext cx="5802206" cy="4351338"/>
+              </a:xfrm>
+              <a:blipFill>
+                <a:blip r:embed="rId3"/>
+                <a:stretch>
+                  <a:fillRect l="-1893" t="-2241"/>
+                </a:stretch>
+              </a:blipFill>
+            </p:spPr>
+            <p:txBody>
+              <a:bodyPr/>
+              <a:lstStyle/>
+              <a:p>
+                <a:r>
+                  <a:rPr lang="de-DE">
+                    <a:noFill/>
+                  </a:rPr>
+                  <a:t> </a:t>
+                </a:r>
+              </a:p>
+            </p:txBody>
+          </p:sp>
+        </mc:Fallback>
+      </mc:AlternateContent>
+      <p:sp>
+        <p:nvSpPr>
+          <p:cNvPr id="5" name="Foliennummernplatzhalter 4">
+            <a:extLst>
+              <a:ext uri="{FF2B5EF4-FFF2-40B4-BE49-F238E27FC236}">
+                <a16:creationId xmlns:a16="http://schemas.microsoft.com/office/drawing/2014/main" id="{A8E2AB13-BC72-4796-B9A0-E84D6838AFF7}"/>
+              </a:ext>
+            </a:extLst>
+          </p:cNvPr>
+          <p:cNvSpPr>
+            <a:spLocks noGrp="1"/>
+          </p:cNvSpPr>
+          <p:nvPr>
+            <p:ph type="sldNum" sz="quarter" idx="12"/>
+          </p:nvPr>
+        </p:nvSpPr>
+        <p:spPr/>
+        <p:txBody>
+          <a:bodyPr/>
+          <a:lstStyle/>
+          <a:p>
+            <a:fld id="{E276D0E3-8A91-4195-9D97-D4903B6F688B}" type="slidenum">
+              <a:rPr lang="de-DE" smtClean="0"/>
+              <a:t>10</a:t>
+            </a:fld>
+            <a:endParaRPr lang="de-DE"/>
+          </a:p>
+        </p:txBody>
+      </p:sp>
+    </p:spTree>
+    <p:extLst>
+      <p:ext uri="{BB962C8B-B14F-4D97-AF65-F5344CB8AC3E}">
+        <p14:creationId xmlns:p14="http://schemas.microsoft.com/office/powerpoint/2010/main" val="2141424761"/>
+      </p:ext>
+    </p:extLst>
+  </p:cSld>
+  <p:clrMapOvr>
+    <a:masterClrMapping/>
+  </p:clrMapOvr>
+</p:sld>
+</file>
+
+<file path=ppt/slides/slide11.xml><?xml version="1.0" encoding="utf-8"?>
 <p:sld xmlns:a="http://schemas.openxmlformats.org/drawingml/2006/main" xmlns:r="http://schemas.openxmlformats.org/officeDocument/2006/relationships" xmlns:p="http://schemas.openxmlformats.org/presentationml/2006/main">
   <p:cSld>
     <p:spTree>
@@ -4255,7 +4633,7 @@
           <a:p>
             <a:fld id="{E276D0E3-8A91-4195-9D97-D4903B6F688B}" type="slidenum">
               <a:rPr lang="de-DE" smtClean="0"/>
-              <a:t>10</a:t>
+              <a:t>11</a:t>
             </a:fld>
             <a:endParaRPr lang="de-DE"/>
           </a:p>
@@ -4312,7 +4690,7 @@
 </p:sld>
 </file>
 
-<file path=ppt/slides/slide11.xml><?xml version="1.0" encoding="utf-8"?>
+<file path=ppt/slides/slide12.xml><?xml version="1.0" encoding="utf-8"?>
 <p:sld xmlns:a="http://schemas.openxmlformats.org/drawingml/2006/main" xmlns:r="http://schemas.openxmlformats.org/officeDocument/2006/relationships" xmlns:p="http://schemas.openxmlformats.org/presentationml/2006/main">
   <p:cSld>
     <p:spTree>
@@ -4470,7 +4848,7 @@
           <a:p>
             <a:fld id="{E276D0E3-8A91-4195-9D97-D4903B6F688B}" type="slidenum">
               <a:rPr lang="de-DE" smtClean="0"/>
-              <a:t>11</a:t>
+              <a:t>12</a:t>
             </a:fld>
             <a:endParaRPr lang="de-DE"/>
           </a:p>
@@ -4489,7 +4867,7 @@
 </p:sld>
 </file>
 
-<file path=ppt/slides/slide12.xml><?xml version="1.0" encoding="utf-8"?>
+<file path=ppt/slides/slide13.xml><?xml version="1.0" encoding="utf-8"?>
 <p:sld xmlns:a="http://schemas.openxmlformats.org/drawingml/2006/main" xmlns:r="http://schemas.openxmlformats.org/officeDocument/2006/relationships" xmlns:p="http://schemas.openxmlformats.org/presentationml/2006/main">
   <p:cSld>
     <p:spTree>
@@ -4919,7 +5297,7 @@
           <a:p>
             <a:fld id="{E276D0E3-8A91-4195-9D97-D4903B6F688B}" type="slidenum">
               <a:rPr lang="de-DE" smtClean="0"/>
-              <a:t>12</a:t>
+              <a:t>13</a:t>
             </a:fld>
             <a:endParaRPr lang="de-DE"/>
           </a:p>
@@ -4973,7 +5351,7 @@
 </p:sld>
 </file>
 
-<file path=ppt/slides/slide13.xml><?xml version="1.0" encoding="utf-8"?>
+<file path=ppt/slides/slide14.xml><?xml version="1.0" encoding="utf-8"?>
 <p:sld xmlns:a="http://schemas.openxmlformats.org/drawingml/2006/main" xmlns:r="http://schemas.openxmlformats.org/officeDocument/2006/relationships" xmlns:p="http://schemas.openxmlformats.org/presentationml/2006/main">
   <p:cSld>
     <p:spTree>
@@ -5552,7 +5930,7 @@
           <a:p>
             <a:fld id="{E276D0E3-8A91-4195-9D97-D4903B6F688B}" type="slidenum">
               <a:rPr lang="de-DE" smtClean="0"/>
-              <a:t>13</a:t>
+              <a:t>14</a:t>
             </a:fld>
             <a:endParaRPr lang="de-DE" dirty="0"/>
           </a:p>
@@ -5607,7 +5985,7 @@
 </p:sld>
 </file>
 
-<file path=ppt/slides/slide14.xml><?xml version="1.0" encoding="utf-8"?>
+<file path=ppt/slides/slide15.xml><?xml version="1.0" encoding="utf-8"?>
 <p:sld xmlns:a="http://schemas.openxmlformats.org/drawingml/2006/main" xmlns:r="http://schemas.openxmlformats.org/officeDocument/2006/relationships" xmlns:p="http://schemas.openxmlformats.org/presentationml/2006/main">
   <p:cSld>
     <p:spTree>
@@ -5745,7 +6123,7 @@
           <a:p>
             <a:fld id="{E276D0E3-8A91-4195-9D97-D4903B6F688B}" type="slidenum">
               <a:rPr lang="de-DE" smtClean="0"/>
-              <a:t>14</a:t>
+              <a:t>15</a:t>
             </a:fld>
             <a:endParaRPr lang="de-DE"/>
           </a:p>
@@ -5764,7 +6142,7 @@
 </p:sld>
 </file>
 
-<file path=ppt/slides/slide15.xml><?xml version="1.0" encoding="utf-8"?>
+<file path=ppt/slides/slide16.xml><?xml version="1.0" encoding="utf-8"?>
 <p:sld xmlns:a="http://schemas.openxmlformats.org/drawingml/2006/main" xmlns:r="http://schemas.openxmlformats.org/officeDocument/2006/relationships" xmlns:p="http://schemas.openxmlformats.org/presentationml/2006/main">
   <p:cSld>
     <p:spTree>
@@ -6035,7 +6413,7 @@
           <a:p>
             <a:fld id="{E276D0E3-8A91-4195-9D97-D4903B6F688B}" type="slidenum">
               <a:rPr lang="de-DE" smtClean="0"/>
-              <a:t>15</a:t>
+              <a:t>16</a:t>
             </a:fld>
             <a:endParaRPr lang="de-DE"/>
           </a:p>
@@ -6090,7 +6468,7 @@
 </p:sld>
 </file>
 
-<file path=ppt/slides/slide16.xml><?xml version="1.0" encoding="utf-8"?>
+<file path=ppt/slides/slide17.xml><?xml version="1.0" encoding="utf-8"?>
 <p:sld xmlns:a="http://schemas.openxmlformats.org/drawingml/2006/main" xmlns:r="http://schemas.openxmlformats.org/officeDocument/2006/relationships" xmlns:p="http://schemas.openxmlformats.org/presentationml/2006/main">
   <p:cSld>
     <p:spTree>
@@ -6259,7 +6637,7 @@
           <a:p>
             <a:fld id="{E276D0E3-8A91-4195-9D97-D4903B6F688B}" type="slidenum">
               <a:rPr lang="de-DE" smtClean="0"/>
-              <a:t>16</a:t>
+              <a:t>17</a:t>
             </a:fld>
             <a:endParaRPr lang="de-DE"/>
           </a:p>
@@ -6350,7 +6728,7 @@
 </p:sld>
 </file>
 
-<file path=ppt/slides/slide17.xml><?xml version="1.0" encoding="utf-8"?>
+<file path=ppt/slides/slide18.xml><?xml version="1.0" encoding="utf-8"?>
 <p:sld xmlns:a="http://schemas.openxmlformats.org/drawingml/2006/main" xmlns:r="http://schemas.openxmlformats.org/officeDocument/2006/relationships" xmlns:p="http://schemas.openxmlformats.org/presentationml/2006/main">
   <p:cSld>
     <p:spTree>
@@ -6453,7 +6831,7 @@
           <a:p>
             <a:fld id="{E276D0E3-8A91-4195-9D97-D4903B6F688B}" type="slidenum">
               <a:rPr lang="de-DE" smtClean="0"/>
-              <a:t>17</a:t>
+              <a:t>18</a:t>
             </a:fld>
             <a:endParaRPr lang="de-DE"/>
           </a:p>
@@ -6472,7 +6850,7 @@
 </p:sld>
 </file>
 
-<file path=ppt/slides/slide18.xml><?xml version="1.0" encoding="utf-8"?>
+<file path=ppt/slides/slide19.xml><?xml version="1.0" encoding="utf-8"?>
 <p:sld xmlns:a="http://schemas.openxmlformats.org/drawingml/2006/main" xmlns:r="http://schemas.openxmlformats.org/officeDocument/2006/relationships" xmlns:p="http://schemas.openxmlformats.org/presentationml/2006/main">
   <p:cSld>
     <p:spTree>
@@ -6710,7 +7088,7 @@
           <a:p>
             <a:fld id="{E276D0E3-8A91-4195-9D97-D4903B6F688B}" type="slidenum">
               <a:rPr lang="de-DE" smtClean="0"/>
-              <a:t>18</a:t>
+              <a:t>19</a:t>
             </a:fld>
             <a:endParaRPr lang="de-DE"/>
           </a:p>
@@ -6729,7 +7107,173 @@
 </p:sld>
 </file>
 
-<file path=ppt/slides/slide19.xml><?xml version="1.0" encoding="utf-8"?>
+<file path=ppt/slides/slide2.xml><?xml version="1.0" encoding="utf-8"?>
+<p:sld xmlns:a="http://schemas.openxmlformats.org/drawingml/2006/main" xmlns:r="http://schemas.openxmlformats.org/officeDocument/2006/relationships" xmlns:p="http://schemas.openxmlformats.org/presentationml/2006/main">
+  <p:cSld>
+    <p:spTree>
+      <p:nvGrpSpPr>
+        <p:cNvPr id="1" name=""/>
+        <p:cNvGrpSpPr/>
+        <p:nvPr/>
+      </p:nvGrpSpPr>
+      <p:grpSpPr>
+        <a:xfrm>
+          <a:off x="0" y="0"/>
+          <a:ext cx="0" cy="0"/>
+          <a:chOff x="0" y="0"/>
+          <a:chExt cx="0" cy="0"/>
+        </a:xfrm>
+      </p:grpSpPr>
+      <p:sp>
+        <p:nvSpPr>
+          <p:cNvPr id="2" name="Titel 1">
+            <a:extLst>
+              <a:ext uri="{FF2B5EF4-FFF2-40B4-BE49-F238E27FC236}">
+                <a16:creationId xmlns:a16="http://schemas.microsoft.com/office/drawing/2014/main" id="{BDEBBD1B-5604-4C3F-B34C-22D02BB3B57A}"/>
+              </a:ext>
+            </a:extLst>
+          </p:cNvPr>
+          <p:cNvSpPr>
+            <a:spLocks noGrp="1"/>
+          </p:cNvSpPr>
+          <p:nvPr>
+            <p:ph type="title"/>
+          </p:nvPr>
+        </p:nvSpPr>
+        <p:spPr/>
+        <p:txBody>
+          <a:bodyPr/>
+          <a:lstStyle/>
+          <a:p>
+            <a:r>
+              <a:rPr lang="de-DE" dirty="0"/>
+              <a:t>Inhalt</a:t>
+            </a:r>
+          </a:p>
+        </p:txBody>
+      </p:sp>
+      <p:sp>
+        <p:nvSpPr>
+          <p:cNvPr id="3" name="Inhaltsplatzhalter 2">
+            <a:extLst>
+              <a:ext uri="{FF2B5EF4-FFF2-40B4-BE49-F238E27FC236}">
+                <a16:creationId xmlns:a16="http://schemas.microsoft.com/office/drawing/2014/main" id="{A86B45DA-DF66-4B65-AE36-ACC26DE96D41}"/>
+              </a:ext>
+            </a:extLst>
+          </p:cNvPr>
+          <p:cNvSpPr>
+            <a:spLocks noGrp="1"/>
+          </p:cNvSpPr>
+          <p:nvPr>
+            <p:ph idx="1"/>
+          </p:nvPr>
+        </p:nvSpPr>
+        <p:spPr/>
+        <p:txBody>
+          <a:bodyPr/>
+          <a:lstStyle/>
+          <a:p>
+            <a:r>
+              <a:rPr lang="de-DE" dirty="0"/>
+              <a:t>Serienschwingkreis</a:t>
+            </a:r>
+          </a:p>
+          <a:p>
+            <a:pPr lvl="1"/>
+            <a:r>
+              <a:rPr lang="de-DE" dirty="0"/>
+              <a:t>Vorauswertung mit Oszilloskop</a:t>
+            </a:r>
+          </a:p>
+          <a:p>
+            <a:pPr lvl="1"/>
+            <a:r>
+              <a:rPr lang="de-DE" dirty="0"/>
+              <a:t>Bestimmung der Resonanzfrequenz/ Güte</a:t>
+            </a:r>
+          </a:p>
+          <a:p>
+            <a:r>
+              <a:rPr lang="de-DE" dirty="0"/>
+              <a:t>Parallelschwingkreis</a:t>
+            </a:r>
+          </a:p>
+          <a:p>
+            <a:pPr lvl="1"/>
+            <a:r>
+              <a:rPr lang="de-DE" dirty="0"/>
+              <a:t>Resonanzfrequenz/Güte</a:t>
+            </a:r>
+          </a:p>
+          <a:p>
+            <a:pPr lvl="1"/>
+            <a:r>
+              <a:rPr lang="de-DE" dirty="0"/>
+              <a:t>Impedanz</a:t>
+            </a:r>
+          </a:p>
+          <a:p>
+            <a:r>
+              <a:rPr lang="de-DE" dirty="0"/>
+              <a:t>Hoch-/Tiefpass:</a:t>
+            </a:r>
+          </a:p>
+          <a:p>
+            <a:pPr lvl="1"/>
+            <a:r>
+              <a:rPr lang="de-DE" dirty="0"/>
+              <a:t>Bestimmung der Grenzfrequenz</a:t>
+            </a:r>
+          </a:p>
+          <a:p>
+            <a:pPr lvl="1"/>
+            <a:endParaRPr lang="de-DE" dirty="0"/>
+          </a:p>
+        </p:txBody>
+      </p:sp>
+      <p:sp>
+        <p:nvSpPr>
+          <p:cNvPr id="4" name="Foliennummernplatzhalter 3">
+            <a:extLst>
+              <a:ext uri="{FF2B5EF4-FFF2-40B4-BE49-F238E27FC236}">
+                <a16:creationId xmlns:a16="http://schemas.microsoft.com/office/drawing/2014/main" id="{BAC7053E-5303-4355-81D1-A82D72D22EE3}"/>
+              </a:ext>
+            </a:extLst>
+          </p:cNvPr>
+          <p:cNvSpPr>
+            <a:spLocks noGrp="1"/>
+          </p:cNvSpPr>
+          <p:nvPr>
+            <p:ph type="sldNum" sz="quarter" idx="12"/>
+          </p:nvPr>
+        </p:nvSpPr>
+        <p:spPr/>
+        <p:txBody>
+          <a:bodyPr/>
+          <a:lstStyle/>
+          <a:p>
+            <a:fld id="{E276D0E3-8A91-4195-9D97-D4903B6F688B}" type="slidenum">
+              <a:rPr lang="de-DE" smtClean="0"/>
+              <a:t>2</a:t>
+            </a:fld>
+            <a:endParaRPr lang="de-DE"/>
+          </a:p>
+        </p:txBody>
+      </p:sp>
+    </p:spTree>
+    <p:extLst>
+      <p:ext uri="{BB962C8B-B14F-4D97-AF65-F5344CB8AC3E}">
+        <p14:creationId xmlns:p14="http://schemas.microsoft.com/office/powerpoint/2010/main" val="1002867433"/>
+      </p:ext>
+    </p:extLst>
+  </p:cSld>
+  <p:clrMapOvr>
+    <a:masterClrMapping/>
+  </p:clrMapOvr>
+</p:sld>
+</file>
+
+<file path=ppt/slides/slide20.xml><?xml version="1.0" encoding="utf-8"?>
 <p:sld xmlns:a="http://schemas.openxmlformats.org/drawingml/2006/main" xmlns:r="http://schemas.openxmlformats.org/officeDocument/2006/relationships" xmlns:p="http://schemas.openxmlformats.org/presentationml/2006/main">
   <p:cSld>
     <p:spTree>
@@ -6992,7 +7536,7 @@
           <a:p>
             <a:fld id="{E276D0E3-8A91-4195-9D97-D4903B6F688B}" type="slidenum">
               <a:rPr lang="de-DE" smtClean="0"/>
-              <a:t>19</a:t>
+              <a:t>20</a:t>
             </a:fld>
             <a:endParaRPr lang="de-DE"/>
           </a:p>
@@ -7070,172 +7614,6 @@
     <p:extLst>
       <p:ext uri="{BB962C8B-B14F-4D97-AF65-F5344CB8AC3E}">
         <p14:creationId xmlns:p14="http://schemas.microsoft.com/office/powerpoint/2010/main" val="975937099"/>
-      </p:ext>
-    </p:extLst>
-  </p:cSld>
-  <p:clrMapOvr>
-    <a:masterClrMapping/>
-  </p:clrMapOvr>
-</p:sld>
-</file>
-
-<file path=ppt/slides/slide2.xml><?xml version="1.0" encoding="utf-8"?>
-<p:sld xmlns:a="http://schemas.openxmlformats.org/drawingml/2006/main" xmlns:r="http://schemas.openxmlformats.org/officeDocument/2006/relationships" xmlns:p="http://schemas.openxmlformats.org/presentationml/2006/main">
-  <p:cSld>
-    <p:spTree>
-      <p:nvGrpSpPr>
-        <p:cNvPr id="1" name=""/>
-        <p:cNvGrpSpPr/>
-        <p:nvPr/>
-      </p:nvGrpSpPr>
-      <p:grpSpPr>
-        <a:xfrm>
-          <a:off x="0" y="0"/>
-          <a:ext cx="0" cy="0"/>
-          <a:chOff x="0" y="0"/>
-          <a:chExt cx="0" cy="0"/>
-        </a:xfrm>
-      </p:grpSpPr>
-      <p:sp>
-        <p:nvSpPr>
-          <p:cNvPr id="2" name="Titel 1">
-            <a:extLst>
-              <a:ext uri="{FF2B5EF4-FFF2-40B4-BE49-F238E27FC236}">
-                <a16:creationId xmlns:a16="http://schemas.microsoft.com/office/drawing/2014/main" id="{BDEBBD1B-5604-4C3F-B34C-22D02BB3B57A}"/>
-              </a:ext>
-            </a:extLst>
-          </p:cNvPr>
-          <p:cNvSpPr>
-            <a:spLocks noGrp="1"/>
-          </p:cNvSpPr>
-          <p:nvPr>
-            <p:ph type="title"/>
-          </p:nvPr>
-        </p:nvSpPr>
-        <p:spPr/>
-        <p:txBody>
-          <a:bodyPr/>
-          <a:lstStyle/>
-          <a:p>
-            <a:r>
-              <a:rPr lang="de-DE" dirty="0"/>
-              <a:t>Inhalt</a:t>
-            </a:r>
-          </a:p>
-        </p:txBody>
-      </p:sp>
-      <p:sp>
-        <p:nvSpPr>
-          <p:cNvPr id="3" name="Inhaltsplatzhalter 2">
-            <a:extLst>
-              <a:ext uri="{FF2B5EF4-FFF2-40B4-BE49-F238E27FC236}">
-                <a16:creationId xmlns:a16="http://schemas.microsoft.com/office/drawing/2014/main" id="{A86B45DA-DF66-4B65-AE36-ACC26DE96D41}"/>
-              </a:ext>
-            </a:extLst>
-          </p:cNvPr>
-          <p:cNvSpPr>
-            <a:spLocks noGrp="1"/>
-          </p:cNvSpPr>
-          <p:nvPr>
-            <p:ph idx="1"/>
-          </p:nvPr>
-        </p:nvSpPr>
-        <p:spPr/>
-        <p:txBody>
-          <a:bodyPr/>
-          <a:lstStyle/>
-          <a:p>
-            <a:r>
-              <a:rPr lang="de-DE" dirty="0"/>
-              <a:t>Serienschwingkreis</a:t>
-            </a:r>
-          </a:p>
-          <a:p>
-            <a:pPr lvl="1"/>
-            <a:r>
-              <a:rPr lang="de-DE" dirty="0"/>
-              <a:t>Vorauswertung mit Oszilloskop</a:t>
-            </a:r>
-          </a:p>
-          <a:p>
-            <a:pPr lvl="1"/>
-            <a:r>
-              <a:rPr lang="de-DE" dirty="0"/>
-              <a:t>Bestimmung der Resonanzfrequenz/ Güte</a:t>
-            </a:r>
-          </a:p>
-          <a:p>
-            <a:r>
-              <a:rPr lang="de-DE" dirty="0"/>
-              <a:t>Parallelschwingkreis</a:t>
-            </a:r>
-          </a:p>
-          <a:p>
-            <a:pPr lvl="1"/>
-            <a:r>
-              <a:rPr lang="de-DE" dirty="0"/>
-              <a:t>Resonanzfrequenz/Güte</a:t>
-            </a:r>
-          </a:p>
-          <a:p>
-            <a:pPr lvl="1"/>
-            <a:r>
-              <a:rPr lang="de-DE" dirty="0"/>
-              <a:t>Impedanz</a:t>
-            </a:r>
-          </a:p>
-          <a:p>
-            <a:r>
-              <a:rPr lang="de-DE" dirty="0"/>
-              <a:t>Hoch-/Tiefpass:</a:t>
-            </a:r>
-          </a:p>
-          <a:p>
-            <a:pPr lvl="1"/>
-            <a:r>
-              <a:rPr lang="de-DE" dirty="0"/>
-              <a:t>Bestimmung der Grenzfrequenz</a:t>
-            </a:r>
-          </a:p>
-          <a:p>
-            <a:pPr lvl="1"/>
-            <a:endParaRPr lang="de-DE" dirty="0"/>
-          </a:p>
-        </p:txBody>
-      </p:sp>
-      <p:sp>
-        <p:nvSpPr>
-          <p:cNvPr id="4" name="Foliennummernplatzhalter 3">
-            <a:extLst>
-              <a:ext uri="{FF2B5EF4-FFF2-40B4-BE49-F238E27FC236}">
-                <a16:creationId xmlns:a16="http://schemas.microsoft.com/office/drawing/2014/main" id="{BAC7053E-5303-4355-81D1-A82D72D22EE3}"/>
-              </a:ext>
-            </a:extLst>
-          </p:cNvPr>
-          <p:cNvSpPr>
-            <a:spLocks noGrp="1"/>
-          </p:cNvSpPr>
-          <p:nvPr>
-            <p:ph type="sldNum" sz="quarter" idx="12"/>
-          </p:nvPr>
-        </p:nvSpPr>
-        <p:spPr/>
-        <p:txBody>
-          <a:bodyPr/>
-          <a:lstStyle/>
-          <a:p>
-            <a:fld id="{E276D0E3-8A91-4195-9D97-D4903B6F688B}" type="slidenum">
-              <a:rPr lang="de-DE" smtClean="0"/>
-              <a:t>2</a:t>
-            </a:fld>
-            <a:endParaRPr lang="de-DE"/>
-          </a:p>
-        </p:txBody>
-      </p:sp>
-    </p:spTree>
-    <p:extLst>
-      <p:ext uri="{BB962C8B-B14F-4D97-AF65-F5344CB8AC3E}">
-        <p14:creationId xmlns:p14="http://schemas.microsoft.com/office/powerpoint/2010/main" val="1002867433"/>
       </p:ext>
     </p:extLst>
   </p:cSld>
@@ -7528,19 +7906,39 @@
         </p:nvSpPr>
         <p:spPr>
           <a:xfrm>
-            <a:off x="838200" y="1825624"/>
+            <a:off x="838200" y="1690688"/>
             <a:ext cx="5666772" cy="1600481"/>
           </a:xfrm>
         </p:spPr>
         <p:txBody>
           <a:bodyPr>
-            <a:normAutofit/>
+            <a:normAutofit fontScale="92500" lnSpcReduction="10000"/>
           </a:bodyPr>
           <a:lstStyle/>
           <a:p>
             <a:r>
               <a:rPr lang="de-DE" dirty="0"/>
               <a:t>Werte abgelesen und ausgerechnet</a:t>
+            </a:r>
+          </a:p>
+          <a:p>
+            <a:r>
+              <a:rPr lang="de-DE" dirty="0"/>
+              <a:t>Unsicherheiten:</a:t>
+            </a:r>
+          </a:p>
+          <a:p>
+            <a:pPr lvl="1"/>
+            <a:r>
+              <a:rPr lang="de-DE" dirty="0"/>
+              <a:t>Ablesefehler</a:t>
+            </a:r>
+          </a:p>
+          <a:p>
+            <a:pPr lvl="1"/>
+            <a:r>
+              <a:rPr lang="de-DE" dirty="0"/>
+              <a:t>Strommessung (stat., syst.)</a:t>
             </a:r>
           </a:p>
         </p:txBody>
@@ -7803,7 +8201,7 @@
         <p:spPr>
           <a:xfrm>
             <a:off x="308542" y="4294500"/>
-            <a:ext cx="3157553" cy="2061850"/>
+            <a:ext cx="3653858" cy="2385932"/>
           </a:xfrm>
           <a:prstGeom prst="rect">
             <a:avLst/>
@@ -7882,6 +8280,41 @@
           </a:prstGeom>
         </p:spPr>
       </p:pic>
+      <p:sp>
+        <p:nvSpPr>
+          <p:cNvPr id="3" name="Textfeld 2">
+            <a:extLst>
+              <a:ext uri="{FF2B5EF4-FFF2-40B4-BE49-F238E27FC236}">
+                <a16:creationId xmlns:a16="http://schemas.microsoft.com/office/drawing/2014/main" id="{4AFACC88-CAA2-415E-B441-EDACED6CE064}"/>
+              </a:ext>
+            </a:extLst>
+          </p:cNvPr>
+          <p:cNvSpPr txBox="1"/>
+          <p:nvPr/>
+        </p:nvSpPr>
+        <p:spPr>
+          <a:xfrm>
+            <a:off x="5194853" y="5048358"/>
+            <a:ext cx="3914085" cy="461665"/>
+          </a:xfrm>
+          <a:prstGeom prst="rect">
+            <a:avLst/>
+          </a:prstGeom>
+          <a:noFill/>
+        </p:spPr>
+        <p:txBody>
+          <a:bodyPr wrap="none" rtlCol="0">
+            <a:spAutoFit/>
+          </a:bodyPr>
+          <a:lstStyle/>
+          <a:p>
+            <a:r>
+              <a:rPr lang="de-DE" sz="2400" dirty="0"/>
+              <a:t>Unsicherheit aus Ablesefehler</a:t>
+            </a:r>
+          </a:p>
+        </p:txBody>
+      </p:sp>
     </p:spTree>
     <p:extLst>
       <p:ext uri="{BB962C8B-B14F-4D97-AF65-F5344CB8AC3E}">
@@ -8002,8 +8435,8 @@
         </p:blipFill>
         <p:spPr>
           <a:xfrm>
-            <a:off x="838200" y="4574541"/>
-            <a:ext cx="3650058" cy="1629490"/>
+            <a:off x="368240" y="4574541"/>
+            <a:ext cx="4809132" cy="2146934"/>
           </a:xfrm>
           <a:prstGeom prst="rect">
             <a:avLst/>
@@ -8082,6 +8515,66 @@
           </a:prstGeom>
         </p:spPr>
       </p:pic>
+      <p:sp>
+        <p:nvSpPr>
+          <p:cNvPr id="3" name="Textfeld 2">
+            <a:extLst>
+              <a:ext uri="{FF2B5EF4-FFF2-40B4-BE49-F238E27FC236}">
+                <a16:creationId xmlns:a16="http://schemas.microsoft.com/office/drawing/2014/main" id="{B342FF02-C4DF-4757-A0C5-0EF173D8881C}"/>
+              </a:ext>
+            </a:extLst>
+          </p:cNvPr>
+          <p:cNvSpPr txBox="1"/>
+          <p:nvPr/>
+        </p:nvSpPr>
+        <p:spPr>
+          <a:xfrm>
+            <a:off x="5618921" y="5003702"/>
+            <a:ext cx="4340034" cy="1200329"/>
+          </a:xfrm>
+          <a:prstGeom prst="rect">
+            <a:avLst/>
+          </a:prstGeom>
+          <a:noFill/>
+        </p:spPr>
+        <p:txBody>
+          <a:bodyPr wrap="none" rtlCol="0">
+            <a:spAutoFit/>
+          </a:bodyPr>
+          <a:lstStyle/>
+          <a:p>
+            <a:r>
+              <a:rPr lang="de-DE" sz="2400" dirty="0"/>
+              <a:t>Unsicherheiten :</a:t>
+            </a:r>
+          </a:p>
+          <a:p>
+            <a:pPr marL="285750" indent="-285750">
+              <a:buFontTx/>
+              <a:buChar char="-"/>
+            </a:pPr>
+            <a:r>
+              <a:rPr lang="de-DE" sz="2400" dirty="0"/>
+              <a:t>Ablesefehler</a:t>
+            </a:r>
+          </a:p>
+          <a:p>
+            <a:pPr marL="285750" indent="-285750">
+              <a:buFontTx/>
+              <a:buChar char="-"/>
+            </a:pPr>
+            <a:r>
+              <a:rPr lang="de-DE" sz="2400" dirty="0"/>
+              <a:t>Spannungsmessing (stat</a:t>
+            </a:r>
+            <a:r>
+              <a:rPr lang="de-DE" sz="2400"/>
+              <a:t>., syst.)</a:t>
+            </a:r>
+            <a:endParaRPr lang="de-DE" sz="2400" dirty="0"/>
+          </a:p>
+        </p:txBody>
+      </p:sp>
     </p:spTree>
     <p:extLst>
       <p:ext uri="{BB962C8B-B14F-4D97-AF65-F5344CB8AC3E}">
@@ -8117,6 +8610,163 @@
           <p:cNvPr id="2" name="Titel 1">
             <a:extLst>
               <a:ext uri="{FF2B5EF4-FFF2-40B4-BE49-F238E27FC236}">
+                <a16:creationId xmlns:a16="http://schemas.microsoft.com/office/drawing/2014/main" id="{0860DFD2-24DF-414F-9674-D95C4F4299C3}"/>
+              </a:ext>
+            </a:extLst>
+          </p:cNvPr>
+          <p:cNvSpPr>
+            <a:spLocks noGrp="1"/>
+          </p:cNvSpPr>
+          <p:nvPr>
+            <p:ph type="title"/>
+          </p:nvPr>
+        </p:nvSpPr>
+        <p:spPr/>
+        <p:txBody>
+          <a:bodyPr/>
+          <a:lstStyle/>
+          <a:p>
+            <a:r>
+              <a:rPr lang="de-DE" dirty="0"/>
+              <a:t>Zusammenfassung Serienkreis</a:t>
+            </a:r>
+          </a:p>
+        </p:txBody>
+      </p:sp>
+      <p:pic>
+        <p:nvPicPr>
+          <p:cNvPr id="6" name="Inhaltsplatzhalter 5">
+            <a:extLst>
+              <a:ext uri="{FF2B5EF4-FFF2-40B4-BE49-F238E27FC236}">
+                <a16:creationId xmlns:a16="http://schemas.microsoft.com/office/drawing/2014/main" id="{3EBDBF09-FB17-4B22-9F79-9A466E539F0B}"/>
+              </a:ext>
+            </a:extLst>
+          </p:cNvPr>
+          <p:cNvPicPr>
+            <a:picLocks noGrp="1" noChangeAspect="1"/>
+          </p:cNvPicPr>
+          <p:nvPr>
+            <p:ph idx="1"/>
+          </p:nvPr>
+        </p:nvPicPr>
+        <p:blipFill>
+          <a:blip r:embed="rId2">
+            <a:extLst>
+              <a:ext uri="{28A0092B-C50C-407E-A947-70E740481C1C}">
+                <a14:useLocalDpi xmlns:a14="http://schemas.microsoft.com/office/drawing/2010/main" val="0"/>
+              </a:ext>
+            </a:extLst>
+          </a:blip>
+          <a:stretch>
+            <a:fillRect/>
+          </a:stretch>
+        </p:blipFill>
+        <p:spPr>
+          <a:xfrm>
+            <a:off x="1223114" y="3131856"/>
+            <a:ext cx="9745772" cy="2964871"/>
+          </a:xfrm>
+        </p:spPr>
+      </p:pic>
+      <p:sp>
+        <p:nvSpPr>
+          <p:cNvPr id="4" name="Foliennummernplatzhalter 3">
+            <a:extLst>
+              <a:ext uri="{FF2B5EF4-FFF2-40B4-BE49-F238E27FC236}">
+                <a16:creationId xmlns:a16="http://schemas.microsoft.com/office/drawing/2014/main" id="{AEACF7D4-43AA-4233-8534-0A0CDC9288C2}"/>
+              </a:ext>
+            </a:extLst>
+          </p:cNvPr>
+          <p:cNvSpPr>
+            <a:spLocks noGrp="1"/>
+          </p:cNvSpPr>
+          <p:nvPr>
+            <p:ph type="sldNum" sz="quarter" idx="12"/>
+          </p:nvPr>
+        </p:nvSpPr>
+        <p:spPr/>
+        <p:txBody>
+          <a:bodyPr/>
+          <a:lstStyle/>
+          <a:p>
+            <a:fld id="{E276D0E3-8A91-4195-9D97-D4903B6F688B}" type="slidenum">
+              <a:rPr lang="de-DE" smtClean="0"/>
+              <a:t>7</a:t>
+            </a:fld>
+            <a:endParaRPr lang="de-DE"/>
+          </a:p>
+        </p:txBody>
+      </p:sp>
+      <p:sp>
+        <p:nvSpPr>
+          <p:cNvPr id="7" name="Textfeld 6">
+            <a:extLst>
+              <a:ext uri="{FF2B5EF4-FFF2-40B4-BE49-F238E27FC236}">
+                <a16:creationId xmlns:a16="http://schemas.microsoft.com/office/drawing/2014/main" id="{728B8089-FB50-48C0-8C17-39ADB7FB3333}"/>
+              </a:ext>
+            </a:extLst>
+          </p:cNvPr>
+          <p:cNvSpPr txBox="1"/>
+          <p:nvPr/>
+        </p:nvSpPr>
+        <p:spPr>
+          <a:xfrm>
+            <a:off x="838200" y="2133600"/>
+            <a:ext cx="9739910" cy="461665"/>
+          </a:xfrm>
+          <a:prstGeom prst="rect">
+            <a:avLst/>
+          </a:prstGeom>
+          <a:noFill/>
+        </p:spPr>
+        <p:txBody>
+          <a:bodyPr wrap="none" rtlCol="0">
+            <a:spAutoFit/>
+          </a:bodyPr>
+          <a:lstStyle/>
+          <a:p>
+            <a:r>
+              <a:rPr lang="de-DE" sz="2400" dirty="0"/>
+              <a:t>- Gute Übereinstimmung von Stromkurve, Phase und Spannungsüberhöhung</a:t>
+            </a:r>
+          </a:p>
+        </p:txBody>
+      </p:sp>
+    </p:spTree>
+    <p:extLst>
+      <p:ext uri="{BB962C8B-B14F-4D97-AF65-F5344CB8AC3E}">
+        <p14:creationId xmlns:p14="http://schemas.microsoft.com/office/powerpoint/2010/main" val="3824794943"/>
+      </p:ext>
+    </p:extLst>
+  </p:cSld>
+  <p:clrMapOvr>
+    <a:masterClrMapping/>
+  </p:clrMapOvr>
+</p:sld>
+</file>
+
+<file path=ppt/slides/slide8.xml><?xml version="1.0" encoding="utf-8"?>
+<p:sld xmlns:a="http://schemas.openxmlformats.org/drawingml/2006/main" xmlns:r="http://schemas.openxmlformats.org/officeDocument/2006/relationships" xmlns:p="http://schemas.openxmlformats.org/presentationml/2006/main">
+  <p:cSld>
+    <p:spTree>
+      <p:nvGrpSpPr>
+        <p:cNvPr id="1" name=""/>
+        <p:cNvGrpSpPr/>
+        <p:nvPr/>
+      </p:nvGrpSpPr>
+      <p:grpSpPr>
+        <a:xfrm>
+          <a:off x="0" y="0"/>
+          <a:ext cx="0" cy="0"/>
+          <a:chOff x="0" y="0"/>
+          <a:chExt cx="0" cy="0"/>
+        </a:xfrm>
+      </p:grpSpPr>
+      <p:sp>
+        <p:nvSpPr>
+          <p:cNvPr id="2" name="Titel 1">
+            <a:extLst>
+              <a:ext uri="{FF2B5EF4-FFF2-40B4-BE49-F238E27FC236}">
                 <a16:creationId xmlns:a16="http://schemas.microsoft.com/office/drawing/2014/main" id="{20F3ECFC-CE9B-4DD8-99A5-47FE3A87658C}"/>
               </a:ext>
             </a:extLst>
@@ -8265,7 +8915,7 @@
           <a:p>
             <a:fld id="{E276D0E3-8A91-4195-9D97-D4903B6F688B}" type="slidenum">
               <a:rPr lang="de-DE" smtClean="0"/>
-              <a:t>7</a:t>
+              <a:t>8</a:t>
             </a:fld>
             <a:endParaRPr lang="de-DE"/>
           </a:p>
@@ -8320,163 +8970,6 @@
 </p:sld>
 </file>
 
-<file path=ppt/slides/slide8.xml><?xml version="1.0" encoding="utf-8"?>
-<p:sld xmlns:a="http://schemas.openxmlformats.org/drawingml/2006/main" xmlns:r="http://schemas.openxmlformats.org/officeDocument/2006/relationships" xmlns:p="http://schemas.openxmlformats.org/presentationml/2006/main">
-  <p:cSld>
-    <p:spTree>
-      <p:nvGrpSpPr>
-        <p:cNvPr id="1" name=""/>
-        <p:cNvGrpSpPr/>
-        <p:nvPr/>
-      </p:nvGrpSpPr>
-      <p:grpSpPr>
-        <a:xfrm>
-          <a:off x="0" y="0"/>
-          <a:ext cx="0" cy="0"/>
-          <a:chOff x="0" y="0"/>
-          <a:chExt cx="0" cy="0"/>
-        </a:xfrm>
-      </p:grpSpPr>
-      <p:sp>
-        <p:nvSpPr>
-          <p:cNvPr id="2" name="Titel 1">
-            <a:extLst>
-              <a:ext uri="{FF2B5EF4-FFF2-40B4-BE49-F238E27FC236}">
-                <a16:creationId xmlns:a16="http://schemas.microsoft.com/office/drawing/2014/main" id="{8BBD4849-C003-4855-B760-70BDC47BB1B7}"/>
-              </a:ext>
-            </a:extLst>
-          </p:cNvPr>
-          <p:cNvSpPr>
-            <a:spLocks noGrp="1"/>
-          </p:cNvSpPr>
-          <p:nvPr>
-            <p:ph type="title"/>
-          </p:nvPr>
-        </p:nvSpPr>
-        <p:spPr/>
-        <p:txBody>
-          <a:bodyPr/>
-          <a:lstStyle/>
-          <a:p>
-            <a:r>
-              <a:rPr lang="de-DE" dirty="0"/>
-              <a:t>Parallelschwingkreis - Daten</a:t>
-            </a:r>
-          </a:p>
-        </p:txBody>
-      </p:sp>
-      <p:pic>
-        <p:nvPicPr>
-          <p:cNvPr id="7" name="Inhaltsplatzhalter 6">
-            <a:extLst>
-              <a:ext uri="{FF2B5EF4-FFF2-40B4-BE49-F238E27FC236}">
-                <a16:creationId xmlns:a16="http://schemas.microsoft.com/office/drawing/2014/main" id="{E7387A7C-C805-43FA-86C6-838619AC6890}"/>
-              </a:ext>
-            </a:extLst>
-          </p:cNvPr>
-          <p:cNvPicPr>
-            <a:picLocks noGrp="1" noChangeAspect="1"/>
-          </p:cNvPicPr>
-          <p:nvPr>
-            <p:ph sz="half" idx="1"/>
-          </p:nvPr>
-        </p:nvPicPr>
-        <p:blipFill>
-          <a:blip r:embed="rId2">
-            <a:extLst>
-              <a:ext uri="{28A0092B-C50C-407E-A947-70E740481C1C}">
-                <a14:useLocalDpi xmlns:a14="http://schemas.microsoft.com/office/drawing/2010/main" val="0"/>
-              </a:ext>
-            </a:extLst>
-          </a:blip>
-          <a:stretch>
-            <a:fillRect/>
-          </a:stretch>
-        </p:blipFill>
-        <p:spPr>
-          <a:xfrm>
-            <a:off x="192740" y="1690687"/>
-            <a:ext cx="6006728" cy="4486275"/>
-          </a:xfrm>
-        </p:spPr>
-      </p:pic>
-      <p:pic>
-        <p:nvPicPr>
-          <p:cNvPr id="9" name="Inhaltsplatzhalter 8">
-            <a:extLst>
-              <a:ext uri="{FF2B5EF4-FFF2-40B4-BE49-F238E27FC236}">
-                <a16:creationId xmlns:a16="http://schemas.microsoft.com/office/drawing/2014/main" id="{7FEF1031-B5BE-467E-8DFD-E9B64DC8B6C1}"/>
-              </a:ext>
-            </a:extLst>
-          </p:cNvPr>
-          <p:cNvPicPr>
-            <a:picLocks noGrp="1" noChangeAspect="1"/>
-          </p:cNvPicPr>
-          <p:nvPr>
-            <p:ph sz="half" idx="2"/>
-          </p:nvPr>
-        </p:nvPicPr>
-        <p:blipFill>
-          <a:blip r:embed="rId3">
-            <a:extLst>
-              <a:ext uri="{28A0092B-C50C-407E-A947-70E740481C1C}">
-                <a14:useLocalDpi xmlns:a14="http://schemas.microsoft.com/office/drawing/2010/main" val="0"/>
-              </a:ext>
-            </a:extLst>
-          </a:blip>
-          <a:stretch>
-            <a:fillRect/>
-          </a:stretch>
-        </p:blipFill>
-        <p:spPr>
-          <a:xfrm>
-            <a:off x="6096000" y="1690686"/>
-            <a:ext cx="6006730" cy="4486276"/>
-          </a:xfrm>
-        </p:spPr>
-      </p:pic>
-      <p:sp>
-        <p:nvSpPr>
-          <p:cNvPr id="5" name="Foliennummernplatzhalter 4">
-            <a:extLst>
-              <a:ext uri="{FF2B5EF4-FFF2-40B4-BE49-F238E27FC236}">
-                <a16:creationId xmlns:a16="http://schemas.microsoft.com/office/drawing/2014/main" id="{985C96EC-D759-4DFF-A882-38724FD029E8}"/>
-              </a:ext>
-            </a:extLst>
-          </p:cNvPr>
-          <p:cNvSpPr>
-            <a:spLocks noGrp="1"/>
-          </p:cNvSpPr>
-          <p:nvPr>
-            <p:ph type="sldNum" sz="quarter" idx="12"/>
-          </p:nvPr>
-        </p:nvSpPr>
-        <p:spPr/>
-        <p:txBody>
-          <a:bodyPr/>
-          <a:lstStyle/>
-          <a:p>
-            <a:fld id="{E276D0E3-8A91-4195-9D97-D4903B6F688B}" type="slidenum">
-              <a:rPr lang="de-DE" smtClean="0"/>
-              <a:t>8</a:t>
-            </a:fld>
-            <a:endParaRPr lang="de-DE"/>
-          </a:p>
-        </p:txBody>
-      </p:sp>
-    </p:spTree>
-    <p:extLst>
-      <p:ext uri="{BB962C8B-B14F-4D97-AF65-F5344CB8AC3E}">
-        <p14:creationId xmlns:p14="http://schemas.microsoft.com/office/powerpoint/2010/main" val="4174706924"/>
-      </p:ext>
-    </p:extLst>
-  </p:cSld>
-  <p:clrMapOvr>
-    <a:masterClrMapping/>
-  </p:clrMapOvr>
-</p:sld>
-</file>
-
 <file path=ppt/slides/slide9.xml><?xml version="1.0" encoding="utf-8"?>
 <p:sld xmlns:a="http://schemas.openxmlformats.org/drawingml/2006/main" xmlns:r="http://schemas.openxmlformats.org/officeDocument/2006/relationships" xmlns:p="http://schemas.openxmlformats.org/presentationml/2006/main">
   <p:cSld>
@@ -8499,7 +8992,7 @@
           <p:cNvPr id="2" name="Titel 1">
             <a:extLst>
               <a:ext uri="{FF2B5EF4-FFF2-40B4-BE49-F238E27FC236}">
-                <a16:creationId xmlns:a16="http://schemas.microsoft.com/office/drawing/2014/main" id="{605C5D51-3D03-4074-B5E3-4F3214B2C189}"/>
+                <a16:creationId xmlns:a16="http://schemas.microsoft.com/office/drawing/2014/main" id="{8BBD4849-C003-4855-B760-70BDC47BB1B7}"/>
               </a:ext>
             </a:extLst>
           </p:cNvPr>
@@ -8517,7 +9010,7 @@
           <a:p>
             <a:r>
               <a:rPr lang="de-DE" dirty="0"/>
-              <a:t>Parallelschwingkreis - Gesamtstrom</a:t>
+              <a:t>Parallelschwingkreis - Daten</a:t>
             </a:r>
           </a:p>
         </p:txBody>
@@ -8527,7 +9020,7 @@
           <p:cNvPr id="7" name="Inhaltsplatzhalter 6">
             <a:extLst>
               <a:ext uri="{FF2B5EF4-FFF2-40B4-BE49-F238E27FC236}">
-                <a16:creationId xmlns:a16="http://schemas.microsoft.com/office/drawing/2014/main" id="{E6BD3F56-863E-43DA-947B-3A9E9E92C872}"/>
+                <a16:creationId xmlns:a16="http://schemas.microsoft.com/office/drawing/2014/main" id="{E7387A7C-C805-43FA-86C6-838619AC6890}"/>
               </a:ext>
             </a:extLst>
           </p:cNvPr>
@@ -8552,272 +9045,52 @@
         </p:blipFill>
         <p:spPr>
           <a:xfrm>
-            <a:off x="0" y="2013791"/>
-            <a:ext cx="6218825" cy="3975006"/>
+            <a:off x="192740" y="1690687"/>
+            <a:ext cx="6006728" cy="4486275"/>
           </a:xfrm>
         </p:spPr>
       </p:pic>
-      <mc:AlternateContent xmlns:mc="http://schemas.openxmlformats.org/markup-compatibility/2006" xmlns:a14="http://schemas.microsoft.com/office/drawing/2010/main">
-        <mc:Choice Requires="a14">
-          <p:sp>
-            <p:nvSpPr>
-              <p:cNvPr id="4" name="Inhaltsplatzhalter 3">
-                <a:extLst>
-                  <a:ext uri="{FF2B5EF4-FFF2-40B4-BE49-F238E27FC236}">
-                    <a16:creationId xmlns:a16="http://schemas.microsoft.com/office/drawing/2014/main" id="{D24737FA-D3AC-4F50-BCF7-F947C520DA33}"/>
-                  </a:ext>
-                </a:extLst>
-              </p:cNvPr>
-              <p:cNvSpPr>
-                <a:spLocks noGrp="1"/>
-              </p:cNvSpPr>
-              <p:nvPr>
-                <p:ph sz="half" idx="2"/>
-              </p:nvPr>
-            </p:nvSpPr>
-            <p:spPr>
-              <a:xfrm>
-                <a:off x="6172200" y="1825625"/>
-                <a:ext cx="5802206" cy="4351338"/>
-              </a:xfrm>
-            </p:spPr>
-            <p:txBody>
-              <a:bodyPr/>
-              <a:lstStyle/>
-              <a:p>
-                <a:r>
-                  <a:rPr lang="de-DE" dirty="0"/>
-                  <a:t>Minimum bei Resonanzfrequenz </a:t>
-                </a:r>
-                <a14:m>
-                  <m:oMath xmlns:m="http://schemas.openxmlformats.org/officeDocument/2006/math">
-                    <m:sSub>
-                      <m:sSubPr>
-                        <m:ctrlPr>
-                          <a:rPr lang="de-DE" b="0" i="1" smtClean="0">
-                            <a:latin typeface="Cambria Math" panose="02040503050406030204" pitchFamily="18" charset="0"/>
-                          </a:rPr>
-                        </m:ctrlPr>
-                      </m:sSubPr>
-                      <m:e>
-                        <m:r>
-                          <a:rPr lang="de-DE" b="0" i="1" smtClean="0">
-                            <a:latin typeface="Cambria Math" panose="02040503050406030204" pitchFamily="18" charset="0"/>
-                          </a:rPr>
-                          <m:t>𝑓</m:t>
-                        </m:r>
-                      </m:e>
-                      <m:sub>
-                        <m:r>
-                          <a:rPr lang="de-DE" b="0" i="1" smtClean="0">
-                            <a:latin typeface="Cambria Math" panose="02040503050406030204" pitchFamily="18" charset="0"/>
-                          </a:rPr>
-                          <m:t>0</m:t>
-                        </m:r>
-                      </m:sub>
-                    </m:sSub>
-                  </m:oMath>
-                </a14:m>
-                <a:endParaRPr lang="de-DE" dirty="0"/>
-              </a:p>
-              <a:p>
-                <a:pPr lvl="1"/>
-                <a:r>
-                  <a:rPr lang="de-DE" dirty="0"/>
-                  <a:t>Fehler visuell abgeschätzt</a:t>
-                </a:r>
-              </a:p>
-              <a:p>
-                <a14:m>
-                  <m:oMath xmlns:m="http://schemas.openxmlformats.org/officeDocument/2006/math">
-                    <m:r>
-                      <m:rPr>
-                        <m:sty m:val="p"/>
-                      </m:rPr>
-                      <a:rPr lang="de-DE" b="0" i="0" smtClean="0">
-                        <a:latin typeface="Cambria Math" panose="02040503050406030204" pitchFamily="18" charset="0"/>
-                      </a:rPr>
-                      <m:t>Δ</m:t>
-                    </m:r>
-                    <m:r>
-                      <a:rPr lang="de-DE" b="0" i="1" smtClean="0">
-                        <a:latin typeface="Cambria Math" panose="02040503050406030204" pitchFamily="18" charset="0"/>
-                      </a:rPr>
-                      <m:t>𝑓</m:t>
-                    </m:r>
-                  </m:oMath>
-                </a14:m>
-                <a:r>
-                  <a:rPr lang="de-DE" dirty="0"/>
-                  <a:t> Breite bei </a:t>
-                </a:r>
-                <a14:m>
-                  <m:oMath xmlns:m="http://schemas.openxmlformats.org/officeDocument/2006/math">
-                    <m:r>
-                      <a:rPr lang="de-DE" b="0" i="1" smtClean="0">
-                        <a:latin typeface="Cambria Math" panose="02040503050406030204" pitchFamily="18" charset="0"/>
-                      </a:rPr>
-                      <m:t>𝐼</m:t>
-                    </m:r>
-                    <m:r>
-                      <a:rPr lang="de-DE" b="0" i="1" smtClean="0">
-                        <a:latin typeface="Cambria Math" panose="02040503050406030204" pitchFamily="18" charset="0"/>
-                      </a:rPr>
-                      <m:t>=</m:t>
-                    </m:r>
-                    <m:sSub>
-                      <m:sSubPr>
-                        <m:ctrlPr>
-                          <a:rPr lang="de-DE" b="0" i="1" smtClean="0">
-                            <a:latin typeface="Cambria Math" panose="02040503050406030204" pitchFamily="18" charset="0"/>
-                          </a:rPr>
-                        </m:ctrlPr>
-                      </m:sSubPr>
-                      <m:e>
-                        <m:r>
-                          <a:rPr lang="de-DE" b="0" i="1" smtClean="0">
-                            <a:latin typeface="Cambria Math" panose="02040503050406030204" pitchFamily="18" charset="0"/>
-                          </a:rPr>
-                          <m:t>𝐼</m:t>
-                        </m:r>
-                      </m:e>
-                      <m:sub>
-                        <m:r>
-                          <a:rPr lang="de-DE" b="0" i="1" smtClean="0">
-                            <a:latin typeface="Cambria Math" panose="02040503050406030204" pitchFamily="18" charset="0"/>
-                          </a:rPr>
-                          <m:t>0</m:t>
-                        </m:r>
-                      </m:sub>
-                    </m:sSub>
-                    <m:r>
-                      <a:rPr lang="de-DE" b="0" i="1" smtClean="0">
-                        <a:latin typeface="Cambria Math" panose="02040503050406030204" pitchFamily="18" charset="0"/>
-                      </a:rPr>
-                      <m:t>⋅</m:t>
-                    </m:r>
-                    <m:rad>
-                      <m:radPr>
-                        <m:degHide m:val="on"/>
-                        <m:ctrlPr>
-                          <a:rPr lang="de-DE" b="0" i="1" smtClean="0">
-                            <a:latin typeface="Cambria Math" panose="02040503050406030204" pitchFamily="18" charset="0"/>
-                          </a:rPr>
-                        </m:ctrlPr>
-                      </m:radPr>
-                      <m:deg/>
-                      <m:e>
-                        <m:r>
-                          <a:rPr lang="de-DE" b="0" i="1" smtClean="0">
-                            <a:latin typeface="Cambria Math" panose="02040503050406030204" pitchFamily="18" charset="0"/>
-                          </a:rPr>
-                          <m:t>2</m:t>
-                        </m:r>
-                      </m:e>
-                    </m:rad>
-                  </m:oMath>
-                </a14:m>
-                <a:endParaRPr lang="de-DE" dirty="0"/>
-              </a:p>
-              <a:p>
-                <a:pPr lvl="1"/>
-                <a:r>
-                  <a:rPr lang="de-DE" dirty="0"/>
-                  <a:t>Fehler durch Verschieben von </a:t>
-                </a:r>
-                <a14:m>
-                  <m:oMath xmlns:m="http://schemas.openxmlformats.org/officeDocument/2006/math">
-                    <m:sSub>
-                      <m:sSubPr>
-                        <m:ctrlPr>
-                          <a:rPr lang="de-DE" b="0" i="1" smtClean="0">
-                            <a:latin typeface="Cambria Math" panose="02040503050406030204" pitchFamily="18" charset="0"/>
-                          </a:rPr>
-                        </m:ctrlPr>
-                      </m:sSubPr>
-                      <m:e>
-                        <m:r>
-                          <a:rPr lang="de-DE" b="0" i="1" smtClean="0">
-                            <a:latin typeface="Cambria Math" panose="02040503050406030204" pitchFamily="18" charset="0"/>
-                          </a:rPr>
-                          <m:t>𝐼</m:t>
-                        </m:r>
-                      </m:e>
-                      <m:sub>
-                        <m:r>
-                          <a:rPr lang="de-DE" b="0" i="1" smtClean="0">
-                            <a:latin typeface="Cambria Math" panose="02040503050406030204" pitchFamily="18" charset="0"/>
-                          </a:rPr>
-                          <m:t>0</m:t>
-                        </m:r>
-                      </m:sub>
-                    </m:sSub>
-                  </m:oMath>
-                </a14:m>
-                <a:r>
-                  <a:rPr lang="de-DE" dirty="0"/>
-                  <a:t> </a:t>
-                </a:r>
-              </a:p>
-              <a:p>
-                <a:pPr marL="0" indent="0">
-                  <a:buNone/>
-                </a:pPr>
-                <a:endParaRPr lang="de-DE" dirty="0"/>
-              </a:p>
-            </p:txBody>
-          </p:sp>
-        </mc:Choice>
-        <mc:Fallback xmlns="">
-          <p:sp>
-            <p:nvSpPr>
-              <p:cNvPr id="4" name="Inhaltsplatzhalter 3">
-                <a:extLst>
-                  <a:ext uri="{FF2B5EF4-FFF2-40B4-BE49-F238E27FC236}">
-                    <a16:creationId xmlns:a16="http://schemas.microsoft.com/office/drawing/2014/main" id="{D24737FA-D3AC-4F50-BCF7-F947C520DA33}"/>
-                  </a:ext>
-                </a:extLst>
-              </p:cNvPr>
-              <p:cNvSpPr>
-                <a:spLocks noGrp="1" noRot="1" noChangeAspect="1" noMove="1" noResize="1" noEditPoints="1" noAdjustHandles="1" noChangeArrowheads="1" noChangeShapeType="1" noTextEdit="1"/>
-              </p:cNvSpPr>
-              <p:nvPr>
-                <p:ph sz="half" idx="2"/>
-              </p:nvPr>
-            </p:nvSpPr>
-            <p:spPr>
-              <a:xfrm>
-                <a:off x="6172200" y="1825625"/>
-                <a:ext cx="5802206" cy="4351338"/>
-              </a:xfrm>
-              <a:blipFill>
-                <a:blip r:embed="rId3"/>
-                <a:stretch>
-                  <a:fillRect l="-1893" t="-2241"/>
-                </a:stretch>
-              </a:blipFill>
-            </p:spPr>
-            <p:txBody>
-              <a:bodyPr/>
-              <a:lstStyle/>
-              <a:p>
-                <a:r>
-                  <a:rPr lang="de-DE">
-                    <a:noFill/>
-                  </a:rPr>
-                  <a:t> </a:t>
-                </a:r>
-              </a:p>
-            </p:txBody>
-          </p:sp>
-        </mc:Fallback>
-      </mc:AlternateContent>
+      <p:pic>
+        <p:nvPicPr>
+          <p:cNvPr id="9" name="Inhaltsplatzhalter 8">
+            <a:extLst>
+              <a:ext uri="{FF2B5EF4-FFF2-40B4-BE49-F238E27FC236}">
+                <a16:creationId xmlns:a16="http://schemas.microsoft.com/office/drawing/2014/main" id="{7FEF1031-B5BE-467E-8DFD-E9B64DC8B6C1}"/>
+              </a:ext>
+            </a:extLst>
+          </p:cNvPr>
+          <p:cNvPicPr>
+            <a:picLocks noGrp="1" noChangeAspect="1"/>
+          </p:cNvPicPr>
+          <p:nvPr>
+            <p:ph sz="half" idx="2"/>
+          </p:nvPr>
+        </p:nvPicPr>
+        <p:blipFill>
+          <a:blip r:embed="rId3">
+            <a:extLst>
+              <a:ext uri="{28A0092B-C50C-407E-A947-70E740481C1C}">
+                <a14:useLocalDpi xmlns:a14="http://schemas.microsoft.com/office/drawing/2010/main" val="0"/>
+              </a:ext>
+            </a:extLst>
+          </a:blip>
+          <a:stretch>
+            <a:fillRect/>
+          </a:stretch>
+        </p:blipFill>
+        <p:spPr>
+          <a:xfrm>
+            <a:off x="6096000" y="1690686"/>
+            <a:ext cx="6006730" cy="4486276"/>
+          </a:xfrm>
+        </p:spPr>
+      </p:pic>
       <p:sp>
         <p:nvSpPr>
           <p:cNvPr id="5" name="Foliennummernplatzhalter 4">
             <a:extLst>
               <a:ext uri="{FF2B5EF4-FFF2-40B4-BE49-F238E27FC236}">
-                <a16:creationId xmlns:a16="http://schemas.microsoft.com/office/drawing/2014/main" id="{A8E2AB13-BC72-4796-B9A0-E84D6838AFF7}"/>
+                <a16:creationId xmlns:a16="http://schemas.microsoft.com/office/drawing/2014/main" id="{985C96EC-D759-4DFF-A882-38724FD029E8}"/>
               </a:ext>
             </a:extLst>
           </p:cNvPr>
@@ -8844,7 +9117,7 @@
     </p:spTree>
     <p:extLst>
       <p:ext uri="{BB962C8B-B14F-4D97-AF65-F5344CB8AC3E}">
-        <p14:creationId xmlns:p14="http://schemas.microsoft.com/office/powerpoint/2010/main" val="2141424761"/>
+        <p14:creationId xmlns:p14="http://schemas.microsoft.com/office/powerpoint/2010/main" val="4174706924"/>
       </p:ext>
     </p:extLst>
   </p:cSld>

--- a/grundpraktikum2/E-Lehre/E-Lehre.pptx
+++ b/grundpraktikum2/E-Lehre/E-Lehre.pptx
@@ -5,7 +5,7 @@
     <p:sldMasterId id="2147483648" r:id="rId1"/>
   </p:sldMasterIdLst>
   <p:notesMasterIdLst>
-    <p:notesMasterId r:id="rId22"/>
+    <p:notesMasterId r:id="rId23"/>
   </p:notesMasterIdLst>
   <p:sldIdLst>
     <p:sldId id="256" r:id="rId2"/>
@@ -28,6 +28,7 @@
     <p:sldId id="268" r:id="rId19"/>
     <p:sldId id="269" r:id="rId20"/>
     <p:sldId id="270" r:id="rId21"/>
+    <p:sldId id="277" r:id="rId22"/>
   </p:sldIdLst>
   <p:sldSz cx="12192000" cy="6858000"/>
   <p:notesSz cx="6858000" cy="9144000"/>
@@ -6895,8 +6896,8 @@
           </a:p>
         </p:txBody>
       </p:sp>
-      <mc:AlternateContent xmlns:mc="http://schemas.openxmlformats.org/markup-compatibility/2006" xmlns:a14="http://schemas.microsoft.com/office/drawing/2010/main">
-        <mc:Choice Requires="a14">
+      <mc:AlternateContent xmlns:mc="http://schemas.openxmlformats.org/markup-compatibility/2006">
+        <mc:Choice xmlns:a14="http://schemas.microsoft.com/office/drawing/2010/main" Requires="a14">
           <p:sp>
             <p:nvSpPr>
               <p:cNvPr id="5" name="Inhaltsplatzhalter 4">
@@ -6978,6 +6979,12 @@
               <a:p>
                 <a:r>
                   <a:rPr lang="de-DE" dirty="0"/>
+                  <a:t>Ablesefehler statistisch</a:t>
+                </a:r>
+              </a:p>
+              <a:p>
+                <a:r>
+                  <a:rPr lang="de-DE" dirty="0"/>
                   <a:t>Systematischer Fehler durch Verschiebung und Neubestimmung</a:t>
                 </a:r>
               </a:p>
@@ -6990,7 +6997,7 @@
             </p:txBody>
           </p:sp>
         </mc:Choice>
-        <mc:Fallback xmlns="">
+        <mc:Fallback>
           <p:sp>
             <p:nvSpPr>
               <p:cNvPr id="5" name="Inhaltsplatzhalter 4">
@@ -7176,13 +7183,6 @@
             <a:r>
               <a:rPr lang="de-DE" dirty="0"/>
               <a:t>Serienschwingkreis</a:t>
-            </a:r>
-          </a:p>
-          <a:p>
-            <a:pPr lvl="1"/>
-            <a:r>
-              <a:rPr lang="de-DE" dirty="0"/>
-              <a:t>Vorauswertung mit Oszilloskop</a:t>
             </a:r>
           </a:p>
           <a:p>
@@ -7623,6 +7623,194 @@
 </p:sld>
 </file>
 
+<file path=ppt/slides/slide21.xml><?xml version="1.0" encoding="utf-8"?>
+<p:sld xmlns:a="http://schemas.openxmlformats.org/drawingml/2006/main" xmlns:r="http://schemas.openxmlformats.org/officeDocument/2006/relationships" xmlns:p="http://schemas.openxmlformats.org/presentationml/2006/main">
+  <p:cSld>
+    <p:spTree>
+      <p:nvGrpSpPr>
+        <p:cNvPr id="1" name=""/>
+        <p:cNvGrpSpPr/>
+        <p:nvPr/>
+      </p:nvGrpSpPr>
+      <p:grpSpPr>
+        <a:xfrm>
+          <a:off x="0" y="0"/>
+          <a:ext cx="0" cy="0"/>
+          <a:chOff x="0" y="0"/>
+          <a:chExt cx="0" cy="0"/>
+        </a:xfrm>
+      </p:grpSpPr>
+      <p:sp>
+        <p:nvSpPr>
+          <p:cNvPr id="2" name="Titel 1">
+            <a:extLst>
+              <a:ext uri="{FF2B5EF4-FFF2-40B4-BE49-F238E27FC236}">
+                <a16:creationId xmlns:a16="http://schemas.microsoft.com/office/drawing/2014/main" id="{EDC1F2ED-B8ED-4300-B557-C9A137B6D572}"/>
+              </a:ext>
+            </a:extLst>
+          </p:cNvPr>
+          <p:cNvSpPr>
+            <a:spLocks noGrp="1"/>
+          </p:cNvSpPr>
+          <p:nvPr>
+            <p:ph type="title"/>
+          </p:nvPr>
+        </p:nvSpPr>
+        <p:spPr/>
+        <p:txBody>
+          <a:bodyPr/>
+          <a:lstStyle/>
+          <a:p>
+            <a:r>
+              <a:rPr lang="de-DE" dirty="0"/>
+              <a:t>Fazit</a:t>
+            </a:r>
+          </a:p>
+        </p:txBody>
+      </p:sp>
+      <p:sp>
+        <p:nvSpPr>
+          <p:cNvPr id="6" name="Inhaltsplatzhalter 5">
+            <a:extLst>
+              <a:ext uri="{FF2B5EF4-FFF2-40B4-BE49-F238E27FC236}">
+                <a16:creationId xmlns:a16="http://schemas.microsoft.com/office/drawing/2014/main" id="{AF793492-5C1F-49E6-BE3A-3055B7A22EB7}"/>
+              </a:ext>
+            </a:extLst>
+          </p:cNvPr>
+          <p:cNvSpPr>
+            <a:spLocks noGrp="1"/>
+          </p:cNvSpPr>
+          <p:nvPr>
+            <p:ph idx="1"/>
+          </p:nvPr>
+        </p:nvSpPr>
+        <p:spPr/>
+        <p:txBody>
+          <a:bodyPr/>
+          <a:lstStyle/>
+          <a:p>
+            <a:r>
+              <a:rPr lang="de-DE" dirty="0"/>
+              <a:t>Serienschwingkreis</a:t>
+            </a:r>
+          </a:p>
+          <a:p>
+            <a:pPr lvl="1"/>
+            <a:r>
+              <a:rPr lang="de-DE" dirty="0"/>
+              <a:t>Genauigkeit der Güte je nach Verfahren zwischen 0.5% und 5%</a:t>
+            </a:r>
+          </a:p>
+          <a:p>
+            <a:pPr lvl="1"/>
+            <a:r>
+              <a:rPr lang="de-DE" dirty="0"/>
+              <a:t>Übereinstimmung innerhalb der Fehler</a:t>
+            </a:r>
+          </a:p>
+          <a:p>
+            <a:r>
+              <a:rPr lang="de-DE" dirty="0"/>
+              <a:t>Parallelschwingkreis</a:t>
+            </a:r>
+          </a:p>
+          <a:p>
+            <a:pPr lvl="1"/>
+            <a:r>
+              <a:rPr lang="de-DE" dirty="0"/>
+              <a:t>Unbekannte Systematik erschwert Auswertung</a:t>
+            </a:r>
+          </a:p>
+          <a:p>
+            <a:pPr lvl="1"/>
+            <a:r>
+              <a:rPr lang="de-DE" dirty="0"/>
+              <a:t>Genauigkeit zwischen 5% und 8%</a:t>
+            </a:r>
+          </a:p>
+          <a:p>
+            <a:pPr lvl="1"/>
+            <a:r>
+              <a:rPr lang="de-DE" dirty="0"/>
+              <a:t>Übereinstimmung innerhalb der Fehler</a:t>
+            </a:r>
+          </a:p>
+          <a:p>
+            <a:r>
+              <a:rPr lang="de-DE" dirty="0"/>
+              <a:t>Hoch-/Tiefpass</a:t>
+            </a:r>
+          </a:p>
+          <a:p>
+            <a:pPr lvl="1"/>
+            <a:r>
+              <a:rPr lang="de-DE" dirty="0"/>
+              <a:t>Genauigkeit zwischen 2% und 5%</a:t>
+            </a:r>
+          </a:p>
+          <a:p>
+            <a:pPr lvl="1"/>
+            <a:r>
+              <a:rPr lang="de-DE" dirty="0"/>
+              <a:t>Übereinstimmung mit Erwartung</a:t>
+            </a:r>
+          </a:p>
+          <a:p>
+            <a:pPr lvl="1"/>
+            <a:endParaRPr lang="de-DE" dirty="0"/>
+          </a:p>
+          <a:p>
+            <a:pPr lvl="1"/>
+            <a:endParaRPr lang="de-DE" dirty="0"/>
+          </a:p>
+          <a:p>
+            <a:pPr lvl="1"/>
+            <a:endParaRPr lang="de-DE" dirty="0"/>
+          </a:p>
+        </p:txBody>
+      </p:sp>
+      <p:sp>
+        <p:nvSpPr>
+          <p:cNvPr id="5" name="Foliennummernplatzhalter 4">
+            <a:extLst>
+              <a:ext uri="{FF2B5EF4-FFF2-40B4-BE49-F238E27FC236}">
+                <a16:creationId xmlns:a16="http://schemas.microsoft.com/office/drawing/2014/main" id="{445F9556-B7A2-449C-BE32-00E2F1FC016B}"/>
+              </a:ext>
+            </a:extLst>
+          </p:cNvPr>
+          <p:cNvSpPr>
+            <a:spLocks noGrp="1"/>
+          </p:cNvSpPr>
+          <p:nvPr>
+            <p:ph type="sldNum" sz="quarter" idx="12"/>
+          </p:nvPr>
+        </p:nvSpPr>
+        <p:spPr/>
+        <p:txBody>
+          <a:bodyPr/>
+          <a:lstStyle/>
+          <a:p>
+            <a:fld id="{E276D0E3-8A91-4195-9D97-D4903B6F688B}" type="slidenum">
+              <a:rPr lang="de-DE" smtClean="0"/>
+              <a:t>21</a:t>
+            </a:fld>
+            <a:endParaRPr lang="de-DE"/>
+          </a:p>
+        </p:txBody>
+      </p:sp>
+    </p:spTree>
+    <p:extLst>
+      <p:ext uri="{BB962C8B-B14F-4D97-AF65-F5344CB8AC3E}">
+        <p14:creationId xmlns:p14="http://schemas.microsoft.com/office/powerpoint/2010/main" val="2207587419"/>
+      </p:ext>
+    </p:extLst>
+  </p:cSld>
+  <p:clrMapOvr>
+    <a:masterClrMapping/>
+  </p:clrMapOvr>
+</p:sld>
+</file>
+
 <file path=ppt/slides/slide3.xml><?xml version="1.0" encoding="utf-8"?>
 <p:sld xmlns:a="http://schemas.openxmlformats.org/drawingml/2006/main" xmlns:r="http://schemas.openxmlformats.org/officeDocument/2006/relationships" xmlns:p="http://schemas.openxmlformats.org/presentationml/2006/main">
   <p:cSld>
@@ -7822,7 +8010,7 @@
         </p:blipFill>
         <p:spPr>
           <a:xfrm>
-            <a:off x="398814" y="4447864"/>
+            <a:off x="239016" y="4447864"/>
             <a:ext cx="7008983" cy="1908486"/>
           </a:xfrm>
           <a:prstGeom prst="rect">
@@ -7888,61 +8076,289 @@
           </a:p>
         </p:txBody>
       </p:sp>
-      <p:sp>
-        <p:nvSpPr>
-          <p:cNvPr id="3" name="Inhaltsplatzhalter 2">
-            <a:extLst>
-              <a:ext uri="{FF2B5EF4-FFF2-40B4-BE49-F238E27FC236}">
-                <a16:creationId xmlns:a16="http://schemas.microsoft.com/office/drawing/2014/main" id="{F5764B71-6E1B-4663-ADA1-0F71CAC3FC4E}"/>
-              </a:ext>
-            </a:extLst>
-          </p:cNvPr>
-          <p:cNvSpPr>
-            <a:spLocks noGrp="1"/>
-          </p:cNvSpPr>
-          <p:nvPr>
-            <p:ph idx="1"/>
-          </p:nvPr>
-        </p:nvSpPr>
-        <p:spPr>
-          <a:xfrm>
-            <a:off x="838200" y="1690688"/>
-            <a:ext cx="5666772" cy="1600481"/>
-          </a:xfrm>
-        </p:spPr>
-        <p:txBody>
-          <a:bodyPr>
-            <a:normAutofit fontScale="92500" lnSpcReduction="10000"/>
-          </a:bodyPr>
-          <a:lstStyle/>
-          <a:p>
-            <a:r>
-              <a:rPr lang="de-DE" dirty="0"/>
-              <a:t>Werte abgelesen und ausgerechnet</a:t>
-            </a:r>
-          </a:p>
-          <a:p>
-            <a:r>
-              <a:rPr lang="de-DE" dirty="0"/>
-              <a:t>Unsicherheiten:</a:t>
-            </a:r>
-          </a:p>
-          <a:p>
-            <a:pPr lvl="1"/>
-            <a:r>
-              <a:rPr lang="de-DE" dirty="0"/>
-              <a:t>Ablesefehler</a:t>
-            </a:r>
-          </a:p>
-          <a:p>
-            <a:pPr lvl="1"/>
-            <a:r>
-              <a:rPr lang="de-DE" dirty="0"/>
-              <a:t>Strommessung (stat., syst.)</a:t>
-            </a:r>
-          </a:p>
-        </p:txBody>
-      </p:sp>
+      <mc:AlternateContent xmlns:mc="http://schemas.openxmlformats.org/markup-compatibility/2006">
+        <mc:Choice xmlns:a14="http://schemas.microsoft.com/office/drawing/2010/main" Requires="a14">
+          <p:sp>
+            <p:nvSpPr>
+              <p:cNvPr id="3" name="Inhaltsplatzhalter 2">
+                <a:extLst>
+                  <a:ext uri="{FF2B5EF4-FFF2-40B4-BE49-F238E27FC236}">
+                    <a16:creationId xmlns:a16="http://schemas.microsoft.com/office/drawing/2014/main" id="{F5764B71-6E1B-4663-ADA1-0F71CAC3FC4E}"/>
+                  </a:ext>
+                </a:extLst>
+              </p:cNvPr>
+              <p:cNvSpPr>
+                <a:spLocks noGrp="1"/>
+              </p:cNvSpPr>
+              <p:nvPr>
+                <p:ph idx="1"/>
+              </p:nvPr>
+            </p:nvSpPr>
+            <p:spPr>
+              <a:xfrm>
+                <a:off x="838200" y="1690688"/>
+                <a:ext cx="5666772" cy="2735296"/>
+              </a:xfrm>
+            </p:spPr>
+            <p:txBody>
+              <a:bodyPr>
+                <a:normAutofit/>
+              </a:bodyPr>
+              <a:lstStyle/>
+              <a:p>
+                <a14:m>
+                  <m:oMath xmlns:m="http://schemas.openxmlformats.org/officeDocument/2006/math">
+                    <m:r>
+                      <a:rPr lang="de-DE" i="1" smtClean="0">
+                        <a:latin typeface="Cambria Math" panose="02040503050406030204" pitchFamily="18" charset="0"/>
+                      </a:rPr>
+                      <m:t>𝑄</m:t>
+                    </m:r>
+                    <m:r>
+                      <a:rPr lang="de-DE" i="1" smtClean="0">
+                        <a:latin typeface="Cambria Math" panose="02040503050406030204" pitchFamily="18" charset="0"/>
+                      </a:rPr>
+                      <m:t>=</m:t>
+                    </m:r>
+                    <m:f>
+                      <m:fPr>
+                        <m:ctrlPr>
+                          <a:rPr lang="de-DE" i="1">
+                            <a:latin typeface="Cambria Math" panose="02040503050406030204" pitchFamily="18" charset="0"/>
+                          </a:rPr>
+                        </m:ctrlPr>
+                      </m:fPr>
+                      <m:num>
+                        <m:sSub>
+                          <m:sSubPr>
+                            <m:ctrlPr>
+                              <a:rPr lang="de-DE" i="1">
+                                <a:latin typeface="Cambria Math" panose="02040503050406030204" pitchFamily="18" charset="0"/>
+                              </a:rPr>
+                            </m:ctrlPr>
+                          </m:sSubPr>
+                          <m:e>
+                            <m:r>
+                              <a:rPr lang="de-DE" i="1">
+                                <a:latin typeface="Cambria Math" panose="02040503050406030204" pitchFamily="18" charset="0"/>
+                              </a:rPr>
+                              <m:t>𝑓</m:t>
+                            </m:r>
+                          </m:e>
+                          <m:sub>
+                            <m:r>
+                              <a:rPr lang="de-DE" i="1">
+                                <a:latin typeface="Cambria Math" panose="02040503050406030204" pitchFamily="18" charset="0"/>
+                              </a:rPr>
+                              <m:t>0</m:t>
+                            </m:r>
+                          </m:sub>
+                        </m:sSub>
+                        <m:r>
+                          <a:rPr lang="de-DE" b="0" i="1" smtClean="0">
+                            <a:latin typeface="Cambria Math" panose="02040503050406030204" pitchFamily="18" charset="0"/>
+                          </a:rPr>
+                          <m:t>(</m:t>
+                        </m:r>
+                        <m:sSub>
+                          <m:sSubPr>
+                            <m:ctrlPr>
+                              <a:rPr lang="de-DE" b="0" i="1" smtClean="0">
+                                <a:latin typeface="Cambria Math" panose="02040503050406030204" pitchFamily="18" charset="0"/>
+                              </a:rPr>
+                            </m:ctrlPr>
+                          </m:sSubPr>
+                          <m:e>
+                            <m:r>
+                              <a:rPr lang="de-DE" b="0" i="1" smtClean="0">
+                                <a:latin typeface="Cambria Math" panose="02040503050406030204" pitchFamily="18" charset="0"/>
+                              </a:rPr>
+                              <m:t>𝐼</m:t>
+                            </m:r>
+                          </m:e>
+                          <m:sub>
+                            <m:r>
+                              <a:rPr lang="de-DE" b="0" i="1" smtClean="0">
+                                <a:latin typeface="Cambria Math" panose="02040503050406030204" pitchFamily="18" charset="0"/>
+                              </a:rPr>
+                              <m:t>𝑚𝑎𝑥</m:t>
+                            </m:r>
+                          </m:sub>
+                        </m:sSub>
+                        <m:r>
+                          <a:rPr lang="de-DE" b="0" i="1" smtClean="0">
+                            <a:latin typeface="Cambria Math" panose="02040503050406030204" pitchFamily="18" charset="0"/>
+                          </a:rPr>
+                          <m:t>)</m:t>
+                        </m:r>
+                      </m:num>
+                      <m:den>
+                        <m:r>
+                          <m:rPr>
+                            <m:sty m:val="p"/>
+                          </m:rPr>
+                          <a:rPr lang="de-DE">
+                            <a:latin typeface="Cambria Math" panose="02040503050406030204" pitchFamily="18" charset="0"/>
+                          </a:rPr>
+                          <m:t>Δ</m:t>
+                        </m:r>
+                        <m:r>
+                          <a:rPr lang="de-DE" i="1">
+                            <a:latin typeface="Cambria Math" panose="02040503050406030204" pitchFamily="18" charset="0"/>
+                          </a:rPr>
+                          <m:t>𝑓</m:t>
+                        </m:r>
+                        <m:r>
+                          <a:rPr lang="de-DE" b="0" i="1" smtClean="0">
+                            <a:latin typeface="Cambria Math" panose="02040503050406030204" pitchFamily="18" charset="0"/>
+                          </a:rPr>
+                          <m:t>(</m:t>
+                        </m:r>
+                        <m:f>
+                          <m:fPr>
+                            <m:ctrlPr>
+                              <a:rPr lang="de-DE" b="0" i="1" smtClean="0">
+                                <a:latin typeface="Cambria Math" panose="02040503050406030204" pitchFamily="18" charset="0"/>
+                              </a:rPr>
+                            </m:ctrlPr>
+                          </m:fPr>
+                          <m:num>
+                            <m:sSub>
+                              <m:sSubPr>
+                                <m:ctrlPr>
+                                  <a:rPr lang="de-DE" b="0" i="1" smtClean="0">
+                                    <a:latin typeface="Cambria Math" panose="02040503050406030204" pitchFamily="18" charset="0"/>
+                                  </a:rPr>
+                                </m:ctrlPr>
+                              </m:sSubPr>
+                              <m:e>
+                                <m:r>
+                                  <a:rPr lang="de-DE" b="0" i="1" smtClean="0">
+                                    <a:latin typeface="Cambria Math" panose="02040503050406030204" pitchFamily="18" charset="0"/>
+                                  </a:rPr>
+                                  <m:t>𝑓</m:t>
+                                </m:r>
+                              </m:e>
+                              <m:sub>
+                                <m:r>
+                                  <a:rPr lang="de-DE" b="0" i="1" smtClean="0">
+                                    <a:latin typeface="Cambria Math" panose="02040503050406030204" pitchFamily="18" charset="0"/>
+                                  </a:rPr>
+                                  <m:t>0</m:t>
+                                </m:r>
+                              </m:sub>
+                            </m:sSub>
+                          </m:num>
+                          <m:den>
+                            <m:rad>
+                              <m:radPr>
+                                <m:degHide m:val="on"/>
+                                <m:ctrlPr>
+                                  <a:rPr lang="de-DE" b="0" i="1" smtClean="0">
+                                    <a:latin typeface="Cambria Math" panose="02040503050406030204" pitchFamily="18" charset="0"/>
+                                  </a:rPr>
+                                </m:ctrlPr>
+                              </m:radPr>
+                              <m:deg/>
+                              <m:e>
+                                <m:r>
+                                  <a:rPr lang="de-DE" b="0" i="1" smtClean="0">
+                                    <a:latin typeface="Cambria Math" panose="02040503050406030204" pitchFamily="18" charset="0"/>
+                                  </a:rPr>
+                                  <m:t>2</m:t>
+                                </m:r>
+                              </m:e>
+                            </m:rad>
+                          </m:den>
+                        </m:f>
+                        <m:r>
+                          <a:rPr lang="de-DE" b="0" i="1" smtClean="0">
+                            <a:latin typeface="Cambria Math" panose="02040503050406030204" pitchFamily="18" charset="0"/>
+                          </a:rPr>
+                          <m:t>)</m:t>
+                        </m:r>
+                      </m:den>
+                    </m:f>
+                  </m:oMath>
+                </a14:m>
+                <a:endParaRPr lang="de-DE" dirty="0"/>
+              </a:p>
+              <a:p>
+                <a:r>
+                  <a:rPr lang="de-DE" dirty="0"/>
+                  <a:t>Werte abgelesen und ausgerechnet</a:t>
+                </a:r>
+              </a:p>
+              <a:p>
+                <a:r>
+                  <a:rPr lang="de-DE" dirty="0"/>
+                  <a:t>Unsicherheiten:</a:t>
+                </a:r>
+              </a:p>
+              <a:p>
+                <a:pPr lvl="1"/>
+                <a:r>
+                  <a:rPr lang="de-DE" dirty="0"/>
+                  <a:t>Ablesefehler</a:t>
+                </a:r>
+              </a:p>
+              <a:p>
+                <a:pPr lvl="1"/>
+                <a:r>
+                  <a:rPr lang="de-DE" dirty="0"/>
+                  <a:t>Strommessung (stat., syst.)</a:t>
+                </a:r>
+              </a:p>
+              <a:p>
+                <a:endParaRPr lang="de-DE" dirty="0"/>
+              </a:p>
+            </p:txBody>
+          </p:sp>
+        </mc:Choice>
+        <mc:Fallback>
+          <p:sp>
+            <p:nvSpPr>
+              <p:cNvPr id="3" name="Inhaltsplatzhalter 2">
+                <a:extLst>
+                  <a:ext uri="{FF2B5EF4-FFF2-40B4-BE49-F238E27FC236}">
+                    <a16:creationId xmlns:a16="http://schemas.microsoft.com/office/drawing/2014/main" id="{F5764B71-6E1B-4663-ADA1-0F71CAC3FC4E}"/>
+                  </a:ext>
+                </a:extLst>
+              </p:cNvPr>
+              <p:cNvSpPr>
+                <a:spLocks noGrp="1" noRot="1" noChangeAspect="1" noMove="1" noResize="1" noEditPoints="1" noAdjustHandles="1" noChangeArrowheads="1" noChangeShapeType="1" noTextEdit="1"/>
+              </p:cNvSpPr>
+              <p:nvPr>
+                <p:ph idx="1"/>
+              </p:nvPr>
+            </p:nvSpPr>
+            <p:spPr>
+              <a:xfrm>
+                <a:off x="838200" y="1690688"/>
+                <a:ext cx="5666772" cy="2735296"/>
+              </a:xfrm>
+              <a:blipFill>
+                <a:blip r:embed="rId2"/>
+                <a:stretch>
+                  <a:fillRect l="-1938" b="-2450"/>
+                </a:stretch>
+              </a:blipFill>
+            </p:spPr>
+            <p:txBody>
+              <a:bodyPr/>
+              <a:lstStyle/>
+              <a:p>
+                <a:r>
+                  <a:rPr lang="de-DE">
+                    <a:noFill/>
+                  </a:rPr>
+                  <a:t> </a:t>
+                </a:r>
+              </a:p>
+            </p:txBody>
+          </p:sp>
+        </mc:Fallback>
+      </mc:AlternateContent>
       <p:sp>
         <p:nvSpPr>
           <p:cNvPr id="4" name="Foliennummernplatzhalter 3">
@@ -7987,7 +8403,7 @@
           <p:nvPr/>
         </p:nvPicPr>
         <p:blipFill>
-          <a:blip r:embed="rId2">
+          <a:blip r:embed="rId3">
             <a:extLst>
               <a:ext uri="{28A0092B-C50C-407E-A947-70E740481C1C}">
                 <a14:useLocalDpi xmlns:a14="http://schemas.microsoft.com/office/drawing/2010/main" val="0"/>
@@ -8000,8 +8416,8 @@
         </p:blipFill>
         <p:spPr>
           <a:xfrm>
-            <a:off x="5224228" y="3209491"/>
-            <a:ext cx="4457802" cy="3329421"/>
+            <a:off x="6504972" y="1899769"/>
+            <a:ext cx="5687028" cy="4247499"/>
           </a:xfrm>
           <a:prstGeom prst="rect">
             <a:avLst/>
@@ -8023,7 +8439,7 @@
           <p:nvPr/>
         </p:nvPicPr>
         <p:blipFill>
-          <a:blip r:embed="rId3">
+          <a:blip r:embed="rId4">
             <a:extLst>
               <a:ext uri="{28A0092B-C50C-407E-A947-70E740481C1C}">
                 <a14:useLocalDpi xmlns:a14="http://schemas.microsoft.com/office/drawing/2010/main" val="0"/>
@@ -8036,44 +8452,8 @@
         </p:blipFill>
         <p:spPr>
           <a:xfrm>
-            <a:off x="7778204" y="1332731"/>
-            <a:ext cx="4003315" cy="1930366"/>
-          </a:xfrm>
-          <a:prstGeom prst="rect">
-            <a:avLst/>
-          </a:prstGeom>
-        </p:spPr>
-      </p:pic>
-      <p:pic>
-        <p:nvPicPr>
-          <p:cNvPr id="14" name="Grafik 13">
-            <a:extLst>
-              <a:ext uri="{FF2B5EF4-FFF2-40B4-BE49-F238E27FC236}">
-                <a16:creationId xmlns:a16="http://schemas.microsoft.com/office/drawing/2014/main" id="{0F58C06E-4221-4CD6-9612-ADCF15A59E7D}"/>
-              </a:ext>
-            </a:extLst>
-          </p:cNvPr>
-          <p:cNvPicPr>
-            <a:picLocks noChangeAspect="1"/>
-          </p:cNvPicPr>
-          <p:nvPr/>
-        </p:nvPicPr>
-        <p:blipFill>
-          <a:blip r:embed="rId4">
-            <a:extLst>
-              <a:ext uri="{28A0092B-C50C-407E-A947-70E740481C1C}">
-                <a14:useLocalDpi xmlns:a14="http://schemas.microsoft.com/office/drawing/2010/main" val="0"/>
-              </a:ext>
-            </a:extLst>
-          </a:blip>
-          <a:stretch>
-            <a:fillRect/>
-          </a:stretch>
-        </p:blipFill>
-        <p:spPr>
-          <a:xfrm>
-            <a:off x="838200" y="3263097"/>
-            <a:ext cx="4386028" cy="3275815"/>
+            <a:off x="977086" y="4332302"/>
+            <a:ext cx="5388999" cy="2525698"/>
           </a:xfrm>
           <a:prstGeom prst="rect">
             <a:avLst/>
@@ -8174,10 +8554,10 @@
       </p:sp>
       <p:pic>
         <p:nvPicPr>
-          <p:cNvPr id="8" name="Grafik 7">
-            <a:extLst>
-              <a:ext uri="{FF2B5EF4-FFF2-40B4-BE49-F238E27FC236}">
-                <a16:creationId xmlns:a16="http://schemas.microsoft.com/office/drawing/2014/main" id="{51BBE6E3-D5E2-47A6-9B07-3C35FF291E05}"/>
+          <p:cNvPr id="10" name="Grafik 9">
+            <a:extLst>
+              <a:ext uri="{FF2B5EF4-FFF2-40B4-BE49-F238E27FC236}">
+                <a16:creationId xmlns:a16="http://schemas.microsoft.com/office/drawing/2014/main" id="{6A269266-040B-4A73-943F-7C21DB782140}"/>
               </a:ext>
             </a:extLst>
           </p:cNvPr>
@@ -8200,20 +8580,224 @@
         </p:blipFill>
         <p:spPr>
           <a:xfrm>
-            <a:off x="308542" y="4294500"/>
-            <a:ext cx="3653858" cy="2385932"/>
+            <a:off x="6542844" y="1761293"/>
+            <a:ext cx="5505958" cy="4112262"/>
           </a:xfrm>
           <a:prstGeom prst="rect">
             <a:avLst/>
           </a:prstGeom>
         </p:spPr>
       </p:pic>
+      <mc:AlternateContent xmlns:mc="http://schemas.openxmlformats.org/markup-compatibility/2006">
+        <mc:Choice xmlns:a14="http://schemas.microsoft.com/office/drawing/2010/main" Requires="a14">
+          <p:sp>
+            <p:nvSpPr>
+              <p:cNvPr id="3" name="Textfeld 2">
+                <a:extLst>
+                  <a:ext uri="{FF2B5EF4-FFF2-40B4-BE49-F238E27FC236}">
+                    <a16:creationId xmlns:a16="http://schemas.microsoft.com/office/drawing/2014/main" id="{4AFACC88-CAA2-415E-B441-EDACED6CE064}"/>
+                  </a:ext>
+                </a:extLst>
+              </p:cNvPr>
+              <p:cNvSpPr txBox="1"/>
+              <p:nvPr/>
+            </p:nvSpPr>
+            <p:spPr>
+              <a:xfrm>
+                <a:off x="838200" y="1884611"/>
+                <a:ext cx="2562753" cy="2158027"/>
+              </a:xfrm>
+              <a:prstGeom prst="rect">
+                <a:avLst/>
+              </a:prstGeom>
+              <a:noFill/>
+            </p:spPr>
+            <p:txBody>
+              <a:bodyPr wrap="none" rtlCol="0">
+                <a:spAutoFit/>
+              </a:bodyPr>
+              <a:lstStyle/>
+              <a:p>
+                <a:pPr marL="342900" indent="-342900">
+                  <a:buFont typeface="Arial" panose="020B0604020202020204" pitchFamily="34" charset="0"/>
+                  <a:buChar char="•"/>
+                </a:pPr>
+                <a14:m>
+                  <m:oMath xmlns:m="http://schemas.openxmlformats.org/officeDocument/2006/math">
+                    <m:r>
+                      <a:rPr lang="de-DE" sz="2400" i="1" smtClean="0">
+                        <a:latin typeface="Cambria Math" panose="02040503050406030204" pitchFamily="18" charset="0"/>
+                      </a:rPr>
+                      <m:t>𝑄</m:t>
+                    </m:r>
+                    <m:r>
+                      <a:rPr lang="de-DE" sz="2400" i="1" smtClean="0">
+                        <a:latin typeface="Cambria Math" panose="02040503050406030204" pitchFamily="18" charset="0"/>
+                      </a:rPr>
+                      <m:t>=</m:t>
+                    </m:r>
+                    <m:f>
+                      <m:fPr>
+                        <m:ctrlPr>
+                          <a:rPr lang="de-DE" sz="2400" i="1">
+                            <a:latin typeface="Cambria Math" panose="02040503050406030204" pitchFamily="18" charset="0"/>
+                          </a:rPr>
+                        </m:ctrlPr>
+                      </m:fPr>
+                      <m:num>
+                        <m:r>
+                          <a:rPr lang="de-DE" sz="2400" b="0" i="1" smtClean="0">
+                            <a:latin typeface="Cambria Math" panose="02040503050406030204" pitchFamily="18" charset="0"/>
+                          </a:rPr>
+                          <m:t>𝑓</m:t>
+                        </m:r>
+                        <m:r>
+                          <a:rPr lang="de-DE" sz="2400" b="0" i="1" smtClean="0">
+                            <a:latin typeface="Cambria Math" panose="02040503050406030204" pitchFamily="18" charset="0"/>
+                          </a:rPr>
+                          <m:t>(</m:t>
+                        </m:r>
+                        <m:r>
+                          <a:rPr lang="de-DE" sz="2400" b="0" i="1" smtClean="0">
+                            <a:latin typeface="Cambria Math" panose="02040503050406030204" pitchFamily="18" charset="0"/>
+                          </a:rPr>
+                          <m:t>𝜙</m:t>
+                        </m:r>
+                        <m:r>
+                          <a:rPr lang="de-DE" sz="2400" b="0" i="1" smtClean="0">
+                            <a:latin typeface="Cambria Math" panose="02040503050406030204" pitchFamily="18" charset="0"/>
+                          </a:rPr>
+                          <m:t>=0°)</m:t>
+                        </m:r>
+                      </m:num>
+                      <m:den>
+                        <m:r>
+                          <m:rPr>
+                            <m:sty m:val="p"/>
+                          </m:rPr>
+                          <a:rPr lang="de-DE" sz="2400" b="0" i="0" smtClean="0">
+                            <a:latin typeface="Cambria Math" panose="02040503050406030204" pitchFamily="18" charset="0"/>
+                          </a:rPr>
+                          <m:t>Δ</m:t>
+                        </m:r>
+                        <m:r>
+                          <a:rPr lang="de-DE" sz="2400" b="0" i="1" smtClean="0">
+                            <a:latin typeface="Cambria Math" panose="02040503050406030204" pitchFamily="18" charset="0"/>
+                          </a:rPr>
+                          <m:t>𝑓</m:t>
+                        </m:r>
+                        <m:r>
+                          <a:rPr lang="de-DE" sz="2400" b="0" i="1" smtClean="0">
+                            <a:latin typeface="Cambria Math" panose="02040503050406030204" pitchFamily="18" charset="0"/>
+                          </a:rPr>
+                          <m:t>(</m:t>
+                        </m:r>
+                        <m:r>
+                          <a:rPr lang="de-DE" sz="2400" b="0" i="1" smtClean="0">
+                            <a:latin typeface="Cambria Math" panose="02040503050406030204" pitchFamily="18" charset="0"/>
+                          </a:rPr>
+                          <m:t>𝜙</m:t>
+                        </m:r>
+                        <m:r>
+                          <a:rPr lang="de-DE" sz="2400" b="0" i="1" smtClean="0">
+                            <a:latin typeface="Cambria Math" panose="02040503050406030204" pitchFamily="18" charset="0"/>
+                          </a:rPr>
+                          <m:t>=±45°)</m:t>
+                        </m:r>
+                      </m:den>
+                    </m:f>
+                  </m:oMath>
+                </a14:m>
+                <a:endParaRPr lang="de-DE" sz="2400" dirty="0"/>
+              </a:p>
+              <a:p>
+                <a:pPr marL="342900" indent="-342900">
+                  <a:buFont typeface="Arial" panose="020B0604020202020204" pitchFamily="34" charset="0"/>
+                  <a:buChar char="•"/>
+                </a:pPr>
+                <a:endParaRPr lang="de-DE" sz="2400" dirty="0"/>
+              </a:p>
+              <a:p>
+                <a:pPr marL="342900" indent="-342900">
+                  <a:buFont typeface="Arial" panose="020B0604020202020204" pitchFamily="34" charset="0"/>
+                  <a:buChar char="•"/>
+                </a:pPr>
+                <a:r>
+                  <a:rPr lang="de-DE" sz="2400" dirty="0"/>
+                  <a:t>Unsicherheit:</a:t>
+                </a:r>
+              </a:p>
+              <a:p>
+                <a:pPr marL="800100" lvl="1" indent="-342900">
+                  <a:buFont typeface="Arial" panose="020B0604020202020204" pitchFamily="34" charset="0"/>
+                  <a:buChar char="•"/>
+                </a:pPr>
+                <a:r>
+                  <a:rPr lang="de-DE" sz="2400" dirty="0"/>
+                  <a:t>Ablesefehler</a:t>
+                </a:r>
+              </a:p>
+              <a:p>
+                <a:pPr marL="342900" indent="-342900">
+                  <a:buFont typeface="Arial" panose="020B0604020202020204" pitchFamily="34" charset="0"/>
+                  <a:buChar char="•"/>
+                </a:pPr>
+                <a:endParaRPr lang="de-DE" sz="2400" dirty="0"/>
+              </a:p>
+            </p:txBody>
+          </p:sp>
+        </mc:Choice>
+        <mc:Fallback>
+          <p:sp>
+            <p:nvSpPr>
+              <p:cNvPr id="3" name="Textfeld 2">
+                <a:extLst>
+                  <a:ext uri="{FF2B5EF4-FFF2-40B4-BE49-F238E27FC236}">
+                    <a16:creationId xmlns:a16="http://schemas.microsoft.com/office/drawing/2014/main" id="{4AFACC88-CAA2-415E-B441-EDACED6CE064}"/>
+                  </a:ext>
+                </a:extLst>
+              </p:cNvPr>
+              <p:cNvSpPr txBox="1">
+                <a:spLocks noRot="1" noChangeAspect="1" noMove="1" noResize="1" noEditPoints="1" noAdjustHandles="1" noChangeArrowheads="1" noChangeShapeType="1" noTextEdit="1"/>
+              </p:cNvSpPr>
+              <p:nvPr/>
+            </p:nvSpPr>
+            <p:spPr>
+              <a:xfrm>
+                <a:off x="838200" y="1884611"/>
+                <a:ext cx="2562753" cy="2158027"/>
+              </a:xfrm>
+              <a:prstGeom prst="rect">
+                <a:avLst/>
+              </a:prstGeom>
+              <a:blipFill>
+                <a:blip r:embed="rId3"/>
+                <a:stretch>
+                  <a:fillRect l="-3333" r="-2381"/>
+                </a:stretch>
+              </a:blipFill>
+            </p:spPr>
+            <p:txBody>
+              <a:bodyPr/>
+              <a:lstStyle/>
+              <a:p>
+                <a:r>
+                  <a:rPr lang="de-DE">
+                    <a:noFill/>
+                  </a:rPr>
+                  <a:t> </a:t>
+                </a:r>
+              </a:p>
+            </p:txBody>
+          </p:sp>
+        </mc:Fallback>
+      </mc:AlternateContent>
       <p:pic>
         <p:nvPicPr>
-          <p:cNvPr id="10" name="Grafik 9">
-            <a:extLst>
-              <a:ext uri="{FF2B5EF4-FFF2-40B4-BE49-F238E27FC236}">
-                <a16:creationId xmlns:a16="http://schemas.microsoft.com/office/drawing/2014/main" id="{6A269266-040B-4A73-943F-7C21DB782140}"/>
+          <p:cNvPr id="8" name="Grafik 7">
+            <a:extLst>
+              <a:ext uri="{FF2B5EF4-FFF2-40B4-BE49-F238E27FC236}">
+                <a16:creationId xmlns:a16="http://schemas.microsoft.com/office/drawing/2014/main" id="{51BBE6E3-D5E2-47A6-9B07-3C35FF291E05}"/>
               </a:ext>
             </a:extLst>
           </p:cNvPr>
@@ -8223,7 +8807,7 @@
           <p:nvPr/>
         </p:nvPicPr>
         <p:blipFill>
-          <a:blip r:embed="rId3">
+          <a:blip r:embed="rId4">
             <a:extLst>
               <a:ext uri="{28A0092B-C50C-407E-A947-70E740481C1C}">
                 <a14:useLocalDpi xmlns:a14="http://schemas.microsoft.com/office/drawing/2010/main" val="0"/>
@@ -8236,85 +8820,14 @@
         </p:blipFill>
         <p:spPr>
           <a:xfrm>
-            <a:off x="3466095" y="1130977"/>
-            <a:ext cx="4506065" cy="3365467"/>
+            <a:off x="1470416" y="3861401"/>
+            <a:ext cx="4379967" cy="2860074"/>
           </a:xfrm>
           <a:prstGeom prst="rect">
             <a:avLst/>
           </a:prstGeom>
         </p:spPr>
       </p:pic>
-      <p:pic>
-        <p:nvPicPr>
-          <p:cNvPr id="12" name="Grafik 11">
-            <a:extLst>
-              <a:ext uri="{FF2B5EF4-FFF2-40B4-BE49-F238E27FC236}">
-                <a16:creationId xmlns:a16="http://schemas.microsoft.com/office/drawing/2014/main" id="{E12A3396-2775-4586-A8B5-F9D70BC65BC8}"/>
-              </a:ext>
-            </a:extLst>
-          </p:cNvPr>
-          <p:cNvPicPr>
-            <a:picLocks noChangeAspect="1"/>
-          </p:cNvPicPr>
-          <p:nvPr/>
-        </p:nvPicPr>
-        <p:blipFill>
-          <a:blip r:embed="rId4">
-            <a:extLst>
-              <a:ext uri="{28A0092B-C50C-407E-A947-70E740481C1C}">
-                <a14:useLocalDpi xmlns:a14="http://schemas.microsoft.com/office/drawing/2010/main" val="0"/>
-              </a:ext>
-            </a:extLst>
-          </a:blip>
-          <a:stretch>
-            <a:fillRect/>
-          </a:stretch>
-        </p:blipFill>
-        <p:spPr>
-          <a:xfrm>
-            <a:off x="7731179" y="1147873"/>
-            <a:ext cx="4460821" cy="3331676"/>
-          </a:xfrm>
-          <a:prstGeom prst="rect">
-            <a:avLst/>
-          </a:prstGeom>
-        </p:spPr>
-      </p:pic>
-      <p:sp>
-        <p:nvSpPr>
-          <p:cNvPr id="3" name="Textfeld 2">
-            <a:extLst>
-              <a:ext uri="{FF2B5EF4-FFF2-40B4-BE49-F238E27FC236}">
-                <a16:creationId xmlns:a16="http://schemas.microsoft.com/office/drawing/2014/main" id="{4AFACC88-CAA2-415E-B441-EDACED6CE064}"/>
-              </a:ext>
-            </a:extLst>
-          </p:cNvPr>
-          <p:cNvSpPr txBox="1"/>
-          <p:nvPr/>
-        </p:nvSpPr>
-        <p:spPr>
-          <a:xfrm>
-            <a:off x="5194853" y="5048358"/>
-            <a:ext cx="3914085" cy="461665"/>
-          </a:xfrm>
-          <a:prstGeom prst="rect">
-            <a:avLst/>
-          </a:prstGeom>
-          <a:noFill/>
-        </p:spPr>
-        <p:txBody>
-          <a:bodyPr wrap="none" rtlCol="0">
-            <a:spAutoFit/>
-          </a:bodyPr>
-          <a:lstStyle/>
-          <a:p>
-            <a:r>
-              <a:rPr lang="de-DE" sz="2400" dirty="0"/>
-              <a:t>Unsicherheit aus Ablesefehler</a:t>
-            </a:r>
-          </a:p>
-        </p:txBody>
-      </p:sp>
     </p:spTree>
     <p:extLst>
       <p:ext uri="{BB962C8B-B14F-4D97-AF65-F5344CB8AC3E}">
@@ -8409,10 +8922,10 @@
       </p:sp>
       <p:pic>
         <p:nvPicPr>
-          <p:cNvPr id="6" name="Grafik 5">
-            <a:extLst>
-              <a:ext uri="{FF2B5EF4-FFF2-40B4-BE49-F238E27FC236}">
-                <a16:creationId xmlns:a16="http://schemas.microsoft.com/office/drawing/2014/main" id="{662DEB28-BDE5-4503-BD64-A284F08FD9C7}"/>
+          <p:cNvPr id="8" name="Grafik 7">
+            <a:extLst>
+              <a:ext uri="{FF2B5EF4-FFF2-40B4-BE49-F238E27FC236}">
+                <a16:creationId xmlns:a16="http://schemas.microsoft.com/office/drawing/2014/main" id="{1A0289E2-D9F6-48F5-A91A-27ACB0CE99E2}"/>
               </a:ext>
             </a:extLst>
           </p:cNvPr>
@@ -8435,20 +8948,293 @@
         </p:blipFill>
         <p:spPr>
           <a:xfrm>
-            <a:off x="368240" y="4574541"/>
-            <a:ext cx="4809132" cy="2146934"/>
+            <a:off x="6196614" y="1632918"/>
+            <a:ext cx="5619057" cy="4196734"/>
           </a:xfrm>
           <a:prstGeom prst="rect">
             <a:avLst/>
           </a:prstGeom>
         </p:spPr>
       </p:pic>
+      <mc:AlternateContent xmlns:mc="http://schemas.openxmlformats.org/markup-compatibility/2006">
+        <mc:Choice xmlns:a14="http://schemas.microsoft.com/office/drawing/2010/main" Requires="a14">
+          <p:sp>
+            <p:nvSpPr>
+              <p:cNvPr id="3" name="Textfeld 2">
+                <a:extLst>
+                  <a:ext uri="{FF2B5EF4-FFF2-40B4-BE49-F238E27FC236}">
+                    <a16:creationId xmlns:a16="http://schemas.microsoft.com/office/drawing/2014/main" id="{B342FF02-C4DF-4757-A0C5-0EF173D8881C}"/>
+                  </a:ext>
+                </a:extLst>
+              </p:cNvPr>
+              <p:cNvSpPr txBox="1"/>
+              <p:nvPr/>
+            </p:nvSpPr>
+            <p:spPr>
+              <a:xfrm>
+                <a:off x="709570" y="1550289"/>
+                <a:ext cx="4801699" cy="1788695"/>
+              </a:xfrm>
+              <a:prstGeom prst="rect">
+                <a:avLst/>
+              </a:prstGeom>
+              <a:noFill/>
+            </p:spPr>
+            <p:txBody>
+              <a:bodyPr wrap="none" rtlCol="0">
+                <a:spAutoFit/>
+              </a:bodyPr>
+              <a:lstStyle/>
+              <a:p>
+                <a:pPr marL="342900" indent="-342900">
+                  <a:buFont typeface="Arial" panose="020B0604020202020204" pitchFamily="34" charset="0"/>
+                  <a:buChar char="•"/>
+                </a:pPr>
+                <a14:m>
+                  <m:oMath xmlns:m="http://schemas.openxmlformats.org/officeDocument/2006/math">
+                    <m:r>
+                      <a:rPr lang="de-DE" sz="2400" i="1" smtClean="0">
+                        <a:latin typeface="Cambria Math" panose="02040503050406030204" pitchFamily="18" charset="0"/>
+                      </a:rPr>
+                      <m:t>𝑄</m:t>
+                    </m:r>
+                    <m:r>
+                      <a:rPr lang="de-DE" sz="2400" i="1" smtClean="0">
+                        <a:latin typeface="Cambria Math" panose="02040503050406030204" pitchFamily="18" charset="0"/>
+                      </a:rPr>
+                      <m:t>=</m:t>
+                    </m:r>
+                    <m:f>
+                      <m:fPr>
+                        <m:ctrlPr>
+                          <a:rPr lang="de-DE" sz="2400" i="1">
+                            <a:latin typeface="Cambria Math" panose="02040503050406030204" pitchFamily="18" charset="0"/>
+                          </a:rPr>
+                        </m:ctrlPr>
+                      </m:fPr>
+                      <m:num>
+                        <m:sSub>
+                          <m:sSubPr>
+                            <m:ctrlPr>
+                              <a:rPr lang="de-DE" sz="2400" i="1">
+                                <a:latin typeface="Cambria Math" panose="02040503050406030204" pitchFamily="18" charset="0"/>
+                              </a:rPr>
+                            </m:ctrlPr>
+                          </m:sSubPr>
+                          <m:e>
+                            <m:r>
+                              <a:rPr lang="de-DE" sz="2400" b="0" i="1" smtClean="0">
+                                <a:latin typeface="Cambria Math" panose="02040503050406030204" pitchFamily="18" charset="0"/>
+                              </a:rPr>
+                              <m:t>𝑈</m:t>
+                            </m:r>
+                          </m:e>
+                          <m:sub>
+                            <m:r>
+                              <a:rPr lang="de-DE" sz="2400" i="1">
+                                <a:latin typeface="Cambria Math" panose="02040503050406030204" pitchFamily="18" charset="0"/>
+                              </a:rPr>
+                              <m:t>𝐿</m:t>
+                            </m:r>
+                          </m:sub>
+                        </m:sSub>
+                        <m:r>
+                          <a:rPr lang="de-DE" sz="2400" i="1">
+                            <a:latin typeface="Cambria Math" panose="02040503050406030204" pitchFamily="18" charset="0"/>
+                          </a:rPr>
+                          <m:t>(</m:t>
+                        </m:r>
+                        <m:sSub>
+                          <m:sSubPr>
+                            <m:ctrlPr>
+                              <a:rPr lang="de-DE" sz="2400" i="1">
+                                <a:latin typeface="Cambria Math" panose="02040503050406030204" pitchFamily="18" charset="0"/>
+                              </a:rPr>
+                            </m:ctrlPr>
+                          </m:sSubPr>
+                          <m:e>
+                            <m:r>
+                              <a:rPr lang="de-DE" sz="2400" i="1">
+                                <a:latin typeface="Cambria Math" panose="02040503050406030204" pitchFamily="18" charset="0"/>
+                              </a:rPr>
+                              <m:t>𝑓</m:t>
+                            </m:r>
+                          </m:e>
+                          <m:sub>
+                            <m:r>
+                              <a:rPr lang="de-DE" sz="2400" i="1">
+                                <a:latin typeface="Cambria Math" panose="02040503050406030204" pitchFamily="18" charset="0"/>
+                              </a:rPr>
+                              <m:t>0</m:t>
+                            </m:r>
+                          </m:sub>
+                        </m:sSub>
+                        <m:r>
+                          <a:rPr lang="de-DE" sz="2400" i="1">
+                            <a:latin typeface="Cambria Math" panose="02040503050406030204" pitchFamily="18" charset="0"/>
+                          </a:rPr>
+                          <m:t>)</m:t>
+                        </m:r>
+                      </m:num>
+                      <m:den>
+                        <m:sSub>
+                          <m:sSubPr>
+                            <m:ctrlPr>
+                              <a:rPr lang="de-DE" sz="2400" i="1">
+                                <a:latin typeface="Cambria Math" panose="02040503050406030204" pitchFamily="18" charset="0"/>
+                              </a:rPr>
+                            </m:ctrlPr>
+                          </m:sSubPr>
+                          <m:e>
+                            <m:r>
+                              <m:rPr>
+                                <m:sty m:val="p"/>
+                              </m:rPr>
+                              <a:rPr lang="de-DE" sz="2400" b="0" i="0" smtClean="0">
+                                <a:latin typeface="Cambria Math" panose="02040503050406030204" pitchFamily="18" charset="0"/>
+                              </a:rPr>
+                              <m:t>U</m:t>
+                            </m:r>
+                          </m:e>
+                          <m:sub>
+                            <m:r>
+                              <a:rPr lang="de-DE" sz="2400">
+                                <a:latin typeface="Cambria Math" panose="02040503050406030204" pitchFamily="18" charset="0"/>
+                              </a:rPr>
+                              <m:t>0</m:t>
+                            </m:r>
+                          </m:sub>
+                        </m:sSub>
+                        <m:r>
+                          <a:rPr lang="de-DE" sz="2400">
+                            <a:latin typeface="Cambria Math" panose="02040503050406030204" pitchFamily="18" charset="0"/>
+                          </a:rPr>
+                          <m:t>(</m:t>
+                        </m:r>
+                        <m:sSub>
+                          <m:sSubPr>
+                            <m:ctrlPr>
+                              <a:rPr lang="de-DE" sz="2400" i="1">
+                                <a:latin typeface="Cambria Math" panose="02040503050406030204" pitchFamily="18" charset="0"/>
+                              </a:rPr>
+                            </m:ctrlPr>
+                          </m:sSubPr>
+                          <m:e>
+                            <m:r>
+                              <m:rPr>
+                                <m:sty m:val="p"/>
+                              </m:rPr>
+                              <a:rPr lang="de-DE" sz="2400">
+                                <a:latin typeface="Cambria Math" panose="02040503050406030204" pitchFamily="18" charset="0"/>
+                              </a:rPr>
+                              <m:t>f</m:t>
+                            </m:r>
+                          </m:e>
+                          <m:sub>
+                            <m:r>
+                              <a:rPr lang="de-DE" sz="2400">
+                                <a:latin typeface="Cambria Math" panose="02040503050406030204" pitchFamily="18" charset="0"/>
+                              </a:rPr>
+                              <m:t>0</m:t>
+                            </m:r>
+                          </m:sub>
+                        </m:sSub>
+                        <m:r>
+                          <a:rPr lang="de-DE" sz="2400">
+                            <a:latin typeface="Cambria Math" panose="02040503050406030204" pitchFamily="18" charset="0"/>
+                          </a:rPr>
+                          <m:t>)</m:t>
+                        </m:r>
+                      </m:den>
+                    </m:f>
+                  </m:oMath>
+                </a14:m>
+                <a:endParaRPr lang="de-DE" sz="2400" dirty="0"/>
+              </a:p>
+              <a:p>
+                <a:pPr marL="342900" indent="-342900">
+                  <a:buFont typeface="Arial" panose="020B0604020202020204" pitchFamily="34" charset="0"/>
+                  <a:buChar char="•"/>
+                </a:pPr>
+                <a:r>
+                  <a:rPr lang="de-DE" sz="2400" dirty="0"/>
+                  <a:t>Unsicherheiten :</a:t>
+                </a:r>
+              </a:p>
+              <a:p>
+                <a:pPr marL="742950" lvl="1" indent="-285750">
+                  <a:buFontTx/>
+                  <a:buChar char="-"/>
+                </a:pPr>
+                <a:r>
+                  <a:rPr lang="de-DE" sz="2400" dirty="0"/>
+                  <a:t>Ablesefehler</a:t>
+                </a:r>
+              </a:p>
+              <a:p>
+                <a:pPr marL="742950" lvl="1" indent="-285750">
+                  <a:buFontTx/>
+                  <a:buChar char="-"/>
+                </a:pPr>
+                <a:r>
+                  <a:rPr lang="de-DE" sz="2400" dirty="0"/>
+                  <a:t>Spannungsmessing (stat., syst.)</a:t>
+                </a:r>
+              </a:p>
+            </p:txBody>
+          </p:sp>
+        </mc:Choice>
+        <mc:Fallback>
+          <p:sp>
+            <p:nvSpPr>
+              <p:cNvPr id="3" name="Textfeld 2">
+                <a:extLst>
+                  <a:ext uri="{FF2B5EF4-FFF2-40B4-BE49-F238E27FC236}">
+                    <a16:creationId xmlns:a16="http://schemas.microsoft.com/office/drawing/2014/main" id="{B342FF02-C4DF-4757-A0C5-0EF173D8881C}"/>
+                  </a:ext>
+                </a:extLst>
+              </p:cNvPr>
+              <p:cNvSpPr txBox="1">
+                <a:spLocks noRot="1" noChangeAspect="1" noMove="1" noResize="1" noEditPoints="1" noAdjustHandles="1" noChangeArrowheads="1" noChangeShapeType="1" noTextEdit="1"/>
+              </p:cNvSpPr>
+              <p:nvPr/>
+            </p:nvSpPr>
+            <p:spPr>
+              <a:xfrm>
+                <a:off x="709570" y="1550289"/>
+                <a:ext cx="4801699" cy="1788695"/>
+              </a:xfrm>
+              <a:prstGeom prst="rect">
+                <a:avLst/>
+              </a:prstGeom>
+              <a:blipFill>
+                <a:blip r:embed="rId3"/>
+                <a:stretch>
+                  <a:fillRect l="-1650" r="-1269" b="-6803"/>
+                </a:stretch>
+              </a:blipFill>
+            </p:spPr>
+            <p:txBody>
+              <a:bodyPr/>
+              <a:lstStyle/>
+              <a:p>
+                <a:r>
+                  <a:rPr lang="de-DE">
+                    <a:noFill/>
+                  </a:rPr>
+                  <a:t> </a:t>
+                </a:r>
+              </a:p>
+            </p:txBody>
+          </p:sp>
+        </mc:Fallback>
+      </mc:AlternateContent>
       <p:pic>
         <p:nvPicPr>
-          <p:cNvPr id="8" name="Grafik 7">
-            <a:extLst>
-              <a:ext uri="{FF2B5EF4-FFF2-40B4-BE49-F238E27FC236}">
-                <a16:creationId xmlns:a16="http://schemas.microsoft.com/office/drawing/2014/main" id="{1A0289E2-D9F6-48F5-A91A-27ACB0CE99E2}"/>
+          <p:cNvPr id="6" name="Grafik 5">
+            <a:extLst>
+              <a:ext uri="{FF2B5EF4-FFF2-40B4-BE49-F238E27FC236}">
+                <a16:creationId xmlns:a16="http://schemas.microsoft.com/office/drawing/2014/main" id="{662DEB28-BDE5-4503-BD64-A284F08FD9C7}"/>
               </a:ext>
             </a:extLst>
           </p:cNvPr>
@@ -8458,7 +9244,7 @@
           <p:nvPr/>
         </p:nvPicPr>
         <p:blipFill>
-          <a:blip r:embed="rId3">
+          <a:blip r:embed="rId4">
             <a:extLst>
               <a:ext uri="{28A0092B-C50C-407E-A947-70E740481C1C}">
                 <a14:useLocalDpi xmlns:a14="http://schemas.microsoft.com/office/drawing/2010/main" val="0"/>
@@ -8471,110 +9257,14 @@
         </p:blipFill>
         <p:spPr>
           <a:xfrm>
-            <a:off x="2663229" y="1153523"/>
-            <a:ext cx="4580442" cy="3421018"/>
+            <a:off x="297218" y="3651324"/>
+            <a:ext cx="6059258" cy="2705026"/>
           </a:xfrm>
           <a:prstGeom prst="rect">
             <a:avLst/>
           </a:prstGeom>
         </p:spPr>
       </p:pic>
-      <p:pic>
-        <p:nvPicPr>
-          <p:cNvPr id="10" name="Grafik 9">
-            <a:extLst>
-              <a:ext uri="{FF2B5EF4-FFF2-40B4-BE49-F238E27FC236}">
-                <a16:creationId xmlns:a16="http://schemas.microsoft.com/office/drawing/2014/main" id="{E7A9A42C-F6BC-4D95-B3BC-195585E001F1}"/>
-              </a:ext>
-            </a:extLst>
-          </p:cNvPr>
-          <p:cNvPicPr>
-            <a:picLocks noChangeAspect="1"/>
-          </p:cNvPicPr>
-          <p:nvPr/>
-        </p:nvPicPr>
-        <p:blipFill>
-          <a:blip r:embed="rId4">
-            <a:extLst>
-              <a:ext uri="{28A0092B-C50C-407E-A947-70E740481C1C}">
-                <a14:useLocalDpi xmlns:a14="http://schemas.microsoft.com/office/drawing/2010/main" val="0"/>
-              </a:ext>
-            </a:extLst>
-          </a:blip>
-          <a:stretch>
-            <a:fillRect/>
-          </a:stretch>
-        </p:blipFill>
-        <p:spPr>
-          <a:xfrm>
-            <a:off x="7047907" y="1153523"/>
-            <a:ext cx="4580442" cy="3421018"/>
-          </a:xfrm>
-          <a:prstGeom prst="rect">
-            <a:avLst/>
-          </a:prstGeom>
-        </p:spPr>
-      </p:pic>
-      <p:sp>
-        <p:nvSpPr>
-          <p:cNvPr id="3" name="Textfeld 2">
-            <a:extLst>
-              <a:ext uri="{FF2B5EF4-FFF2-40B4-BE49-F238E27FC236}">
-                <a16:creationId xmlns:a16="http://schemas.microsoft.com/office/drawing/2014/main" id="{B342FF02-C4DF-4757-A0C5-0EF173D8881C}"/>
-              </a:ext>
-            </a:extLst>
-          </p:cNvPr>
-          <p:cNvSpPr txBox="1"/>
-          <p:nvPr/>
-        </p:nvSpPr>
-        <p:spPr>
-          <a:xfrm>
-            <a:off x="5618921" y="5003702"/>
-            <a:ext cx="4340034" cy="1200329"/>
-          </a:xfrm>
-          <a:prstGeom prst="rect">
-            <a:avLst/>
-          </a:prstGeom>
-          <a:noFill/>
-        </p:spPr>
-        <p:txBody>
-          <a:bodyPr wrap="none" rtlCol="0">
-            <a:spAutoFit/>
-          </a:bodyPr>
-          <a:lstStyle/>
-          <a:p>
-            <a:r>
-              <a:rPr lang="de-DE" sz="2400" dirty="0"/>
-              <a:t>Unsicherheiten :</a:t>
-            </a:r>
-          </a:p>
-          <a:p>
-            <a:pPr marL="285750" indent="-285750">
-              <a:buFontTx/>
-              <a:buChar char="-"/>
-            </a:pPr>
-            <a:r>
-              <a:rPr lang="de-DE" sz="2400" dirty="0"/>
-              <a:t>Ablesefehler</a:t>
-            </a:r>
-          </a:p>
-          <a:p>
-            <a:pPr marL="285750" indent="-285750">
-              <a:buFontTx/>
-              <a:buChar char="-"/>
-            </a:pPr>
-            <a:r>
-              <a:rPr lang="de-DE" sz="2400" dirty="0"/>
-              <a:t>Spannungsmessing (stat</a:t>
-            </a:r>
-            <a:r>
-              <a:rPr lang="de-DE" sz="2400"/>
-              <a:t>., syst.)</a:t>
-            </a:r>
-            <a:endParaRPr lang="de-DE" sz="2400" dirty="0"/>
-          </a:p>
-        </p:txBody>
-      </p:sp>
     </p:spTree>
     <p:extLst>
       <p:ext uri="{BB962C8B-B14F-4D97-AF65-F5344CB8AC3E}">
@@ -8663,7 +9353,7 @@
         </p:blipFill>
         <p:spPr>
           <a:xfrm>
-            <a:off x="1223114" y="3131856"/>
+            <a:off x="838200" y="2993372"/>
             <a:ext cx="9745772" cy="2964871"/>
           </a:xfrm>
         </p:spPr>
@@ -8712,7 +9402,7 @@
         <p:spPr>
           <a:xfrm>
             <a:off x="838200" y="2133600"/>
-            <a:ext cx="9739910" cy="461665"/>
+            <a:ext cx="9168664" cy="461665"/>
           </a:xfrm>
           <a:prstGeom prst="rect">
             <a:avLst/>
@@ -8727,7 +9417,7 @@
           <a:p>
             <a:r>
               <a:rPr lang="de-DE" sz="2400" dirty="0"/>
-              <a:t>- Gute Übereinstimmung von Stromkurve, Phase und Spannungsüberhöhung</a:t>
+              <a:t>- Größtenteils Übereinstimmung der Messwerte im Rahmen ihrer Fehler</a:t>
             </a:r>
           </a:p>
         </p:txBody>
@@ -8853,12 +9543,6 @@
           <a:p>
             <a:r>
               <a:rPr lang="de-DE" dirty="0"/>
-              <a:t>Durchführung analog zu Serienschwingkreis</a:t>
-            </a:r>
-          </a:p>
-          <a:p>
-            <a:r>
-              <a:rPr lang="de-DE" dirty="0"/>
               <a:t>Auswertung über:</a:t>
             </a:r>
           </a:p>
@@ -8873,7 +9557,7 @@
             <a:pPr lvl="1"/>
             <a:r>
               <a:rPr lang="de-DE" dirty="0"/>
-              <a:t>Schnittpunkt Spule/Kondensator</a:t>
+              <a:t>Stromüberhöhung</a:t>
             </a:r>
           </a:p>
           <a:p>

--- a/grundpraktikum2/E-Lehre/E-Lehre.pptx
+++ b/grundpraktikum2/E-Lehre/E-Lehre.pptx
@@ -5,7 +5,7 @@
     <p:sldMasterId id="2147483648" r:id="rId1"/>
   </p:sldMasterIdLst>
   <p:notesMasterIdLst>
-    <p:notesMasterId r:id="rId23"/>
+    <p:notesMasterId r:id="rId22"/>
   </p:notesMasterIdLst>
   <p:sldIdLst>
     <p:sldId id="256" r:id="rId2"/>
@@ -22,13 +22,12 @@
     <p:sldId id="262" r:id="rId13"/>
     <p:sldId id="263" r:id="rId14"/>
     <p:sldId id="264" r:id="rId15"/>
-    <p:sldId id="265" r:id="rId16"/>
-    <p:sldId id="267" r:id="rId17"/>
-    <p:sldId id="275" r:id="rId18"/>
-    <p:sldId id="268" r:id="rId19"/>
-    <p:sldId id="269" r:id="rId20"/>
-    <p:sldId id="270" r:id="rId21"/>
-    <p:sldId id="277" r:id="rId22"/>
+    <p:sldId id="267" r:id="rId16"/>
+    <p:sldId id="275" r:id="rId17"/>
+    <p:sldId id="268" r:id="rId18"/>
+    <p:sldId id="269" r:id="rId19"/>
+    <p:sldId id="270" r:id="rId20"/>
+    <p:sldId id="277" r:id="rId21"/>
   </p:sldIdLst>
   <p:sldSz cx="12192000" cy="6858000"/>
   <p:notesSz cx="6858000" cy="9144000"/>
@@ -4807,13 +4806,6 @@
             <a:pPr lvl="1"/>
             <a:r>
               <a:rPr lang="de-DE" dirty="0"/>
-              <a:t>Abschätzung Fehler auf Stromstärken</a:t>
-            </a:r>
-          </a:p>
-          <a:p>
-            <a:pPr lvl="1"/>
-            <a:r>
-              <a:rPr lang="de-DE" dirty="0"/>
               <a:t>Verschiebung der Anpassungen</a:t>
             </a:r>
           </a:p>
@@ -5452,8 +5444,8 @@
             </p:nvSpPr>
             <p:spPr>
               <a:xfrm>
-                <a:off x="6019800" y="2711660"/>
-                <a:ext cx="5181600" cy="4351338"/>
+                <a:off x="6096000" y="2586883"/>
+                <a:ext cx="5818095" cy="4351338"/>
               </a:xfrm>
             </p:spPr>
             <p:txBody>
@@ -5540,6 +5532,12 @@
                   </m:oMath>
                 </a14:m>
                 <a:endParaRPr lang="de-DE" dirty="0"/>
+              </a:p>
+              <a:p>
+                <a:r>
+                  <a:rPr lang="de-DE" dirty="0"/>
+                  <a:t>Fehler durch visuelle Abschätzung</a:t>
+                </a:r>
               </a:p>
               <a:p>
                 <a:r>
@@ -5883,13 +5881,13 @@
             </p:nvSpPr>
             <p:spPr>
               <a:xfrm>
-                <a:off x="6019800" y="2711660"/>
-                <a:ext cx="5181600" cy="4351338"/>
+                <a:off x="6096000" y="2586883"/>
+                <a:ext cx="5818095" cy="4351338"/>
               </a:xfrm>
               <a:blipFill>
                 <a:blip r:embed="rId3"/>
                 <a:stretch>
-                  <a:fillRect l="-2118"/>
+                  <a:fillRect l="-1887"/>
                 </a:stretch>
               </a:blipFill>
             </p:spPr>
@@ -6008,7 +6006,7 @@
           <p:cNvPr id="2" name="Titel 1">
             <a:extLst>
               <a:ext uri="{FF2B5EF4-FFF2-40B4-BE49-F238E27FC236}">
-                <a16:creationId xmlns:a16="http://schemas.microsoft.com/office/drawing/2014/main" id="{029F63D8-99C8-4358-8D64-E41BC8B4D24E}"/>
+                <a16:creationId xmlns:a16="http://schemas.microsoft.com/office/drawing/2014/main" id="{A06AF04C-2EB0-4DA5-8D8C-6A3581B36BA6}"/>
               </a:ext>
             </a:extLst>
           </p:cNvPr>
@@ -6028,160 +6026,6 @@
               <a:rPr lang="de-DE" dirty="0"/>
               <a:t>Parallelschwingkreis - Phase</a:t>
             </a:r>
-          </a:p>
-        </p:txBody>
-      </p:sp>
-      <p:pic>
-        <p:nvPicPr>
-          <p:cNvPr id="7" name="Inhaltsplatzhalter 6">
-            <a:extLst>
-              <a:ext uri="{FF2B5EF4-FFF2-40B4-BE49-F238E27FC236}">
-                <a16:creationId xmlns:a16="http://schemas.microsoft.com/office/drawing/2014/main" id="{0A7A6098-2098-4916-A60B-2B6334C0B3DC}"/>
-              </a:ext>
-            </a:extLst>
-          </p:cNvPr>
-          <p:cNvPicPr>
-            <a:picLocks noGrp="1" noChangeAspect="1"/>
-          </p:cNvPicPr>
-          <p:nvPr>
-            <p:ph sz="half" idx="1"/>
-          </p:nvPr>
-        </p:nvPicPr>
-        <p:blipFill>
-          <a:blip r:embed="rId2">
-            <a:extLst>
-              <a:ext uri="{28A0092B-C50C-407E-A947-70E740481C1C}">
-                <a14:useLocalDpi xmlns:a14="http://schemas.microsoft.com/office/drawing/2010/main" val="0"/>
-              </a:ext>
-            </a:extLst>
-          </a:blip>
-          <a:stretch>
-            <a:fillRect/>
-          </a:stretch>
-        </p:blipFill>
-        <p:spPr>
-          <a:xfrm>
-            <a:off x="838200" y="2066290"/>
-            <a:ext cx="5181600" cy="3870007"/>
-          </a:xfrm>
-        </p:spPr>
-      </p:pic>
-      <p:pic>
-        <p:nvPicPr>
-          <p:cNvPr id="9" name="Inhaltsplatzhalter 8">
-            <a:extLst>
-              <a:ext uri="{FF2B5EF4-FFF2-40B4-BE49-F238E27FC236}">
-                <a16:creationId xmlns:a16="http://schemas.microsoft.com/office/drawing/2014/main" id="{D00A9720-8C3B-4AA8-85A3-5B9A2CF7D56B}"/>
-              </a:ext>
-            </a:extLst>
-          </p:cNvPr>
-          <p:cNvPicPr>
-            <a:picLocks noGrp="1" noChangeAspect="1"/>
-          </p:cNvPicPr>
-          <p:nvPr>
-            <p:ph sz="half" idx="2"/>
-          </p:nvPr>
-        </p:nvPicPr>
-        <p:blipFill>
-          <a:blip r:embed="rId3">
-            <a:extLst>
-              <a:ext uri="{28A0092B-C50C-407E-A947-70E740481C1C}">
-                <a14:useLocalDpi xmlns:a14="http://schemas.microsoft.com/office/drawing/2010/main" val="0"/>
-              </a:ext>
-            </a:extLst>
-          </a:blip>
-          <a:stretch>
-            <a:fillRect/>
-          </a:stretch>
-        </p:blipFill>
-        <p:spPr>
-          <a:xfrm>
-            <a:off x="6172200" y="2066290"/>
-            <a:ext cx="5181600" cy="3870007"/>
-          </a:xfrm>
-        </p:spPr>
-      </p:pic>
-      <p:sp>
-        <p:nvSpPr>
-          <p:cNvPr id="5" name="Foliennummernplatzhalter 4">
-            <a:extLst>
-              <a:ext uri="{FF2B5EF4-FFF2-40B4-BE49-F238E27FC236}">
-                <a16:creationId xmlns:a16="http://schemas.microsoft.com/office/drawing/2014/main" id="{7FCAD28F-11B2-4521-A1A6-92398B6B6DA9}"/>
-              </a:ext>
-            </a:extLst>
-          </p:cNvPr>
-          <p:cNvSpPr>
-            <a:spLocks noGrp="1"/>
-          </p:cNvSpPr>
-          <p:nvPr>
-            <p:ph type="sldNum" sz="quarter" idx="12"/>
-          </p:nvPr>
-        </p:nvSpPr>
-        <p:spPr/>
-        <p:txBody>
-          <a:bodyPr/>
-          <a:lstStyle/>
-          <a:p>
-            <a:fld id="{E276D0E3-8A91-4195-9D97-D4903B6F688B}" type="slidenum">
-              <a:rPr lang="de-DE" smtClean="0"/>
-              <a:t>15</a:t>
-            </a:fld>
-            <a:endParaRPr lang="de-DE"/>
-          </a:p>
-        </p:txBody>
-      </p:sp>
-    </p:spTree>
-    <p:extLst>
-      <p:ext uri="{BB962C8B-B14F-4D97-AF65-F5344CB8AC3E}">
-        <p14:creationId xmlns:p14="http://schemas.microsoft.com/office/powerpoint/2010/main" val="1038482127"/>
-      </p:ext>
-    </p:extLst>
-  </p:cSld>
-  <p:clrMapOvr>
-    <a:masterClrMapping/>
-  </p:clrMapOvr>
-</p:sld>
-</file>
-
-<file path=ppt/slides/slide16.xml><?xml version="1.0" encoding="utf-8"?>
-<p:sld xmlns:a="http://schemas.openxmlformats.org/drawingml/2006/main" xmlns:r="http://schemas.openxmlformats.org/officeDocument/2006/relationships" xmlns:p="http://schemas.openxmlformats.org/presentationml/2006/main">
-  <p:cSld>
-    <p:spTree>
-      <p:nvGrpSpPr>
-        <p:cNvPr id="1" name=""/>
-        <p:cNvGrpSpPr/>
-        <p:nvPr/>
-      </p:nvGrpSpPr>
-      <p:grpSpPr>
-        <a:xfrm>
-          <a:off x="0" y="0"/>
-          <a:ext cx="0" cy="0"/>
-          <a:chOff x="0" y="0"/>
-          <a:chExt cx="0" cy="0"/>
-        </a:xfrm>
-      </p:grpSpPr>
-      <p:sp>
-        <p:nvSpPr>
-          <p:cNvPr id="2" name="Titel 1">
-            <a:extLst>
-              <a:ext uri="{FF2B5EF4-FFF2-40B4-BE49-F238E27FC236}">
-                <a16:creationId xmlns:a16="http://schemas.microsoft.com/office/drawing/2014/main" id="{A06AF04C-2EB0-4DA5-8D8C-6A3581B36BA6}"/>
-              </a:ext>
-            </a:extLst>
-          </p:cNvPr>
-          <p:cNvSpPr>
-            <a:spLocks noGrp="1"/>
-          </p:cNvSpPr>
-          <p:nvPr>
-            <p:ph type="title"/>
-          </p:nvPr>
-        </p:nvSpPr>
-        <p:spPr/>
-        <p:txBody>
-          <a:bodyPr/>
-          <a:lstStyle/>
-          <a:p>
-            <a:endParaRPr lang="de-DE"/>
           </a:p>
         </p:txBody>
       </p:sp>
@@ -6205,13 +6049,25 @@
             </p:nvSpPr>
             <p:spPr>
               <a:xfrm>
-                <a:off x="838200" y="2541587"/>
-                <a:ext cx="10515600" cy="4351338"/>
+                <a:off x="562991" y="3282047"/>
+                <a:ext cx="6414857" cy="4351338"/>
               </a:xfrm>
             </p:spPr>
             <p:txBody>
               <a:bodyPr/>
               <a:lstStyle/>
+              <a:p>
+                <a:r>
+                  <a:rPr lang="de-DE" dirty="0"/>
+                  <a:t>Phasenverschiebung zwischen Strom und Spannung</a:t>
+                </a:r>
+              </a:p>
+              <a:p>
+                <a:r>
+                  <a:rPr lang="de-DE" dirty="0"/>
+                  <a:t>Ungenauigkeit durch Ablesefehler</a:t>
+                </a:r>
+              </a:p>
               <a:p>
                 <a:r>
                   <a:rPr lang="de-DE" dirty="0"/>
@@ -6366,13 +6222,13 @@
             </p:nvSpPr>
             <p:spPr>
               <a:xfrm>
-                <a:off x="838200" y="2541587"/>
-                <a:ext cx="10515600" cy="4351338"/>
+                <a:off x="562991" y="3282047"/>
+                <a:ext cx="6414857" cy="4351338"/>
               </a:xfrm>
               <a:blipFill>
                 <a:blip r:embed="rId2"/>
                 <a:stretch>
-                  <a:fillRect l="-1043" t="-2381"/>
+                  <a:fillRect l="-1709" t="-2241" r="-2279"/>
                 </a:stretch>
               </a:blipFill>
             </p:spPr>
@@ -6414,7 +6270,7 @@
           <a:p>
             <a:fld id="{E276D0E3-8A91-4195-9D97-D4903B6F688B}" type="slidenum">
               <a:rPr lang="de-DE" smtClean="0"/>
-              <a:t>16</a:t>
+              <a:t>15</a:t>
             </a:fld>
             <a:endParaRPr lang="de-DE"/>
           </a:p>
@@ -6448,8 +6304,44 @@
         </p:blipFill>
         <p:spPr>
           <a:xfrm>
-            <a:off x="2546537" y="1825625"/>
+            <a:off x="149566" y="2278108"/>
             <a:ext cx="6686550" cy="581025"/>
+          </a:xfrm>
+          <a:prstGeom prst="rect">
+            <a:avLst/>
+          </a:prstGeom>
+        </p:spPr>
+      </p:pic>
+      <p:pic>
+        <p:nvPicPr>
+          <p:cNvPr id="6" name="Inhaltsplatzhalter 6">
+            <a:extLst>
+              <a:ext uri="{FF2B5EF4-FFF2-40B4-BE49-F238E27FC236}">
+                <a16:creationId xmlns:a16="http://schemas.microsoft.com/office/drawing/2014/main" id="{5DC3127E-0319-40D4-87B5-06B47DAA264C}"/>
+              </a:ext>
+            </a:extLst>
+          </p:cNvPr>
+          <p:cNvPicPr>
+            <a:picLocks noChangeAspect="1"/>
+          </p:cNvPicPr>
+          <p:nvPr/>
+        </p:nvPicPr>
+        <p:blipFill>
+          <a:blip r:embed="rId4">
+            <a:extLst>
+              <a:ext uri="{28A0092B-C50C-407E-A947-70E740481C1C}">
+                <a14:useLocalDpi xmlns:a14="http://schemas.microsoft.com/office/drawing/2010/main" val="0"/>
+              </a:ext>
+            </a:extLst>
+          </a:blip>
+          <a:stretch>
+            <a:fillRect/>
+          </a:stretch>
+        </p:blipFill>
+        <p:spPr>
+          <a:xfrm>
+            <a:off x="6836116" y="1775295"/>
+            <a:ext cx="5499885" cy="4107726"/>
           </a:xfrm>
           <a:prstGeom prst="rect">
             <a:avLst/>
@@ -6469,7 +6361,7 @@
 </p:sld>
 </file>
 
-<file path=ppt/slides/slide17.xml><?xml version="1.0" encoding="utf-8"?>
+<file path=ppt/slides/slide16.xml><?xml version="1.0" encoding="utf-8"?>
 <p:sld xmlns:a="http://schemas.openxmlformats.org/drawingml/2006/main" xmlns:r="http://schemas.openxmlformats.org/officeDocument/2006/relationships" xmlns:p="http://schemas.openxmlformats.org/presentationml/2006/main">
   <p:cSld>
     <p:spTree>
@@ -6638,7 +6530,7 @@
           <a:p>
             <a:fld id="{E276D0E3-8A91-4195-9D97-D4903B6F688B}" type="slidenum">
               <a:rPr lang="de-DE" smtClean="0"/>
-              <a:t>17</a:t>
+              <a:t>16</a:t>
             </a:fld>
             <a:endParaRPr lang="de-DE"/>
           </a:p>
@@ -6729,6 +6621,128 @@
 </p:sld>
 </file>
 
+<file path=ppt/slides/slide17.xml><?xml version="1.0" encoding="utf-8"?>
+<p:sld xmlns:a="http://schemas.openxmlformats.org/drawingml/2006/main" xmlns:r="http://schemas.openxmlformats.org/officeDocument/2006/relationships" xmlns:p="http://schemas.openxmlformats.org/presentationml/2006/main">
+  <p:cSld>
+    <p:spTree>
+      <p:nvGrpSpPr>
+        <p:cNvPr id="1" name=""/>
+        <p:cNvGrpSpPr/>
+        <p:nvPr/>
+      </p:nvGrpSpPr>
+      <p:grpSpPr>
+        <a:xfrm>
+          <a:off x="0" y="0"/>
+          <a:ext cx="0" cy="0"/>
+          <a:chOff x="0" y="0"/>
+          <a:chExt cx="0" cy="0"/>
+        </a:xfrm>
+      </p:grpSpPr>
+      <p:sp>
+        <p:nvSpPr>
+          <p:cNvPr id="2" name="Titel 1">
+            <a:extLst>
+              <a:ext uri="{FF2B5EF4-FFF2-40B4-BE49-F238E27FC236}">
+                <a16:creationId xmlns:a16="http://schemas.microsoft.com/office/drawing/2014/main" id="{16ADDCF0-EC82-4303-877B-CED7CA94690B}"/>
+              </a:ext>
+            </a:extLst>
+          </p:cNvPr>
+          <p:cNvSpPr>
+            <a:spLocks noGrp="1"/>
+          </p:cNvSpPr>
+          <p:nvPr>
+            <p:ph type="title"/>
+          </p:nvPr>
+        </p:nvSpPr>
+        <p:spPr/>
+        <p:txBody>
+          <a:bodyPr/>
+          <a:lstStyle/>
+          <a:p>
+            <a:r>
+              <a:rPr lang="de-DE" dirty="0"/>
+              <a:t>Aufbau Hoch- und Tiefpass </a:t>
+            </a:r>
+          </a:p>
+        </p:txBody>
+      </p:sp>
+      <p:pic>
+        <p:nvPicPr>
+          <p:cNvPr id="8" name="Inhaltsplatzhalter 7">
+            <a:extLst>
+              <a:ext uri="{FF2B5EF4-FFF2-40B4-BE49-F238E27FC236}">
+                <a16:creationId xmlns:a16="http://schemas.microsoft.com/office/drawing/2014/main" id="{3FAD5FD7-4AA9-4606-BC6A-00990C49CDE3}"/>
+              </a:ext>
+            </a:extLst>
+          </p:cNvPr>
+          <p:cNvPicPr>
+            <a:picLocks noGrp="1" noChangeAspect="1"/>
+          </p:cNvPicPr>
+          <p:nvPr>
+            <p:ph sz="half" idx="2"/>
+          </p:nvPr>
+        </p:nvPicPr>
+        <p:blipFill>
+          <a:blip r:embed="rId2">
+            <a:extLst>
+              <a:ext uri="{28A0092B-C50C-407E-A947-70E740481C1C}">
+                <a14:useLocalDpi xmlns:a14="http://schemas.microsoft.com/office/drawing/2010/main" val="0"/>
+              </a:ext>
+            </a:extLst>
+          </a:blip>
+          <a:stretch>
+            <a:fillRect/>
+          </a:stretch>
+        </p:blipFill>
+        <p:spPr>
+          <a:xfrm>
+            <a:off x="2938971" y="1735992"/>
+            <a:ext cx="7043229" cy="4620358"/>
+          </a:xfrm>
+        </p:spPr>
+      </p:pic>
+      <p:sp>
+        <p:nvSpPr>
+          <p:cNvPr id="4" name="Foliennummernplatzhalter 3">
+            <a:extLst>
+              <a:ext uri="{FF2B5EF4-FFF2-40B4-BE49-F238E27FC236}">
+                <a16:creationId xmlns:a16="http://schemas.microsoft.com/office/drawing/2014/main" id="{717181F5-F392-47EE-A018-1C36EF3299EB}"/>
+              </a:ext>
+            </a:extLst>
+          </p:cNvPr>
+          <p:cNvSpPr>
+            <a:spLocks noGrp="1"/>
+          </p:cNvSpPr>
+          <p:nvPr>
+            <p:ph type="sldNum" sz="quarter" idx="12"/>
+          </p:nvPr>
+        </p:nvSpPr>
+        <p:spPr/>
+        <p:txBody>
+          <a:bodyPr/>
+          <a:lstStyle/>
+          <a:p>
+            <a:fld id="{E276D0E3-8A91-4195-9D97-D4903B6F688B}" type="slidenum">
+              <a:rPr lang="de-DE" smtClean="0"/>
+              <a:t>17</a:t>
+            </a:fld>
+            <a:endParaRPr lang="de-DE"/>
+          </a:p>
+        </p:txBody>
+      </p:sp>
+    </p:spTree>
+    <p:extLst>
+      <p:ext uri="{BB962C8B-B14F-4D97-AF65-F5344CB8AC3E}">
+        <p14:creationId xmlns:p14="http://schemas.microsoft.com/office/powerpoint/2010/main" val="1271634973"/>
+      </p:ext>
+    </p:extLst>
+  </p:cSld>
+  <p:clrMapOvr>
+    <a:masterClrMapping/>
+  </p:clrMapOvr>
+</p:sld>
+</file>
+
 <file path=ppt/slides/slide18.xml><?xml version="1.0" encoding="utf-8"?>
 <p:sld xmlns:a="http://schemas.openxmlformats.org/drawingml/2006/main" xmlns:r="http://schemas.openxmlformats.org/officeDocument/2006/relationships" xmlns:p="http://schemas.openxmlformats.org/presentationml/2006/main">
   <p:cSld>
@@ -6751,7 +6765,7 @@
           <p:cNvPr id="2" name="Titel 1">
             <a:extLst>
               <a:ext uri="{FF2B5EF4-FFF2-40B4-BE49-F238E27FC236}">
-                <a16:creationId xmlns:a16="http://schemas.microsoft.com/office/drawing/2014/main" id="{16ADDCF0-EC82-4303-877B-CED7CA94690B}"/>
+                <a16:creationId xmlns:a16="http://schemas.microsoft.com/office/drawing/2014/main" id="{F1EF0421-23BF-434D-A56A-DC2A480B97BF}"/>
               </a:ext>
             </a:extLst>
           </p:cNvPr>
@@ -6769,135 +6783,13 @@
           <a:p>
             <a:r>
               <a:rPr lang="de-DE" dirty="0"/>
-              <a:t>Aufbau Hoch- und Tiefpass </a:t>
-            </a:r>
-          </a:p>
-        </p:txBody>
-      </p:sp>
-      <p:pic>
-        <p:nvPicPr>
-          <p:cNvPr id="8" name="Inhaltsplatzhalter 7">
-            <a:extLst>
-              <a:ext uri="{FF2B5EF4-FFF2-40B4-BE49-F238E27FC236}">
-                <a16:creationId xmlns:a16="http://schemas.microsoft.com/office/drawing/2014/main" id="{3FAD5FD7-4AA9-4606-BC6A-00990C49CDE3}"/>
-              </a:ext>
-            </a:extLst>
-          </p:cNvPr>
-          <p:cNvPicPr>
-            <a:picLocks noGrp="1" noChangeAspect="1"/>
-          </p:cNvPicPr>
-          <p:nvPr>
-            <p:ph sz="half" idx="2"/>
-          </p:nvPr>
-        </p:nvPicPr>
-        <p:blipFill>
-          <a:blip r:embed="rId2">
-            <a:extLst>
-              <a:ext uri="{28A0092B-C50C-407E-A947-70E740481C1C}">
-                <a14:useLocalDpi xmlns:a14="http://schemas.microsoft.com/office/drawing/2010/main" val="0"/>
-              </a:ext>
-            </a:extLst>
-          </a:blip>
-          <a:stretch>
-            <a:fillRect/>
-          </a:stretch>
-        </p:blipFill>
-        <p:spPr>
-          <a:xfrm>
-            <a:off x="2938971" y="1735992"/>
-            <a:ext cx="7043229" cy="4620358"/>
-          </a:xfrm>
-        </p:spPr>
-      </p:pic>
-      <p:sp>
-        <p:nvSpPr>
-          <p:cNvPr id="4" name="Foliennummernplatzhalter 3">
-            <a:extLst>
-              <a:ext uri="{FF2B5EF4-FFF2-40B4-BE49-F238E27FC236}">
-                <a16:creationId xmlns:a16="http://schemas.microsoft.com/office/drawing/2014/main" id="{717181F5-F392-47EE-A018-1C36EF3299EB}"/>
-              </a:ext>
-            </a:extLst>
-          </p:cNvPr>
-          <p:cNvSpPr>
-            <a:spLocks noGrp="1"/>
-          </p:cNvSpPr>
-          <p:nvPr>
-            <p:ph type="sldNum" sz="quarter" idx="12"/>
-          </p:nvPr>
-        </p:nvSpPr>
-        <p:spPr/>
-        <p:txBody>
-          <a:bodyPr/>
-          <a:lstStyle/>
-          <a:p>
-            <a:fld id="{E276D0E3-8A91-4195-9D97-D4903B6F688B}" type="slidenum">
-              <a:rPr lang="de-DE" smtClean="0"/>
-              <a:t>18</a:t>
-            </a:fld>
-            <a:endParaRPr lang="de-DE"/>
-          </a:p>
-        </p:txBody>
-      </p:sp>
-    </p:spTree>
-    <p:extLst>
-      <p:ext uri="{BB962C8B-B14F-4D97-AF65-F5344CB8AC3E}">
-        <p14:creationId xmlns:p14="http://schemas.microsoft.com/office/powerpoint/2010/main" val="1271634973"/>
-      </p:ext>
-    </p:extLst>
-  </p:cSld>
-  <p:clrMapOvr>
-    <a:masterClrMapping/>
-  </p:clrMapOvr>
-</p:sld>
-</file>
-
-<file path=ppt/slides/slide19.xml><?xml version="1.0" encoding="utf-8"?>
-<p:sld xmlns:a="http://schemas.openxmlformats.org/drawingml/2006/main" xmlns:r="http://schemas.openxmlformats.org/officeDocument/2006/relationships" xmlns:p="http://schemas.openxmlformats.org/presentationml/2006/main">
-  <p:cSld>
-    <p:spTree>
-      <p:nvGrpSpPr>
-        <p:cNvPr id="1" name=""/>
-        <p:cNvGrpSpPr/>
-        <p:nvPr/>
-      </p:nvGrpSpPr>
-      <p:grpSpPr>
-        <a:xfrm>
-          <a:off x="0" y="0"/>
-          <a:ext cx="0" cy="0"/>
-          <a:chOff x="0" y="0"/>
-          <a:chExt cx="0" cy="0"/>
-        </a:xfrm>
-      </p:grpSpPr>
-      <p:sp>
-        <p:nvSpPr>
-          <p:cNvPr id="2" name="Titel 1">
-            <a:extLst>
-              <a:ext uri="{FF2B5EF4-FFF2-40B4-BE49-F238E27FC236}">
-                <a16:creationId xmlns:a16="http://schemas.microsoft.com/office/drawing/2014/main" id="{F1EF0421-23BF-434D-A56A-DC2A480B97BF}"/>
-              </a:ext>
-            </a:extLst>
-          </p:cNvPr>
-          <p:cNvSpPr>
-            <a:spLocks noGrp="1"/>
-          </p:cNvSpPr>
-          <p:nvPr>
-            <p:ph type="title"/>
-          </p:nvPr>
-        </p:nvSpPr>
-        <p:spPr/>
-        <p:txBody>
-          <a:bodyPr/>
-          <a:lstStyle/>
-          <a:p>
-            <a:r>
-              <a:rPr lang="de-DE" dirty="0"/>
               <a:t>Hoch- und Tiefpass</a:t>
             </a:r>
           </a:p>
         </p:txBody>
       </p:sp>
-      <mc:AlternateContent xmlns:mc="http://schemas.openxmlformats.org/markup-compatibility/2006">
-        <mc:Choice xmlns:a14="http://schemas.microsoft.com/office/drawing/2010/main" Requires="a14">
+      <mc:AlternateContent xmlns:mc="http://schemas.openxmlformats.org/markup-compatibility/2006" xmlns:a14="http://schemas.microsoft.com/office/drawing/2010/main">
+        <mc:Choice Requires="a14">
           <p:sp>
             <p:nvSpPr>
               <p:cNvPr id="5" name="Inhaltsplatzhalter 4">
@@ -6997,7 +6889,7 @@
             </p:txBody>
           </p:sp>
         </mc:Choice>
-        <mc:Fallback>
+        <mc:Fallback xmlns="">
           <p:sp>
             <p:nvSpPr>
               <p:cNvPr id="5" name="Inhaltsplatzhalter 4">
@@ -7095,7 +6987,7 @@
           <a:p>
             <a:fld id="{E276D0E3-8A91-4195-9D97-D4903B6F688B}" type="slidenum">
               <a:rPr lang="de-DE" smtClean="0"/>
-              <a:t>19</a:t>
+              <a:t>18</a:t>
             </a:fld>
             <a:endParaRPr lang="de-DE"/>
           </a:p>
@@ -7114,166 +7006,7 @@
 </p:sld>
 </file>
 
-<file path=ppt/slides/slide2.xml><?xml version="1.0" encoding="utf-8"?>
-<p:sld xmlns:a="http://schemas.openxmlformats.org/drawingml/2006/main" xmlns:r="http://schemas.openxmlformats.org/officeDocument/2006/relationships" xmlns:p="http://schemas.openxmlformats.org/presentationml/2006/main">
-  <p:cSld>
-    <p:spTree>
-      <p:nvGrpSpPr>
-        <p:cNvPr id="1" name=""/>
-        <p:cNvGrpSpPr/>
-        <p:nvPr/>
-      </p:nvGrpSpPr>
-      <p:grpSpPr>
-        <a:xfrm>
-          <a:off x="0" y="0"/>
-          <a:ext cx="0" cy="0"/>
-          <a:chOff x="0" y="0"/>
-          <a:chExt cx="0" cy="0"/>
-        </a:xfrm>
-      </p:grpSpPr>
-      <p:sp>
-        <p:nvSpPr>
-          <p:cNvPr id="2" name="Titel 1">
-            <a:extLst>
-              <a:ext uri="{FF2B5EF4-FFF2-40B4-BE49-F238E27FC236}">
-                <a16:creationId xmlns:a16="http://schemas.microsoft.com/office/drawing/2014/main" id="{BDEBBD1B-5604-4C3F-B34C-22D02BB3B57A}"/>
-              </a:ext>
-            </a:extLst>
-          </p:cNvPr>
-          <p:cNvSpPr>
-            <a:spLocks noGrp="1"/>
-          </p:cNvSpPr>
-          <p:nvPr>
-            <p:ph type="title"/>
-          </p:nvPr>
-        </p:nvSpPr>
-        <p:spPr/>
-        <p:txBody>
-          <a:bodyPr/>
-          <a:lstStyle/>
-          <a:p>
-            <a:r>
-              <a:rPr lang="de-DE" dirty="0"/>
-              <a:t>Inhalt</a:t>
-            </a:r>
-          </a:p>
-        </p:txBody>
-      </p:sp>
-      <p:sp>
-        <p:nvSpPr>
-          <p:cNvPr id="3" name="Inhaltsplatzhalter 2">
-            <a:extLst>
-              <a:ext uri="{FF2B5EF4-FFF2-40B4-BE49-F238E27FC236}">
-                <a16:creationId xmlns:a16="http://schemas.microsoft.com/office/drawing/2014/main" id="{A86B45DA-DF66-4B65-AE36-ACC26DE96D41}"/>
-              </a:ext>
-            </a:extLst>
-          </p:cNvPr>
-          <p:cNvSpPr>
-            <a:spLocks noGrp="1"/>
-          </p:cNvSpPr>
-          <p:nvPr>
-            <p:ph idx="1"/>
-          </p:nvPr>
-        </p:nvSpPr>
-        <p:spPr/>
-        <p:txBody>
-          <a:bodyPr/>
-          <a:lstStyle/>
-          <a:p>
-            <a:r>
-              <a:rPr lang="de-DE" dirty="0"/>
-              <a:t>Serienschwingkreis</a:t>
-            </a:r>
-          </a:p>
-          <a:p>
-            <a:pPr lvl="1"/>
-            <a:r>
-              <a:rPr lang="de-DE" dirty="0"/>
-              <a:t>Bestimmung der Resonanzfrequenz/ Güte</a:t>
-            </a:r>
-          </a:p>
-          <a:p>
-            <a:r>
-              <a:rPr lang="de-DE" dirty="0"/>
-              <a:t>Parallelschwingkreis</a:t>
-            </a:r>
-          </a:p>
-          <a:p>
-            <a:pPr lvl="1"/>
-            <a:r>
-              <a:rPr lang="de-DE" dirty="0"/>
-              <a:t>Resonanzfrequenz/Güte</a:t>
-            </a:r>
-          </a:p>
-          <a:p>
-            <a:pPr lvl="1"/>
-            <a:r>
-              <a:rPr lang="de-DE" dirty="0"/>
-              <a:t>Impedanz</a:t>
-            </a:r>
-          </a:p>
-          <a:p>
-            <a:r>
-              <a:rPr lang="de-DE" dirty="0"/>
-              <a:t>Hoch-/Tiefpass:</a:t>
-            </a:r>
-          </a:p>
-          <a:p>
-            <a:pPr lvl="1"/>
-            <a:r>
-              <a:rPr lang="de-DE" dirty="0"/>
-              <a:t>Bestimmung der Grenzfrequenz</a:t>
-            </a:r>
-          </a:p>
-          <a:p>
-            <a:pPr lvl="1"/>
-            <a:endParaRPr lang="de-DE" dirty="0"/>
-          </a:p>
-        </p:txBody>
-      </p:sp>
-      <p:sp>
-        <p:nvSpPr>
-          <p:cNvPr id="4" name="Foliennummernplatzhalter 3">
-            <a:extLst>
-              <a:ext uri="{FF2B5EF4-FFF2-40B4-BE49-F238E27FC236}">
-                <a16:creationId xmlns:a16="http://schemas.microsoft.com/office/drawing/2014/main" id="{BAC7053E-5303-4355-81D1-A82D72D22EE3}"/>
-              </a:ext>
-            </a:extLst>
-          </p:cNvPr>
-          <p:cNvSpPr>
-            <a:spLocks noGrp="1"/>
-          </p:cNvSpPr>
-          <p:nvPr>
-            <p:ph type="sldNum" sz="quarter" idx="12"/>
-          </p:nvPr>
-        </p:nvSpPr>
-        <p:spPr/>
-        <p:txBody>
-          <a:bodyPr/>
-          <a:lstStyle/>
-          <a:p>
-            <a:fld id="{E276D0E3-8A91-4195-9D97-D4903B6F688B}" type="slidenum">
-              <a:rPr lang="de-DE" smtClean="0"/>
-              <a:t>2</a:t>
-            </a:fld>
-            <a:endParaRPr lang="de-DE"/>
-          </a:p>
-        </p:txBody>
-      </p:sp>
-    </p:spTree>
-    <p:extLst>
-      <p:ext uri="{BB962C8B-B14F-4D97-AF65-F5344CB8AC3E}">
-        <p14:creationId xmlns:p14="http://schemas.microsoft.com/office/powerpoint/2010/main" val="1002867433"/>
-      </p:ext>
-    </p:extLst>
-  </p:cSld>
-  <p:clrMapOvr>
-    <a:masterClrMapping/>
-  </p:clrMapOvr>
-</p:sld>
-</file>
-
-<file path=ppt/slides/slide20.xml><?xml version="1.0" encoding="utf-8"?>
+<file path=ppt/slides/slide19.xml><?xml version="1.0" encoding="utf-8"?>
 <p:sld xmlns:a="http://schemas.openxmlformats.org/drawingml/2006/main" xmlns:r="http://schemas.openxmlformats.org/officeDocument/2006/relationships" xmlns:p="http://schemas.openxmlformats.org/presentationml/2006/main">
   <p:cSld>
     <p:spTree>
@@ -7536,7 +7269,7 @@
           <a:p>
             <a:fld id="{E276D0E3-8A91-4195-9D97-D4903B6F688B}" type="slidenum">
               <a:rPr lang="de-DE" smtClean="0"/>
-              <a:t>20</a:t>
+              <a:t>19</a:t>
             </a:fld>
             <a:endParaRPr lang="de-DE"/>
           </a:p>
@@ -7623,7 +7356,7 @@
 </p:sld>
 </file>
 
-<file path=ppt/slides/slide21.xml><?xml version="1.0" encoding="utf-8"?>
+<file path=ppt/slides/slide2.xml><?xml version="1.0" encoding="utf-8"?>
 <p:sld xmlns:a="http://schemas.openxmlformats.org/drawingml/2006/main" xmlns:r="http://schemas.openxmlformats.org/officeDocument/2006/relationships" xmlns:p="http://schemas.openxmlformats.org/presentationml/2006/main">
   <p:cSld>
     <p:spTree>
@@ -7645,7 +7378,7 @@
           <p:cNvPr id="2" name="Titel 1">
             <a:extLst>
               <a:ext uri="{FF2B5EF4-FFF2-40B4-BE49-F238E27FC236}">
-                <a16:creationId xmlns:a16="http://schemas.microsoft.com/office/drawing/2014/main" id="{EDC1F2ED-B8ED-4300-B557-C9A137B6D572}"/>
+                <a16:creationId xmlns:a16="http://schemas.microsoft.com/office/drawing/2014/main" id="{BDEBBD1B-5604-4C3F-B34C-22D02BB3B57A}"/>
               </a:ext>
             </a:extLst>
           </p:cNvPr>
@@ -7663,17 +7396,17 @@
           <a:p>
             <a:r>
               <a:rPr lang="de-DE" dirty="0"/>
-              <a:t>Fazit</a:t>
-            </a:r>
-          </a:p>
-        </p:txBody>
-      </p:sp>
-      <p:sp>
-        <p:nvSpPr>
-          <p:cNvPr id="6" name="Inhaltsplatzhalter 5">
-            <a:extLst>
-              <a:ext uri="{FF2B5EF4-FFF2-40B4-BE49-F238E27FC236}">
-                <a16:creationId xmlns:a16="http://schemas.microsoft.com/office/drawing/2014/main" id="{AF793492-5C1F-49E6-BE3A-3055B7A22EB7}"/>
+              <a:t>Inhalt</a:t>
+            </a:r>
+          </a:p>
+        </p:txBody>
+      </p:sp>
+      <p:sp>
+        <p:nvSpPr>
+          <p:cNvPr id="3" name="Inhaltsplatzhalter 2">
+            <a:extLst>
+              <a:ext uri="{FF2B5EF4-FFF2-40B4-BE49-F238E27FC236}">
+                <a16:creationId xmlns:a16="http://schemas.microsoft.com/office/drawing/2014/main" id="{A86B45DA-DF66-4B65-AE36-ACC26DE96D41}"/>
               </a:ext>
             </a:extLst>
           </p:cNvPr>
@@ -7698,6 +7431,165 @@
             <a:pPr lvl="1"/>
             <a:r>
               <a:rPr lang="de-DE" dirty="0"/>
+              <a:t>Bestimmung der Resonanzfrequenz/ Güte</a:t>
+            </a:r>
+          </a:p>
+          <a:p>
+            <a:r>
+              <a:rPr lang="de-DE" dirty="0"/>
+              <a:t>Parallelschwingkreis</a:t>
+            </a:r>
+          </a:p>
+          <a:p>
+            <a:pPr lvl="1"/>
+            <a:r>
+              <a:rPr lang="de-DE" dirty="0"/>
+              <a:t>Resonanzfrequenz/Güte</a:t>
+            </a:r>
+          </a:p>
+          <a:p>
+            <a:pPr lvl="1"/>
+            <a:r>
+              <a:rPr lang="de-DE" dirty="0"/>
+              <a:t>Impedanz</a:t>
+            </a:r>
+          </a:p>
+          <a:p>
+            <a:r>
+              <a:rPr lang="de-DE" dirty="0"/>
+              <a:t>Hoch-/Tiefpass:</a:t>
+            </a:r>
+          </a:p>
+          <a:p>
+            <a:pPr lvl="1"/>
+            <a:r>
+              <a:rPr lang="de-DE" dirty="0"/>
+              <a:t>Bestimmung der Grenzfrequenz</a:t>
+            </a:r>
+          </a:p>
+          <a:p>
+            <a:pPr lvl="1"/>
+            <a:endParaRPr lang="de-DE" dirty="0"/>
+          </a:p>
+        </p:txBody>
+      </p:sp>
+      <p:sp>
+        <p:nvSpPr>
+          <p:cNvPr id="4" name="Foliennummernplatzhalter 3">
+            <a:extLst>
+              <a:ext uri="{FF2B5EF4-FFF2-40B4-BE49-F238E27FC236}">
+                <a16:creationId xmlns:a16="http://schemas.microsoft.com/office/drawing/2014/main" id="{BAC7053E-5303-4355-81D1-A82D72D22EE3}"/>
+              </a:ext>
+            </a:extLst>
+          </p:cNvPr>
+          <p:cNvSpPr>
+            <a:spLocks noGrp="1"/>
+          </p:cNvSpPr>
+          <p:nvPr>
+            <p:ph type="sldNum" sz="quarter" idx="12"/>
+          </p:nvPr>
+        </p:nvSpPr>
+        <p:spPr/>
+        <p:txBody>
+          <a:bodyPr/>
+          <a:lstStyle/>
+          <a:p>
+            <a:fld id="{E276D0E3-8A91-4195-9D97-D4903B6F688B}" type="slidenum">
+              <a:rPr lang="de-DE" smtClean="0"/>
+              <a:t>2</a:t>
+            </a:fld>
+            <a:endParaRPr lang="de-DE"/>
+          </a:p>
+        </p:txBody>
+      </p:sp>
+    </p:spTree>
+    <p:extLst>
+      <p:ext uri="{BB962C8B-B14F-4D97-AF65-F5344CB8AC3E}">
+        <p14:creationId xmlns:p14="http://schemas.microsoft.com/office/powerpoint/2010/main" val="1002867433"/>
+      </p:ext>
+    </p:extLst>
+  </p:cSld>
+  <p:clrMapOvr>
+    <a:masterClrMapping/>
+  </p:clrMapOvr>
+</p:sld>
+</file>
+
+<file path=ppt/slides/slide20.xml><?xml version="1.0" encoding="utf-8"?>
+<p:sld xmlns:a="http://schemas.openxmlformats.org/drawingml/2006/main" xmlns:r="http://schemas.openxmlformats.org/officeDocument/2006/relationships" xmlns:p="http://schemas.openxmlformats.org/presentationml/2006/main">
+  <p:cSld>
+    <p:spTree>
+      <p:nvGrpSpPr>
+        <p:cNvPr id="1" name=""/>
+        <p:cNvGrpSpPr/>
+        <p:nvPr/>
+      </p:nvGrpSpPr>
+      <p:grpSpPr>
+        <a:xfrm>
+          <a:off x="0" y="0"/>
+          <a:ext cx="0" cy="0"/>
+          <a:chOff x="0" y="0"/>
+          <a:chExt cx="0" cy="0"/>
+        </a:xfrm>
+      </p:grpSpPr>
+      <p:sp>
+        <p:nvSpPr>
+          <p:cNvPr id="2" name="Titel 1">
+            <a:extLst>
+              <a:ext uri="{FF2B5EF4-FFF2-40B4-BE49-F238E27FC236}">
+                <a16:creationId xmlns:a16="http://schemas.microsoft.com/office/drawing/2014/main" id="{EDC1F2ED-B8ED-4300-B557-C9A137B6D572}"/>
+              </a:ext>
+            </a:extLst>
+          </p:cNvPr>
+          <p:cNvSpPr>
+            <a:spLocks noGrp="1"/>
+          </p:cNvSpPr>
+          <p:nvPr>
+            <p:ph type="title"/>
+          </p:nvPr>
+        </p:nvSpPr>
+        <p:spPr/>
+        <p:txBody>
+          <a:bodyPr/>
+          <a:lstStyle/>
+          <a:p>
+            <a:r>
+              <a:rPr lang="de-DE" dirty="0"/>
+              <a:t>Fazit</a:t>
+            </a:r>
+          </a:p>
+        </p:txBody>
+      </p:sp>
+      <p:sp>
+        <p:nvSpPr>
+          <p:cNvPr id="6" name="Inhaltsplatzhalter 5">
+            <a:extLst>
+              <a:ext uri="{FF2B5EF4-FFF2-40B4-BE49-F238E27FC236}">
+                <a16:creationId xmlns:a16="http://schemas.microsoft.com/office/drawing/2014/main" id="{AF793492-5C1F-49E6-BE3A-3055B7A22EB7}"/>
+              </a:ext>
+            </a:extLst>
+          </p:cNvPr>
+          <p:cNvSpPr>
+            <a:spLocks noGrp="1"/>
+          </p:cNvSpPr>
+          <p:nvPr>
+            <p:ph idx="1"/>
+          </p:nvPr>
+        </p:nvSpPr>
+        <p:spPr/>
+        <p:txBody>
+          <a:bodyPr/>
+          <a:lstStyle/>
+          <a:p>
+            <a:r>
+              <a:rPr lang="de-DE" dirty="0"/>
+              <a:t>Serienschwingkreis</a:t>
+            </a:r>
+          </a:p>
+          <a:p>
+            <a:pPr lvl="1"/>
+            <a:r>
+              <a:rPr lang="de-DE" dirty="0"/>
               <a:t>Genauigkeit der Güte je nach Verfahren zwischen 0.5% und 5%</a:t>
             </a:r>
           </a:p>
@@ -7732,7 +7624,7 @@
             <a:pPr lvl="1"/>
             <a:r>
               <a:rPr lang="de-DE" dirty="0"/>
-              <a:t>Übereinstimmung innerhalb der Fehler</a:t>
+              <a:t>Übereinstimmung der Güte innerhalb der Fehler</a:t>
             </a:r>
           </a:p>
           <a:p>
@@ -7792,7 +7684,7 @@
           <a:p>
             <a:fld id="{E276D0E3-8A91-4195-9D97-D4903B6F688B}" type="slidenum">
               <a:rPr lang="de-DE" smtClean="0"/>
-              <a:t>21</a:t>
+              <a:t>20</a:t>
             </a:fld>
             <a:endParaRPr lang="de-DE"/>
           </a:p>
@@ -8552,44 +8444,8 @@
           </a:p>
         </p:txBody>
       </p:sp>
-      <p:pic>
-        <p:nvPicPr>
-          <p:cNvPr id="10" name="Grafik 9">
-            <a:extLst>
-              <a:ext uri="{FF2B5EF4-FFF2-40B4-BE49-F238E27FC236}">
-                <a16:creationId xmlns:a16="http://schemas.microsoft.com/office/drawing/2014/main" id="{6A269266-040B-4A73-943F-7C21DB782140}"/>
-              </a:ext>
-            </a:extLst>
-          </p:cNvPr>
-          <p:cNvPicPr>
-            <a:picLocks noChangeAspect="1"/>
-          </p:cNvPicPr>
-          <p:nvPr/>
-        </p:nvPicPr>
-        <p:blipFill>
-          <a:blip r:embed="rId2">
-            <a:extLst>
-              <a:ext uri="{28A0092B-C50C-407E-A947-70E740481C1C}">
-                <a14:useLocalDpi xmlns:a14="http://schemas.microsoft.com/office/drawing/2010/main" val="0"/>
-              </a:ext>
-            </a:extLst>
-          </a:blip>
-          <a:stretch>
-            <a:fillRect/>
-          </a:stretch>
-        </p:blipFill>
-        <p:spPr>
-          <a:xfrm>
-            <a:off x="6542844" y="1761293"/>
-            <a:ext cx="5505958" cy="4112262"/>
-          </a:xfrm>
-          <a:prstGeom prst="rect">
-            <a:avLst/>
-          </a:prstGeom>
-        </p:spPr>
-      </p:pic>
-      <mc:AlternateContent xmlns:mc="http://schemas.openxmlformats.org/markup-compatibility/2006">
-        <mc:Choice xmlns:a14="http://schemas.microsoft.com/office/drawing/2010/main" Requires="a14">
+      <mc:AlternateContent xmlns:mc="http://schemas.openxmlformats.org/markup-compatibility/2006" xmlns:a14="http://schemas.microsoft.com/office/drawing/2010/main">
+        <mc:Choice Requires="a14">
           <p:sp>
             <p:nvSpPr>
               <p:cNvPr id="3" name="Textfeld 2">
@@ -8747,7 +8603,7 @@
             </p:txBody>
           </p:sp>
         </mc:Choice>
-        <mc:Fallback>
+        <mc:Fallback xmlns="">
           <p:sp>
             <p:nvSpPr>
               <p:cNvPr id="3" name="Textfeld 2">
@@ -8828,6 +8684,42 @@
           </a:prstGeom>
         </p:spPr>
       </p:pic>
+      <p:pic>
+        <p:nvPicPr>
+          <p:cNvPr id="7" name="Grafik 6">
+            <a:extLst>
+              <a:ext uri="{FF2B5EF4-FFF2-40B4-BE49-F238E27FC236}">
+                <a16:creationId xmlns:a16="http://schemas.microsoft.com/office/drawing/2014/main" id="{2A9FD33A-7CF6-4816-BB17-89995AA1B1CB}"/>
+              </a:ext>
+            </a:extLst>
+          </p:cNvPr>
+          <p:cNvPicPr>
+            <a:picLocks noChangeAspect="1"/>
+          </p:cNvPicPr>
+          <p:nvPr/>
+        </p:nvPicPr>
+        <p:blipFill>
+          <a:blip r:embed="rId5">
+            <a:extLst>
+              <a:ext uri="{28A0092B-C50C-407E-A947-70E740481C1C}">
+                <a14:useLocalDpi xmlns:a14="http://schemas.microsoft.com/office/drawing/2010/main" val="0"/>
+              </a:ext>
+            </a:extLst>
+          </a:blip>
+          <a:stretch>
+            <a:fillRect/>
+          </a:stretch>
+        </p:blipFill>
+        <p:spPr>
+          <a:xfrm>
+            <a:off x="6277684" y="1501032"/>
+            <a:ext cx="5852172" cy="4370841"/>
+          </a:xfrm>
+          <a:prstGeom prst="rect">
+            <a:avLst/>
+          </a:prstGeom>
+        </p:spPr>
+      </p:pic>
     </p:spTree>
     <p:extLst>
       <p:ext uri="{BB962C8B-B14F-4D97-AF65-F5344CB8AC3E}">
@@ -8956,8 +8848,8 @@
           </a:prstGeom>
         </p:spPr>
       </p:pic>
-      <mc:AlternateContent xmlns:mc="http://schemas.openxmlformats.org/markup-compatibility/2006">
-        <mc:Choice xmlns:a14="http://schemas.microsoft.com/office/drawing/2010/main" Requires="a14">
+      <mc:AlternateContent xmlns:mc="http://schemas.openxmlformats.org/markup-compatibility/2006" xmlns:a14="http://schemas.microsoft.com/office/drawing/2010/main">
+        <mc:Choice Requires="a14">
           <p:sp>
             <p:nvSpPr>
               <p:cNvPr id="3" name="Textfeld 2">
@@ -9184,7 +9076,7 @@
             </p:txBody>
           </p:sp>
         </mc:Choice>
-        <mc:Fallback>
+        <mc:Fallback xmlns="">
           <p:sp>
             <p:nvSpPr>
               <p:cNvPr id="3" name="Textfeld 2">
@@ -9318,7 +9210,7 @@
           <a:p>
             <a:r>
               <a:rPr lang="de-DE" dirty="0"/>
-              <a:t>Zusammenfassung Serienkreis</a:t>
+              <a:t>Zusammenfassung Serienschwingkreis</a:t>
             </a:r>
           </a:p>
         </p:txBody>
@@ -9353,7 +9245,7 @@
         </p:blipFill>
         <p:spPr>
           <a:xfrm>
-            <a:off x="838200" y="2993372"/>
+            <a:off x="838200" y="3574041"/>
             <a:ext cx="9745772" cy="2964871"/>
           </a:xfrm>
         </p:spPr>
@@ -9387,41 +9279,179 @@
           </a:p>
         </p:txBody>
       </p:sp>
-      <p:sp>
-        <p:nvSpPr>
-          <p:cNvPr id="7" name="Textfeld 6">
-            <a:extLst>
-              <a:ext uri="{FF2B5EF4-FFF2-40B4-BE49-F238E27FC236}">
-                <a16:creationId xmlns:a16="http://schemas.microsoft.com/office/drawing/2014/main" id="{728B8089-FB50-48C0-8C17-39ADB7FB3333}"/>
-              </a:ext>
-            </a:extLst>
-          </p:cNvPr>
-          <p:cNvSpPr txBox="1"/>
-          <p:nvPr/>
-        </p:nvSpPr>
-        <p:spPr>
-          <a:xfrm>
-            <a:off x="838200" y="2133600"/>
-            <a:ext cx="9168664" cy="461665"/>
-          </a:xfrm>
-          <a:prstGeom prst="rect">
-            <a:avLst/>
-          </a:prstGeom>
-          <a:noFill/>
-        </p:spPr>
-        <p:txBody>
-          <a:bodyPr wrap="none" rtlCol="0">
-            <a:spAutoFit/>
-          </a:bodyPr>
-          <a:lstStyle/>
-          <a:p>
-            <a:r>
-              <a:rPr lang="de-DE" sz="2400" dirty="0"/>
-              <a:t>- Größtenteils Übereinstimmung der Messwerte im Rahmen ihrer Fehler</a:t>
-            </a:r>
-          </a:p>
-        </p:txBody>
-      </p:sp>
+      <mc:AlternateContent xmlns:mc="http://schemas.openxmlformats.org/markup-compatibility/2006" xmlns:a14="http://schemas.microsoft.com/office/drawing/2010/main">
+        <mc:Choice Requires="a14">
+          <p:sp>
+            <p:nvSpPr>
+              <p:cNvPr id="7" name="Textfeld 6">
+                <a:extLst>
+                  <a:ext uri="{FF2B5EF4-FFF2-40B4-BE49-F238E27FC236}">
+                    <a16:creationId xmlns:a16="http://schemas.microsoft.com/office/drawing/2014/main" id="{728B8089-FB50-48C0-8C17-39ADB7FB3333}"/>
+                  </a:ext>
+                </a:extLst>
+              </p:cNvPr>
+              <p:cNvSpPr txBox="1"/>
+              <p:nvPr/>
+            </p:nvSpPr>
+            <p:spPr>
+              <a:xfrm>
+                <a:off x="838200" y="2133600"/>
+                <a:ext cx="9351406" cy="1213217"/>
+              </a:xfrm>
+              <a:prstGeom prst="rect">
+                <a:avLst/>
+              </a:prstGeom>
+              <a:noFill/>
+            </p:spPr>
+            <p:txBody>
+              <a:bodyPr wrap="none" rtlCol="0">
+                <a:spAutoFit/>
+              </a:bodyPr>
+              <a:lstStyle/>
+              <a:p>
+                <a:pPr marL="342900" indent="-342900">
+                  <a:buFont typeface="Arial" panose="020B0604020202020204" pitchFamily="34" charset="0"/>
+                  <a:buChar char="•"/>
+                </a:pPr>
+                <a14:m>
+                  <m:oMath xmlns:m="http://schemas.openxmlformats.org/officeDocument/2006/math">
+                    <m:r>
+                      <a:rPr lang="de-DE" sz="2400" b="0" i="1" smtClean="0">
+                        <a:latin typeface="Cambria Math" panose="02040503050406030204" pitchFamily="18" charset="0"/>
+                      </a:rPr>
+                      <m:t>𝑄</m:t>
+                    </m:r>
+                    <m:r>
+                      <a:rPr lang="de-DE" sz="2400" b="0" i="1" smtClean="0">
+                        <a:latin typeface="Cambria Math" panose="02040503050406030204" pitchFamily="18" charset="0"/>
+                      </a:rPr>
+                      <m:t>= </m:t>
+                    </m:r>
+                    <m:f>
+                      <m:fPr>
+                        <m:ctrlPr>
+                          <a:rPr lang="de-DE" sz="2400" b="0" i="1" smtClean="0">
+                            <a:latin typeface="Cambria Math" panose="02040503050406030204" pitchFamily="18" charset="0"/>
+                          </a:rPr>
+                        </m:ctrlPr>
+                      </m:fPr>
+                      <m:num>
+                        <m:r>
+                          <a:rPr lang="de-DE" sz="2400" b="0" i="1" smtClean="0">
+                            <a:latin typeface="Cambria Math" panose="02040503050406030204" pitchFamily="18" charset="0"/>
+                          </a:rPr>
+                          <m:t>1</m:t>
+                        </m:r>
+                      </m:num>
+                      <m:den>
+                        <m:r>
+                          <a:rPr lang="de-DE" sz="2400" b="0" i="1" smtClean="0">
+                            <a:latin typeface="Cambria Math" panose="02040503050406030204" pitchFamily="18" charset="0"/>
+                          </a:rPr>
+                          <m:t>𝑅</m:t>
+                        </m:r>
+                      </m:den>
+                    </m:f>
+                    <m:rad>
+                      <m:radPr>
+                        <m:degHide m:val="on"/>
+                        <m:ctrlPr>
+                          <a:rPr lang="de-DE" sz="2400" b="0" i="1" smtClean="0">
+                            <a:latin typeface="Cambria Math" panose="02040503050406030204" pitchFamily="18" charset="0"/>
+                          </a:rPr>
+                        </m:ctrlPr>
+                      </m:radPr>
+                      <m:deg/>
+                      <m:e>
+                        <m:f>
+                          <m:fPr>
+                            <m:ctrlPr>
+                              <a:rPr lang="de-DE" sz="2400" b="0" i="1" smtClean="0">
+                                <a:latin typeface="Cambria Math" panose="02040503050406030204" pitchFamily="18" charset="0"/>
+                              </a:rPr>
+                            </m:ctrlPr>
+                          </m:fPr>
+                          <m:num>
+                            <m:r>
+                              <a:rPr lang="de-DE" sz="2400" b="0" i="1" smtClean="0">
+                                <a:latin typeface="Cambria Math" panose="02040503050406030204" pitchFamily="18" charset="0"/>
+                              </a:rPr>
+                              <m:t>𝐿</m:t>
+                            </m:r>
+                          </m:num>
+                          <m:den>
+                            <m:r>
+                              <a:rPr lang="de-DE" sz="2400" b="0" i="1" smtClean="0">
+                                <a:latin typeface="Cambria Math" panose="02040503050406030204" pitchFamily="18" charset="0"/>
+                              </a:rPr>
+                              <m:t>𝐶</m:t>
+                            </m:r>
+                          </m:den>
+                        </m:f>
+                      </m:e>
+                    </m:rad>
+                  </m:oMath>
+                </a14:m>
+                <a:endParaRPr lang="de-DE" sz="2400" dirty="0"/>
+              </a:p>
+              <a:p>
+                <a:pPr marL="342900" indent="-342900">
+                  <a:buFont typeface="Arial" panose="020B0604020202020204" pitchFamily="34" charset="0"/>
+                  <a:buChar char="•"/>
+                </a:pPr>
+                <a:r>
+                  <a:rPr lang="de-DE" sz="2400" dirty="0"/>
+                  <a:t>Größtenteils Übereinstimmung der Messwerte im Rahmen ihrer Fehler</a:t>
+                </a:r>
+              </a:p>
+            </p:txBody>
+          </p:sp>
+        </mc:Choice>
+        <mc:Fallback xmlns="">
+          <p:sp>
+            <p:nvSpPr>
+              <p:cNvPr id="7" name="Textfeld 6">
+                <a:extLst>
+                  <a:ext uri="{FF2B5EF4-FFF2-40B4-BE49-F238E27FC236}">
+                    <a16:creationId xmlns:a16="http://schemas.microsoft.com/office/drawing/2014/main" id="{728B8089-FB50-48C0-8C17-39ADB7FB3333}"/>
+                  </a:ext>
+                </a:extLst>
+              </p:cNvPr>
+              <p:cNvSpPr txBox="1">
+                <a:spLocks noRot="1" noChangeAspect="1" noMove="1" noResize="1" noEditPoints="1" noAdjustHandles="1" noChangeArrowheads="1" noChangeShapeType="1" noTextEdit="1"/>
+              </p:cNvSpPr>
+              <p:nvPr/>
+            </p:nvSpPr>
+            <p:spPr>
+              <a:xfrm>
+                <a:off x="838200" y="2133600"/>
+                <a:ext cx="9351406" cy="1213217"/>
+              </a:xfrm>
+              <a:prstGeom prst="rect">
+                <a:avLst/>
+              </a:prstGeom>
+              <a:blipFill>
+                <a:blip r:embed="rId3"/>
+                <a:stretch>
+                  <a:fillRect l="-913" b="-10553"/>
+                </a:stretch>
+              </a:blipFill>
+            </p:spPr>
+            <p:txBody>
+              <a:bodyPr/>
+              <a:lstStyle/>
+              <a:p>
+                <a:r>
+                  <a:rPr lang="de-DE">
+                    <a:noFill/>
+                  </a:rPr>
+                  <a:t> </a:t>
+                </a:r>
+              </a:p>
+            </p:txBody>
+          </p:sp>
+        </mc:Fallback>
+      </mc:AlternateContent>
     </p:spTree>
     <p:extLst>
       <p:ext uri="{BB962C8B-B14F-4D97-AF65-F5344CB8AC3E}">
